--- a/Praesentation/Präsentation_Tim.pptx
+++ b/Praesentation/Präsentation_Tim.pptx
@@ -5,20 +5,25 @@
     <p:sldMasterId id="2147483648" r:id="rId1"/>
   </p:sldMasterIdLst>
   <p:notesMasterIdLst>
-    <p:notesMasterId r:id="rId13"/>
+    <p:notesMasterId r:id="rId18"/>
   </p:notesMasterIdLst>
   <p:sldIdLst>
     <p:sldId id="256" r:id="rId2"/>
     <p:sldId id="267" r:id="rId3"/>
     <p:sldId id="262" r:id="rId4"/>
     <p:sldId id="261" r:id="rId5"/>
-    <p:sldId id="260" r:id="rId6"/>
-    <p:sldId id="264" r:id="rId7"/>
-    <p:sldId id="265" r:id="rId8"/>
-    <p:sldId id="258" r:id="rId9"/>
-    <p:sldId id="266" r:id="rId10"/>
-    <p:sldId id="259" r:id="rId11"/>
-    <p:sldId id="263" r:id="rId12"/>
+    <p:sldId id="264" r:id="rId6"/>
+    <p:sldId id="265" r:id="rId7"/>
+    <p:sldId id="258" r:id="rId8"/>
+    <p:sldId id="266" r:id="rId9"/>
+    <p:sldId id="268" r:id="rId10"/>
+    <p:sldId id="269" r:id="rId11"/>
+    <p:sldId id="270" r:id="rId12"/>
+    <p:sldId id="271" r:id="rId13"/>
+    <p:sldId id="259" r:id="rId14"/>
+    <p:sldId id="263" r:id="rId15"/>
+    <p:sldId id="272" r:id="rId16"/>
+    <p:sldId id="273" r:id="rId17"/>
   </p:sldIdLst>
   <p:sldSz cx="12192000" cy="6858000"/>
   <p:notesSz cx="6858000" cy="9144000"/>
@@ -127,7 +132,7 @@
 
 <file path=ppt/commentAuthors.xml><?xml version="1.0" encoding="utf-8"?>
 <p:cmAuthorLst xmlns:a="http://schemas.openxmlformats.org/drawingml/2006/main" xmlns:r="http://schemas.openxmlformats.org/officeDocument/2006/relationships" xmlns:p="http://schemas.openxmlformats.org/presentationml/2006/main">
-  <p:cmAuthor id="1" name="Tim Böckel" initials="TB" lastIdx="7" clrIdx="0">
+  <p:cmAuthor id="1" name="Tim Böckel" initials="TB" lastIdx="8" clrIdx="0">
     <p:extLst>
       <p:ext uri="{19B8F6BF-5375-455C-9EA6-DF929625EA0E}">
         <p15:presenceInfo xmlns:p15="http://schemas.microsoft.com/office/powerpoint/2012/main" userId="139bf3991ca47324" providerId="Windows Live"/>
@@ -140,7 +145,7 @@
 <file path=ppt/revisionInfo.xml><?xml version="1.0" encoding="utf-8"?>
 <p1510:revInfo xmlns:a="http://schemas.openxmlformats.org/drawingml/2006/main" xmlns:r="http://schemas.openxmlformats.org/officeDocument/2006/relationships" xmlns:p1510="http://schemas.microsoft.com/office/powerpoint/2015/10/main">
   <p1510:revLst>
-    <p1510:client id="{ABE0A911-5BA5-4D41-B116-458700B76195}" v="26" dt="2021-06-05T08:58:45.678"/>
+    <p1510:client id="{F23E6AC7-6F80-426C-8EA5-4E59630F2B8F}" v="23" dt="2021-06-06T15:00:43.025"/>
   </p1510:revLst>
 </p1510:revInfo>
 </file>
@@ -924,6 +929,550 @@
             <ac:picMk id="8" creationId="{71345C35-956C-44B6-93CE-A7F14FA6BDB7}"/>
           </ac:picMkLst>
         </pc:picChg>
+      </pc:sldChg>
+    </pc:docChg>
+  </pc:docChgLst>
+  <pc:docChgLst>
+    <pc:chgData name="Tim Böckel" userId="139bf3991ca47324" providerId="LiveId" clId="{F23E6AC7-6F80-426C-8EA5-4E59630F2B8F}"/>
+    <pc:docChg chg="undo custSel addSld delSld modSld">
+      <pc:chgData name="Tim Böckel" userId="139bf3991ca47324" providerId="LiveId" clId="{F23E6AC7-6F80-426C-8EA5-4E59630F2B8F}" dt="2021-06-06T15:00:33.333" v="671"/>
+      <pc:docMkLst>
+        <pc:docMk/>
+      </pc:docMkLst>
+      <pc:sldChg chg="delSp mod">
+        <pc:chgData name="Tim Böckel" userId="139bf3991ca47324" providerId="LiveId" clId="{F23E6AC7-6F80-426C-8EA5-4E59630F2B8F}" dt="2021-06-06T14:18:19.961" v="511" actId="478"/>
+        <pc:sldMkLst>
+          <pc:docMk/>
+          <pc:sldMk cId="180445862" sldId="256"/>
+        </pc:sldMkLst>
+        <pc:spChg chg="del">
+          <ac:chgData name="Tim Böckel" userId="139bf3991ca47324" providerId="LiveId" clId="{F23E6AC7-6F80-426C-8EA5-4E59630F2B8F}" dt="2021-06-06T14:18:19.961" v="511" actId="478"/>
+          <ac:spMkLst>
+            <pc:docMk/>
+            <pc:sldMk cId="180445862" sldId="256"/>
+            <ac:spMk id="6" creationId="{6EF0713A-87F1-4C81-8331-DD272A13DC97}"/>
+          </ac:spMkLst>
+        </pc:spChg>
+      </pc:sldChg>
+      <pc:sldChg chg="addSp delSp modSp mod setBg">
+        <pc:chgData name="Tim Böckel" userId="139bf3991ca47324" providerId="LiveId" clId="{F23E6AC7-6F80-426C-8EA5-4E59630F2B8F}" dt="2021-06-06T14:40:36.767" v="636" actId="404"/>
+        <pc:sldMkLst>
+          <pc:docMk/>
+          <pc:sldMk cId="989028442" sldId="259"/>
+        </pc:sldMkLst>
+        <pc:spChg chg="mod">
+          <ac:chgData name="Tim Böckel" userId="139bf3991ca47324" providerId="LiveId" clId="{F23E6AC7-6F80-426C-8EA5-4E59630F2B8F}" dt="2021-06-06T14:33:39.130" v="580" actId="26606"/>
+          <ac:spMkLst>
+            <pc:docMk/>
+            <pc:sldMk cId="989028442" sldId="259"/>
+            <ac:spMk id="2" creationId="{7A192B9F-EBFA-4972-A930-6BB6E58FFF3D}"/>
+          </ac:spMkLst>
+        </pc:spChg>
+        <pc:spChg chg="mod">
+          <ac:chgData name="Tim Böckel" userId="139bf3991ca47324" providerId="LiveId" clId="{F23E6AC7-6F80-426C-8EA5-4E59630F2B8F}" dt="2021-06-06T14:39:07.177" v="625" actId="1076"/>
+          <ac:spMkLst>
+            <pc:docMk/>
+            <pc:sldMk cId="989028442" sldId="259"/>
+            <ac:spMk id="3" creationId="{68AF4279-EE49-4CBE-A19A-AA481D02B38D}"/>
+          </ac:spMkLst>
+        </pc:spChg>
+        <pc:spChg chg="del mod ord">
+          <ac:chgData name="Tim Böckel" userId="139bf3991ca47324" providerId="LiveId" clId="{F23E6AC7-6F80-426C-8EA5-4E59630F2B8F}" dt="2021-06-06T14:39:54.752" v="629"/>
+          <ac:spMkLst>
+            <pc:docMk/>
+            <pc:sldMk cId="989028442" sldId="259"/>
+            <ac:spMk id="4" creationId="{EAF14A32-A629-45EB-9B55-508FBB5D14D7}"/>
+          </ac:spMkLst>
+        </pc:spChg>
+        <pc:spChg chg="add del mod">
+          <ac:chgData name="Tim Böckel" userId="139bf3991ca47324" providerId="LiveId" clId="{F23E6AC7-6F80-426C-8EA5-4E59630F2B8F}" dt="2021-06-06T14:40:36.767" v="636" actId="404"/>
+          <ac:spMkLst>
+            <pc:docMk/>
+            <pc:sldMk cId="989028442" sldId="259"/>
+            <ac:spMk id="7" creationId="{8D54A260-4F1D-4FC7-99B9-6710A955ADAB}"/>
+          </ac:spMkLst>
+        </pc:spChg>
+        <pc:spChg chg="add">
+          <ac:chgData name="Tim Böckel" userId="139bf3991ca47324" providerId="LiveId" clId="{F23E6AC7-6F80-426C-8EA5-4E59630F2B8F}" dt="2021-06-06T14:33:39.130" v="580" actId="26606"/>
+          <ac:spMkLst>
+            <pc:docMk/>
+            <pc:sldMk cId="989028442" sldId="259"/>
+            <ac:spMk id="11" creationId="{22587ECF-85E9-4393-9D87-8EB6F3F6C208}"/>
+          </ac:spMkLst>
+        </pc:spChg>
+        <pc:picChg chg="add mod">
+          <ac:chgData name="Tim Böckel" userId="139bf3991ca47324" providerId="LiveId" clId="{F23E6AC7-6F80-426C-8EA5-4E59630F2B8F}" dt="2021-06-06T14:33:39.130" v="580" actId="26606"/>
+          <ac:picMkLst>
+            <pc:docMk/>
+            <pc:sldMk cId="989028442" sldId="259"/>
+            <ac:picMk id="6" creationId="{B5E463BB-6709-4502-9835-95D112427E9A}"/>
+          </ac:picMkLst>
+        </pc:picChg>
+      </pc:sldChg>
+      <pc:sldChg chg="del">
+        <pc:chgData name="Tim Böckel" userId="139bf3991ca47324" providerId="LiveId" clId="{F23E6AC7-6F80-426C-8EA5-4E59630F2B8F}" dt="2021-06-06T14:20:16.347" v="549" actId="2696"/>
+        <pc:sldMkLst>
+          <pc:docMk/>
+          <pc:sldMk cId="1568136836" sldId="260"/>
+        </pc:sldMkLst>
+      </pc:sldChg>
+      <pc:sldChg chg="delSp modSp mod">
+        <pc:chgData name="Tim Böckel" userId="139bf3991ca47324" providerId="LiveId" clId="{F23E6AC7-6F80-426C-8EA5-4E59630F2B8F}" dt="2021-06-06T14:53:32.601" v="653"/>
+        <pc:sldMkLst>
+          <pc:docMk/>
+          <pc:sldMk cId="1665137363" sldId="261"/>
+        </pc:sldMkLst>
+        <pc:spChg chg="del mod">
+          <ac:chgData name="Tim Böckel" userId="139bf3991ca47324" providerId="LiveId" clId="{F23E6AC7-6F80-426C-8EA5-4E59630F2B8F}" dt="2021-06-06T14:53:32.601" v="653"/>
+          <ac:spMkLst>
+            <pc:docMk/>
+            <pc:sldMk cId="1665137363" sldId="261"/>
+            <ac:spMk id="6" creationId="{10997452-4696-4E3D-B00A-8488F51132DE}"/>
+          </ac:spMkLst>
+        </pc:spChg>
+      </pc:sldChg>
+      <pc:sldChg chg="delSp mod">
+        <pc:chgData name="Tim Böckel" userId="139bf3991ca47324" providerId="LiveId" clId="{F23E6AC7-6F80-426C-8EA5-4E59630F2B8F}" dt="2021-06-06T14:18:22.569" v="512" actId="478"/>
+        <pc:sldMkLst>
+          <pc:docMk/>
+          <pc:sldMk cId="3884062741" sldId="262"/>
+        </pc:sldMkLst>
+        <pc:spChg chg="del">
+          <ac:chgData name="Tim Böckel" userId="139bf3991ca47324" providerId="LiveId" clId="{F23E6AC7-6F80-426C-8EA5-4E59630F2B8F}" dt="2021-06-06T14:18:22.569" v="512" actId="478"/>
+          <ac:spMkLst>
+            <pc:docMk/>
+            <pc:sldMk cId="3884062741" sldId="262"/>
+            <ac:spMk id="6" creationId="{60506E7C-0D8A-4387-88CB-5F161EBC6FAF}"/>
+          </ac:spMkLst>
+        </pc:spChg>
+      </pc:sldChg>
+      <pc:sldChg chg="addSp modSp mod setBg">
+        <pc:chgData name="Tim Böckel" userId="139bf3991ca47324" providerId="LiveId" clId="{F23E6AC7-6F80-426C-8EA5-4E59630F2B8F}" dt="2021-06-06T14:33:30.480" v="577" actId="26606"/>
+        <pc:sldMkLst>
+          <pc:docMk/>
+          <pc:sldMk cId="3297084981" sldId="263"/>
+        </pc:sldMkLst>
+        <pc:spChg chg="mod">
+          <ac:chgData name="Tim Böckel" userId="139bf3991ca47324" providerId="LiveId" clId="{F23E6AC7-6F80-426C-8EA5-4E59630F2B8F}" dt="2021-06-06T14:33:30.480" v="577" actId="26606"/>
+          <ac:spMkLst>
+            <pc:docMk/>
+            <pc:sldMk cId="3297084981" sldId="263"/>
+            <ac:spMk id="2" creationId="{7604E352-3A07-4751-A9BF-C6AD3376B599}"/>
+          </ac:spMkLst>
+        </pc:spChg>
+        <pc:spChg chg="mod">
+          <ac:chgData name="Tim Böckel" userId="139bf3991ca47324" providerId="LiveId" clId="{F23E6AC7-6F80-426C-8EA5-4E59630F2B8F}" dt="2021-06-06T14:33:30.480" v="577" actId="26606"/>
+          <ac:spMkLst>
+            <pc:docMk/>
+            <pc:sldMk cId="3297084981" sldId="263"/>
+            <ac:spMk id="3" creationId="{002C0816-74F8-4874-87EE-C808D5CB40D1}"/>
+          </ac:spMkLst>
+        </pc:spChg>
+        <pc:spChg chg="add">
+          <ac:chgData name="Tim Böckel" userId="139bf3991ca47324" providerId="LiveId" clId="{F23E6AC7-6F80-426C-8EA5-4E59630F2B8F}" dt="2021-06-06T14:33:30.480" v="577" actId="26606"/>
+          <ac:spMkLst>
+            <pc:docMk/>
+            <pc:sldMk cId="3297084981" sldId="263"/>
+            <ac:spMk id="10" creationId="{22587ECF-85E9-4393-9D87-8EB6F3F6C208}"/>
+          </ac:spMkLst>
+        </pc:spChg>
+        <pc:picChg chg="add mod">
+          <ac:chgData name="Tim Böckel" userId="139bf3991ca47324" providerId="LiveId" clId="{F23E6AC7-6F80-426C-8EA5-4E59630F2B8F}" dt="2021-06-06T14:33:30.480" v="577" actId="26606"/>
+          <ac:picMkLst>
+            <pc:docMk/>
+            <pc:sldMk cId="3297084981" sldId="263"/>
+            <ac:picMk id="5" creationId="{B9B2E737-63B1-4ED5-8090-48708429B4B6}"/>
+          </ac:picMkLst>
+        </pc:picChg>
+      </pc:sldChg>
+      <pc:sldChg chg="modSp mod">
+        <pc:chgData name="Tim Böckel" userId="139bf3991ca47324" providerId="LiveId" clId="{F23E6AC7-6F80-426C-8EA5-4E59630F2B8F}" dt="2021-06-06T14:52:56.908" v="646" actId="255"/>
+        <pc:sldMkLst>
+          <pc:docMk/>
+          <pc:sldMk cId="1054796877" sldId="264"/>
+        </pc:sldMkLst>
+        <pc:spChg chg="mod">
+          <ac:chgData name="Tim Böckel" userId="139bf3991ca47324" providerId="LiveId" clId="{F23E6AC7-6F80-426C-8EA5-4E59630F2B8F}" dt="2021-06-06T14:52:56.908" v="646" actId="255"/>
+          <ac:spMkLst>
+            <pc:docMk/>
+            <pc:sldMk cId="1054796877" sldId="264"/>
+            <ac:spMk id="4" creationId="{F2778520-16A5-442E-8B6F-13AB50F62432}"/>
+          </ac:spMkLst>
+        </pc:spChg>
+      </pc:sldChg>
+      <pc:sldChg chg="addSp delSp modSp mod">
+        <pc:chgData name="Tim Böckel" userId="139bf3991ca47324" providerId="LiveId" clId="{F23E6AC7-6F80-426C-8EA5-4E59630F2B8F}" dt="2021-06-06T14:53:04.827" v="650"/>
+        <pc:sldMkLst>
+          <pc:docMk/>
+          <pc:sldMk cId="979458214" sldId="265"/>
+        </pc:sldMkLst>
+        <pc:spChg chg="del mod">
+          <ac:chgData name="Tim Böckel" userId="139bf3991ca47324" providerId="LiveId" clId="{F23E6AC7-6F80-426C-8EA5-4E59630F2B8F}" dt="2021-06-06T14:53:04.530" v="649" actId="478"/>
+          <ac:spMkLst>
+            <pc:docMk/>
+            <pc:sldMk cId="979458214" sldId="265"/>
+            <ac:spMk id="4" creationId="{F20ECE82-4680-45C4-8768-DFC0CDF03884}"/>
+          </ac:spMkLst>
+        </pc:spChg>
+        <pc:spChg chg="add del mod">
+          <ac:chgData name="Tim Böckel" userId="139bf3991ca47324" providerId="LiveId" clId="{F23E6AC7-6F80-426C-8EA5-4E59630F2B8F}" dt="2021-06-06T14:53:03.358" v="648"/>
+          <ac:spMkLst>
+            <pc:docMk/>
+            <pc:sldMk cId="979458214" sldId="265"/>
+            <ac:spMk id="6" creationId="{5C96750D-D30A-43DE-955D-5A5F80CB27C8}"/>
+          </ac:spMkLst>
+        </pc:spChg>
+        <pc:spChg chg="add mod">
+          <ac:chgData name="Tim Böckel" userId="139bf3991ca47324" providerId="LiveId" clId="{F23E6AC7-6F80-426C-8EA5-4E59630F2B8F}" dt="2021-06-06T14:53:04.827" v="650"/>
+          <ac:spMkLst>
+            <pc:docMk/>
+            <pc:sldMk cId="979458214" sldId="265"/>
+            <ac:spMk id="7" creationId="{163356FB-8450-43EE-B42D-F347717A41C6}"/>
+          </ac:spMkLst>
+        </pc:spChg>
+      </pc:sldChg>
+      <pc:sldChg chg="delSp modSp mod">
+        <pc:chgData name="Tim Böckel" userId="139bf3991ca47324" providerId="LiveId" clId="{F23E6AC7-6F80-426C-8EA5-4E59630F2B8F}" dt="2021-06-06T14:54:22.144" v="660"/>
+        <pc:sldMkLst>
+          <pc:docMk/>
+          <pc:sldMk cId="4153221817" sldId="267"/>
+        </pc:sldMkLst>
+        <pc:spChg chg="del">
+          <ac:chgData name="Tim Böckel" userId="139bf3991ca47324" providerId="LiveId" clId="{F23E6AC7-6F80-426C-8EA5-4E59630F2B8F}" dt="2021-06-06T14:53:47.148" v="654" actId="478"/>
+          <ac:spMkLst>
+            <pc:docMk/>
+            <pc:sldMk cId="4153221817" sldId="267"/>
+            <ac:spMk id="3" creationId="{B32C0530-AE47-4AEB-9E30-CB903D28A7BB}"/>
+          </ac:spMkLst>
+        </pc:spChg>
+        <pc:spChg chg="mod">
+          <ac:chgData name="Tim Böckel" userId="139bf3991ca47324" providerId="LiveId" clId="{F23E6AC7-6F80-426C-8EA5-4E59630F2B8F}" dt="2021-06-06T14:54:22.144" v="660"/>
+          <ac:spMkLst>
+            <pc:docMk/>
+            <pc:sldMk cId="4153221817" sldId="267"/>
+            <ac:spMk id="9" creationId="{245E1114-0D50-4F21-9E82-2A8FEE02D909}"/>
+          </ac:spMkLst>
+        </pc:spChg>
+      </pc:sldChg>
+      <pc:sldChg chg="addSp delSp modSp new mod setBg addCm">
+        <pc:chgData name="Tim Böckel" userId="139bf3991ca47324" providerId="LiveId" clId="{F23E6AC7-6F80-426C-8EA5-4E59630F2B8F}" dt="2021-06-06T14:07:43.949" v="141" actId="790"/>
+        <pc:sldMkLst>
+          <pc:docMk/>
+          <pc:sldMk cId="1622403623" sldId="268"/>
+        </pc:sldMkLst>
+        <pc:spChg chg="mod">
+          <ac:chgData name="Tim Böckel" userId="139bf3991ca47324" providerId="LiveId" clId="{F23E6AC7-6F80-426C-8EA5-4E59630F2B8F}" dt="2021-06-06T14:07:43.949" v="141" actId="790"/>
+          <ac:spMkLst>
+            <pc:docMk/>
+            <pc:sldMk cId="1622403623" sldId="268"/>
+            <ac:spMk id="2" creationId="{FF597BAC-6CF9-4073-A515-BB628891AE92}"/>
+          </ac:spMkLst>
+        </pc:spChg>
+        <pc:spChg chg="del">
+          <ac:chgData name="Tim Böckel" userId="139bf3991ca47324" providerId="LiveId" clId="{F23E6AC7-6F80-426C-8EA5-4E59630F2B8F}" dt="2021-06-06T13:59:09.342" v="14" actId="478"/>
+          <ac:spMkLst>
+            <pc:docMk/>
+            <pc:sldMk cId="1622403623" sldId="268"/>
+            <ac:spMk id="3" creationId="{A450F9FD-4E56-4213-A4F5-A1041D0EE1F0}"/>
+          </ac:spMkLst>
+        </pc:spChg>
+        <pc:spChg chg="add mod">
+          <ac:chgData name="Tim Böckel" userId="139bf3991ca47324" providerId="LiveId" clId="{F23E6AC7-6F80-426C-8EA5-4E59630F2B8F}" dt="2021-06-06T14:07:29.536" v="134" actId="14100"/>
+          <ac:spMkLst>
+            <pc:docMk/>
+            <pc:sldMk cId="1622403623" sldId="268"/>
+            <ac:spMk id="4" creationId="{EE98651D-1846-4664-86CB-10AB701FE291}"/>
+          </ac:spMkLst>
+        </pc:spChg>
+        <pc:spChg chg="add del">
+          <ac:chgData name="Tim Böckel" userId="139bf3991ca47324" providerId="LiveId" clId="{F23E6AC7-6F80-426C-8EA5-4E59630F2B8F}" dt="2021-06-06T14:06:55.079" v="119" actId="26606"/>
+          <ac:spMkLst>
+            <pc:docMk/>
+            <pc:sldMk cId="1622403623" sldId="268"/>
+            <ac:spMk id="11" creationId="{5E39A796-BE83-48B1-B33F-35C4A32AAB57}"/>
+          </ac:spMkLst>
+        </pc:spChg>
+        <pc:spChg chg="add del">
+          <ac:chgData name="Tim Böckel" userId="139bf3991ca47324" providerId="LiveId" clId="{F23E6AC7-6F80-426C-8EA5-4E59630F2B8F}" dt="2021-06-06T14:06:55.079" v="119" actId="26606"/>
+          <ac:spMkLst>
+            <pc:docMk/>
+            <pc:sldMk cId="1622403623" sldId="268"/>
+            <ac:spMk id="13" creationId="{72F84B47-E267-4194-8194-831DB7B5547F}"/>
+          </ac:spMkLst>
+        </pc:spChg>
+        <pc:spChg chg="add del">
+          <ac:chgData name="Tim Böckel" userId="139bf3991ca47324" providerId="LiveId" clId="{F23E6AC7-6F80-426C-8EA5-4E59630F2B8F}" dt="2021-06-06T14:07:04.264" v="122" actId="26606"/>
+          <ac:spMkLst>
+            <pc:docMk/>
+            <pc:sldMk cId="1622403623" sldId="268"/>
+            <ac:spMk id="18" creationId="{22587ECF-85E9-4393-9D87-8EB6F3F6C208}"/>
+          </ac:spMkLst>
+        </pc:spChg>
+        <pc:spChg chg="add">
+          <ac:chgData name="Tim Böckel" userId="139bf3991ca47324" providerId="LiveId" clId="{F23E6AC7-6F80-426C-8EA5-4E59630F2B8F}" dt="2021-06-06T14:07:04.264" v="122" actId="26606"/>
+          <ac:spMkLst>
+            <pc:docMk/>
+            <pc:sldMk cId="1622403623" sldId="268"/>
+            <ac:spMk id="23" creationId="{D19BB8BE-1351-4D9B-B761-F84A0B5B6519}"/>
+          </ac:spMkLst>
+        </pc:spChg>
+        <pc:picChg chg="add mod">
+          <ac:chgData name="Tim Böckel" userId="139bf3991ca47324" providerId="LiveId" clId="{F23E6AC7-6F80-426C-8EA5-4E59630F2B8F}" dt="2021-06-06T14:07:31.099" v="135" actId="1076"/>
+          <ac:picMkLst>
+            <pc:docMk/>
+            <pc:sldMk cId="1622403623" sldId="268"/>
+            <ac:picMk id="6" creationId="{5A233545-5E78-40BF-888B-FD51E0D7CEA7}"/>
+          </ac:picMkLst>
+        </pc:picChg>
+      </pc:sldChg>
+      <pc:sldChg chg="addSp delSp modSp new del mod">
+        <pc:chgData name="Tim Böckel" userId="139bf3991ca47324" providerId="LiveId" clId="{F23E6AC7-6F80-426C-8EA5-4E59630F2B8F}" dt="2021-06-06T14:08:58.436" v="181" actId="2696"/>
+        <pc:sldMkLst>
+          <pc:docMk/>
+          <pc:sldMk cId="3570985426" sldId="269"/>
+        </pc:sldMkLst>
+        <pc:spChg chg="del">
+          <ac:chgData name="Tim Böckel" userId="139bf3991ca47324" providerId="LiveId" clId="{F23E6AC7-6F80-426C-8EA5-4E59630F2B8F}" dt="2021-06-06T14:07:50.259" v="143" actId="478"/>
+          <ac:spMkLst>
+            <pc:docMk/>
+            <pc:sldMk cId="3570985426" sldId="269"/>
+            <ac:spMk id="2" creationId="{7260FF13-6C9F-424F-A51B-9716FAACD7F9}"/>
+          </ac:spMkLst>
+        </pc:spChg>
+        <pc:spChg chg="del">
+          <ac:chgData name="Tim Böckel" userId="139bf3991ca47324" providerId="LiveId" clId="{F23E6AC7-6F80-426C-8EA5-4E59630F2B8F}" dt="2021-06-06T14:07:51.200" v="144" actId="478"/>
+          <ac:spMkLst>
+            <pc:docMk/>
+            <pc:sldMk cId="3570985426" sldId="269"/>
+            <ac:spMk id="3" creationId="{B27B290D-F22C-4544-AFF8-2BA5B1260152}"/>
+          </ac:spMkLst>
+        </pc:spChg>
+        <pc:spChg chg="add mod">
+          <ac:chgData name="Tim Böckel" userId="139bf3991ca47324" providerId="LiveId" clId="{F23E6AC7-6F80-426C-8EA5-4E59630F2B8F}" dt="2021-06-06T14:08:53.585" v="179" actId="1076"/>
+          <ac:spMkLst>
+            <pc:docMk/>
+            <pc:sldMk cId="3570985426" sldId="269"/>
+            <ac:spMk id="4" creationId="{6CCCF1C0-4AD0-49F2-A932-30EC74B3C26B}"/>
+          </ac:spMkLst>
+        </pc:spChg>
+      </pc:sldChg>
+      <pc:sldChg chg="addSp delSp modSp new mod">
+        <pc:chgData name="Tim Böckel" userId="139bf3991ca47324" providerId="LiveId" clId="{F23E6AC7-6F80-426C-8EA5-4E59630F2B8F}" dt="2021-06-06T14:21:12.528" v="554" actId="20577"/>
+        <pc:sldMkLst>
+          <pc:docMk/>
+          <pc:sldMk cId="3896673891" sldId="269"/>
+        </pc:sldMkLst>
+        <pc:spChg chg="mod">
+          <ac:chgData name="Tim Böckel" userId="139bf3991ca47324" providerId="LiveId" clId="{F23E6AC7-6F80-426C-8EA5-4E59630F2B8F}" dt="2021-06-06T14:09:14.314" v="222" actId="122"/>
+          <ac:spMkLst>
+            <pc:docMk/>
+            <pc:sldMk cId="3896673891" sldId="269"/>
+            <ac:spMk id="2" creationId="{93AB6214-F72C-42B4-AF25-320D7F2711BE}"/>
+          </ac:spMkLst>
+        </pc:spChg>
+        <pc:spChg chg="del">
+          <ac:chgData name="Tim Böckel" userId="139bf3991ca47324" providerId="LiveId" clId="{F23E6AC7-6F80-426C-8EA5-4E59630F2B8F}" dt="2021-06-06T14:09:16.157" v="223" actId="478"/>
+          <ac:spMkLst>
+            <pc:docMk/>
+            <pc:sldMk cId="3896673891" sldId="269"/>
+            <ac:spMk id="3" creationId="{FEEC5FA2-FE67-4A2D-9570-EF009676D540}"/>
+          </ac:spMkLst>
+        </pc:spChg>
+        <pc:spChg chg="add mod">
+          <ac:chgData name="Tim Böckel" userId="139bf3991ca47324" providerId="LiveId" clId="{F23E6AC7-6F80-426C-8EA5-4E59630F2B8F}" dt="2021-06-06T14:21:12.528" v="554" actId="20577"/>
+          <ac:spMkLst>
+            <pc:docMk/>
+            <pc:sldMk cId="3896673891" sldId="269"/>
+            <ac:spMk id="4" creationId="{BFC8FF42-606B-4FDA-8ED7-0A28C6A5EAEE}"/>
+          </ac:spMkLst>
+        </pc:spChg>
+      </pc:sldChg>
+      <pc:sldChg chg="add del">
+        <pc:chgData name="Tim Böckel" userId="139bf3991ca47324" providerId="LiveId" clId="{F23E6AC7-6F80-426C-8EA5-4E59630F2B8F}" dt="2021-06-06T14:09:00.268" v="182" actId="2696"/>
+        <pc:sldMkLst>
+          <pc:docMk/>
+          <pc:sldMk cId="2665068564" sldId="270"/>
+        </pc:sldMkLst>
+      </pc:sldChg>
+      <pc:sldChg chg="addSp delSp modSp new mod setBg">
+        <pc:chgData name="Tim Böckel" userId="139bf3991ca47324" providerId="LiveId" clId="{F23E6AC7-6F80-426C-8EA5-4E59630F2B8F}" dt="2021-06-06T15:00:33.333" v="671"/>
+        <pc:sldMkLst>
+          <pc:docMk/>
+          <pc:sldMk cId="3655628678" sldId="270"/>
+        </pc:sldMkLst>
+        <pc:spChg chg="del">
+          <ac:chgData name="Tim Böckel" userId="139bf3991ca47324" providerId="LiveId" clId="{F23E6AC7-6F80-426C-8EA5-4E59630F2B8F}" dt="2021-06-06T14:12:48.421" v="305" actId="478"/>
+          <ac:spMkLst>
+            <pc:docMk/>
+            <pc:sldMk cId="3655628678" sldId="270"/>
+            <ac:spMk id="2" creationId="{52B2415D-25BE-41C2-A6E1-80D5D9E03438}"/>
+          </ac:spMkLst>
+        </pc:spChg>
+        <pc:spChg chg="del">
+          <ac:chgData name="Tim Böckel" userId="139bf3991ca47324" providerId="LiveId" clId="{F23E6AC7-6F80-426C-8EA5-4E59630F2B8F}" dt="2021-06-06T14:12:49.372" v="306" actId="478"/>
+          <ac:spMkLst>
+            <pc:docMk/>
+            <pc:sldMk cId="3655628678" sldId="270"/>
+            <ac:spMk id="3" creationId="{AF638B73-412D-4C54-BC6F-D859C6F9DCAC}"/>
+          </ac:spMkLst>
+        </pc:spChg>
+        <pc:spChg chg="add mod">
+          <ac:chgData name="Tim Böckel" userId="139bf3991ca47324" providerId="LiveId" clId="{F23E6AC7-6F80-426C-8EA5-4E59630F2B8F}" dt="2021-06-06T14:16:04.792" v="387" actId="14100"/>
+          <ac:spMkLst>
+            <pc:docMk/>
+            <pc:sldMk cId="3655628678" sldId="270"/>
+            <ac:spMk id="6" creationId="{01C58C85-BCBE-4909-9C5D-E26A2098655F}"/>
+          </ac:spMkLst>
+        </pc:spChg>
+        <pc:spChg chg="add mod">
+          <ac:chgData name="Tim Böckel" userId="139bf3991ca47324" providerId="LiveId" clId="{F23E6AC7-6F80-426C-8EA5-4E59630F2B8F}" dt="2021-06-06T15:00:33.333" v="671"/>
+          <ac:spMkLst>
+            <pc:docMk/>
+            <pc:sldMk cId="3655628678" sldId="270"/>
+            <ac:spMk id="10" creationId="{9698E440-BE12-4561-8C38-7946C1C4437A}"/>
+          </ac:spMkLst>
+        </pc:spChg>
+        <pc:spChg chg="add">
+          <ac:chgData name="Tim Böckel" userId="139bf3991ca47324" providerId="LiveId" clId="{F23E6AC7-6F80-426C-8EA5-4E59630F2B8F}" dt="2021-06-06T14:14:49.066" v="360" actId="26606"/>
+          <ac:spMkLst>
+            <pc:docMk/>
+            <pc:sldMk cId="3655628678" sldId="270"/>
+            <ac:spMk id="11" creationId="{275D6C10-B5A7-4715-803E-0501C9C2CC21}"/>
+          </ac:spMkLst>
+        </pc:spChg>
+        <pc:picChg chg="add mod ord">
+          <ac:chgData name="Tim Böckel" userId="139bf3991ca47324" providerId="LiveId" clId="{F23E6AC7-6F80-426C-8EA5-4E59630F2B8F}" dt="2021-06-06T14:16:01.337" v="386" actId="1076"/>
+          <ac:picMkLst>
+            <pc:docMk/>
+            <pc:sldMk cId="3655628678" sldId="270"/>
+            <ac:picMk id="5" creationId="{5DAEE5F1-FAC7-4B7A-8296-5CF5CCDF289A}"/>
+          </ac:picMkLst>
+        </pc:picChg>
+      </pc:sldChg>
+      <pc:sldChg chg="addSp delSp modSp new mod setBg">
+        <pc:chgData name="Tim Böckel" userId="139bf3991ca47324" providerId="LiveId" clId="{F23E6AC7-6F80-426C-8EA5-4E59630F2B8F}" dt="2021-06-06T15:00:30.466" v="670" actId="1076"/>
+        <pc:sldMkLst>
+          <pc:docMk/>
+          <pc:sldMk cId="204137321" sldId="271"/>
+        </pc:sldMkLst>
+        <pc:spChg chg="del">
+          <ac:chgData name="Tim Böckel" userId="139bf3991ca47324" providerId="LiveId" clId="{F23E6AC7-6F80-426C-8EA5-4E59630F2B8F}" dt="2021-06-06T14:14:01.504" v="314" actId="478"/>
+          <ac:spMkLst>
+            <pc:docMk/>
+            <pc:sldMk cId="204137321" sldId="271"/>
+            <ac:spMk id="2" creationId="{D7209129-4F68-4425-95B4-0D03241CE183}"/>
+          </ac:spMkLst>
+        </pc:spChg>
+        <pc:spChg chg="del">
+          <ac:chgData name="Tim Böckel" userId="139bf3991ca47324" providerId="LiveId" clId="{F23E6AC7-6F80-426C-8EA5-4E59630F2B8F}" dt="2021-06-06T14:14:03.278" v="315" actId="478"/>
+          <ac:spMkLst>
+            <pc:docMk/>
+            <pc:sldMk cId="204137321" sldId="271"/>
+            <ac:spMk id="3" creationId="{B1CA6D6A-97D6-47C1-818A-7EFF0CA16EEF}"/>
+          </ac:spMkLst>
+        </pc:spChg>
+        <pc:spChg chg="add mod">
+          <ac:chgData name="Tim Böckel" userId="139bf3991ca47324" providerId="LiveId" clId="{F23E6AC7-6F80-426C-8EA5-4E59630F2B8F}" dt="2021-06-06T14:16:13.326" v="388" actId="1076"/>
+          <ac:spMkLst>
+            <pc:docMk/>
+            <pc:sldMk cId="204137321" sldId="271"/>
+            <ac:spMk id="8" creationId="{B54F0835-4FEF-41F7-A495-95B8EB1BF68F}"/>
+          </ac:spMkLst>
+        </pc:spChg>
+        <pc:spChg chg="add mod">
+          <ac:chgData name="Tim Böckel" userId="139bf3991ca47324" providerId="LiveId" clId="{F23E6AC7-6F80-426C-8EA5-4E59630F2B8F}" dt="2021-06-06T15:00:30.466" v="670" actId="1076"/>
+          <ac:spMkLst>
+            <pc:docMk/>
+            <pc:sldMk cId="204137321" sldId="271"/>
+            <ac:spMk id="9" creationId="{866D32DA-F96B-4064-812B-2FB15411BFC5}"/>
+          </ac:spMkLst>
+        </pc:spChg>
+        <pc:spChg chg="add del">
+          <ac:chgData name="Tim Böckel" userId="139bf3991ca47324" providerId="LiveId" clId="{F23E6AC7-6F80-426C-8EA5-4E59630F2B8F}" dt="2021-06-06T14:14:19.466" v="322" actId="26606"/>
+          <ac:spMkLst>
+            <pc:docMk/>
+            <pc:sldMk cId="204137321" sldId="271"/>
+            <ac:spMk id="10" creationId="{5F879AC3-D4CE-493C-ADC7-06205677F4F8}"/>
+          </ac:spMkLst>
+        </pc:spChg>
+        <pc:spChg chg="add del">
+          <ac:chgData name="Tim Böckel" userId="139bf3991ca47324" providerId="LiveId" clId="{F23E6AC7-6F80-426C-8EA5-4E59630F2B8F}" dt="2021-06-06T14:14:19.466" v="322" actId="26606"/>
+          <ac:spMkLst>
+            <pc:docMk/>
+            <pc:sldMk cId="204137321" sldId="271"/>
+            <ac:spMk id="12" creationId="{736F0DFD-0954-464F-BF12-DD2E6F6E0380}"/>
+          </ac:spMkLst>
+        </pc:spChg>
+        <pc:spChg chg="add">
+          <ac:chgData name="Tim Böckel" userId="139bf3991ca47324" providerId="LiveId" clId="{F23E6AC7-6F80-426C-8EA5-4E59630F2B8F}" dt="2021-06-06T14:15:08.602" v="381" actId="26606"/>
+          <ac:spMkLst>
+            <pc:docMk/>
+            <pc:sldMk cId="204137321" sldId="271"/>
+            <ac:spMk id="13" creationId="{275D6C10-B5A7-4715-803E-0501C9C2CC21}"/>
+          </ac:spMkLst>
+        </pc:spChg>
+        <pc:picChg chg="add mod ord">
+          <ac:chgData name="Tim Böckel" userId="139bf3991ca47324" providerId="LiveId" clId="{F23E6AC7-6F80-426C-8EA5-4E59630F2B8F}" dt="2021-06-06T14:20:42.708" v="552" actId="14100"/>
+          <ac:picMkLst>
+            <pc:docMk/>
+            <pc:sldMk cId="204137321" sldId="271"/>
+            <ac:picMk id="5" creationId="{F86E3232-7956-455B-9743-D855EFB474F5}"/>
+          </ac:picMkLst>
+        </pc:picChg>
+      </pc:sldChg>
+      <pc:sldChg chg="addSp delSp modSp new mod">
+        <pc:chgData name="Tim Böckel" userId="139bf3991ca47324" providerId="LiveId" clId="{F23E6AC7-6F80-426C-8EA5-4E59630F2B8F}" dt="2021-06-06T14:59:45.803" v="664"/>
+        <pc:sldMkLst>
+          <pc:docMk/>
+          <pc:sldMk cId="1748375574" sldId="272"/>
+        </pc:sldMkLst>
+        <pc:spChg chg="add del mod">
+          <ac:chgData name="Tim Böckel" userId="139bf3991ca47324" providerId="LiveId" clId="{F23E6AC7-6F80-426C-8EA5-4E59630F2B8F}" dt="2021-06-06T14:16:46.290" v="411" actId="20577"/>
+          <ac:spMkLst>
+            <pc:docMk/>
+            <pc:sldMk cId="1748375574" sldId="272"/>
+            <ac:spMk id="2" creationId="{042B9283-03AE-42DC-860F-F2598CB07825}"/>
+          </ac:spMkLst>
+        </pc:spChg>
+        <pc:spChg chg="mod">
+          <ac:chgData name="Tim Böckel" userId="139bf3991ca47324" providerId="LiveId" clId="{F23E6AC7-6F80-426C-8EA5-4E59630F2B8F}" dt="2021-06-06T14:59:45.803" v="664"/>
+          <ac:spMkLst>
+            <pc:docMk/>
+            <pc:sldMk cId="1748375574" sldId="272"/>
+            <ac:spMk id="3" creationId="{2C9AF1AA-4E5A-4589-8C72-1BF8C40BD4E7}"/>
+          </ac:spMkLst>
+        </pc:spChg>
+      </pc:sldChg>
+      <pc:sldChg chg="addSp delSp modSp new mod">
+        <pc:chgData name="Tim Böckel" userId="139bf3991ca47324" providerId="LiveId" clId="{F23E6AC7-6F80-426C-8EA5-4E59630F2B8F}" dt="2021-06-06T14:20:04.958" v="548" actId="20577"/>
+        <pc:sldMkLst>
+          <pc:docMk/>
+          <pc:sldMk cId="3298032880" sldId="273"/>
+        </pc:sldMkLst>
+        <pc:spChg chg="mod">
+          <ac:chgData name="Tim Böckel" userId="139bf3991ca47324" providerId="LiveId" clId="{F23E6AC7-6F80-426C-8EA5-4E59630F2B8F}" dt="2021-06-06T14:16:54.129" v="427" actId="20577"/>
+          <ac:spMkLst>
+            <pc:docMk/>
+            <pc:sldMk cId="3298032880" sldId="273"/>
+            <ac:spMk id="2" creationId="{EB32BDE4-8705-4DE5-B76B-E01435DCDC1C}"/>
+          </ac:spMkLst>
+        </pc:spChg>
+        <pc:spChg chg="del">
+          <ac:chgData name="Tim Böckel" userId="139bf3991ca47324" providerId="LiveId" clId="{F23E6AC7-6F80-426C-8EA5-4E59630F2B8F}" dt="2021-06-06T14:16:56.611" v="428" actId="478"/>
+          <ac:spMkLst>
+            <pc:docMk/>
+            <pc:sldMk cId="3298032880" sldId="273"/>
+            <ac:spMk id="3" creationId="{33F588E0-F1D1-4ECE-9AFC-B589F3CDC19A}"/>
+          </ac:spMkLst>
+        </pc:spChg>
+        <pc:spChg chg="add mod">
+          <ac:chgData name="Tim Böckel" userId="139bf3991ca47324" providerId="LiveId" clId="{F23E6AC7-6F80-426C-8EA5-4E59630F2B8F}" dt="2021-06-06T14:20:04.958" v="548" actId="20577"/>
+          <ac:spMkLst>
+            <pc:docMk/>
+            <pc:sldMk cId="3298032880" sldId="273"/>
+            <ac:spMk id="4" creationId="{D3913042-6E3C-4BAE-9222-9464FF4BF8ED}"/>
+          </ac:spMkLst>
+        </pc:spChg>
       </pc:sldChg>
     </pc:docChg>
   </pc:docChgLst>
@@ -986,6 +1535,20 @@
 </p:cmLst>
 </file>
 
+<file path=ppt/comments/comment5.xml><?xml version="1.0" encoding="utf-8"?>
+<p:cmLst xmlns:a="http://schemas.openxmlformats.org/drawingml/2006/main" xmlns:r="http://schemas.openxmlformats.org/officeDocument/2006/relationships" xmlns:p="http://schemas.openxmlformats.org/presentationml/2006/main">
+  <p:cm authorId="1" dt="2021-06-06T16:02:57.356" idx="8">
+    <p:pos x="10" y="10"/>
+    <p:text/>
+    <p:extLst>
+      <p:ext uri="{C676402C-5697-4E1C-873F-D02D1690AC5C}">
+        <p15:threadingInfo xmlns:p15="http://schemas.microsoft.com/office/powerpoint/2012/main" timeZoneBias="-120"/>
+      </p:ext>
+    </p:extLst>
+  </p:cm>
+</p:cmLst>
+</file>
+
 <file path=ppt/notesMasters/notesMaster1.xml><?xml version="1.0" encoding="utf-8"?>
 <p:notesMaster xmlns:a="http://schemas.openxmlformats.org/drawingml/2006/main" xmlns:r="http://schemas.openxmlformats.org/officeDocument/2006/relationships" xmlns:p="http://schemas.openxmlformats.org/presentationml/2006/main">
   <p:cSld>
@@ -1068,7 +1631,7 @@
           <a:p>
             <a:fld id="{7C2F76F7-C034-4697-B278-6F74D2DBBFE9}" type="datetimeFigureOut">
               <a:rPr lang="de-DE" smtClean="0"/>
-              <a:t>05.06.2021</a:t>
+              <a:t>06.06.2021</a:t>
             </a:fld>
             <a:endParaRPr lang="de-DE"/>
           </a:p>
@@ -1480,9 +2043,9 @@
           <a:bodyPr/>
           <a:lstStyle/>
           <a:p>
-            <a:fld id="{F1D70348-9B4E-43DC-96B8-04F1ED432CA8}" type="datetimeFigureOut">
+            <a:fld id="{17C00E64-5C16-42B5-9904-0AE197F57232}" type="datetime1">
               <a:rPr lang="de-DE" smtClean="0"/>
-              <a:t>05.06.2021</a:t>
+              <a:t>06.06.2021</a:t>
             </a:fld>
             <a:endParaRPr lang="de-DE"/>
           </a:p>
@@ -1678,9 +2241,9 @@
           <a:bodyPr/>
           <a:lstStyle/>
           <a:p>
-            <a:fld id="{F1D70348-9B4E-43DC-96B8-04F1ED432CA8}" type="datetimeFigureOut">
+            <a:fld id="{4A6C0110-7729-4D3B-9603-F69B680D5E6E}" type="datetime1">
               <a:rPr lang="de-DE" smtClean="0"/>
-              <a:t>05.06.2021</a:t>
+              <a:t>06.06.2021</a:t>
             </a:fld>
             <a:endParaRPr lang="de-DE"/>
           </a:p>
@@ -1886,9 +2449,9 @@
           <a:bodyPr/>
           <a:lstStyle/>
           <a:p>
-            <a:fld id="{F1D70348-9B4E-43DC-96B8-04F1ED432CA8}" type="datetimeFigureOut">
+            <a:fld id="{2B2562E4-7120-4BA1-B2F9-A0C9C38E51CE}" type="datetime1">
               <a:rPr lang="de-DE" smtClean="0"/>
-              <a:t>05.06.2021</a:t>
+              <a:t>06.06.2021</a:t>
             </a:fld>
             <a:endParaRPr lang="de-DE"/>
           </a:p>
@@ -2084,9 +2647,9 @@
           <a:bodyPr/>
           <a:lstStyle/>
           <a:p>
-            <a:fld id="{F1D70348-9B4E-43DC-96B8-04F1ED432CA8}" type="datetimeFigureOut">
+            <a:fld id="{3109F62F-2DA5-485B-A203-92CD96D98FD4}" type="datetime1">
               <a:rPr lang="de-DE" smtClean="0"/>
-              <a:t>05.06.2021</a:t>
+              <a:t>06.06.2021</a:t>
             </a:fld>
             <a:endParaRPr lang="de-DE"/>
           </a:p>
@@ -2359,9 +2922,9 @@
           <a:bodyPr/>
           <a:lstStyle/>
           <a:p>
-            <a:fld id="{F1D70348-9B4E-43DC-96B8-04F1ED432CA8}" type="datetimeFigureOut">
+            <a:fld id="{8AD3ECF5-957F-44B6-86C1-AF74B8837FFD}" type="datetime1">
               <a:rPr lang="de-DE" smtClean="0"/>
-              <a:t>05.06.2021</a:t>
+              <a:t>06.06.2021</a:t>
             </a:fld>
             <a:endParaRPr lang="de-DE"/>
           </a:p>
@@ -2624,9 +3187,9 @@
           <a:bodyPr/>
           <a:lstStyle/>
           <a:p>
-            <a:fld id="{F1D70348-9B4E-43DC-96B8-04F1ED432CA8}" type="datetimeFigureOut">
+            <a:fld id="{F68A17FD-0F90-482D-8BCC-B5E1C7E64A83}" type="datetime1">
               <a:rPr lang="de-DE" smtClean="0"/>
-              <a:t>05.06.2021</a:t>
+              <a:t>06.06.2021</a:t>
             </a:fld>
             <a:endParaRPr lang="de-DE"/>
           </a:p>
@@ -3036,9 +3599,9 @@
           <a:bodyPr/>
           <a:lstStyle/>
           <a:p>
-            <a:fld id="{F1D70348-9B4E-43DC-96B8-04F1ED432CA8}" type="datetimeFigureOut">
+            <a:fld id="{74147AE6-904F-4028-8B92-C7DCE538CC58}" type="datetime1">
               <a:rPr lang="de-DE" smtClean="0"/>
-              <a:t>05.06.2021</a:t>
+              <a:t>06.06.2021</a:t>
             </a:fld>
             <a:endParaRPr lang="de-DE"/>
           </a:p>
@@ -3177,9 +3740,9 @@
           <a:bodyPr/>
           <a:lstStyle/>
           <a:p>
-            <a:fld id="{F1D70348-9B4E-43DC-96B8-04F1ED432CA8}" type="datetimeFigureOut">
+            <a:fld id="{22A908A4-CD3B-406C-8EA4-C1B6D6DD7A7A}" type="datetime1">
               <a:rPr lang="de-DE" smtClean="0"/>
-              <a:t>05.06.2021</a:t>
+              <a:t>06.06.2021</a:t>
             </a:fld>
             <a:endParaRPr lang="de-DE"/>
           </a:p>
@@ -3290,9 +3853,9 @@
           <a:bodyPr/>
           <a:lstStyle/>
           <a:p>
-            <a:fld id="{F1D70348-9B4E-43DC-96B8-04F1ED432CA8}" type="datetimeFigureOut">
+            <a:fld id="{B02A6882-A0E3-4ED1-9504-4082CE58B939}" type="datetime1">
               <a:rPr lang="de-DE" smtClean="0"/>
-              <a:t>05.06.2021</a:t>
+              <a:t>06.06.2021</a:t>
             </a:fld>
             <a:endParaRPr lang="de-DE"/>
           </a:p>
@@ -3601,9 +4164,9 @@
           <a:bodyPr/>
           <a:lstStyle/>
           <a:p>
-            <a:fld id="{F1D70348-9B4E-43DC-96B8-04F1ED432CA8}" type="datetimeFigureOut">
+            <a:fld id="{75BB3244-A09F-473D-B679-256137A18B7E}" type="datetime1">
               <a:rPr lang="de-DE" smtClean="0"/>
-              <a:t>05.06.2021</a:t>
+              <a:t>06.06.2021</a:t>
             </a:fld>
             <a:endParaRPr lang="de-DE"/>
           </a:p>
@@ -3889,9 +4452,9 @@
           <a:bodyPr/>
           <a:lstStyle/>
           <a:p>
-            <a:fld id="{F1D70348-9B4E-43DC-96B8-04F1ED432CA8}" type="datetimeFigureOut">
+            <a:fld id="{13014F91-6D4E-4F1E-A9DF-C3C70839EE92}" type="datetime1">
               <a:rPr lang="de-DE" smtClean="0"/>
-              <a:t>05.06.2021</a:t>
+              <a:t>06.06.2021</a:t>
             </a:fld>
             <a:endParaRPr lang="de-DE"/>
           </a:p>
@@ -4130,9 +4693,9 @@
             </a:lvl1pPr>
           </a:lstStyle>
           <a:p>
-            <a:fld id="{F1D70348-9B4E-43DC-96B8-04F1ED432CA8}" type="datetimeFigureOut">
+            <a:fld id="{DDC3D18B-32BD-4C85-8AD7-78C16C3FB3D9}" type="datetime1">
               <a:rPr lang="de-DE" smtClean="0"/>
-              <a:t>05.06.2021</a:t>
+              <a:t>06.06.2021</a:t>
             </a:fld>
             <a:endParaRPr lang="de-DE"/>
           </a:p>
@@ -4249,6 +4812,7 @@
     <p:sldLayoutId id="2147483658" r:id="rId10"/>
     <p:sldLayoutId id="2147483659" r:id="rId11"/>
   </p:sldLayoutIdLst>
+  <p:hf sldNum="0" hdr="0" ftr="0" dt="0"/>
   <p:txStyles>
     <p:titleStyle>
       <a:lvl1pPr algn="l" defTabSz="914400" rtl="0" eaLnBrk="1" latinLnBrk="0" hangingPunct="1">
@@ -4828,41 +5392,6 @@
           </a:p>
         </p:txBody>
       </p:sp>
-      <p:sp>
-        <p:nvSpPr>
-          <p:cNvPr id="6" name="Textfeld 5">
-            <a:extLst>
-              <a:ext uri="{FF2B5EF4-FFF2-40B4-BE49-F238E27FC236}">
-                <a16:creationId xmlns:a16="http://schemas.microsoft.com/office/drawing/2014/main" id="{6EF0713A-87F1-4C81-8331-DD272A13DC97}"/>
-              </a:ext>
-            </a:extLst>
-          </p:cNvPr>
-          <p:cNvSpPr txBox="1"/>
-          <p:nvPr/>
-        </p:nvSpPr>
-        <p:spPr>
-          <a:xfrm>
-            <a:off x="855677" y="6157519"/>
-            <a:ext cx="7066978" cy="646331"/>
-          </a:xfrm>
-          <a:prstGeom prst="rect">
-            <a:avLst/>
-          </a:prstGeom>
-          <a:noFill/>
-        </p:spPr>
-        <p:txBody>
-          <a:bodyPr wrap="square" rtlCol="0">
-            <a:spAutoFit/>
-          </a:bodyPr>
-          <a:lstStyle/>
-          <a:p>
-            <a:r>
-              <a:rPr lang="de-DE" dirty="0"/>
-              <a:t>Bild: https://www.digitalradar-muensterland.de/eine-customer-journey-map-erstellen/</a:t>
-            </a:r>
-          </a:p>
-        </p:txBody>
-      </p:sp>
     </p:spTree>
     <p:extLst>
       <p:ext uri="{BB962C8B-B14F-4D97-AF65-F5344CB8AC3E}">
@@ -4898,7 +5427,7 @@
           <p:cNvPr id="2" name="Titel 1">
             <a:extLst>
               <a:ext uri="{FF2B5EF4-FFF2-40B4-BE49-F238E27FC236}">
-                <a16:creationId xmlns:a16="http://schemas.microsoft.com/office/drawing/2014/main" id="{7A192B9F-EBFA-4972-A930-6BB6E58FFF3D}"/>
+                <a16:creationId xmlns:a16="http://schemas.microsoft.com/office/drawing/2014/main" id="{93AB6214-F72C-42B4-AF25-320D7F2711BE}"/>
               </a:ext>
             </a:extLst>
           </p:cNvPr>
@@ -4916,91 +5445,45 @@
           <a:p>
             <a:pPr algn="ctr"/>
             <a:r>
-              <a:rPr lang="de-DE" dirty="0"/>
-              <a:t>Vorteile</a:t>
-            </a:r>
-          </a:p>
-        </p:txBody>
-      </p:sp>
-      <p:sp>
-        <p:nvSpPr>
-          <p:cNvPr id="3" name="Inhaltsplatzhalter 2">
-            <a:extLst>
-              <a:ext uri="{FF2B5EF4-FFF2-40B4-BE49-F238E27FC236}">
-                <a16:creationId xmlns:a16="http://schemas.microsoft.com/office/drawing/2014/main" id="{68AF4279-EE49-4CBE-A19A-AA481D02B38D}"/>
-              </a:ext>
-            </a:extLst>
-          </p:cNvPr>
-          <p:cNvSpPr>
-            <a:spLocks noGrp="1"/>
-          </p:cNvSpPr>
-          <p:nvPr>
-            <p:ph idx="1"/>
-          </p:nvPr>
+              <a:rPr lang="en-US" dirty="0" err="1"/>
+              <a:t>Entwicklung</a:t>
+            </a:r>
+            <a:r>
+              <a:rPr lang="en-US" dirty="0"/>
+              <a:t> der </a:t>
+            </a:r>
+            <a:r>
+              <a:rPr lang="en-US" dirty="0" err="1"/>
+              <a:t>vertikalen</a:t>
+            </a:r>
+            <a:r>
+              <a:rPr lang="en-US" dirty="0"/>
+              <a:t> </a:t>
+            </a:r>
+            <a:r>
+              <a:rPr lang="en-US" dirty="0" err="1"/>
+              <a:t>Achse</a:t>
+            </a:r>
+            <a:endParaRPr lang="en-US" dirty="0"/>
+          </a:p>
+        </p:txBody>
+      </p:sp>
+      <p:sp>
+        <p:nvSpPr>
+          <p:cNvPr id="4" name="Textfeld 3">
+            <a:extLst>
+              <a:ext uri="{FF2B5EF4-FFF2-40B4-BE49-F238E27FC236}">
+                <a16:creationId xmlns:a16="http://schemas.microsoft.com/office/drawing/2014/main" id="{BFC8FF42-606B-4FDA-8ED7-0A28C6A5EAEE}"/>
+              </a:ext>
+            </a:extLst>
+          </p:cNvPr>
+          <p:cNvSpPr txBox="1"/>
+          <p:nvPr/>
         </p:nvSpPr>
         <p:spPr>
           <a:xfrm>
-            <a:off x="914400" y="1825625"/>
-            <a:ext cx="10439400" cy="3643997"/>
-          </a:xfrm>
-        </p:spPr>
-        <p:txBody>
-          <a:bodyPr/>
-          <a:lstStyle/>
-          <a:p>
-            <a:pPr algn="l"/>
-            <a:r>
-              <a:rPr lang="de-DE" sz="1800" dirty="0">
-                <a:latin typeface="Minion-Regular"/>
-              </a:rPr>
-              <a:t>Kundengetriebener Designprozess</a:t>
-            </a:r>
-          </a:p>
-          <a:p>
-            <a:pPr algn="l"/>
-            <a:r>
-              <a:rPr lang="de-DE" sz="1800" dirty="0">
-                <a:latin typeface="Minion-Regular"/>
-              </a:rPr>
-              <a:t>Sehr flexibel einsetzbar</a:t>
-            </a:r>
-          </a:p>
-          <a:p>
-            <a:pPr algn="l"/>
-            <a:r>
-              <a:rPr lang="de-DE" sz="1800" dirty="0">
-                <a:latin typeface="Minion-Regular"/>
-              </a:rPr>
-              <a:t>CJMs ermöglichen ein besseres Verständnis für die Komplexität des Produkt-Ökosystems</a:t>
-            </a:r>
-          </a:p>
-          <a:p>
-            <a:pPr algn="l"/>
-            <a:r>
-              <a:rPr lang="de-DE" sz="1800" dirty="0">
-                <a:latin typeface="Minion-Regular"/>
-              </a:rPr>
-              <a:t>Durch die Einbeziehung der Emotionen und Denkprozesse der tatsächlichen Kunden kann die Analyse über die üblichen quantitativen Daten</a:t>
-            </a:r>
-          </a:p>
-        </p:txBody>
-      </p:sp>
-      <p:sp>
-        <p:nvSpPr>
-          <p:cNvPr id="4" name="Textfeld 3">
-            <a:extLst>
-              <a:ext uri="{FF2B5EF4-FFF2-40B4-BE49-F238E27FC236}">
-                <a16:creationId xmlns:a16="http://schemas.microsoft.com/office/drawing/2014/main" id="{EAF14A32-A629-45EB-9B55-508FBB5D14D7}"/>
-              </a:ext>
-            </a:extLst>
-          </p:cNvPr>
-          <p:cNvSpPr txBox="1"/>
-          <p:nvPr/>
-        </p:nvSpPr>
-        <p:spPr>
-          <a:xfrm>
-            <a:off x="1098958" y="5981350"/>
-            <a:ext cx="9286613" cy="646331"/>
+            <a:off x="973122" y="1690688"/>
+            <a:ext cx="9756397" cy="4524315"/>
           </a:xfrm>
           <a:prstGeom prst="rect">
             <a:avLst/>
@@ -5014,17 +5497,806 @@
           <a:lstStyle/>
           <a:p>
             <a:r>
-              <a:rPr lang="de-DE" dirty="0"/>
-              <a:t>Aus: </a:t>
-            </a:r>
-            <a:r>
-              <a:rPr lang="en-US" dirty="0"/>
-              <a:t>Evaluating Customer Experience through Customer Journey Mapping and Service Blueprinting at Edmonton Public Library An Exploratory Study</a:t>
-            </a:r>
-            <a:endParaRPr lang="de-DE" dirty="0"/>
-          </a:p>
-        </p:txBody>
-      </p:sp>
+              <a:rPr lang="de-DE" sz="1800" b="0" i="0" u="none" strike="noStrike" baseline="0" dirty="0">
+                <a:solidFill>
+                  <a:srgbClr val="000000"/>
+                </a:solidFill>
+                <a:latin typeface="JMFCF E+ Adv T T 7f 5838b 0. I"/>
+              </a:rPr>
+              <a:t>Anforderungen des Users: Die Anforderungen des Kunden, die am Touchpoint (Marketing) benötigt werden.</a:t>
+            </a:r>
+          </a:p>
+          <a:p>
+            <a:endParaRPr lang="de-DE" sz="1800" b="0" i="0" u="none" strike="noStrike" baseline="0" dirty="0">
+              <a:solidFill>
+                <a:srgbClr val="000000"/>
+              </a:solidFill>
+              <a:latin typeface="JMFCF E+ Adv T T 7f 5838b 0. I"/>
+            </a:endParaRPr>
+          </a:p>
+          <a:p>
+            <a:r>
+              <a:rPr lang="de-DE" sz="1800" b="0" i="0" u="none" strike="noStrike" baseline="0" dirty="0">
+                <a:solidFill>
+                  <a:srgbClr val="000000"/>
+                </a:solidFill>
+                <a:latin typeface="JMFCF E+ Adv T T 7f 5838b 0. I"/>
+              </a:rPr>
+              <a:t>Mitarbeiter-Aktionen: </a:t>
+            </a:r>
+            <a:r>
+              <a:rPr lang="de-DE" dirty="0">
+                <a:solidFill>
+                  <a:srgbClr val="000000"/>
+                </a:solidFill>
+                <a:latin typeface="JMFCF E+ Adv T T 7f 5838b 0. I"/>
+              </a:rPr>
+              <a:t>D</a:t>
+            </a:r>
+            <a:r>
+              <a:rPr lang="de-DE" sz="1800" b="0" i="0" u="none" strike="noStrike" baseline="0" dirty="0">
+                <a:solidFill>
+                  <a:srgbClr val="000000"/>
+                </a:solidFill>
+                <a:latin typeface="JMFCF E+ Adv T T 7f 5838b 0. I"/>
+              </a:rPr>
+              <a:t>ie Aktionen der Mall-Mitarbeiter, die am Touchpoint erforderlich sind, um die Kundenanforderungen zu erfüllen (Personalwesen).</a:t>
+            </a:r>
+          </a:p>
+          <a:p>
+            <a:endParaRPr lang="de-DE" dirty="0">
+              <a:solidFill>
+                <a:srgbClr val="000000"/>
+              </a:solidFill>
+              <a:latin typeface="JMFCF E+ Adv T T 7f 5838b 0. I"/>
+            </a:endParaRPr>
+          </a:p>
+          <a:p>
+            <a:r>
+              <a:rPr lang="de-DE" sz="1800" b="0" i="0" u="none" strike="noStrike" baseline="0" dirty="0">
+                <a:solidFill>
+                  <a:srgbClr val="000000"/>
+                </a:solidFill>
+                <a:latin typeface="JMFCF E+ Adv T T 7f 5838b 0. I"/>
+              </a:rPr>
+              <a:t>Mitarbeiterunterstützung: Geben Sie an, welche Schulungen, Informationstechnologien, Lizenzen, Zertifizierungen, Werkzeuge, Materialien usw. die Mitarbeiter des Einkaufszentrums benötigen, um die Anforderungen am Touchpoint zu erfüllen (Personalwesen und Betriebsmanagement).</a:t>
+            </a:r>
+          </a:p>
+          <a:p>
+            <a:endParaRPr lang="de-DE" dirty="0">
+              <a:solidFill>
+                <a:srgbClr val="000000"/>
+              </a:solidFill>
+              <a:latin typeface="JMFCF E+ Adv T T 7f 5838b 0. I"/>
+            </a:endParaRPr>
+          </a:p>
+          <a:p>
+            <a:r>
+              <a:rPr lang="de-DE" sz="1800" b="0" i="0" u="none" strike="noStrike" baseline="0" dirty="0">
+                <a:solidFill>
+                  <a:srgbClr val="000000"/>
+                </a:solidFill>
+                <a:latin typeface="JMFCF E+ Adv T T 7f 5838b 0. I"/>
+              </a:rPr>
+              <a:t>Gestaltung des Einkaufszentrums: Spezifizieren Sie die Umgebungsreize, die Kunden an jedem Touchpoint wahrnehmen und nicht wahrnehmen sollten, um die Servicequalität zu beurteilen (Marketing, Operations</a:t>
+            </a:r>
+            <a:r>
+              <a:rPr lang="de-DE" dirty="0">
+                <a:solidFill>
+                  <a:srgbClr val="000000"/>
+                </a:solidFill>
+                <a:latin typeface="JMFCF E+ Adv T T 7f 5838b 0. I"/>
+              </a:rPr>
+              <a:t>-</a:t>
+            </a:r>
+            <a:r>
+              <a:rPr lang="de-DE" sz="1800" b="0" i="0" u="none" strike="noStrike" baseline="0" dirty="0">
+                <a:solidFill>
+                  <a:srgbClr val="000000"/>
+                </a:solidFill>
+                <a:latin typeface="JMFCF E+ Adv T T 7f 5838b 0. I"/>
+              </a:rPr>
+              <a:t>Management, Gebäudetechnik).</a:t>
+            </a:r>
+          </a:p>
+          <a:p>
+            <a:r>
+              <a:rPr lang="de-DE" sz="1800" b="0" i="0" u="none" strike="noStrike" baseline="0" dirty="0">
+                <a:solidFill>
+                  <a:srgbClr val="000000"/>
+                </a:solidFill>
+                <a:latin typeface="JMFCF E+ Adv T T 7f 5838b 0. I"/>
+              </a:rPr>
+              <a:t> </a:t>
+            </a:r>
+          </a:p>
+          <a:p>
+            <a:r>
+              <a:rPr lang="de-DE" sz="1800" b="0" i="0" u="none" strike="noStrike" baseline="0" dirty="0">
+                <a:solidFill>
+                  <a:srgbClr val="000000"/>
+                </a:solidFill>
+                <a:latin typeface="JMFCF E+ Adv T T 7f 5838b 0. I"/>
+              </a:rPr>
+              <a:t>Service-Innovation: Machen Sie ein Brainstorming, wie alle Abteilungen an jedem Touchpoint zusammenarbeiten können.</a:t>
+            </a:r>
+            <a:endParaRPr lang="en-US" dirty="0"/>
+          </a:p>
+        </p:txBody>
+      </p:sp>
+    </p:spTree>
+    <p:extLst>
+      <p:ext uri="{BB962C8B-B14F-4D97-AF65-F5344CB8AC3E}">
+        <p14:creationId xmlns:p14="http://schemas.microsoft.com/office/powerpoint/2010/main" val="3896673891"/>
+      </p:ext>
+    </p:extLst>
+  </p:cSld>
+  <p:clrMapOvr>
+    <a:masterClrMapping/>
+  </p:clrMapOvr>
+</p:sld>
+</file>
+
+<file path=ppt/slides/slide11.xml><?xml version="1.0" encoding="utf-8"?>
+<p:sld xmlns:a="http://schemas.openxmlformats.org/drawingml/2006/main" xmlns:r="http://schemas.openxmlformats.org/officeDocument/2006/relationships" xmlns:p="http://schemas.openxmlformats.org/presentationml/2006/main">
+  <p:cSld>
+    <p:bg>
+      <p:bgPr>
+        <a:solidFill>
+          <a:schemeClr val="bg1"/>
+        </a:solidFill>
+        <a:effectLst/>
+      </p:bgPr>
+    </p:bg>
+    <p:spTree>
+      <p:nvGrpSpPr>
+        <p:cNvPr id="1" name=""/>
+        <p:cNvGrpSpPr/>
+        <p:nvPr/>
+      </p:nvGrpSpPr>
+      <p:grpSpPr>
+        <a:xfrm>
+          <a:off x="0" y="0"/>
+          <a:ext cx="0" cy="0"/>
+          <a:chOff x="0" y="0"/>
+          <a:chExt cx="0" cy="0"/>
+        </a:xfrm>
+      </p:grpSpPr>
+      <p:sp useBgFill="1">
+        <p:nvSpPr>
+          <p:cNvPr id="11" name="Rectangle 10">
+            <a:extLst>
+              <a:ext uri="{FF2B5EF4-FFF2-40B4-BE49-F238E27FC236}">
+                <a16:creationId xmlns:a16="http://schemas.microsoft.com/office/drawing/2014/main" id="{275D6C10-B5A7-4715-803E-0501C9C2CC21}"/>
+              </a:ext>
+              <a:ext uri="{C183D7F6-B498-43B3-948B-1728B52AA6E4}">
+                <adec:decorative xmlns:adec="http://schemas.microsoft.com/office/drawing/2017/decorative" val="1"/>
+              </a:ext>
+            </a:extLst>
+          </p:cNvPr>
+          <p:cNvSpPr>
+            <a:spLocks noGrp="1" noRot="1" noChangeAspect="1" noMove="1" noResize="1" noEditPoints="1" noAdjustHandles="1" noChangeArrowheads="1" noChangeShapeType="1" noTextEdit="1"/>
+          </p:cNvSpPr>
+          <p:nvPr>
+            <p:extLst>
+              <p:ext uri="{386F3935-93C4-4BCD-93E2-E3B085C9AB24}">
+                <p16:designElem xmlns:p16="http://schemas.microsoft.com/office/powerpoint/2015/main" val="1"/>
+              </p:ext>
+            </p:extLst>
+          </p:nvPr>
+        </p:nvSpPr>
+        <p:spPr>
+          <a:xfrm>
+            <a:off x="-1" y="0"/>
+            <a:ext cx="12188952" cy="6858000"/>
+          </a:xfrm>
+          <a:prstGeom prst="rect">
+            <a:avLst/>
+          </a:prstGeom>
+          <a:ln>
+            <a:noFill/>
+          </a:ln>
+        </p:spPr>
+        <p:style>
+          <a:lnRef idx="2">
+            <a:schemeClr val="accent1">
+              <a:shade val="50000"/>
+            </a:schemeClr>
+          </a:lnRef>
+          <a:fillRef idx="1">
+            <a:schemeClr val="accent1"/>
+          </a:fillRef>
+          <a:effectRef idx="0">
+            <a:schemeClr val="accent1"/>
+          </a:effectRef>
+          <a:fontRef idx="minor">
+            <a:schemeClr val="lt1"/>
+          </a:fontRef>
+        </p:style>
+        <p:txBody>
+          <a:bodyPr rtlCol="0" anchor="ctr"/>
+          <a:lstStyle/>
+          <a:p>
+            <a:pPr algn="ctr"/>
+            <a:endParaRPr lang="en-US"/>
+          </a:p>
+        </p:txBody>
+      </p:sp>
+      <p:sp>
+        <p:nvSpPr>
+          <p:cNvPr id="6" name="Titel 1">
+            <a:extLst>
+              <a:ext uri="{FF2B5EF4-FFF2-40B4-BE49-F238E27FC236}">
+                <a16:creationId xmlns:a16="http://schemas.microsoft.com/office/drawing/2014/main" id="{01C58C85-BCBE-4909-9C5D-E26A2098655F}"/>
+              </a:ext>
+            </a:extLst>
+          </p:cNvPr>
+          <p:cNvSpPr>
+            <a:spLocks noGrp="1"/>
+          </p:cNvSpPr>
+          <p:nvPr>
+            <p:ph type="title"/>
+          </p:nvPr>
+        </p:nvSpPr>
+        <p:spPr>
+          <a:xfrm>
+            <a:off x="841248" y="552289"/>
+            <a:ext cx="3976496" cy="3700929"/>
+          </a:xfrm>
+        </p:spPr>
+        <p:txBody>
+          <a:bodyPr vert="horz" lIns="91440" tIns="45720" rIns="91440" bIns="45720" rtlCol="0" anchor="b">
+            <a:normAutofit/>
+          </a:bodyPr>
+          <a:lstStyle/>
+          <a:p>
+            <a:r>
+              <a:rPr lang="en-US" sz="5200" kern="1200" dirty="0">
+                <a:solidFill>
+                  <a:schemeClr val="tx1"/>
+                </a:solidFill>
+                <a:latin typeface="+mj-lt"/>
+                <a:ea typeface="+mj-ea"/>
+                <a:cs typeface="+mj-cs"/>
+              </a:rPr>
+              <a:t>Pre-Service Period</a:t>
+            </a:r>
+          </a:p>
+        </p:txBody>
+      </p:sp>
+      <p:pic>
+        <p:nvPicPr>
+          <p:cNvPr id="5" name="Grafik 4" descr="Ein Bild, das Tisch enthält.&#10;&#10;Automatisch generierte Beschreibung">
+            <a:extLst>
+              <a:ext uri="{FF2B5EF4-FFF2-40B4-BE49-F238E27FC236}">
+                <a16:creationId xmlns:a16="http://schemas.microsoft.com/office/drawing/2014/main" id="{5DAEE5F1-FAC7-4B7A-8296-5CF5CCDF289A}"/>
+              </a:ext>
+            </a:extLst>
+          </p:cNvPr>
+          <p:cNvPicPr>
+            <a:picLocks noChangeAspect="1"/>
+          </p:cNvPicPr>
+          <p:nvPr/>
+        </p:nvPicPr>
+        <p:blipFill>
+          <a:blip r:embed="rId2">
+            <a:extLst>
+              <a:ext uri="{28A0092B-C50C-407E-A947-70E740481C1C}">
+                <a14:useLocalDpi xmlns:a14="http://schemas.microsoft.com/office/drawing/2010/main" val="0"/>
+              </a:ext>
+            </a:extLst>
+          </a:blip>
+          <a:stretch>
+            <a:fillRect/>
+          </a:stretch>
+        </p:blipFill>
+        <p:spPr>
+          <a:xfrm>
+            <a:off x="5476198" y="295904"/>
+            <a:ext cx="5874554" cy="6266192"/>
+          </a:xfrm>
+          <a:prstGeom prst="rect">
+            <a:avLst/>
+          </a:prstGeom>
+        </p:spPr>
+      </p:pic>
+      <p:sp>
+        <p:nvSpPr>
+          <p:cNvPr id="10" name="Textfeld 9">
+            <a:extLst>
+              <a:ext uri="{FF2B5EF4-FFF2-40B4-BE49-F238E27FC236}">
+                <a16:creationId xmlns:a16="http://schemas.microsoft.com/office/drawing/2014/main" id="{9698E440-BE12-4561-8C38-7946C1C4437A}"/>
+              </a:ext>
+            </a:extLst>
+          </p:cNvPr>
+          <p:cNvSpPr txBox="1"/>
+          <p:nvPr/>
+        </p:nvSpPr>
+        <p:spPr>
+          <a:xfrm>
+            <a:off x="8445267" y="6595643"/>
+            <a:ext cx="3073866" cy="246221"/>
+          </a:xfrm>
+          <a:prstGeom prst="rect">
+            <a:avLst/>
+          </a:prstGeom>
+          <a:noFill/>
+        </p:spPr>
+        <p:txBody>
+          <a:bodyPr wrap="square" rtlCol="0">
+            <a:spAutoFit/>
+          </a:bodyPr>
+          <a:lstStyle/>
+          <a:p>
+            <a:r>
+              <a:rPr lang="en-US" sz="1000" dirty="0"/>
+              <a:t>[</a:t>
+            </a:r>
+            <a:r>
+              <a:rPr lang="en-US" sz="1000" dirty="0" err="1"/>
+              <a:t>Rosenbaumet</a:t>
+            </a:r>
+            <a:r>
+              <a:rPr lang="en-US" sz="1000" dirty="0"/>
+              <a:t> al.2017]</a:t>
+            </a:r>
+          </a:p>
+        </p:txBody>
+      </p:sp>
+    </p:spTree>
+    <p:extLst>
+      <p:ext uri="{BB962C8B-B14F-4D97-AF65-F5344CB8AC3E}">
+        <p14:creationId xmlns:p14="http://schemas.microsoft.com/office/powerpoint/2010/main" val="3655628678"/>
+      </p:ext>
+    </p:extLst>
+  </p:cSld>
+  <p:clrMapOvr>
+    <a:masterClrMapping/>
+  </p:clrMapOvr>
+</p:sld>
+</file>
+
+<file path=ppt/slides/slide12.xml><?xml version="1.0" encoding="utf-8"?>
+<p:sld xmlns:a="http://schemas.openxmlformats.org/drawingml/2006/main" xmlns:r="http://schemas.openxmlformats.org/officeDocument/2006/relationships" xmlns:p="http://schemas.openxmlformats.org/presentationml/2006/main">
+  <p:cSld>
+    <p:bg>
+      <p:bgPr>
+        <a:solidFill>
+          <a:schemeClr val="bg1"/>
+        </a:solidFill>
+        <a:effectLst/>
+      </p:bgPr>
+    </p:bg>
+    <p:spTree>
+      <p:nvGrpSpPr>
+        <p:cNvPr id="1" name=""/>
+        <p:cNvGrpSpPr/>
+        <p:nvPr/>
+      </p:nvGrpSpPr>
+      <p:grpSpPr>
+        <a:xfrm>
+          <a:off x="0" y="0"/>
+          <a:ext cx="0" cy="0"/>
+          <a:chOff x="0" y="0"/>
+          <a:chExt cx="0" cy="0"/>
+        </a:xfrm>
+      </p:grpSpPr>
+      <p:sp useBgFill="1">
+        <p:nvSpPr>
+          <p:cNvPr id="13" name="Rectangle 12">
+            <a:extLst>
+              <a:ext uri="{FF2B5EF4-FFF2-40B4-BE49-F238E27FC236}">
+                <a16:creationId xmlns:a16="http://schemas.microsoft.com/office/drawing/2014/main" id="{275D6C10-B5A7-4715-803E-0501C9C2CC21}"/>
+              </a:ext>
+              <a:ext uri="{C183D7F6-B498-43B3-948B-1728B52AA6E4}">
+                <adec:decorative xmlns:adec="http://schemas.microsoft.com/office/drawing/2017/decorative" val="1"/>
+              </a:ext>
+            </a:extLst>
+          </p:cNvPr>
+          <p:cNvSpPr>
+            <a:spLocks noGrp="1" noRot="1" noChangeAspect="1" noMove="1" noResize="1" noEditPoints="1" noAdjustHandles="1" noChangeArrowheads="1" noChangeShapeType="1" noTextEdit="1"/>
+          </p:cNvSpPr>
+          <p:nvPr>
+            <p:extLst>
+              <p:ext uri="{386F3935-93C4-4BCD-93E2-E3B085C9AB24}">
+                <p16:designElem xmlns:p16="http://schemas.microsoft.com/office/powerpoint/2015/main" val="1"/>
+              </p:ext>
+            </p:extLst>
+          </p:nvPr>
+        </p:nvSpPr>
+        <p:spPr>
+          <a:xfrm>
+            <a:off x="-1" y="0"/>
+            <a:ext cx="12188952" cy="6858000"/>
+          </a:xfrm>
+          <a:prstGeom prst="rect">
+            <a:avLst/>
+          </a:prstGeom>
+          <a:ln>
+            <a:noFill/>
+          </a:ln>
+        </p:spPr>
+        <p:style>
+          <a:lnRef idx="2">
+            <a:schemeClr val="accent1">
+              <a:shade val="50000"/>
+            </a:schemeClr>
+          </a:lnRef>
+          <a:fillRef idx="1">
+            <a:schemeClr val="accent1"/>
+          </a:fillRef>
+          <a:effectRef idx="0">
+            <a:schemeClr val="accent1"/>
+          </a:effectRef>
+          <a:fontRef idx="minor">
+            <a:schemeClr val="lt1"/>
+          </a:fontRef>
+        </p:style>
+        <p:txBody>
+          <a:bodyPr rtlCol="0" anchor="ctr"/>
+          <a:lstStyle/>
+          <a:p>
+            <a:pPr algn="ctr"/>
+            <a:endParaRPr lang="en-US"/>
+          </a:p>
+        </p:txBody>
+      </p:sp>
+      <p:sp>
+        <p:nvSpPr>
+          <p:cNvPr id="8" name="Titel 1">
+            <a:extLst>
+              <a:ext uri="{FF2B5EF4-FFF2-40B4-BE49-F238E27FC236}">
+                <a16:creationId xmlns:a16="http://schemas.microsoft.com/office/drawing/2014/main" id="{B54F0835-4FEF-41F7-A495-95B8EB1BF68F}"/>
+              </a:ext>
+            </a:extLst>
+          </p:cNvPr>
+          <p:cNvSpPr>
+            <a:spLocks noGrp="1"/>
+          </p:cNvSpPr>
+          <p:nvPr>
+            <p:ph type="title"/>
+          </p:nvPr>
+        </p:nvSpPr>
+        <p:spPr>
+          <a:xfrm>
+            <a:off x="648302" y="1229700"/>
+            <a:ext cx="3976496" cy="2199300"/>
+          </a:xfrm>
+        </p:spPr>
+        <p:txBody>
+          <a:bodyPr vert="horz" lIns="91440" tIns="45720" rIns="91440" bIns="45720" rtlCol="0" anchor="b">
+            <a:normAutofit/>
+          </a:bodyPr>
+          <a:lstStyle/>
+          <a:p>
+            <a:r>
+              <a:rPr lang="en-US" sz="5200" kern="1200" dirty="0">
+                <a:solidFill>
+                  <a:schemeClr val="tx1"/>
+                </a:solidFill>
+                <a:latin typeface="+mj-lt"/>
+                <a:ea typeface="+mj-ea"/>
+                <a:cs typeface="+mj-cs"/>
+              </a:rPr>
+              <a:t>Service Period</a:t>
+            </a:r>
+          </a:p>
+        </p:txBody>
+      </p:sp>
+      <p:pic>
+        <p:nvPicPr>
+          <p:cNvPr id="5" name="Grafik 4" descr="Ein Bild, das Tisch enthält.&#10;&#10;Automatisch generierte Beschreibung">
+            <a:extLst>
+              <a:ext uri="{FF2B5EF4-FFF2-40B4-BE49-F238E27FC236}">
+                <a16:creationId xmlns:a16="http://schemas.microsoft.com/office/drawing/2014/main" id="{F86E3232-7956-455B-9743-D855EFB474F5}"/>
+              </a:ext>
+            </a:extLst>
+          </p:cNvPr>
+          <p:cNvPicPr>
+            <a:picLocks noChangeAspect="1"/>
+          </p:cNvPicPr>
+          <p:nvPr/>
+        </p:nvPicPr>
+        <p:blipFill>
+          <a:blip r:embed="rId2">
+            <a:extLst>
+              <a:ext uri="{28A0092B-C50C-407E-A947-70E740481C1C}">
+                <a14:useLocalDpi xmlns:a14="http://schemas.microsoft.com/office/drawing/2010/main" val="0"/>
+              </a:ext>
+            </a:extLst>
+          </a:blip>
+          <a:stretch>
+            <a:fillRect/>
+          </a:stretch>
+        </p:blipFill>
+        <p:spPr>
+          <a:xfrm>
+            <a:off x="6384022" y="212766"/>
+            <a:ext cx="5058204" cy="6432468"/>
+          </a:xfrm>
+          <a:prstGeom prst="rect">
+            <a:avLst/>
+          </a:prstGeom>
+        </p:spPr>
+      </p:pic>
+      <p:sp>
+        <p:nvSpPr>
+          <p:cNvPr id="9" name="Textfeld 8">
+            <a:extLst>
+              <a:ext uri="{FF2B5EF4-FFF2-40B4-BE49-F238E27FC236}">
+                <a16:creationId xmlns:a16="http://schemas.microsoft.com/office/drawing/2014/main" id="{866D32DA-F96B-4064-812B-2FB15411BFC5}"/>
+              </a:ext>
+            </a:extLst>
+          </p:cNvPr>
+          <p:cNvSpPr txBox="1"/>
+          <p:nvPr/>
+        </p:nvSpPr>
+        <p:spPr>
+          <a:xfrm>
+            <a:off x="8445267" y="6595643"/>
+            <a:ext cx="3073866" cy="246221"/>
+          </a:xfrm>
+          <a:prstGeom prst="rect">
+            <a:avLst/>
+          </a:prstGeom>
+          <a:noFill/>
+        </p:spPr>
+        <p:txBody>
+          <a:bodyPr wrap="square" rtlCol="0">
+            <a:spAutoFit/>
+          </a:bodyPr>
+          <a:lstStyle/>
+          <a:p>
+            <a:r>
+              <a:rPr lang="en-US" sz="1000" dirty="0"/>
+              <a:t>[</a:t>
+            </a:r>
+            <a:r>
+              <a:rPr lang="en-US" sz="1000" dirty="0" err="1"/>
+              <a:t>Rosenbaumet</a:t>
+            </a:r>
+            <a:r>
+              <a:rPr lang="en-US" sz="1000" dirty="0"/>
+              <a:t> al.2017]</a:t>
+            </a:r>
+          </a:p>
+        </p:txBody>
+      </p:sp>
+    </p:spTree>
+    <p:extLst>
+      <p:ext uri="{BB962C8B-B14F-4D97-AF65-F5344CB8AC3E}">
+        <p14:creationId xmlns:p14="http://schemas.microsoft.com/office/powerpoint/2010/main" val="204137321"/>
+      </p:ext>
+    </p:extLst>
+  </p:cSld>
+  <p:clrMapOvr>
+    <a:masterClrMapping/>
+  </p:clrMapOvr>
+</p:sld>
+</file>
+
+<file path=ppt/slides/slide13.xml><?xml version="1.0" encoding="utf-8"?>
+<p:sld xmlns:a="http://schemas.openxmlformats.org/drawingml/2006/main" xmlns:r="http://schemas.openxmlformats.org/officeDocument/2006/relationships" xmlns:p="http://schemas.openxmlformats.org/presentationml/2006/main">
+  <p:cSld>
+    <p:bg>
+      <p:bgPr>
+        <a:solidFill>
+          <a:schemeClr val="bg1"/>
+        </a:solidFill>
+        <a:effectLst/>
+      </p:bgPr>
+    </p:bg>
+    <p:spTree>
+      <p:nvGrpSpPr>
+        <p:cNvPr id="1" name=""/>
+        <p:cNvGrpSpPr/>
+        <p:nvPr/>
+      </p:nvGrpSpPr>
+      <p:grpSpPr>
+        <a:xfrm>
+          <a:off x="0" y="0"/>
+          <a:ext cx="0" cy="0"/>
+          <a:chOff x="0" y="0"/>
+          <a:chExt cx="0" cy="0"/>
+        </a:xfrm>
+      </p:grpSpPr>
+      <p:sp useBgFill="1">
+        <p:nvSpPr>
+          <p:cNvPr id="11" name="Rectangle 10">
+            <a:extLst>
+              <a:ext uri="{FF2B5EF4-FFF2-40B4-BE49-F238E27FC236}">
+                <a16:creationId xmlns:a16="http://schemas.microsoft.com/office/drawing/2014/main" id="{22587ECF-85E9-4393-9D87-8EB6F3F6C208}"/>
+              </a:ext>
+              <a:ext uri="{C183D7F6-B498-43B3-948B-1728B52AA6E4}">
+                <adec:decorative xmlns:adec="http://schemas.microsoft.com/office/drawing/2017/decorative" val="1"/>
+              </a:ext>
+            </a:extLst>
+          </p:cNvPr>
+          <p:cNvSpPr>
+            <a:spLocks noGrp="1" noRot="1" noChangeAspect="1" noMove="1" noResize="1" noEditPoints="1" noAdjustHandles="1" noChangeArrowheads="1" noChangeShapeType="1" noTextEdit="1"/>
+          </p:cNvSpPr>
+          <p:nvPr>
+            <p:extLst>
+              <p:ext uri="{386F3935-93C4-4BCD-93E2-E3B085C9AB24}">
+                <p16:designElem xmlns:p16="http://schemas.microsoft.com/office/powerpoint/2015/main" val="1"/>
+              </p:ext>
+            </p:extLst>
+          </p:nvPr>
+        </p:nvSpPr>
+        <p:spPr>
+          <a:xfrm>
+            <a:off x="-1" y="0"/>
+            <a:ext cx="12188952" cy="6858000"/>
+          </a:xfrm>
+          <a:prstGeom prst="rect">
+            <a:avLst/>
+          </a:prstGeom>
+          <a:ln>
+            <a:noFill/>
+          </a:ln>
+        </p:spPr>
+        <p:style>
+          <a:lnRef idx="2">
+            <a:schemeClr val="accent1">
+              <a:shade val="50000"/>
+            </a:schemeClr>
+          </a:lnRef>
+          <a:fillRef idx="1">
+            <a:schemeClr val="accent1"/>
+          </a:fillRef>
+          <a:effectRef idx="0">
+            <a:schemeClr val="accent1"/>
+          </a:effectRef>
+          <a:fontRef idx="minor">
+            <a:schemeClr val="lt1"/>
+          </a:fontRef>
+        </p:style>
+        <p:txBody>
+          <a:bodyPr rtlCol="0" anchor="ctr"/>
+          <a:lstStyle/>
+          <a:p>
+            <a:pPr algn="ctr"/>
+            <a:endParaRPr lang="en-US"/>
+          </a:p>
+        </p:txBody>
+      </p:sp>
+      <p:sp>
+        <p:nvSpPr>
+          <p:cNvPr id="2" name="Titel 1">
+            <a:extLst>
+              <a:ext uri="{FF2B5EF4-FFF2-40B4-BE49-F238E27FC236}">
+                <a16:creationId xmlns:a16="http://schemas.microsoft.com/office/drawing/2014/main" id="{7A192B9F-EBFA-4972-A930-6BB6E58FFF3D}"/>
+              </a:ext>
+            </a:extLst>
+          </p:cNvPr>
+          <p:cNvSpPr>
+            <a:spLocks noGrp="1"/>
+          </p:cNvSpPr>
+          <p:nvPr>
+            <p:ph type="title"/>
+          </p:nvPr>
+        </p:nvSpPr>
+        <p:spPr>
+          <a:xfrm>
+            <a:off x="838199" y="537883"/>
+            <a:ext cx="4783697" cy="1942810"/>
+          </a:xfrm>
+        </p:spPr>
+        <p:txBody>
+          <a:bodyPr anchor="b">
+            <a:normAutofit/>
+          </a:bodyPr>
+          <a:lstStyle/>
+          <a:p>
+            <a:r>
+              <a:rPr lang="de-DE" sz="4000" dirty="0"/>
+              <a:t>Vorteile für </a:t>
+            </a:r>
+            <a:r>
+              <a:rPr lang="de-DE" sz="4000" dirty="0" err="1"/>
+              <a:t>Unternhemen</a:t>
+            </a:r>
+            <a:endParaRPr lang="de-DE" sz="4000" dirty="0"/>
+          </a:p>
+        </p:txBody>
+      </p:sp>
+      <p:sp>
+        <p:nvSpPr>
+          <p:cNvPr id="3" name="Inhaltsplatzhalter 2">
+            <a:extLst>
+              <a:ext uri="{FF2B5EF4-FFF2-40B4-BE49-F238E27FC236}">
+                <a16:creationId xmlns:a16="http://schemas.microsoft.com/office/drawing/2014/main" id="{68AF4279-EE49-4CBE-A19A-AA481D02B38D}"/>
+              </a:ext>
+            </a:extLst>
+          </p:cNvPr>
+          <p:cNvSpPr>
+            <a:spLocks noGrp="1"/>
+          </p:cNvSpPr>
+          <p:nvPr>
+            <p:ph idx="1"/>
+          </p:nvPr>
+        </p:nvSpPr>
+        <p:spPr>
+          <a:xfrm>
+            <a:off x="838199" y="2660516"/>
+            <a:ext cx="4783697" cy="3433583"/>
+          </a:xfrm>
+        </p:spPr>
+        <p:txBody>
+          <a:bodyPr>
+            <a:normAutofit/>
+          </a:bodyPr>
+          <a:lstStyle/>
+          <a:p>
+            <a:r>
+              <a:rPr lang="de-DE" sz="2000" dirty="0">
+                <a:latin typeface="Minion-Regular"/>
+              </a:rPr>
+              <a:t>Kundengetriebener Designprozess</a:t>
+            </a:r>
+          </a:p>
+          <a:p>
+            <a:r>
+              <a:rPr lang="de-DE" sz="2000" dirty="0">
+                <a:latin typeface="Minion-Regular"/>
+              </a:rPr>
+              <a:t>Sehr flexibel einsetzbar</a:t>
+            </a:r>
+          </a:p>
+          <a:p>
+            <a:r>
+              <a:rPr lang="de-DE" sz="2000" dirty="0">
+                <a:latin typeface="Minion-Regular"/>
+              </a:rPr>
+              <a:t>CJMs ermöglichen ein besseres Verständnis für die Komplexität des Produkt-Ökosystems</a:t>
+            </a:r>
+          </a:p>
+          <a:p>
+            <a:r>
+              <a:rPr lang="de-DE" sz="2000" dirty="0">
+                <a:latin typeface="Minion-Regular"/>
+              </a:rPr>
+              <a:t>Durch die Einbeziehung der Emotionen und Denkprozesse der tatsächlichen Kunden kann die Analyse über die üblichen quantitativen Daten</a:t>
+            </a:r>
+          </a:p>
+        </p:txBody>
+      </p:sp>
+      <p:pic>
+        <p:nvPicPr>
+          <p:cNvPr id="6" name="Grafik 5">
+            <a:extLst>
+              <a:ext uri="{FF2B5EF4-FFF2-40B4-BE49-F238E27FC236}">
+                <a16:creationId xmlns:a16="http://schemas.microsoft.com/office/drawing/2014/main" id="{B5E463BB-6709-4502-9835-95D112427E9A}"/>
+              </a:ext>
+            </a:extLst>
+          </p:cNvPr>
+          <p:cNvPicPr>
+            <a:picLocks noChangeAspect="1"/>
+          </p:cNvPicPr>
+          <p:nvPr/>
+        </p:nvPicPr>
+        <p:blipFill>
+          <a:blip r:embed="rId2">
+            <a:extLst>
+              <a:ext uri="{28A0092B-C50C-407E-A947-70E740481C1C}">
+                <a14:useLocalDpi xmlns:a14="http://schemas.microsoft.com/office/drawing/2010/main" val="0"/>
+              </a:ext>
+            </a:extLst>
+          </a:blip>
+          <a:stretch>
+            <a:fillRect/>
+          </a:stretch>
+        </p:blipFill>
+        <p:spPr>
+          <a:xfrm>
+            <a:off x="5988424" y="1759521"/>
+            <a:ext cx="5365375" cy="3138744"/>
+          </a:xfrm>
+          <a:prstGeom prst="rect">
+            <a:avLst/>
+          </a:prstGeom>
+        </p:spPr>
+      </p:pic>
     </p:spTree>
     <p:extLst>
       <p:ext uri="{BB962C8B-B14F-4D97-AF65-F5344CB8AC3E}">
@@ -5038,7 +6310,223 @@
 </p:sld>
 </file>
 
-<file path=ppt/slides/slide11.xml><?xml version="1.0" encoding="utf-8"?>
+<file path=ppt/slides/slide14.xml><?xml version="1.0" encoding="utf-8"?>
+<p:sld xmlns:a="http://schemas.openxmlformats.org/drawingml/2006/main" xmlns:r="http://schemas.openxmlformats.org/officeDocument/2006/relationships" xmlns:p="http://schemas.openxmlformats.org/presentationml/2006/main">
+  <p:cSld>
+    <p:bg>
+      <p:bgPr>
+        <a:solidFill>
+          <a:schemeClr val="bg1"/>
+        </a:solidFill>
+        <a:effectLst/>
+      </p:bgPr>
+    </p:bg>
+    <p:spTree>
+      <p:nvGrpSpPr>
+        <p:cNvPr id="1" name=""/>
+        <p:cNvGrpSpPr/>
+        <p:nvPr/>
+      </p:nvGrpSpPr>
+      <p:grpSpPr>
+        <a:xfrm>
+          <a:off x="0" y="0"/>
+          <a:ext cx="0" cy="0"/>
+          <a:chOff x="0" y="0"/>
+          <a:chExt cx="0" cy="0"/>
+        </a:xfrm>
+      </p:grpSpPr>
+      <p:sp useBgFill="1">
+        <p:nvSpPr>
+          <p:cNvPr id="10" name="Rectangle 9">
+            <a:extLst>
+              <a:ext uri="{FF2B5EF4-FFF2-40B4-BE49-F238E27FC236}">
+                <a16:creationId xmlns:a16="http://schemas.microsoft.com/office/drawing/2014/main" id="{22587ECF-85E9-4393-9D87-8EB6F3F6C208}"/>
+              </a:ext>
+              <a:ext uri="{C183D7F6-B498-43B3-948B-1728B52AA6E4}">
+                <adec:decorative xmlns:adec="http://schemas.microsoft.com/office/drawing/2017/decorative" val="1"/>
+              </a:ext>
+            </a:extLst>
+          </p:cNvPr>
+          <p:cNvSpPr>
+            <a:spLocks noGrp="1" noRot="1" noChangeAspect="1" noMove="1" noResize="1" noEditPoints="1" noAdjustHandles="1" noChangeArrowheads="1" noChangeShapeType="1" noTextEdit="1"/>
+          </p:cNvSpPr>
+          <p:nvPr>
+            <p:extLst>
+              <p:ext uri="{386F3935-93C4-4BCD-93E2-E3B085C9AB24}">
+                <p16:designElem xmlns:p16="http://schemas.microsoft.com/office/powerpoint/2015/main" val="1"/>
+              </p:ext>
+            </p:extLst>
+          </p:nvPr>
+        </p:nvSpPr>
+        <p:spPr>
+          <a:xfrm>
+            <a:off x="-1" y="0"/>
+            <a:ext cx="12188952" cy="6858000"/>
+          </a:xfrm>
+          <a:prstGeom prst="rect">
+            <a:avLst/>
+          </a:prstGeom>
+          <a:ln>
+            <a:noFill/>
+          </a:ln>
+        </p:spPr>
+        <p:style>
+          <a:lnRef idx="2">
+            <a:schemeClr val="accent1">
+              <a:shade val="50000"/>
+            </a:schemeClr>
+          </a:lnRef>
+          <a:fillRef idx="1">
+            <a:schemeClr val="accent1"/>
+          </a:fillRef>
+          <a:effectRef idx="0">
+            <a:schemeClr val="accent1"/>
+          </a:effectRef>
+          <a:fontRef idx="minor">
+            <a:schemeClr val="lt1"/>
+          </a:fontRef>
+        </p:style>
+        <p:txBody>
+          <a:bodyPr rtlCol="0" anchor="ctr"/>
+          <a:lstStyle/>
+          <a:p>
+            <a:pPr algn="ctr"/>
+            <a:endParaRPr lang="en-US"/>
+          </a:p>
+        </p:txBody>
+      </p:sp>
+      <p:sp>
+        <p:nvSpPr>
+          <p:cNvPr id="2" name="Titel 1">
+            <a:extLst>
+              <a:ext uri="{FF2B5EF4-FFF2-40B4-BE49-F238E27FC236}">
+                <a16:creationId xmlns:a16="http://schemas.microsoft.com/office/drawing/2014/main" id="{7604E352-3A07-4751-A9BF-C6AD3376B599}"/>
+              </a:ext>
+            </a:extLst>
+          </p:cNvPr>
+          <p:cNvSpPr>
+            <a:spLocks noGrp="1"/>
+          </p:cNvSpPr>
+          <p:nvPr>
+            <p:ph type="title"/>
+          </p:nvPr>
+        </p:nvSpPr>
+        <p:spPr>
+          <a:xfrm>
+            <a:off x="838199" y="537883"/>
+            <a:ext cx="4783697" cy="1942810"/>
+          </a:xfrm>
+        </p:spPr>
+        <p:txBody>
+          <a:bodyPr anchor="b">
+            <a:normAutofit/>
+          </a:bodyPr>
+          <a:lstStyle/>
+          <a:p>
+            <a:r>
+              <a:rPr lang="de-DE" sz="4000"/>
+              <a:t>Vorteile für Kunden</a:t>
+            </a:r>
+          </a:p>
+        </p:txBody>
+      </p:sp>
+      <p:sp>
+        <p:nvSpPr>
+          <p:cNvPr id="3" name="Inhaltsplatzhalter 2">
+            <a:extLst>
+              <a:ext uri="{FF2B5EF4-FFF2-40B4-BE49-F238E27FC236}">
+                <a16:creationId xmlns:a16="http://schemas.microsoft.com/office/drawing/2014/main" id="{002C0816-74F8-4874-87EE-C808D5CB40D1}"/>
+              </a:ext>
+            </a:extLst>
+          </p:cNvPr>
+          <p:cNvSpPr>
+            <a:spLocks noGrp="1"/>
+          </p:cNvSpPr>
+          <p:nvPr>
+            <p:ph idx="1"/>
+          </p:nvPr>
+        </p:nvSpPr>
+        <p:spPr>
+          <a:xfrm>
+            <a:off x="838199" y="2686323"/>
+            <a:ext cx="4783697" cy="3433583"/>
+          </a:xfrm>
+        </p:spPr>
+        <p:txBody>
+          <a:bodyPr>
+            <a:normAutofit/>
+          </a:bodyPr>
+          <a:lstStyle/>
+          <a:p>
+            <a:r>
+              <a:rPr lang="de-DE" sz="2000"/>
+              <a:t>Starke Einflussmöglichkeit des Kunden auf das Produkt</a:t>
+            </a:r>
+          </a:p>
+          <a:p>
+            <a:pPr marL="0" indent="0">
+              <a:buNone/>
+            </a:pPr>
+            <a:endParaRPr lang="de-DE" sz="2000"/>
+          </a:p>
+          <a:p>
+            <a:r>
+              <a:rPr lang="de-DE" sz="2000"/>
+              <a:t>Auch individuelle Ansichten oder Emotionen des Kunden im Bezug auf das Produkt werden durch die ethnographischen Methoden berücksichtigt</a:t>
+            </a:r>
+          </a:p>
+        </p:txBody>
+      </p:sp>
+      <p:pic>
+        <p:nvPicPr>
+          <p:cNvPr id="5" name="Grafik 4">
+            <a:extLst>
+              <a:ext uri="{FF2B5EF4-FFF2-40B4-BE49-F238E27FC236}">
+                <a16:creationId xmlns:a16="http://schemas.microsoft.com/office/drawing/2014/main" id="{B9B2E737-63B1-4ED5-8090-48708429B4B6}"/>
+              </a:ext>
+            </a:extLst>
+          </p:cNvPr>
+          <p:cNvPicPr>
+            <a:picLocks noChangeAspect="1"/>
+          </p:cNvPicPr>
+          <p:nvPr/>
+        </p:nvPicPr>
+        <p:blipFill>
+          <a:blip r:embed="rId2">
+            <a:extLst>
+              <a:ext uri="{28A0092B-C50C-407E-A947-70E740481C1C}">
+                <a14:useLocalDpi xmlns:a14="http://schemas.microsoft.com/office/drawing/2010/main" val="0"/>
+              </a:ext>
+            </a:extLst>
+          </a:blip>
+          <a:stretch>
+            <a:fillRect/>
+          </a:stretch>
+        </p:blipFill>
+        <p:spPr>
+          <a:xfrm>
+            <a:off x="5988424" y="1759521"/>
+            <a:ext cx="5365375" cy="3138744"/>
+          </a:xfrm>
+          <a:prstGeom prst="rect">
+            <a:avLst/>
+          </a:prstGeom>
+        </p:spPr>
+      </p:pic>
+    </p:spTree>
+    <p:extLst>
+      <p:ext uri="{BB962C8B-B14F-4D97-AF65-F5344CB8AC3E}">
+        <p14:creationId xmlns:p14="http://schemas.microsoft.com/office/powerpoint/2010/main" val="3297084981"/>
+      </p:ext>
+    </p:extLst>
+  </p:cSld>
+  <p:clrMapOvr>
+    <a:masterClrMapping/>
+  </p:clrMapOvr>
+</p:sld>
+</file>
+
+<file path=ppt/slides/slide15.xml><?xml version="1.0" encoding="utf-8"?>
 <p:sld xmlns:a="http://schemas.openxmlformats.org/drawingml/2006/main" xmlns:r="http://schemas.openxmlformats.org/officeDocument/2006/relationships" xmlns:p="http://schemas.openxmlformats.org/presentationml/2006/main">
   <p:cSld>
     <p:spTree>
@@ -5060,7 +6548,7 @@
           <p:cNvPr id="2" name="Titel 1">
             <a:extLst>
               <a:ext uri="{FF2B5EF4-FFF2-40B4-BE49-F238E27FC236}">
-                <a16:creationId xmlns:a16="http://schemas.microsoft.com/office/drawing/2014/main" id="{7604E352-3A07-4751-A9BF-C6AD3376B599}"/>
+                <a16:creationId xmlns:a16="http://schemas.microsoft.com/office/drawing/2014/main" id="{042B9283-03AE-42DC-860F-F2598CB07825}"/>
               </a:ext>
             </a:extLst>
           </p:cNvPr>
@@ -5077,9 +6565,10 @@
           <a:lstStyle/>
           <a:p>
             <a:r>
-              <a:rPr lang="de-DE" dirty="0"/>
-              <a:t>Vorteile für Kunden</a:t>
-            </a:r>
+              <a:rPr lang="en-US" dirty="0" err="1"/>
+              <a:t>Literaturquellen</a:t>
+            </a:r>
+            <a:endParaRPr lang="en-US" dirty="0"/>
           </a:p>
         </p:txBody>
       </p:sp>
@@ -5088,7 +6577,7 @@
           <p:cNvPr id="3" name="Inhaltsplatzhalter 2">
             <a:extLst>
               <a:ext uri="{FF2B5EF4-FFF2-40B4-BE49-F238E27FC236}">
-                <a16:creationId xmlns:a16="http://schemas.microsoft.com/office/drawing/2014/main" id="{002C0816-74F8-4874-87EE-C808D5CB40D1}"/>
+                <a16:creationId xmlns:a16="http://schemas.microsoft.com/office/drawing/2014/main" id="{2C9AF1AA-4E5A-4589-8C72-1BF8C40BD4E7}"/>
               </a:ext>
             </a:extLst>
           </p:cNvPr>
@@ -5101,36 +6590,709 @@
         </p:nvSpPr>
         <p:spPr/>
         <p:txBody>
-          <a:bodyPr/>
+          <a:bodyPr>
+            <a:normAutofit/>
+          </a:bodyPr>
           <a:lstStyle/>
           <a:p>
-            <a:r>
-              <a:rPr lang="de-DE" dirty="0"/>
-              <a:t>Starke Einflussmöglichkeit des Kunden auf </a:t>
-            </a:r>
-            <a:r>
-              <a:rPr lang="de-DE"/>
-              <a:t>das Produkt</a:t>
-            </a:r>
-          </a:p>
-          <a:p>
-            <a:pPr marL="0" indent="0">
+            <a:pPr marL="0" indent="0" rtl="0">
               <a:buNone/>
             </a:pPr>
-            <a:endParaRPr lang="de-DE" dirty="0"/>
-          </a:p>
-          <a:p>
-            <a:r>
-              <a:rPr lang="de-DE" dirty="0"/>
-              <a:t>Auch individuelle Ansichten oder Emotionen des Kunden im Bezug auf das Produkt werden durch die ethnographischen Methoden berücksichtigt</a:t>
-            </a:r>
+            <a:r>
+              <a:rPr lang="en-US" sz="1100" dirty="0" err="1">
+                <a:effectLst/>
+                <a:latin typeface="Arial" panose="020B0604020202020204" pitchFamily="34" charset="0"/>
+              </a:rPr>
+              <a:t>Mucz</a:t>
+            </a:r>
+            <a:r>
+              <a:rPr lang="en-US" sz="1100" dirty="0">
+                <a:effectLst/>
+                <a:latin typeface="Arial" panose="020B0604020202020204" pitchFamily="34" charset="0"/>
+              </a:rPr>
+              <a:t>, D. and </a:t>
+            </a:r>
+            <a:r>
+              <a:rPr lang="en-US" sz="1100" dirty="0" err="1">
+                <a:effectLst/>
+                <a:latin typeface="Arial" panose="020B0604020202020204" pitchFamily="34" charset="0"/>
+              </a:rPr>
+              <a:t>Gareau</a:t>
+            </a:r>
+            <a:r>
+              <a:rPr lang="en-US" sz="1100" dirty="0">
+                <a:effectLst/>
+                <a:latin typeface="Arial" panose="020B0604020202020204" pitchFamily="34" charset="0"/>
+              </a:rPr>
+              <a:t>-Brennan, </a:t>
+            </a:r>
+            <a:r>
+              <a:rPr lang="en-US" sz="1100" dirty="0" err="1">
+                <a:effectLst/>
+                <a:latin typeface="Arial" panose="020B0604020202020204" pitchFamily="34" charset="0"/>
+              </a:rPr>
+              <a:t>C.Evaluating</a:t>
+            </a:r>
+            <a:r>
+              <a:rPr lang="en-US" sz="1100" dirty="0">
+                <a:effectLst/>
+                <a:latin typeface="Arial" panose="020B0604020202020204" pitchFamily="34" charset="0"/>
+              </a:rPr>
+              <a:t> Customer Experience through Customer Journey Map-ping and Service Blueprinting at Edmonton Public Library: An Exploratory </a:t>
+            </a:r>
+            <a:r>
+              <a:rPr lang="en-US" sz="1100" dirty="0" err="1">
+                <a:effectLst/>
+                <a:latin typeface="Arial" panose="020B0604020202020204" pitchFamily="34" charset="0"/>
+              </a:rPr>
+              <a:t>Study.Partnership:The</a:t>
+            </a:r>
+            <a:r>
+              <a:rPr lang="en-US" sz="1100" dirty="0">
+                <a:effectLst/>
+                <a:latin typeface="Arial" panose="020B0604020202020204" pitchFamily="34" charset="0"/>
+              </a:rPr>
+              <a:t> Canadian Journal of Library and Information Practice and Research, 14(1), May 2019.</a:t>
+            </a:r>
+          </a:p>
+          <a:p>
+            <a:pPr marL="0" indent="0" rtl="0">
+              <a:buNone/>
+            </a:pPr>
+            <a:r>
+              <a:rPr lang="de-DE" sz="1100" b="0" i="0" dirty="0">
+                <a:solidFill>
+                  <a:srgbClr val="000000"/>
+                </a:solidFill>
+                <a:effectLst/>
+                <a:latin typeface="Arial" panose="020B0604020202020204" pitchFamily="34" charset="0"/>
+              </a:rPr>
+              <a:t>Institut der deutschen Wirtschaft Datenwirtschaft   in   Deutschland   -   Wo   stehen die  Unternehmen  in  der  Datennutzung  und  was  sind  ihre  großen  </a:t>
+            </a:r>
+            <a:r>
+              <a:rPr lang="de-DE" sz="1100" b="0" i="0" dirty="0" err="1">
+                <a:solidFill>
+                  <a:srgbClr val="000000"/>
+                </a:solidFill>
+                <a:effectLst/>
+                <a:latin typeface="Arial" panose="020B0604020202020204" pitchFamily="34" charset="0"/>
+              </a:rPr>
+              <a:t>Hemmnisse?.https</a:t>
+            </a:r>
+            <a:r>
+              <a:rPr lang="de-DE" sz="1100" b="0" i="0" dirty="0">
+                <a:solidFill>
+                  <a:srgbClr val="000000"/>
+                </a:solidFill>
+                <a:effectLst/>
+                <a:latin typeface="Arial" panose="020B0604020202020204" pitchFamily="34" charset="0"/>
+              </a:rPr>
+              <a:t>://bdi.eu/</a:t>
+            </a:r>
+            <a:r>
+              <a:rPr lang="de-DE" sz="1100" b="0" i="0" dirty="0" err="1">
+                <a:solidFill>
+                  <a:srgbClr val="000000"/>
+                </a:solidFill>
+                <a:effectLst/>
+                <a:latin typeface="Arial" panose="020B0604020202020204" pitchFamily="34" charset="0"/>
+              </a:rPr>
+              <a:t>publikation</a:t>
+            </a:r>
+            <a:r>
+              <a:rPr lang="de-DE" sz="1100" b="0" i="0" dirty="0">
+                <a:solidFill>
+                  <a:srgbClr val="000000"/>
+                </a:solidFill>
+                <a:effectLst/>
+                <a:latin typeface="Arial" panose="020B0604020202020204" pitchFamily="34" charset="0"/>
+              </a:rPr>
+              <a:t>/</a:t>
+            </a:r>
+            <a:r>
+              <a:rPr lang="de-DE" sz="1100" b="0" i="0" dirty="0" err="1">
+                <a:solidFill>
+                  <a:srgbClr val="000000"/>
+                </a:solidFill>
+                <a:effectLst/>
+                <a:latin typeface="Arial" panose="020B0604020202020204" pitchFamily="34" charset="0"/>
+              </a:rPr>
+              <a:t>news</a:t>
+            </a:r>
+            <a:r>
+              <a:rPr lang="de-DE" sz="1100" b="0" i="0" dirty="0">
+                <a:solidFill>
+                  <a:srgbClr val="000000"/>
+                </a:solidFill>
+                <a:effectLst/>
+                <a:latin typeface="Arial" panose="020B0604020202020204" pitchFamily="34" charset="0"/>
+              </a:rPr>
+              <a:t>/</a:t>
+            </a:r>
+            <a:r>
+              <a:rPr lang="de-DE" sz="1100" b="0" i="0" dirty="0" err="1">
+                <a:solidFill>
+                  <a:srgbClr val="000000"/>
+                </a:solidFill>
+                <a:effectLst/>
+                <a:latin typeface="Arial" panose="020B0604020202020204" pitchFamily="34" charset="0"/>
+              </a:rPr>
+              <a:t>datenwirtschaft</a:t>
+            </a:r>
+            <a:r>
+              <a:rPr lang="de-DE" sz="1100" b="0" i="0" dirty="0">
+                <a:solidFill>
+                  <a:srgbClr val="000000"/>
+                </a:solidFill>
+                <a:effectLst/>
+                <a:latin typeface="Arial" panose="020B0604020202020204" pitchFamily="34" charset="0"/>
+              </a:rPr>
+              <a:t>-in-deutschland/, 2021.</a:t>
+            </a:r>
+            <a:endParaRPr lang="de-DE" sz="1100" dirty="0">
+              <a:solidFill>
+                <a:srgbClr val="000000"/>
+              </a:solidFill>
+              <a:latin typeface="Arial" panose="020B0604020202020204" pitchFamily="34" charset="0"/>
+            </a:endParaRPr>
+          </a:p>
+          <a:p>
+            <a:pPr marL="0" indent="0" rtl="0">
+              <a:buNone/>
+            </a:pPr>
+            <a:r>
+              <a:rPr lang="de-DE" sz="1100" b="0" i="0" dirty="0" err="1">
+                <a:effectLst/>
+                <a:latin typeface="Arial" panose="020B0604020202020204" pitchFamily="34" charset="0"/>
+              </a:rPr>
+              <a:t>Haugstveit</a:t>
+            </a:r>
+            <a:r>
+              <a:rPr lang="de-DE" sz="1100" b="0" i="0" dirty="0">
+                <a:effectLst/>
+                <a:latin typeface="Arial" panose="020B0604020202020204" pitchFamily="34" charset="0"/>
+              </a:rPr>
+              <a:t>, I., </a:t>
+            </a:r>
+            <a:r>
+              <a:rPr lang="de-DE" sz="1100" b="0" i="0" dirty="0" err="1">
+                <a:effectLst/>
+                <a:latin typeface="Arial" panose="020B0604020202020204" pitchFamily="34" charset="0"/>
+              </a:rPr>
+              <a:t>Halvorsrud</a:t>
+            </a:r>
+            <a:r>
+              <a:rPr lang="de-DE" sz="1100" b="0" i="0" dirty="0">
+                <a:effectLst/>
+                <a:latin typeface="Arial" panose="020B0604020202020204" pitchFamily="34" charset="0"/>
+              </a:rPr>
+              <a:t>, R. and </a:t>
+            </a:r>
+            <a:r>
+              <a:rPr lang="de-DE" sz="1100" b="0" i="0" dirty="0" err="1">
+                <a:effectLst/>
+                <a:latin typeface="Arial" panose="020B0604020202020204" pitchFamily="34" charset="0"/>
+              </a:rPr>
+              <a:t>Karahasanovic</a:t>
+            </a:r>
+            <a:r>
+              <a:rPr lang="de-DE" sz="1100" b="0" i="0" dirty="0">
+                <a:effectLst/>
+                <a:latin typeface="Arial" panose="020B0604020202020204" pitchFamily="34" charset="0"/>
+              </a:rPr>
+              <a:t>, A. </a:t>
+            </a:r>
+            <a:r>
+              <a:rPr lang="de-DE" sz="1100" b="0" i="0" dirty="0" err="1">
+                <a:effectLst/>
+                <a:latin typeface="Arial" panose="020B0604020202020204" pitchFamily="34" charset="0"/>
+              </a:rPr>
+              <a:t>Supporting</a:t>
+            </a:r>
+            <a:r>
+              <a:rPr lang="de-DE" sz="1100" b="0" i="0" dirty="0">
+                <a:effectLst/>
+                <a:latin typeface="Arial" panose="020B0604020202020204" pitchFamily="34" charset="0"/>
+              </a:rPr>
+              <a:t> </a:t>
+            </a:r>
+            <a:r>
+              <a:rPr lang="de-DE" sz="1100" b="0" i="0" dirty="0" err="1">
+                <a:effectLst/>
+                <a:latin typeface="Arial" panose="020B0604020202020204" pitchFamily="34" charset="0"/>
+              </a:rPr>
+              <a:t>redesign</a:t>
+            </a:r>
+            <a:r>
+              <a:rPr lang="de-DE" sz="1100" b="0" i="0" dirty="0">
+                <a:effectLst/>
+                <a:latin typeface="Arial" panose="020B0604020202020204" pitchFamily="34" charset="0"/>
+              </a:rPr>
+              <a:t> </a:t>
+            </a:r>
+            <a:r>
+              <a:rPr lang="de-DE" sz="1100" b="0" i="0" dirty="0" err="1">
+                <a:effectLst/>
+                <a:latin typeface="Arial" panose="020B0604020202020204" pitchFamily="34" charset="0"/>
+              </a:rPr>
+              <a:t>of</a:t>
+            </a:r>
+            <a:r>
+              <a:rPr lang="de-DE" sz="1100" b="0" i="0" dirty="0">
+                <a:effectLst/>
+                <a:latin typeface="Arial" panose="020B0604020202020204" pitchFamily="34" charset="0"/>
+              </a:rPr>
+              <a:t> C2C </a:t>
+            </a:r>
+            <a:r>
+              <a:rPr lang="de-DE" sz="1100" b="0" i="0" dirty="0" err="1">
+                <a:effectLst/>
+                <a:latin typeface="Arial" panose="020B0604020202020204" pitchFamily="34" charset="0"/>
+              </a:rPr>
+              <a:t>services</a:t>
+            </a:r>
+            <a:r>
+              <a:rPr lang="de-DE" sz="1100" b="0" i="0" dirty="0">
+                <a:effectLst/>
+                <a:latin typeface="Arial" panose="020B0604020202020204" pitchFamily="34" charset="0"/>
+              </a:rPr>
+              <a:t> </a:t>
+            </a:r>
+            <a:r>
+              <a:rPr lang="de-DE" sz="1100" b="0" i="0" dirty="0" err="1">
+                <a:effectLst/>
+                <a:latin typeface="Arial" panose="020B0604020202020204" pitchFamily="34" charset="0"/>
+              </a:rPr>
+              <a:t>throughcustomer</a:t>
+            </a:r>
+            <a:r>
+              <a:rPr lang="de-DE" sz="1100" b="0" i="0" dirty="0">
+                <a:effectLst/>
+                <a:latin typeface="Arial" panose="020B0604020202020204" pitchFamily="34" charset="0"/>
+              </a:rPr>
+              <a:t> </a:t>
+            </a:r>
+            <a:r>
+              <a:rPr lang="de-DE" sz="1100" b="0" i="0" dirty="0" err="1">
+                <a:effectLst/>
+                <a:latin typeface="Arial" panose="020B0604020202020204" pitchFamily="34" charset="0"/>
+              </a:rPr>
+              <a:t>journey</a:t>
+            </a:r>
+            <a:r>
+              <a:rPr lang="de-DE" sz="1100" b="0" i="0" dirty="0">
+                <a:effectLst/>
+                <a:latin typeface="Arial" panose="020B0604020202020204" pitchFamily="34" charset="0"/>
+              </a:rPr>
+              <a:t> </a:t>
+            </a:r>
+            <a:r>
+              <a:rPr lang="de-DE" sz="1100" b="0" i="0" dirty="0" err="1">
+                <a:effectLst/>
+                <a:latin typeface="Arial" panose="020B0604020202020204" pitchFamily="34" charset="0"/>
+              </a:rPr>
+              <a:t>mapping</a:t>
+            </a:r>
+            <a:r>
+              <a:rPr lang="de-DE" sz="1100" b="0" i="0" dirty="0">
+                <a:effectLst/>
+                <a:latin typeface="Arial" panose="020B0604020202020204" pitchFamily="34" charset="0"/>
+              </a:rPr>
+              <a:t>. In N. Morelli, A. de </a:t>
+            </a:r>
+            <a:r>
+              <a:rPr lang="de-DE" sz="1100" b="0" i="0" dirty="0" err="1">
+                <a:effectLst/>
+                <a:latin typeface="Arial" panose="020B0604020202020204" pitchFamily="34" charset="0"/>
+              </a:rPr>
+              <a:t>Gotzen</a:t>
+            </a:r>
+            <a:r>
+              <a:rPr lang="de-DE" sz="1100" b="0" i="0" dirty="0">
+                <a:effectLst/>
+                <a:latin typeface="Arial" panose="020B0604020202020204" pitchFamily="34" charset="0"/>
+              </a:rPr>
+              <a:t> and F. </a:t>
+            </a:r>
+            <a:r>
+              <a:rPr lang="de-DE" sz="1100" b="0" i="0" dirty="0" err="1">
+                <a:effectLst/>
+                <a:latin typeface="Arial" panose="020B0604020202020204" pitchFamily="34" charset="0"/>
+              </a:rPr>
+              <a:t>Grani</a:t>
+            </a:r>
+            <a:r>
+              <a:rPr lang="de-DE" sz="1100" b="0" i="0" dirty="0">
+                <a:effectLst/>
+                <a:latin typeface="Arial" panose="020B0604020202020204" pitchFamily="34" charset="0"/>
+              </a:rPr>
+              <a:t>, </a:t>
+            </a:r>
+            <a:r>
+              <a:rPr lang="de-DE" sz="1100" b="0" i="0" dirty="0" err="1">
+                <a:effectLst/>
+                <a:latin typeface="Arial" panose="020B0604020202020204" pitchFamily="34" charset="0"/>
+              </a:rPr>
+              <a:t>eds</a:t>
+            </a:r>
+            <a:r>
+              <a:rPr lang="de-DE" sz="1100" b="0" i="0" dirty="0">
+                <a:effectLst/>
+                <a:latin typeface="Arial" panose="020B0604020202020204" pitchFamily="34" charset="0"/>
+              </a:rPr>
+              <a:t>.,Service Design Ge-</a:t>
+            </a:r>
+            <a:r>
+              <a:rPr lang="de-DE" sz="1100" b="0" i="0" dirty="0" err="1">
+                <a:effectLst/>
+                <a:latin typeface="Arial" panose="020B0604020202020204" pitchFamily="34" charset="0"/>
+              </a:rPr>
+              <a:t>ographies</a:t>
+            </a:r>
+            <a:r>
+              <a:rPr lang="de-DE" sz="1100" b="0" i="0" dirty="0">
+                <a:effectLst/>
+                <a:latin typeface="Arial" panose="020B0604020202020204" pitchFamily="34" charset="0"/>
+              </a:rPr>
+              <a:t>. Proceedings </a:t>
+            </a:r>
+            <a:r>
+              <a:rPr lang="de-DE" sz="1100" b="0" i="0" dirty="0" err="1">
+                <a:effectLst/>
+                <a:latin typeface="Arial" panose="020B0604020202020204" pitchFamily="34" charset="0"/>
+              </a:rPr>
+              <a:t>of</a:t>
+            </a:r>
+            <a:r>
+              <a:rPr lang="de-DE" sz="1100" b="0" i="0" dirty="0">
+                <a:effectLst/>
+                <a:latin typeface="Arial" panose="020B0604020202020204" pitchFamily="34" charset="0"/>
+              </a:rPr>
+              <a:t> </a:t>
+            </a:r>
+            <a:r>
+              <a:rPr lang="de-DE" sz="1100" b="0" i="0" dirty="0" err="1">
+                <a:effectLst/>
+                <a:latin typeface="Arial" panose="020B0604020202020204" pitchFamily="34" charset="0"/>
+              </a:rPr>
+              <a:t>the</a:t>
+            </a:r>
+            <a:r>
+              <a:rPr lang="de-DE" sz="1100" b="0" i="0" dirty="0">
+                <a:effectLst/>
+                <a:latin typeface="Arial" panose="020B0604020202020204" pitchFamily="34" charset="0"/>
+              </a:rPr>
+              <a:t> ServDes2016 Conference, </a:t>
+            </a:r>
+            <a:r>
+              <a:rPr lang="de-DE" sz="1100" b="0" i="0" dirty="0" err="1">
+                <a:effectLst/>
+                <a:latin typeface="Arial" panose="020B0604020202020204" pitchFamily="34" charset="0"/>
+              </a:rPr>
+              <a:t>Linkoping</a:t>
+            </a:r>
+            <a:r>
+              <a:rPr lang="de-DE" sz="1100" b="0" i="0" dirty="0">
+                <a:effectLst/>
+                <a:latin typeface="Arial" panose="020B0604020202020204" pitchFamily="34" charset="0"/>
+              </a:rPr>
+              <a:t> Electronic Conference Pro-</a:t>
+            </a:r>
+            <a:r>
+              <a:rPr lang="de-DE" sz="1100" b="0" i="0" dirty="0" err="1">
+                <a:effectLst/>
+                <a:latin typeface="Arial" panose="020B0604020202020204" pitchFamily="34" charset="0"/>
+              </a:rPr>
+              <a:t>ceedings</a:t>
+            </a:r>
+            <a:r>
+              <a:rPr lang="de-DE" sz="1100" b="0" i="0" dirty="0">
+                <a:effectLst/>
+                <a:latin typeface="Arial" panose="020B0604020202020204" pitchFamily="34" charset="0"/>
+              </a:rPr>
+              <a:t>, </a:t>
+            </a:r>
+            <a:r>
+              <a:rPr lang="de-DE" sz="1100" b="0" i="0" dirty="0" err="1">
+                <a:effectLst/>
+                <a:latin typeface="Arial" panose="020B0604020202020204" pitchFamily="34" charset="0"/>
+              </a:rPr>
+              <a:t>Linkoping</a:t>
+            </a:r>
+            <a:r>
+              <a:rPr lang="de-DE" sz="1100" b="0" i="0" dirty="0">
+                <a:effectLst/>
+                <a:latin typeface="Arial" panose="020B0604020202020204" pitchFamily="34" charset="0"/>
+              </a:rPr>
+              <a:t> University Electronic Press, 05 2016, pp. 215 – 227.</a:t>
+            </a:r>
+          </a:p>
+          <a:p>
+            <a:pPr marL="0" indent="0" rtl="0">
+              <a:buNone/>
+            </a:pPr>
+            <a:r>
+              <a:rPr lang="de-DE" sz="1100" b="0" i="0" dirty="0">
+                <a:solidFill>
+                  <a:srgbClr val="000000"/>
+                </a:solidFill>
+                <a:effectLst/>
+                <a:latin typeface="Arial" panose="020B0604020202020204" pitchFamily="34" charset="0"/>
+              </a:rPr>
+              <a:t>Institut der deutschen Wirtschaft: Datenwirtschaft in Deutschland - Wo stehen die Unternehmen in der Datennutzung und was sind ihre größten Hemmnisse? 2021</a:t>
+            </a:r>
+          </a:p>
+          <a:p>
+            <a:pPr marL="0" indent="0" rtl="0">
+              <a:buNone/>
+            </a:pPr>
+            <a:r>
+              <a:rPr lang="en-US" sz="1100" b="0" i="0" dirty="0">
+                <a:solidFill>
+                  <a:srgbClr val="000000"/>
+                </a:solidFill>
+                <a:effectLst/>
+                <a:latin typeface="Arial" panose="020B0604020202020204" pitchFamily="34" charset="0"/>
+              </a:rPr>
+              <a:t>Rosenbaum, M. S., </a:t>
+            </a:r>
+            <a:r>
+              <a:rPr lang="en-US" sz="1100" b="0" i="0" dirty="0" err="1">
+                <a:solidFill>
+                  <a:srgbClr val="000000"/>
+                </a:solidFill>
+                <a:effectLst/>
+                <a:latin typeface="Arial" panose="020B0604020202020204" pitchFamily="34" charset="0"/>
+              </a:rPr>
+              <a:t>Otalora</a:t>
+            </a:r>
+            <a:r>
+              <a:rPr lang="en-US" sz="1100" b="0" i="0" dirty="0">
+                <a:solidFill>
+                  <a:srgbClr val="000000"/>
+                </a:solidFill>
+                <a:effectLst/>
+                <a:latin typeface="Arial" panose="020B0604020202020204" pitchFamily="34" charset="0"/>
+              </a:rPr>
+              <a:t>, M. L. and Ramirez, G. </a:t>
+            </a:r>
+            <a:r>
+              <a:rPr lang="en-US" sz="1100" b="0" i="0" dirty="0" err="1">
+                <a:solidFill>
+                  <a:srgbClr val="000000"/>
+                </a:solidFill>
+                <a:effectLst/>
+                <a:latin typeface="Arial" panose="020B0604020202020204" pitchFamily="34" charset="0"/>
+              </a:rPr>
+              <a:t>C.How</a:t>
+            </a:r>
+            <a:r>
+              <a:rPr lang="en-US" sz="1100" b="0" i="0" dirty="0">
+                <a:solidFill>
+                  <a:srgbClr val="000000"/>
+                </a:solidFill>
+                <a:effectLst/>
+                <a:latin typeface="Arial" panose="020B0604020202020204" pitchFamily="34" charset="0"/>
+              </a:rPr>
+              <a:t> to create a realistic customer </a:t>
+            </a:r>
+            <a:r>
+              <a:rPr lang="en-US" sz="1100" b="0" i="0" dirty="0" err="1">
+                <a:solidFill>
+                  <a:srgbClr val="000000"/>
+                </a:solidFill>
+                <a:effectLst/>
+                <a:latin typeface="Arial" panose="020B0604020202020204" pitchFamily="34" charset="0"/>
+              </a:rPr>
+              <a:t>journeymap.Business</a:t>
+            </a:r>
+            <a:r>
+              <a:rPr lang="en-US" sz="1100" b="0" i="0" dirty="0">
+                <a:solidFill>
+                  <a:srgbClr val="000000"/>
+                </a:solidFill>
+                <a:effectLst/>
+                <a:latin typeface="Arial" panose="020B0604020202020204" pitchFamily="34" charset="0"/>
+              </a:rPr>
+              <a:t> Horizons, 60(1), 2017: pp.  143–150.— 4 —</a:t>
+            </a:r>
+          </a:p>
+          <a:p>
+            <a:pPr marL="0" indent="0" rtl="0">
+              <a:buNone/>
+            </a:pPr>
+            <a:endParaRPr lang="de-DE" sz="1100" b="0" i="0" dirty="0">
+              <a:solidFill>
+                <a:srgbClr val="000000"/>
+              </a:solidFill>
+              <a:effectLst/>
+              <a:latin typeface="Arial" panose="020B0604020202020204" pitchFamily="34" charset="0"/>
+            </a:endParaRPr>
+          </a:p>
+          <a:p>
+            <a:pPr marL="0" indent="0" rtl="0">
+              <a:buNone/>
+            </a:pPr>
+            <a:br>
+              <a:rPr lang="en-US" sz="1100" b="0" i="0" dirty="0">
+                <a:solidFill>
+                  <a:srgbClr val="000000"/>
+                </a:solidFill>
+                <a:effectLst/>
+                <a:latin typeface="Arial" panose="020B0604020202020204" pitchFamily="34" charset="0"/>
+              </a:rPr>
+            </a:br>
+            <a:endParaRPr lang="en-US" sz="1100" dirty="0"/>
           </a:p>
         </p:txBody>
       </p:sp>
     </p:spTree>
     <p:extLst>
       <p:ext uri="{BB962C8B-B14F-4D97-AF65-F5344CB8AC3E}">
-        <p14:creationId xmlns:p14="http://schemas.microsoft.com/office/powerpoint/2010/main" val="3297084981"/>
+        <p14:creationId xmlns:p14="http://schemas.microsoft.com/office/powerpoint/2010/main" val="1748375574"/>
+      </p:ext>
+    </p:extLst>
+  </p:cSld>
+  <p:clrMapOvr>
+    <a:masterClrMapping/>
+  </p:clrMapOvr>
+</p:sld>
+</file>
+
+<file path=ppt/slides/slide16.xml><?xml version="1.0" encoding="utf-8"?>
+<p:sld xmlns:a="http://schemas.openxmlformats.org/drawingml/2006/main" xmlns:r="http://schemas.openxmlformats.org/officeDocument/2006/relationships" xmlns:p="http://schemas.openxmlformats.org/presentationml/2006/main">
+  <p:cSld>
+    <p:spTree>
+      <p:nvGrpSpPr>
+        <p:cNvPr id="1" name=""/>
+        <p:cNvGrpSpPr/>
+        <p:nvPr/>
+      </p:nvGrpSpPr>
+      <p:grpSpPr>
+        <a:xfrm>
+          <a:off x="0" y="0"/>
+          <a:ext cx="0" cy="0"/>
+          <a:chOff x="0" y="0"/>
+          <a:chExt cx="0" cy="0"/>
+        </a:xfrm>
+      </p:grpSpPr>
+      <p:sp>
+        <p:nvSpPr>
+          <p:cNvPr id="2" name="Titel 1">
+            <a:extLst>
+              <a:ext uri="{FF2B5EF4-FFF2-40B4-BE49-F238E27FC236}">
+                <a16:creationId xmlns:a16="http://schemas.microsoft.com/office/drawing/2014/main" id="{EB32BDE4-8705-4DE5-B76B-E01435DCDC1C}"/>
+              </a:ext>
+            </a:extLst>
+          </p:cNvPr>
+          <p:cNvSpPr>
+            <a:spLocks noGrp="1"/>
+          </p:cNvSpPr>
+          <p:nvPr>
+            <p:ph type="title"/>
+          </p:nvPr>
+        </p:nvSpPr>
+        <p:spPr/>
+        <p:txBody>
+          <a:bodyPr/>
+          <a:lstStyle/>
+          <a:p>
+            <a:r>
+              <a:rPr lang="en-US" dirty="0" err="1"/>
+              <a:t>Bilderquellen</a:t>
+            </a:r>
+            <a:endParaRPr lang="en-US" dirty="0"/>
+          </a:p>
+        </p:txBody>
+      </p:sp>
+      <p:sp>
+        <p:nvSpPr>
+          <p:cNvPr id="4" name="Textfeld 3">
+            <a:extLst>
+              <a:ext uri="{FF2B5EF4-FFF2-40B4-BE49-F238E27FC236}">
+                <a16:creationId xmlns:a16="http://schemas.microsoft.com/office/drawing/2014/main" id="{D3913042-6E3C-4BAE-9222-9464FF4BF8ED}"/>
+              </a:ext>
+            </a:extLst>
+          </p:cNvPr>
+          <p:cNvSpPr txBox="1"/>
+          <p:nvPr/>
+        </p:nvSpPr>
+        <p:spPr>
+          <a:xfrm>
+            <a:off x="520116" y="1862356"/>
+            <a:ext cx="10956023" cy="1477328"/>
+          </a:xfrm>
+          <a:prstGeom prst="rect">
+            <a:avLst/>
+          </a:prstGeom>
+          <a:noFill/>
+        </p:spPr>
+        <p:txBody>
+          <a:bodyPr wrap="square" rtlCol="0">
+            <a:spAutoFit/>
+          </a:bodyPr>
+          <a:lstStyle/>
+          <a:p>
+            <a:r>
+              <a:rPr lang="en-US" dirty="0"/>
+              <a:t>Bild Folie 1:</a:t>
+            </a:r>
+            <a:r>
+              <a:rPr lang="de-DE" dirty="0"/>
+              <a:t> </a:t>
+            </a:r>
+            <a:r>
+              <a:rPr lang="de-DE" dirty="0">
+                <a:hlinkClick r:id="rId2"/>
+              </a:rPr>
+              <a:t>https://www.digitalradar-muensterland.de/eine-customer-journey-map-erstellen/</a:t>
+            </a:r>
+            <a:r>
+              <a:rPr lang="de-DE" dirty="0"/>
+              <a:t>, Zugriff: 04.06.21</a:t>
+            </a:r>
+          </a:p>
+          <a:p>
+            <a:r>
+              <a:rPr lang="de-DE" dirty="0"/>
+              <a:t>Bild Folie 3: </a:t>
+            </a:r>
+            <a:r>
+              <a:rPr lang="de-DE" dirty="0">
+                <a:hlinkClick r:id="rId3"/>
+              </a:rPr>
+              <a:t>https://miro.com/guides/customer-journey-mapping/</a:t>
+            </a:r>
+            <a:endParaRPr lang="de-DE" dirty="0"/>
+          </a:p>
+          <a:p>
+            <a:r>
+              <a:rPr lang="de-DE" dirty="0"/>
+              <a:t>Bild Folie 4: </a:t>
+            </a:r>
+            <a:r>
+              <a:rPr lang="de-DE" dirty="0">
+                <a:hlinkClick r:id="rId4"/>
+              </a:rPr>
+              <a:t>http://blog.clickdimensions.com/how-to-create-a-customer-journey-map-and-why-you-need-one/</a:t>
+            </a:r>
+            <a:endParaRPr lang="de-DE" dirty="0"/>
+          </a:p>
+          <a:p>
+            <a:r>
+              <a:rPr lang="de-DE" dirty="0"/>
+              <a:t>Bild Folie 5: https://uxstudioteam.com/ux-blog/ethnographic-research/</a:t>
+            </a:r>
+          </a:p>
+          <a:p>
+            <a:endParaRPr lang="en-US" dirty="0"/>
+          </a:p>
+        </p:txBody>
+      </p:sp>
+    </p:spTree>
+    <p:extLst>
+      <p:ext uri="{BB962C8B-B14F-4D97-AF65-F5344CB8AC3E}">
+        <p14:creationId xmlns:p14="http://schemas.microsoft.com/office/powerpoint/2010/main" val="3298032880"/>
       </p:ext>
     </p:extLst>
   </p:cSld>
@@ -5320,22 +7482,10 @@
             <a:r>
               <a:rPr lang="de-DE" sz="900" b="0" i="0" dirty="0">
                 <a:effectLst/>
+                <a:latin typeface="Arial" panose="020B0604020202020204" pitchFamily="34" charset="0"/>
               </a:rPr>
-              <a:t>Aus: Institut der deutschen Wirtschaft: Datenwirtschaft in Deutschland - Wo stehen die Unternehmen in der Datennutzung und was sind ihre größten Hemmnisse? 2021</a:t>
-            </a:r>
-            <a:endParaRPr lang="de-DE" sz="900" dirty="0"/>
-          </a:p>
-          <a:p>
-            <a:pPr indent="-228600">
-              <a:lnSpc>
-                <a:spcPct val="90000"/>
-              </a:lnSpc>
-              <a:spcAft>
-                <a:spcPts val="600"/>
-              </a:spcAft>
-              <a:buFont typeface="Arial" panose="020B0604020202020204" pitchFamily="34" charset="0"/>
-              <a:buChar char="•"/>
-            </a:pPr>
+              <a:t>[Institut der deutschen Wirtschaft 2021] </a:t>
+            </a:r>
             <a:endParaRPr lang="en-US" sz="2000" dirty="0"/>
           </a:p>
         </p:txBody>
@@ -5679,41 +7829,6 @@
           </a:prstGeom>
         </p:spPr>
       </p:pic>
-      <p:sp>
-        <p:nvSpPr>
-          <p:cNvPr id="6" name="Textfeld 5">
-            <a:extLst>
-              <a:ext uri="{FF2B5EF4-FFF2-40B4-BE49-F238E27FC236}">
-                <a16:creationId xmlns:a16="http://schemas.microsoft.com/office/drawing/2014/main" id="{60506E7C-0D8A-4387-88CB-5F161EBC6FAF}"/>
-              </a:ext>
-            </a:extLst>
-          </p:cNvPr>
-          <p:cNvSpPr txBox="1"/>
-          <p:nvPr/>
-        </p:nvSpPr>
-        <p:spPr>
-          <a:xfrm>
-            <a:off x="6096000" y="4907560"/>
-            <a:ext cx="5354972" cy="646331"/>
-          </a:xfrm>
-          <a:prstGeom prst="rect">
-            <a:avLst/>
-          </a:prstGeom>
-          <a:noFill/>
-        </p:spPr>
-        <p:txBody>
-          <a:bodyPr wrap="square" rtlCol="0">
-            <a:spAutoFit/>
-          </a:bodyPr>
-          <a:lstStyle/>
-          <a:p>
-            <a:r>
-              <a:rPr lang="de-DE" dirty="0"/>
-              <a:t>Bild: https://miro.com/guides/customer-journey-mapping/</a:t>
-            </a:r>
-          </a:p>
-        </p:txBody>
-      </p:sp>
     </p:spTree>
     <p:extLst>
       <p:ext uri="{BB962C8B-B14F-4D97-AF65-F5344CB8AC3E}">
@@ -5930,41 +8045,6 @@
           </a:prstGeom>
         </p:spPr>
       </p:pic>
-      <p:sp>
-        <p:nvSpPr>
-          <p:cNvPr id="6" name="Textfeld 5">
-            <a:extLst>
-              <a:ext uri="{FF2B5EF4-FFF2-40B4-BE49-F238E27FC236}">
-                <a16:creationId xmlns:a16="http://schemas.microsoft.com/office/drawing/2014/main" id="{10997452-4696-4E3D-B00A-8488F51132DE}"/>
-              </a:ext>
-            </a:extLst>
-          </p:cNvPr>
-          <p:cNvSpPr txBox="1"/>
-          <p:nvPr/>
-        </p:nvSpPr>
-        <p:spPr>
-          <a:xfrm>
-            <a:off x="5176007" y="5444455"/>
-            <a:ext cx="6291743" cy="646331"/>
-          </a:xfrm>
-          <a:prstGeom prst="rect">
-            <a:avLst/>
-          </a:prstGeom>
-          <a:noFill/>
-        </p:spPr>
-        <p:txBody>
-          <a:bodyPr wrap="square" rtlCol="0">
-            <a:spAutoFit/>
-          </a:bodyPr>
-          <a:lstStyle/>
-          <a:p>
-            <a:r>
-              <a:rPr lang="de-DE" dirty="0"/>
-              <a:t>Bild: http://blog.clickdimensions.com/how-to-create-a-customer-journey-map-and-why-you-need-one/</a:t>
-            </a:r>
-          </a:p>
-        </p:txBody>
-      </p:sp>
     </p:spTree>
     <p:extLst>
       <p:ext uri="{BB962C8B-B14F-4D97-AF65-F5344CB8AC3E}">
@@ -6000,7 +8080,7 @@
           <p:cNvPr id="2" name="Titel 1">
             <a:extLst>
               <a:ext uri="{FF2B5EF4-FFF2-40B4-BE49-F238E27FC236}">
-                <a16:creationId xmlns:a16="http://schemas.microsoft.com/office/drawing/2014/main" id="{65D31581-0A1D-44E2-8969-5266A43E44E7}"/>
+                <a16:creationId xmlns:a16="http://schemas.microsoft.com/office/drawing/2014/main" id="{6879D8D2-07EF-416C-A247-81F1C89A4FAF}"/>
               </a:ext>
             </a:extLst>
           </p:cNvPr>
@@ -6016,88 +8096,30 @@
           <a:bodyPr/>
           <a:lstStyle/>
           <a:p>
+            <a:pPr algn="ctr"/>
             <a:r>
               <a:rPr lang="de-DE" dirty="0"/>
-              <a:t>Bestandteile einer Customer Journey </a:t>
-            </a:r>
-            <a:r>
-              <a:rPr lang="de-DE" dirty="0" err="1"/>
-              <a:t>Map</a:t>
-            </a:r>
-            <a:br>
-              <a:rPr lang="de-DE" dirty="0"/>
-            </a:br>
-            <a:r>
-              <a:rPr lang="de-DE" dirty="0"/>
-              <a:t>(NICHT IN PRÄSENTATION)</a:t>
-            </a:r>
-          </a:p>
-        </p:txBody>
-      </p:sp>
-      <p:sp>
-        <p:nvSpPr>
-          <p:cNvPr id="3" name="Inhaltsplatzhalter 2">
-            <a:extLst>
-              <a:ext uri="{FF2B5EF4-FFF2-40B4-BE49-F238E27FC236}">
-                <a16:creationId xmlns:a16="http://schemas.microsoft.com/office/drawing/2014/main" id="{E9DFB572-5726-494D-B4E9-C08E778FF1D7}"/>
-              </a:ext>
-            </a:extLst>
-          </p:cNvPr>
-          <p:cNvSpPr>
-            <a:spLocks noGrp="1"/>
-          </p:cNvSpPr>
-          <p:nvPr>
-            <p:ph idx="1"/>
-          </p:nvPr>
+              <a:t>Bestandteile einer CJM</a:t>
+            </a:r>
+          </a:p>
+        </p:txBody>
+      </p:sp>
+      <p:sp>
+        <p:nvSpPr>
+          <p:cNvPr id="4" name="Textfeld 3">
+            <a:extLst>
+              <a:ext uri="{FF2B5EF4-FFF2-40B4-BE49-F238E27FC236}">
+                <a16:creationId xmlns:a16="http://schemas.microsoft.com/office/drawing/2014/main" id="{F2778520-16A5-442E-8B6F-13AB50F62432}"/>
+              </a:ext>
+            </a:extLst>
+          </p:cNvPr>
+          <p:cNvSpPr txBox="1"/>
+          <p:nvPr/>
         </p:nvSpPr>
         <p:spPr>
           <a:xfrm>
-            <a:off x="276138" y="1979802"/>
-            <a:ext cx="3649910" cy="2206305"/>
-          </a:xfrm>
-        </p:spPr>
-        <p:txBody>
-          <a:bodyPr>
-            <a:normAutofit/>
-          </a:bodyPr>
-          <a:lstStyle/>
-          <a:p>
-            <a:pPr marL="0" indent="0">
-              <a:buNone/>
-            </a:pPr>
-            <a:r>
-              <a:rPr lang="en-US" sz="1800" dirty="0"/>
-              <a:t>Customer:</a:t>
-            </a:r>
-          </a:p>
-          <a:p>
-            <a:pPr marL="0" indent="0">
-              <a:buNone/>
-            </a:pPr>
-            <a:r>
-              <a:rPr lang="en-US" sz="1800" dirty="0"/>
-              <a:t>A customer is the stakeholder experiencing a service. The importance of collecting sociodemographic information to ease CJMs users to put themselves in customers’ shoes].</a:t>
-            </a:r>
-            <a:endParaRPr lang="de-DE" sz="1800" dirty="0"/>
-          </a:p>
-        </p:txBody>
-      </p:sp>
-      <p:sp>
-        <p:nvSpPr>
-          <p:cNvPr id="4" name="Textfeld 3">
-            <a:extLst>
-              <a:ext uri="{FF2B5EF4-FFF2-40B4-BE49-F238E27FC236}">
-                <a16:creationId xmlns:a16="http://schemas.microsoft.com/office/drawing/2014/main" id="{15761435-7B46-4F4C-99B7-50E2A2382EF1}"/>
-              </a:ext>
-            </a:extLst>
-          </p:cNvPr>
-          <p:cNvSpPr txBox="1"/>
-          <p:nvPr/>
-        </p:nvSpPr>
-        <p:spPr>
-          <a:xfrm>
-            <a:off x="3984771" y="1912690"/>
-            <a:ext cx="4395831" cy="3970318"/>
+            <a:off x="218900" y="6488668"/>
+            <a:ext cx="10382250" cy="523220"/>
           </a:xfrm>
           <a:prstGeom prst="rect">
             <a:avLst/>
@@ -6110,339 +8132,30 @@
           </a:bodyPr>
           <a:lstStyle/>
           <a:p>
-            <a:pPr algn="l"/>
-            <a:r>
-              <a:rPr lang="en-US" b="0" i="0" u="none" strike="noStrike" baseline="0" dirty="0"/>
-              <a:t>Journey:</a:t>
-            </a:r>
-          </a:p>
-          <a:p>
-            <a:pPr algn="l"/>
-            <a:r>
-              <a:rPr lang="en-US" b="0" i="0" u="none" strike="noStrike" baseline="0" dirty="0"/>
-              <a:t>A CJM contains at least one journey, which is a typical path followed</a:t>
-            </a:r>
-          </a:p>
-          <a:p>
-            <a:pPr algn="l"/>
-            <a:r>
-              <a:rPr lang="en-US" b="0" i="0" u="none" strike="noStrike" baseline="0" dirty="0"/>
-              <a:t>by a customer. Two types of CJMs exist. One is designed by internal</a:t>
-            </a:r>
-          </a:p>
-          <a:p>
-            <a:pPr algn="l"/>
-            <a:r>
-              <a:rPr lang="en-US" b="0" i="0" u="none" strike="noStrike" baseline="0" dirty="0"/>
-              <a:t>stakeholders to describe what an ideal journey would look like, which identifies</a:t>
-            </a:r>
-          </a:p>
-          <a:p>
-            <a:pPr algn="l"/>
-            <a:r>
-              <a:rPr lang="en-US" b="0" i="0" u="none" strike="noStrike" baseline="0" dirty="0"/>
-              <a:t>opportunities for novel services or is employed as a diagnostic tool.</a:t>
-            </a:r>
-          </a:p>
-          <a:p>
-            <a:pPr algn="l"/>
-            <a:r>
-              <a:rPr lang="en-US" b="0" i="0" u="none" strike="noStrike" baseline="0" dirty="0"/>
-              <a:t>We refer to the latter as the expected journey. In contrast, the actual journey</a:t>
-            </a:r>
-          </a:p>
-          <a:p>
-            <a:pPr algn="l"/>
-            <a:r>
-              <a:rPr lang="en-US" b="0" i="0" u="none" strike="noStrike" baseline="0" dirty="0"/>
-              <a:t>showcases how a journey is experienced by the customer, finds existing customers’</a:t>
-            </a:r>
-          </a:p>
-          <a:p>
-            <a:pPr algn="l"/>
-            <a:r>
-              <a:rPr lang="en-US" b="0" i="0" u="none" strike="noStrike" baseline="0" dirty="0"/>
-              <a:t>problems or needs.</a:t>
-            </a:r>
-            <a:endParaRPr lang="de-DE" dirty="0"/>
-          </a:p>
-        </p:txBody>
-      </p:sp>
-      <p:sp>
-        <p:nvSpPr>
-          <p:cNvPr id="5" name="Textfeld 4">
-            <a:extLst>
-              <a:ext uri="{FF2B5EF4-FFF2-40B4-BE49-F238E27FC236}">
-                <a16:creationId xmlns:a16="http://schemas.microsoft.com/office/drawing/2014/main" id="{FBEC26AE-4D9A-4F25-918F-869194E24866}"/>
-              </a:ext>
-            </a:extLst>
-          </p:cNvPr>
-          <p:cNvSpPr txBox="1"/>
-          <p:nvPr/>
-        </p:nvSpPr>
-        <p:spPr>
-          <a:xfrm>
-            <a:off x="276137" y="4269995"/>
-            <a:ext cx="3649911" cy="2308324"/>
-          </a:xfrm>
-          <a:prstGeom prst="rect">
-            <a:avLst/>
-          </a:prstGeom>
-          <a:noFill/>
-        </p:spPr>
-        <p:txBody>
-          <a:bodyPr wrap="square" rtlCol="0">
-            <a:spAutoFit/>
-          </a:bodyPr>
-          <a:lstStyle/>
-          <a:p>
-            <a:r>
-              <a:rPr lang="en-US" dirty="0"/>
-              <a:t>Goal:</a:t>
-            </a:r>
-          </a:p>
-          <a:p>
-            <a:r>
-              <a:rPr lang="en-US" dirty="0"/>
-              <a:t>A customer journey should be mapped with a goal in mind,</a:t>
-            </a:r>
-          </a:p>
-          <a:p>
-            <a:r>
-              <a:rPr lang="en-US" dirty="0"/>
-              <a:t>which is also referred to as scenario, prompts, story, or main intention. It triggers interactions with users, and streamlines the thought process</a:t>
-            </a:r>
-          </a:p>
-          <a:p>
-            <a:r>
-              <a:rPr lang="en-US" dirty="0"/>
-              <a:t>for users. </a:t>
-            </a:r>
-            <a:endParaRPr lang="de-DE" dirty="0"/>
-          </a:p>
-        </p:txBody>
-      </p:sp>
-      <p:sp>
-        <p:nvSpPr>
-          <p:cNvPr id="8" name="Textfeld 7">
-            <a:extLst>
-              <a:ext uri="{FF2B5EF4-FFF2-40B4-BE49-F238E27FC236}">
-                <a16:creationId xmlns:a16="http://schemas.microsoft.com/office/drawing/2014/main" id="{2ECB29DF-0B3F-4F62-B68A-609B5828D661}"/>
-              </a:ext>
-            </a:extLst>
-          </p:cNvPr>
-          <p:cNvSpPr txBox="1"/>
-          <p:nvPr/>
-        </p:nvSpPr>
-        <p:spPr>
-          <a:xfrm>
-            <a:off x="8867162" y="1722783"/>
-            <a:ext cx="3162649" cy="4801314"/>
-          </a:xfrm>
-          <a:prstGeom prst="rect">
-            <a:avLst/>
-          </a:prstGeom>
-          <a:noFill/>
-        </p:spPr>
-        <p:txBody>
-          <a:bodyPr wrap="square" rtlCol="0">
-            <a:spAutoFit/>
-          </a:bodyPr>
-          <a:lstStyle/>
-          <a:p>
-            <a:pPr algn="l"/>
-            <a:r>
-              <a:rPr lang="en-US" sz="1800" b="0" i="0" u="none" strike="noStrike" baseline="0" dirty="0">
-                <a:latin typeface="SFBX1000"/>
+            <a:r>
+              <a:rPr lang="de-DE" sz="1000" b="0" i="0" dirty="0">
+                <a:effectLst/>
+                <a:latin typeface="Arial" panose="020B0604020202020204" pitchFamily="34" charset="0"/>
               </a:rPr>
-              <a:t>Touchpoint. </a:t>
-            </a:r>
-            <a:r>
-              <a:rPr lang="en-US" sz="1800" b="0" i="0" u="none" strike="noStrike" baseline="0" dirty="0">
-                <a:latin typeface="SFRM1000"/>
+              <a:t>[</a:t>
+            </a:r>
+            <a:r>
+              <a:rPr lang="de-DE" sz="1000" b="0" i="0" dirty="0" err="1">
+                <a:effectLst/>
+                <a:latin typeface="Arial" panose="020B0604020202020204" pitchFamily="34" charset="0"/>
               </a:rPr>
-              <a:t>A </a:t>
-            </a:r>
-            <a:r>
-              <a:rPr lang="en-US" sz="1800" b="0" i="0" u="none" strike="noStrike" baseline="0" dirty="0">
-                <a:latin typeface="SFTI1000"/>
+              <a:t>Haugstveitet</a:t>
+            </a:r>
+            <a:r>
+              <a:rPr lang="de-DE" sz="1000" b="0" i="0" dirty="0">
+                <a:effectLst/>
+                <a:latin typeface="Arial" panose="020B0604020202020204" pitchFamily="34" charset="0"/>
               </a:rPr>
-              <a:t>touchpoint </a:t>
-            </a:r>
-            <a:r>
-              <a:rPr lang="en-US" sz="1800" b="0" i="0" u="none" strike="noStrike" baseline="0" dirty="0">
-                <a:latin typeface="SFRM1000"/>
-              </a:rPr>
-              <a:t>is an interaction between customers and companies’</a:t>
-            </a:r>
-          </a:p>
-          <a:p>
-            <a:pPr algn="l"/>
-            <a:r>
-              <a:rPr lang="en-US" sz="1800" b="0" i="0" u="none" strike="noStrike" baseline="0" dirty="0">
-                <a:latin typeface="SFRM1000"/>
-              </a:rPr>
-              <a:t>products or services. The arrangement of touchpoints can be </a:t>
-            </a:r>
-            <a:r>
-              <a:rPr lang="en-US" sz="1800" b="0" i="0" u="none" strike="noStrike" baseline="0" dirty="0">
-                <a:latin typeface="SFTI1000"/>
-              </a:rPr>
-              <a:t>cyclic</a:t>
-            </a:r>
-            <a:r>
-              <a:rPr lang="en-US" sz="1800" b="0" i="0" u="none" strike="noStrike" baseline="0" dirty="0">
-                <a:latin typeface="SFRM1000"/>
-              </a:rPr>
-              <a:t>: a customer</a:t>
-            </a:r>
-          </a:p>
-          <a:p>
-            <a:pPr algn="l"/>
-            <a:r>
-              <a:rPr lang="en-US" sz="1800" b="0" i="0" u="none" strike="noStrike" baseline="0" dirty="0">
-                <a:latin typeface="SFRM1000"/>
-              </a:rPr>
-              <a:t>can iterate a few times over the same touchpoints. Moreover, the arrangement</a:t>
-            </a:r>
-          </a:p>
-          <a:p>
-            <a:pPr algn="l"/>
-            <a:r>
-              <a:rPr lang="en-US" sz="1800" b="0" i="0" u="none" strike="noStrike" baseline="0" dirty="0">
-                <a:latin typeface="SFRM1000"/>
-              </a:rPr>
-              <a:t>is </a:t>
-            </a:r>
-            <a:r>
-              <a:rPr lang="en-US" sz="1800" b="0" i="0" u="none" strike="noStrike" baseline="0" dirty="0">
-                <a:latin typeface="SFTI1000"/>
-              </a:rPr>
-              <a:t>non-linear: </a:t>
-            </a:r>
-            <a:r>
-              <a:rPr lang="en-US" sz="1800" b="0" i="0" u="none" strike="noStrike" baseline="0" dirty="0">
-                <a:latin typeface="SFRM1000"/>
-              </a:rPr>
-              <a:t>most of the time, the customer will not go through all the</a:t>
-            </a:r>
-          </a:p>
-          <a:p>
-            <a:pPr algn="l"/>
-            <a:r>
-              <a:rPr lang="en-US" sz="1800" b="0" i="0" u="none" strike="noStrike" baseline="0" dirty="0">
-                <a:latin typeface="SFRM1000"/>
-              </a:rPr>
-              <a:t>existing touchpoints the customer might miss a planned touchpoint;</a:t>
-            </a:r>
-          </a:p>
-          <a:p>
-            <a:pPr algn="l"/>
-            <a:r>
-              <a:rPr lang="en-US" sz="1800" b="0" i="0" u="none" strike="noStrike" baseline="0" dirty="0">
-                <a:latin typeface="SFRM1000"/>
-              </a:rPr>
-              <a:t>And the customer can unexpectedly quit the journey.</a:t>
-            </a:r>
-            <a:endParaRPr lang="de-DE" dirty="0"/>
-          </a:p>
-        </p:txBody>
-      </p:sp>
-    </p:spTree>
-    <p:extLst>
-      <p:ext uri="{BB962C8B-B14F-4D97-AF65-F5344CB8AC3E}">
-        <p14:creationId xmlns:p14="http://schemas.microsoft.com/office/powerpoint/2010/main" val="1568136836"/>
-      </p:ext>
-    </p:extLst>
-  </p:cSld>
-  <p:clrMapOvr>
-    <a:masterClrMapping/>
-  </p:clrMapOvr>
-</p:sld>
-</file>
-
-<file path=ppt/slides/slide6.xml><?xml version="1.0" encoding="utf-8"?>
-<p:sld xmlns:a="http://schemas.openxmlformats.org/drawingml/2006/main" xmlns:r="http://schemas.openxmlformats.org/officeDocument/2006/relationships" xmlns:p="http://schemas.openxmlformats.org/presentationml/2006/main">
-  <p:cSld>
-    <p:spTree>
-      <p:nvGrpSpPr>
-        <p:cNvPr id="1" name=""/>
-        <p:cNvGrpSpPr/>
-        <p:nvPr/>
-      </p:nvGrpSpPr>
-      <p:grpSpPr>
-        <a:xfrm>
-          <a:off x="0" y="0"/>
-          <a:ext cx="0" cy="0"/>
-          <a:chOff x="0" y="0"/>
-          <a:chExt cx="0" cy="0"/>
-        </a:xfrm>
-      </p:grpSpPr>
-      <p:sp>
-        <p:nvSpPr>
-          <p:cNvPr id="2" name="Titel 1">
-            <a:extLst>
-              <a:ext uri="{FF2B5EF4-FFF2-40B4-BE49-F238E27FC236}">
-                <a16:creationId xmlns:a16="http://schemas.microsoft.com/office/drawing/2014/main" id="{6879D8D2-07EF-416C-A247-81F1C89A4FAF}"/>
-              </a:ext>
-            </a:extLst>
-          </p:cNvPr>
-          <p:cNvSpPr>
-            <a:spLocks noGrp="1"/>
-          </p:cNvSpPr>
-          <p:nvPr>
-            <p:ph type="title"/>
-          </p:nvPr>
-        </p:nvSpPr>
-        <p:spPr/>
-        <p:txBody>
-          <a:bodyPr/>
-          <a:lstStyle/>
-          <a:p>
-            <a:pPr algn="ctr"/>
-            <a:r>
+              <a:t> al.2016]</a:t>
+            </a:r>
+            <a:br>
               <a:rPr lang="de-DE" dirty="0"/>
-              <a:t>Bestandteile einer CJM</a:t>
-            </a:r>
-          </a:p>
-        </p:txBody>
-      </p:sp>
-      <p:sp>
-        <p:nvSpPr>
-          <p:cNvPr id="4" name="Textfeld 3">
-            <a:extLst>
-              <a:ext uri="{FF2B5EF4-FFF2-40B4-BE49-F238E27FC236}">
-                <a16:creationId xmlns:a16="http://schemas.microsoft.com/office/drawing/2014/main" id="{F2778520-16A5-442E-8B6F-13AB50F62432}"/>
-              </a:ext>
-            </a:extLst>
-          </p:cNvPr>
-          <p:cNvSpPr txBox="1"/>
-          <p:nvPr/>
-        </p:nvSpPr>
-        <p:spPr>
-          <a:xfrm>
-            <a:off x="244067" y="6488668"/>
-            <a:ext cx="10382250" cy="369332"/>
-          </a:xfrm>
-          <a:prstGeom prst="rect">
-            <a:avLst/>
-          </a:prstGeom>
-          <a:noFill/>
-        </p:spPr>
-        <p:txBody>
-          <a:bodyPr wrap="square" rtlCol="0">
-            <a:spAutoFit/>
-          </a:bodyPr>
-          <a:lstStyle/>
-          <a:p>
-            <a:r>
-              <a:rPr lang="de-DE" dirty="0"/>
-              <a:t>Aus: </a:t>
-            </a:r>
-            <a:r>
-              <a:rPr lang="en-US" dirty="0"/>
-              <a:t>Supporting redesign of C2C services through customer journey mapping</a:t>
-            </a:r>
+            </a:br>
             <a:endParaRPr lang="de-DE" dirty="0"/>
           </a:p>
         </p:txBody>
@@ -6496,7 +8209,7 @@
 </p:sld>
 </file>
 
-<file path=ppt/slides/slide7.xml><?xml version="1.0" encoding="utf-8"?>
+<file path=ppt/slides/slide6.xml><?xml version="1.0" encoding="utf-8"?>
 <p:sld xmlns:a="http://schemas.openxmlformats.org/drawingml/2006/main" xmlns:r="http://schemas.openxmlformats.org/officeDocument/2006/relationships" xmlns:p="http://schemas.openxmlformats.org/presentationml/2006/main">
   <p:cSld>
     <p:spTree>
@@ -6580,10 +8293,10 @@
       </p:pic>
       <p:sp>
         <p:nvSpPr>
-          <p:cNvPr id="4" name="Textfeld 3">
-            <a:extLst>
-              <a:ext uri="{FF2B5EF4-FFF2-40B4-BE49-F238E27FC236}">
-                <a16:creationId xmlns:a16="http://schemas.microsoft.com/office/drawing/2014/main" id="{F20ECE82-4680-45C4-8768-DFC0CDF03884}"/>
+          <p:cNvPr id="7" name="Textfeld 6">
+            <a:extLst>
+              <a:ext uri="{FF2B5EF4-FFF2-40B4-BE49-F238E27FC236}">
+                <a16:creationId xmlns:a16="http://schemas.microsoft.com/office/drawing/2014/main" id="{163356FB-8450-43EE-B42D-F347717A41C6}"/>
               </a:ext>
             </a:extLst>
           </p:cNvPr>
@@ -6592,8 +8305,8 @@
         </p:nvSpPr>
         <p:spPr>
           <a:xfrm>
-            <a:off x="244067" y="6488668"/>
-            <a:ext cx="10382250" cy="369332"/>
+            <a:off x="218900" y="6488668"/>
+            <a:ext cx="10382250" cy="523220"/>
           </a:xfrm>
           <a:prstGeom prst="rect">
             <a:avLst/>
@@ -6607,13 +8320,29 @@
           <a:lstStyle/>
           <a:p>
             <a:r>
+              <a:rPr lang="de-DE" sz="1000" b="0" i="0" dirty="0">
+                <a:effectLst/>
+                <a:latin typeface="Arial" panose="020B0604020202020204" pitchFamily="34" charset="0"/>
+              </a:rPr>
+              <a:t>[</a:t>
+            </a:r>
+            <a:r>
+              <a:rPr lang="de-DE" sz="1000" b="0" i="0" dirty="0" err="1">
+                <a:effectLst/>
+                <a:latin typeface="Arial" panose="020B0604020202020204" pitchFamily="34" charset="0"/>
+              </a:rPr>
+              <a:t>Haugstveitet</a:t>
+            </a:r>
+            <a:r>
+              <a:rPr lang="de-DE" sz="1000" b="0" i="0" dirty="0">
+                <a:effectLst/>
+                <a:latin typeface="Arial" panose="020B0604020202020204" pitchFamily="34" charset="0"/>
+              </a:rPr>
+              <a:t> al.2016]</a:t>
+            </a:r>
+            <a:br>
               <a:rPr lang="de-DE" dirty="0"/>
-              <a:t>Aus: </a:t>
-            </a:r>
-            <a:r>
-              <a:rPr lang="en-US" dirty="0"/>
-              <a:t>Supporting redesign of C2C services through customer journey mapping</a:t>
-            </a:r>
+            </a:br>
             <a:endParaRPr lang="de-DE" dirty="0"/>
           </a:p>
         </p:txBody>
@@ -6631,7 +8360,7 @@
 </p:sld>
 </file>
 
-<file path=ppt/slides/slide8.xml><?xml version="1.0" encoding="utf-8"?>
+<file path=ppt/slides/slide7.xml><?xml version="1.0" encoding="utf-8"?>
 <p:sld xmlns:a="http://schemas.openxmlformats.org/drawingml/2006/main" xmlns:r="http://schemas.openxmlformats.org/officeDocument/2006/relationships" xmlns:p="http://schemas.openxmlformats.org/presentationml/2006/main">
   <p:cSld>
     <p:bg>
@@ -6898,7 +8627,7 @@
 </p:sld>
 </file>
 
-<file path=ppt/slides/slide9.xml><?xml version="1.0" encoding="utf-8"?>
+<file path=ppt/slides/slide8.xml><?xml version="1.0" encoding="utf-8"?>
 <p:sld xmlns:a="http://schemas.openxmlformats.org/drawingml/2006/main" xmlns:r="http://schemas.openxmlformats.org/officeDocument/2006/relationships" xmlns:p="http://schemas.openxmlformats.org/presentationml/2006/main">
   <p:cSld>
     <p:spTree>
@@ -6990,6 +8719,357 @@
     <p:extLst>
       <p:ext uri="{BB962C8B-B14F-4D97-AF65-F5344CB8AC3E}">
         <p14:creationId xmlns:p14="http://schemas.microsoft.com/office/powerpoint/2010/main" val="1415600349"/>
+      </p:ext>
+    </p:extLst>
+  </p:cSld>
+  <p:clrMapOvr>
+    <a:masterClrMapping/>
+  </p:clrMapOvr>
+</p:sld>
+</file>
+
+<file path=ppt/slides/slide9.xml><?xml version="1.0" encoding="utf-8"?>
+<p:sld xmlns:a="http://schemas.openxmlformats.org/drawingml/2006/main" xmlns:r="http://schemas.openxmlformats.org/officeDocument/2006/relationships" xmlns:p="http://schemas.openxmlformats.org/presentationml/2006/main">
+  <p:cSld>
+    <p:bg>
+      <p:bgPr>
+        <a:solidFill>
+          <a:schemeClr val="bg1"/>
+        </a:solidFill>
+        <a:effectLst/>
+      </p:bgPr>
+    </p:bg>
+    <p:spTree>
+      <p:nvGrpSpPr>
+        <p:cNvPr id="1" name=""/>
+        <p:cNvGrpSpPr/>
+        <p:nvPr/>
+      </p:nvGrpSpPr>
+      <p:grpSpPr>
+        <a:xfrm>
+          <a:off x="0" y="0"/>
+          <a:ext cx="0" cy="0"/>
+          <a:chOff x="0" y="0"/>
+          <a:chExt cx="0" cy="0"/>
+        </a:xfrm>
+      </p:grpSpPr>
+      <p:sp useBgFill="1">
+        <p:nvSpPr>
+          <p:cNvPr id="23" name="Rectangle 22">
+            <a:extLst>
+              <a:ext uri="{FF2B5EF4-FFF2-40B4-BE49-F238E27FC236}">
+                <a16:creationId xmlns:a16="http://schemas.microsoft.com/office/drawing/2014/main" id="{D19BB8BE-1351-4D9B-B761-F84A0B5B6519}"/>
+              </a:ext>
+              <a:ext uri="{C183D7F6-B498-43B3-948B-1728B52AA6E4}">
+                <adec:decorative xmlns:adec="http://schemas.microsoft.com/office/drawing/2017/decorative" val="1"/>
+              </a:ext>
+            </a:extLst>
+          </p:cNvPr>
+          <p:cNvSpPr>
+            <a:spLocks noGrp="1" noRot="1" noChangeAspect="1" noMove="1" noResize="1" noEditPoints="1" noAdjustHandles="1" noChangeArrowheads="1" noChangeShapeType="1" noTextEdit="1"/>
+          </p:cNvSpPr>
+          <p:nvPr>
+            <p:extLst>
+              <p:ext uri="{386F3935-93C4-4BCD-93E2-E3B085C9AB24}">
+                <p16:designElem xmlns:p16="http://schemas.microsoft.com/office/powerpoint/2015/main" val="1"/>
+              </p:ext>
+            </p:extLst>
+          </p:nvPr>
+        </p:nvSpPr>
+        <p:spPr>
+          <a:xfrm>
+            <a:off x="-1" y="0"/>
+            <a:ext cx="12188952" cy="6858000"/>
+          </a:xfrm>
+          <a:prstGeom prst="rect">
+            <a:avLst/>
+          </a:prstGeom>
+          <a:ln>
+            <a:noFill/>
+          </a:ln>
+        </p:spPr>
+        <p:style>
+          <a:lnRef idx="2">
+            <a:schemeClr val="accent1">
+              <a:shade val="50000"/>
+            </a:schemeClr>
+          </a:lnRef>
+          <a:fillRef idx="1">
+            <a:schemeClr val="accent1"/>
+          </a:fillRef>
+          <a:effectRef idx="0">
+            <a:schemeClr val="accent1"/>
+          </a:effectRef>
+          <a:fontRef idx="minor">
+            <a:schemeClr val="lt1"/>
+          </a:fontRef>
+        </p:style>
+        <p:txBody>
+          <a:bodyPr rtlCol="0" anchor="ctr"/>
+          <a:lstStyle/>
+          <a:p>
+            <a:pPr algn="ctr"/>
+            <a:endParaRPr lang="en-US"/>
+          </a:p>
+        </p:txBody>
+      </p:sp>
+      <p:sp>
+        <p:nvSpPr>
+          <p:cNvPr id="2" name="Titel 1">
+            <a:extLst>
+              <a:ext uri="{FF2B5EF4-FFF2-40B4-BE49-F238E27FC236}">
+                <a16:creationId xmlns:a16="http://schemas.microsoft.com/office/drawing/2014/main" id="{FF597BAC-6CF9-4073-A515-BB628891AE92}"/>
+              </a:ext>
+            </a:extLst>
+          </p:cNvPr>
+          <p:cNvSpPr>
+            <a:spLocks noGrp="1"/>
+          </p:cNvSpPr>
+          <p:nvPr>
+            <p:ph type="title"/>
+          </p:nvPr>
+        </p:nvSpPr>
+        <p:spPr>
+          <a:xfrm>
+            <a:off x="143627" y="458818"/>
+            <a:ext cx="3785554" cy="911109"/>
+          </a:xfrm>
+        </p:spPr>
+        <p:txBody>
+          <a:bodyPr vert="horz" lIns="91440" tIns="45720" rIns="91440" bIns="45720" rtlCol="0" anchor="b">
+            <a:normAutofit/>
+          </a:bodyPr>
+          <a:lstStyle/>
+          <a:p>
+            <a:pPr algn="ctr"/>
+            <a:r>
+              <a:rPr lang="en-US" sz="4000" kern="1200" dirty="0" err="1">
+                <a:solidFill>
+                  <a:schemeClr val="tx1"/>
+                </a:solidFill>
+                <a:latin typeface="+mj-lt"/>
+                <a:ea typeface="+mj-ea"/>
+                <a:cs typeface="+mj-cs"/>
+              </a:rPr>
+              <a:t>Fallbeispiel</a:t>
+            </a:r>
+            <a:endParaRPr lang="en-US" sz="4000" kern="1200" dirty="0">
+              <a:solidFill>
+                <a:schemeClr val="tx1"/>
+              </a:solidFill>
+              <a:latin typeface="+mj-lt"/>
+              <a:ea typeface="+mj-ea"/>
+              <a:cs typeface="+mj-cs"/>
+            </a:endParaRPr>
+          </a:p>
+        </p:txBody>
+      </p:sp>
+      <p:sp>
+        <p:nvSpPr>
+          <p:cNvPr id="4" name="Textfeld 3">
+            <a:extLst>
+              <a:ext uri="{FF2B5EF4-FFF2-40B4-BE49-F238E27FC236}">
+                <a16:creationId xmlns:a16="http://schemas.microsoft.com/office/drawing/2014/main" id="{EE98651D-1846-4664-86CB-10AB701FE291}"/>
+              </a:ext>
+            </a:extLst>
+          </p:cNvPr>
+          <p:cNvSpPr txBox="1"/>
+          <p:nvPr/>
+        </p:nvSpPr>
+        <p:spPr>
+          <a:xfrm>
+            <a:off x="334859" y="2327918"/>
+            <a:ext cx="3339519" cy="3116537"/>
+          </a:xfrm>
+          <a:prstGeom prst="rect">
+            <a:avLst/>
+          </a:prstGeom>
+        </p:spPr>
+        <p:txBody>
+          <a:bodyPr vert="horz" lIns="91440" tIns="45720" rIns="91440" bIns="45720" rtlCol="0">
+            <a:normAutofit/>
+          </a:bodyPr>
+          <a:lstStyle/>
+          <a:p>
+            <a:pPr>
+              <a:lnSpc>
+                <a:spcPct val="90000"/>
+              </a:lnSpc>
+              <a:spcAft>
+                <a:spcPts val="600"/>
+              </a:spcAft>
+            </a:pPr>
+            <a:r>
+              <a:rPr lang="en-US" sz="2000" dirty="0" err="1"/>
+              <a:t>Im</a:t>
+            </a:r>
+            <a:r>
+              <a:rPr lang="en-US" sz="2000" dirty="0"/>
+              <a:t> </a:t>
+            </a:r>
+            <a:r>
+              <a:rPr lang="en-US" sz="2000" dirty="0" err="1"/>
+              <a:t>Fallbeispiel</a:t>
+            </a:r>
+            <a:r>
+              <a:rPr lang="en-US" sz="2000" dirty="0"/>
+              <a:t> </a:t>
+            </a:r>
+            <a:r>
+              <a:rPr lang="en-US" sz="2000" dirty="0" err="1"/>
+              <a:t>wird</a:t>
+            </a:r>
+            <a:r>
+              <a:rPr lang="en-US" sz="2000" dirty="0"/>
+              <a:t> </a:t>
+            </a:r>
+            <a:r>
+              <a:rPr lang="en-US" sz="2000" dirty="0" err="1"/>
+              <a:t>eines</a:t>
+            </a:r>
+            <a:r>
+              <a:rPr lang="en-US" sz="2000" dirty="0"/>
+              <a:t> der </a:t>
+            </a:r>
+            <a:r>
+              <a:rPr lang="en-US" sz="2000" dirty="0" err="1"/>
+              <a:t>weltweit</a:t>
+            </a:r>
+            <a:r>
+              <a:rPr lang="en-US" sz="2000" dirty="0"/>
+              <a:t> </a:t>
+            </a:r>
+            <a:r>
+              <a:rPr lang="en-US" sz="2000" dirty="0" err="1"/>
+              <a:t>größten</a:t>
+            </a:r>
+            <a:r>
+              <a:rPr lang="en-US" sz="2000" dirty="0"/>
+              <a:t> </a:t>
+            </a:r>
+            <a:r>
+              <a:rPr lang="en-US" sz="2000" dirty="0" err="1"/>
+              <a:t>Einkaufszentren</a:t>
+            </a:r>
+            <a:r>
+              <a:rPr lang="en-US" sz="2000" dirty="0"/>
+              <a:t> </a:t>
+            </a:r>
+            <a:r>
+              <a:rPr lang="en-US" sz="2000" dirty="0" err="1"/>
+              <a:t>anaysiert</a:t>
+            </a:r>
+            <a:r>
+              <a:rPr lang="en-US" sz="2000" dirty="0"/>
+              <a:t>. Dieses </a:t>
+            </a:r>
+            <a:r>
+              <a:rPr lang="en-US" sz="2000" dirty="0" err="1"/>
+              <a:t>bietet</a:t>
+            </a:r>
+            <a:r>
+              <a:rPr lang="en-US" sz="2000" dirty="0"/>
+              <a:t> den </a:t>
+            </a:r>
+            <a:r>
+              <a:rPr lang="en-US" sz="2000" dirty="0" err="1"/>
+              <a:t>Kunden</a:t>
+            </a:r>
+            <a:r>
+              <a:rPr lang="en-US" sz="2000" dirty="0"/>
+              <a:t> </a:t>
+            </a:r>
+            <a:r>
+              <a:rPr lang="en-US" sz="2000" dirty="0" err="1"/>
+              <a:t>ein</a:t>
+            </a:r>
+            <a:r>
+              <a:rPr lang="en-US" sz="2000" dirty="0"/>
+              <a:t> </a:t>
+            </a:r>
+            <a:r>
+              <a:rPr lang="en-US" sz="2000" dirty="0" err="1"/>
+              <a:t>vielfältiges</a:t>
+            </a:r>
+            <a:r>
+              <a:rPr lang="en-US" sz="2000" dirty="0"/>
+              <a:t> </a:t>
+            </a:r>
+            <a:r>
+              <a:rPr lang="en-US" sz="2000" dirty="0" err="1"/>
+              <a:t>Angebot</a:t>
+            </a:r>
+            <a:r>
+              <a:rPr lang="en-US" sz="2000" dirty="0"/>
+              <a:t> an </a:t>
+            </a:r>
+            <a:r>
+              <a:rPr lang="en-US" sz="2000" dirty="0" err="1"/>
+              <a:t>Einkaufs</a:t>
+            </a:r>
+            <a:r>
+              <a:rPr lang="en-US" sz="2000" dirty="0"/>
+              <a:t>-, </a:t>
+            </a:r>
+            <a:r>
+              <a:rPr lang="en-US" sz="2000" dirty="0" err="1"/>
+              <a:t>Unterhaltungs</a:t>
+            </a:r>
+            <a:r>
+              <a:rPr lang="en-US" sz="2000" dirty="0"/>
+              <a:t>- und Essen/</a:t>
+            </a:r>
+            <a:r>
+              <a:rPr lang="en-US" sz="2000" dirty="0" err="1"/>
+              <a:t>Getränke-Optionen</a:t>
+            </a:r>
+            <a:r>
+              <a:rPr lang="en-US" sz="2000" dirty="0"/>
+              <a:t>.</a:t>
+            </a:r>
+          </a:p>
+        </p:txBody>
+      </p:sp>
+      <p:pic>
+        <p:nvPicPr>
+          <p:cNvPr id="6" name="Grafik 5" descr="Ein Bild, das Tisch enthält.&#10;&#10;Automatisch generierte Beschreibung">
+            <a:extLst>
+              <a:ext uri="{FF2B5EF4-FFF2-40B4-BE49-F238E27FC236}">
+                <a16:creationId xmlns:a16="http://schemas.microsoft.com/office/drawing/2014/main" id="{5A233545-5E78-40BF-888B-FD51E0D7CEA7}"/>
+              </a:ext>
+            </a:extLst>
+          </p:cNvPr>
+          <p:cNvPicPr>
+            <a:picLocks noChangeAspect="1"/>
+          </p:cNvPicPr>
+          <p:nvPr/>
+        </p:nvPicPr>
+        <p:blipFill>
+          <a:blip r:embed="rId2">
+            <a:extLst>
+              <a:ext uri="{28A0092B-C50C-407E-A947-70E740481C1C}">
+                <a14:useLocalDpi xmlns:a14="http://schemas.microsoft.com/office/drawing/2010/main" val="0"/>
+              </a:ext>
+            </a:extLst>
+          </a:blip>
+          <a:stretch>
+            <a:fillRect/>
+          </a:stretch>
+        </p:blipFill>
+        <p:spPr>
+          <a:xfrm>
+            <a:off x="3929181" y="1130417"/>
+            <a:ext cx="7995072" cy="4597166"/>
+          </a:xfrm>
+          <a:prstGeom prst="rect">
+            <a:avLst/>
+          </a:prstGeom>
+        </p:spPr>
+      </p:pic>
+    </p:spTree>
+    <p:extLst>
+      <p:ext uri="{BB962C8B-B14F-4D97-AF65-F5344CB8AC3E}">
+        <p14:creationId xmlns:p14="http://schemas.microsoft.com/office/powerpoint/2010/main" val="1622403623"/>
       </p:ext>
     </p:extLst>
   </p:cSld>

--- a/Praesentation/Präsentation_Tim.pptx
+++ b/Praesentation/Präsentation_Tim.pptx
@@ -5,7 +5,7 @@
     <p:sldMasterId id="2147483648" r:id="rId1"/>
   </p:sldMasterIdLst>
   <p:notesMasterIdLst>
-    <p:notesMasterId r:id="rId18"/>
+    <p:notesMasterId r:id="rId17"/>
   </p:notesMasterIdLst>
   <p:sldIdLst>
     <p:sldId id="256" r:id="rId2"/>
@@ -15,15 +15,14 @@
     <p:sldId id="264" r:id="rId6"/>
     <p:sldId id="265" r:id="rId7"/>
     <p:sldId id="258" r:id="rId8"/>
-    <p:sldId id="266" r:id="rId9"/>
-    <p:sldId id="268" r:id="rId10"/>
-    <p:sldId id="269" r:id="rId11"/>
-    <p:sldId id="270" r:id="rId12"/>
-    <p:sldId id="271" r:id="rId13"/>
-    <p:sldId id="259" r:id="rId14"/>
-    <p:sldId id="263" r:id="rId15"/>
-    <p:sldId id="272" r:id="rId16"/>
-    <p:sldId id="273" r:id="rId17"/>
+    <p:sldId id="268" r:id="rId9"/>
+    <p:sldId id="269" r:id="rId10"/>
+    <p:sldId id="270" r:id="rId11"/>
+    <p:sldId id="271" r:id="rId12"/>
+    <p:sldId id="259" r:id="rId13"/>
+    <p:sldId id="263" r:id="rId14"/>
+    <p:sldId id="272" r:id="rId15"/>
+    <p:sldId id="273" r:id="rId16"/>
   </p:sldIdLst>
   <p:sldSz cx="12192000" cy="6858000"/>
   <p:notesSz cx="6858000" cy="9144000"/>
@@ -935,7 +934,7 @@
   <pc:docChgLst>
     <pc:chgData name="Tim Böckel" userId="139bf3991ca47324" providerId="LiveId" clId="{F23E6AC7-6F80-426C-8EA5-4E59630F2B8F}"/>
     <pc:docChg chg="undo custSel addSld delSld modSld">
-      <pc:chgData name="Tim Böckel" userId="139bf3991ca47324" providerId="LiveId" clId="{F23E6AC7-6F80-426C-8EA5-4E59630F2B8F}" dt="2021-06-06T15:00:33.333" v="671"/>
+      <pc:chgData name="Tim Böckel" userId="139bf3991ca47324" providerId="LiveId" clId="{F23E6AC7-6F80-426C-8EA5-4E59630F2B8F}" dt="2021-06-06T19:28:06.422" v="941" actId="20577"/>
       <pc:docMkLst>
         <pc:docMk/>
       </pc:docMkLst>
@@ -954,8 +953,15 @@
           </ac:spMkLst>
         </pc:spChg>
       </pc:sldChg>
+      <pc:sldChg chg="modNotes">
+        <pc:chgData name="Tim Böckel" userId="139bf3991ca47324" providerId="LiveId" clId="{F23E6AC7-6F80-426C-8EA5-4E59630F2B8F}" dt="2021-06-06T18:47:23.015" v="908"/>
+        <pc:sldMkLst>
+          <pc:docMk/>
+          <pc:sldMk cId="4196420704" sldId="258"/>
+        </pc:sldMkLst>
+      </pc:sldChg>
       <pc:sldChg chg="addSp delSp modSp mod setBg">
-        <pc:chgData name="Tim Böckel" userId="139bf3991ca47324" providerId="LiveId" clId="{F23E6AC7-6F80-426C-8EA5-4E59630F2B8F}" dt="2021-06-06T14:40:36.767" v="636" actId="404"/>
+        <pc:chgData name="Tim Böckel" userId="139bf3991ca47324" providerId="LiveId" clId="{F23E6AC7-6F80-426C-8EA5-4E59630F2B8F}" dt="2021-06-06T19:28:06.422" v="941" actId="20577"/>
         <pc:sldMkLst>
           <pc:docMk/>
           <pc:sldMk cId="989028442" sldId="259"/>
@@ -969,7 +975,7 @@
           </ac:spMkLst>
         </pc:spChg>
         <pc:spChg chg="mod">
-          <ac:chgData name="Tim Böckel" userId="139bf3991ca47324" providerId="LiveId" clId="{F23E6AC7-6F80-426C-8EA5-4E59630F2B8F}" dt="2021-06-06T14:39:07.177" v="625" actId="1076"/>
+          <ac:chgData name="Tim Böckel" userId="139bf3991ca47324" providerId="LiveId" clId="{F23E6AC7-6F80-426C-8EA5-4E59630F2B8F}" dt="2021-06-06T19:28:06.422" v="941" actId="20577"/>
           <ac:spMkLst>
             <pc:docMk/>
             <pc:sldMk cId="989028442" sldId="259"/>
@@ -1031,12 +1037,20 @@
           </ac:spMkLst>
         </pc:spChg>
       </pc:sldChg>
-      <pc:sldChg chg="delSp mod">
-        <pc:chgData name="Tim Böckel" userId="139bf3991ca47324" providerId="LiveId" clId="{F23E6AC7-6F80-426C-8EA5-4E59630F2B8F}" dt="2021-06-06T14:18:22.569" v="512" actId="478"/>
+      <pc:sldChg chg="delSp modSp mod">
+        <pc:chgData name="Tim Böckel" userId="139bf3991ca47324" providerId="LiveId" clId="{F23E6AC7-6F80-426C-8EA5-4E59630F2B8F}" dt="2021-06-06T18:26:58.361" v="683" actId="20577"/>
         <pc:sldMkLst>
           <pc:docMk/>
           <pc:sldMk cId="3884062741" sldId="262"/>
         </pc:sldMkLst>
+        <pc:spChg chg="mod">
+          <ac:chgData name="Tim Böckel" userId="139bf3991ca47324" providerId="LiveId" clId="{F23E6AC7-6F80-426C-8EA5-4E59630F2B8F}" dt="2021-06-06T18:26:58.361" v="683" actId="20577"/>
+          <ac:spMkLst>
+            <pc:docMk/>
+            <pc:sldMk cId="3884062741" sldId="262"/>
+            <ac:spMk id="3" creationId="{6610B3B9-FEB1-4A6D-A35C-2BBE1077D41E}"/>
+          </ac:spMkLst>
+        </pc:spChg>
         <pc:spChg chg="del">
           <ac:chgData name="Tim Böckel" userId="139bf3991ca47324" providerId="LiveId" clId="{F23E6AC7-6F80-426C-8EA5-4E59630F2B8F}" dt="2021-06-06T14:18:22.569" v="512" actId="478"/>
           <ac:spMkLst>
@@ -1085,8 +1099,8 @@
           </ac:picMkLst>
         </pc:picChg>
       </pc:sldChg>
-      <pc:sldChg chg="modSp mod">
-        <pc:chgData name="Tim Böckel" userId="139bf3991ca47324" providerId="LiveId" clId="{F23E6AC7-6F80-426C-8EA5-4E59630F2B8F}" dt="2021-06-06T14:52:56.908" v="646" actId="255"/>
+      <pc:sldChg chg="modSp mod modNotes">
+        <pc:chgData name="Tim Böckel" userId="139bf3991ca47324" providerId="LiveId" clId="{F23E6AC7-6F80-426C-8EA5-4E59630F2B8F}" dt="2021-06-06T18:33:35.973" v="904" actId="20577"/>
         <pc:sldMkLst>
           <pc:docMk/>
           <pc:sldMk cId="1054796877" sldId="264"/>
@@ -1131,6 +1145,13 @@
           </ac:spMkLst>
         </pc:spChg>
       </pc:sldChg>
+      <pc:sldChg chg="del">
+        <pc:chgData name="Tim Böckel" userId="139bf3991ca47324" providerId="LiveId" clId="{F23E6AC7-6F80-426C-8EA5-4E59630F2B8F}" dt="2021-06-06T18:47:32.974" v="909" actId="2696"/>
+        <pc:sldMkLst>
+          <pc:docMk/>
+          <pc:sldMk cId="1415600349" sldId="266"/>
+        </pc:sldMkLst>
+      </pc:sldChg>
       <pc:sldChg chg="delSp modSp mod">
         <pc:chgData name="Tim Böckel" userId="139bf3991ca47324" providerId="LiveId" clId="{F23E6AC7-6F80-426C-8EA5-4E59630F2B8F}" dt="2021-06-06T14:54:22.144" v="660"/>
         <pc:sldMkLst>
@@ -1155,13 +1176,13 @@
         </pc:spChg>
       </pc:sldChg>
       <pc:sldChg chg="addSp delSp modSp new mod setBg addCm">
-        <pc:chgData name="Tim Böckel" userId="139bf3991ca47324" providerId="LiveId" clId="{F23E6AC7-6F80-426C-8EA5-4E59630F2B8F}" dt="2021-06-06T14:07:43.949" v="141" actId="790"/>
+        <pc:chgData name="Tim Böckel" userId="139bf3991ca47324" providerId="LiveId" clId="{F23E6AC7-6F80-426C-8EA5-4E59630F2B8F}" dt="2021-06-06T18:48:14.013" v="914" actId="790"/>
         <pc:sldMkLst>
           <pc:docMk/>
           <pc:sldMk cId="1622403623" sldId="268"/>
         </pc:sldMkLst>
         <pc:spChg chg="mod">
-          <ac:chgData name="Tim Böckel" userId="139bf3991ca47324" providerId="LiveId" clId="{F23E6AC7-6F80-426C-8EA5-4E59630F2B8F}" dt="2021-06-06T14:07:43.949" v="141" actId="790"/>
+          <ac:chgData name="Tim Böckel" userId="139bf3991ca47324" providerId="LiveId" clId="{F23E6AC7-6F80-426C-8EA5-4E59630F2B8F}" dt="2021-06-06T18:48:14.013" v="914" actId="790"/>
           <ac:spMkLst>
             <pc:docMk/>
             <pc:sldMk cId="1622403623" sldId="268"/>
@@ -1177,7 +1198,7 @@
           </ac:spMkLst>
         </pc:spChg>
         <pc:spChg chg="add mod">
-          <ac:chgData name="Tim Böckel" userId="139bf3991ca47324" providerId="LiveId" clId="{F23E6AC7-6F80-426C-8EA5-4E59630F2B8F}" dt="2021-06-06T14:07:29.536" v="134" actId="14100"/>
+          <ac:chgData name="Tim Böckel" userId="139bf3991ca47324" providerId="LiveId" clId="{F23E6AC7-6F80-426C-8EA5-4E59630F2B8F}" dt="2021-06-06T18:48:05.003" v="912" actId="20577"/>
           <ac:spMkLst>
             <pc:docMk/>
             <pc:sldMk cId="1622403623" sldId="268"/>
@@ -1444,13 +1465,13 @@
         </pc:spChg>
       </pc:sldChg>
       <pc:sldChg chg="addSp delSp modSp new mod">
-        <pc:chgData name="Tim Böckel" userId="139bf3991ca47324" providerId="LiveId" clId="{F23E6AC7-6F80-426C-8EA5-4E59630F2B8F}" dt="2021-06-06T14:20:04.958" v="548" actId="20577"/>
+        <pc:chgData name="Tim Böckel" userId="139bf3991ca47324" providerId="LiveId" clId="{F23E6AC7-6F80-426C-8EA5-4E59630F2B8F}" dt="2021-06-06T18:47:04.925" v="907" actId="790"/>
         <pc:sldMkLst>
           <pc:docMk/>
           <pc:sldMk cId="3298032880" sldId="273"/>
         </pc:sldMkLst>
         <pc:spChg chg="mod">
-          <ac:chgData name="Tim Böckel" userId="139bf3991ca47324" providerId="LiveId" clId="{F23E6AC7-6F80-426C-8EA5-4E59630F2B8F}" dt="2021-06-06T14:16:54.129" v="427" actId="20577"/>
+          <ac:chgData name="Tim Böckel" userId="139bf3991ca47324" providerId="LiveId" clId="{F23E6AC7-6F80-426C-8EA5-4E59630F2B8F}" dt="2021-06-06T18:47:04.925" v="907" actId="790"/>
           <ac:spMkLst>
             <pc:docMk/>
             <pc:sldMk cId="3298032880" sldId="273"/>
@@ -1466,7 +1487,7 @@
           </ac:spMkLst>
         </pc:spChg>
         <pc:spChg chg="add mod">
-          <ac:chgData name="Tim Böckel" userId="139bf3991ca47324" providerId="LiveId" clId="{F23E6AC7-6F80-426C-8EA5-4E59630F2B8F}" dt="2021-06-06T14:20:04.958" v="548" actId="20577"/>
+          <ac:chgData name="Tim Böckel" userId="139bf3991ca47324" providerId="LiveId" clId="{F23E6AC7-6F80-426C-8EA5-4E59630F2B8F}" dt="2021-06-06T18:46:48.210" v="905" actId="3626"/>
           <ac:spMkLst>
             <pc:docMk/>
             <pc:sldMk cId="3298032880" sldId="273"/>
@@ -1896,6 +1917,434 @@
     </a:lvl9pPr>
   </p:notesStyle>
 </p:notesMaster>
+</file>
+
+<file path=ppt/notesSlides/notesSlide1.xml><?xml version="1.0" encoding="utf-8"?>
+<p:notes xmlns:a="http://schemas.openxmlformats.org/drawingml/2006/main" xmlns:r="http://schemas.openxmlformats.org/officeDocument/2006/relationships" xmlns:p="http://schemas.openxmlformats.org/presentationml/2006/main">
+  <p:cSld>
+    <p:spTree>
+      <p:nvGrpSpPr>
+        <p:cNvPr id="1" name=""/>
+        <p:cNvGrpSpPr/>
+        <p:nvPr/>
+      </p:nvGrpSpPr>
+      <p:grpSpPr>
+        <a:xfrm>
+          <a:off x="0" y="0"/>
+          <a:ext cx="0" cy="0"/>
+          <a:chOff x="0" y="0"/>
+          <a:chExt cx="0" cy="0"/>
+        </a:xfrm>
+      </p:grpSpPr>
+      <p:sp>
+        <p:nvSpPr>
+          <p:cNvPr id="2" name="Folienbildplatzhalter 1"/>
+          <p:cNvSpPr>
+            <a:spLocks noGrp="1" noRot="1" noChangeAspect="1"/>
+          </p:cNvSpPr>
+          <p:nvPr>
+            <p:ph type="sldImg"/>
+          </p:nvPr>
+        </p:nvSpPr>
+        <p:spPr/>
+      </p:sp>
+      <p:sp>
+        <p:nvSpPr>
+          <p:cNvPr id="3" name="Notizenplatzhalter 2"/>
+          <p:cNvSpPr>
+            <a:spLocks noGrp="1"/>
+          </p:cNvSpPr>
+          <p:nvPr>
+            <p:ph type="body" idx="1"/>
+          </p:nvPr>
+        </p:nvSpPr>
+        <p:spPr/>
+        <p:txBody>
+          <a:bodyPr/>
+          <a:lstStyle/>
+          <a:p>
+            <a:r>
+              <a:rPr lang="en-US" dirty="0" err="1"/>
+              <a:t>Bestandteile</a:t>
+            </a:r>
+            <a:r>
+              <a:rPr lang="en-US" dirty="0"/>
+              <a:t>:</a:t>
+            </a:r>
+          </a:p>
+          <a:p>
+            <a:endParaRPr lang="en-US" dirty="0"/>
+          </a:p>
+          <a:p>
+            <a:r>
+              <a:rPr lang="en-US" dirty="0"/>
+              <a:t>Journey </a:t>
+            </a:r>
+            <a:r>
+              <a:rPr lang="en-US" dirty="0">
+                <a:sym typeface="Wingdings" panose="05000000000000000000" pitchFamily="2" charset="2"/>
+              </a:rPr>
+              <a:t> </a:t>
+            </a:r>
+            <a:r>
+              <a:rPr lang="en-US" dirty="0" err="1">
+                <a:sym typeface="Wingdings" panose="05000000000000000000" pitchFamily="2" charset="2"/>
+              </a:rPr>
+              <a:t>Alles</a:t>
+            </a:r>
+            <a:r>
+              <a:rPr lang="en-US" dirty="0">
+                <a:sym typeface="Wingdings" panose="05000000000000000000" pitchFamily="2" charset="2"/>
+              </a:rPr>
+              <a:t> (</a:t>
+            </a:r>
+            <a:r>
+              <a:rPr lang="en-US" dirty="0" err="1">
+                <a:sym typeface="Wingdings" panose="05000000000000000000" pitchFamily="2" charset="2"/>
+              </a:rPr>
+              <a:t>Optimale</a:t>
+            </a:r>
+            <a:r>
+              <a:rPr lang="en-US" dirty="0">
+                <a:sym typeface="Wingdings" panose="05000000000000000000" pitchFamily="2" charset="2"/>
+              </a:rPr>
+              <a:t> vs. </a:t>
+            </a:r>
+            <a:r>
+              <a:rPr lang="en-US" dirty="0" err="1">
+                <a:sym typeface="Wingdings" panose="05000000000000000000" pitchFamily="2" charset="2"/>
+              </a:rPr>
+              <a:t>Wirkliche</a:t>
+            </a:r>
+            <a:r>
+              <a:rPr lang="en-US" dirty="0">
+                <a:sym typeface="Wingdings" panose="05000000000000000000" pitchFamily="2" charset="2"/>
+              </a:rPr>
+              <a:t> Journey)</a:t>
+            </a:r>
+            <a:endParaRPr lang="en-US" dirty="0"/>
+          </a:p>
+          <a:p>
+            <a:r>
+              <a:rPr lang="en-US" dirty="0"/>
+              <a:t>Touchpoints </a:t>
+            </a:r>
+            <a:r>
+              <a:rPr lang="en-US" dirty="0">
+                <a:sym typeface="Wingdings" panose="05000000000000000000" pitchFamily="2" charset="2"/>
+              </a:rPr>
+              <a:t> </a:t>
+            </a:r>
+            <a:r>
+              <a:rPr lang="en-US" dirty="0" err="1">
+                <a:sym typeface="Wingdings" panose="05000000000000000000" pitchFamily="2" charset="2"/>
+              </a:rPr>
+              <a:t>Berührungspunkt</a:t>
+            </a:r>
+            <a:endParaRPr lang="en-US" dirty="0">
+              <a:sym typeface="Wingdings" panose="05000000000000000000" pitchFamily="2" charset="2"/>
+            </a:endParaRPr>
+          </a:p>
+          <a:p>
+            <a:r>
+              <a:rPr lang="en-US" dirty="0">
+                <a:sym typeface="Wingdings" panose="05000000000000000000" pitchFamily="2" charset="2"/>
+              </a:rPr>
+              <a:t>Goal  </a:t>
+            </a:r>
+            <a:r>
+              <a:rPr lang="en-US" dirty="0" err="1">
+                <a:sym typeface="Wingdings" panose="05000000000000000000" pitchFamily="2" charset="2"/>
+              </a:rPr>
+              <a:t>Ziel</a:t>
+            </a:r>
+            <a:endParaRPr lang="en-US" dirty="0">
+              <a:sym typeface="Wingdings" panose="05000000000000000000" pitchFamily="2" charset="2"/>
+            </a:endParaRPr>
+          </a:p>
+          <a:p>
+            <a:r>
+              <a:rPr lang="en-US" dirty="0">
+                <a:sym typeface="Wingdings" panose="05000000000000000000" pitchFamily="2" charset="2"/>
+              </a:rPr>
+              <a:t>Experience  </a:t>
+            </a:r>
+            <a:r>
+              <a:rPr lang="en-US" dirty="0" err="1">
+                <a:sym typeface="Wingdings" panose="05000000000000000000" pitchFamily="2" charset="2"/>
+              </a:rPr>
+              <a:t>Emotionen</a:t>
+            </a:r>
+            <a:r>
+              <a:rPr lang="en-US" dirty="0">
+                <a:sym typeface="Wingdings" panose="05000000000000000000" pitchFamily="2" charset="2"/>
+              </a:rPr>
+              <a:t> des Users</a:t>
+            </a:r>
+          </a:p>
+          <a:p>
+            <a:r>
+              <a:rPr lang="en-US" dirty="0">
+                <a:sym typeface="Wingdings" panose="05000000000000000000" pitchFamily="2" charset="2"/>
+              </a:rPr>
+              <a:t>Channel  </a:t>
+            </a:r>
+            <a:r>
+              <a:rPr lang="en-US" dirty="0" err="1">
+                <a:sym typeface="Wingdings" panose="05000000000000000000" pitchFamily="2" charset="2"/>
+              </a:rPr>
+              <a:t>Bsp</a:t>
+            </a:r>
+            <a:r>
+              <a:rPr lang="en-US" dirty="0">
+                <a:sym typeface="Wingdings" panose="05000000000000000000" pitchFamily="2" charset="2"/>
+              </a:rPr>
+              <a:t>. </a:t>
+            </a:r>
+            <a:r>
+              <a:rPr lang="en-US" dirty="0" err="1">
+                <a:sym typeface="Wingdings" panose="05000000000000000000" pitchFamily="2" charset="2"/>
+              </a:rPr>
+              <a:t>Werbekanäle</a:t>
+            </a:r>
+            <a:endParaRPr lang="en-US" dirty="0">
+              <a:sym typeface="Wingdings" panose="05000000000000000000" pitchFamily="2" charset="2"/>
+            </a:endParaRPr>
+          </a:p>
+          <a:p>
+            <a:r>
+              <a:rPr lang="en-US" dirty="0">
+                <a:sym typeface="Wingdings" panose="05000000000000000000" pitchFamily="2" charset="2"/>
+              </a:rPr>
+              <a:t>User</a:t>
+            </a:r>
+            <a:endParaRPr lang="en-US" dirty="0"/>
+          </a:p>
+          <a:p>
+            <a:endParaRPr lang="en-US" dirty="0"/>
+          </a:p>
+          <a:p>
+            <a:endParaRPr lang="en-US" dirty="0"/>
+          </a:p>
+        </p:txBody>
+      </p:sp>
+      <p:sp>
+        <p:nvSpPr>
+          <p:cNvPr id="4" name="Foliennummernplatzhalter 3"/>
+          <p:cNvSpPr>
+            <a:spLocks noGrp="1"/>
+          </p:cNvSpPr>
+          <p:nvPr>
+            <p:ph type="sldNum" sz="quarter" idx="5"/>
+          </p:nvPr>
+        </p:nvSpPr>
+        <p:spPr/>
+        <p:txBody>
+          <a:bodyPr/>
+          <a:lstStyle/>
+          <a:p>
+            <a:fld id="{8FAA3480-48A5-4E91-9E2F-9BA3DD398807}" type="slidenum">
+              <a:rPr lang="de-DE" smtClean="0"/>
+              <a:t>5</a:t>
+            </a:fld>
+            <a:endParaRPr lang="de-DE"/>
+          </a:p>
+        </p:txBody>
+      </p:sp>
+    </p:spTree>
+    <p:extLst>
+      <p:ext uri="{BB962C8B-B14F-4D97-AF65-F5344CB8AC3E}">
+        <p14:creationId xmlns:p14="http://schemas.microsoft.com/office/powerpoint/2010/main" val="2080184232"/>
+      </p:ext>
+    </p:extLst>
+  </p:cSld>
+  <p:clrMapOvr>
+    <a:masterClrMapping/>
+  </p:clrMapOvr>
+</p:notes>
+</file>
+
+<file path=ppt/notesSlides/notesSlide2.xml><?xml version="1.0" encoding="utf-8"?>
+<p:notes xmlns:a="http://schemas.openxmlformats.org/drawingml/2006/main" xmlns:r="http://schemas.openxmlformats.org/officeDocument/2006/relationships" xmlns:p="http://schemas.openxmlformats.org/presentationml/2006/main">
+  <p:cSld>
+    <p:spTree>
+      <p:nvGrpSpPr>
+        <p:cNvPr id="1" name=""/>
+        <p:cNvGrpSpPr/>
+        <p:nvPr/>
+      </p:nvGrpSpPr>
+      <p:grpSpPr>
+        <a:xfrm>
+          <a:off x="0" y="0"/>
+          <a:ext cx="0" cy="0"/>
+          <a:chOff x="0" y="0"/>
+          <a:chExt cx="0" cy="0"/>
+        </a:xfrm>
+      </p:grpSpPr>
+      <p:sp>
+        <p:nvSpPr>
+          <p:cNvPr id="2" name="Folienbildplatzhalter 1"/>
+          <p:cNvSpPr>
+            <a:spLocks noGrp="1" noRot="1" noChangeAspect="1"/>
+          </p:cNvSpPr>
+          <p:nvPr>
+            <p:ph type="sldImg"/>
+          </p:nvPr>
+        </p:nvSpPr>
+        <p:spPr/>
+      </p:sp>
+      <p:sp>
+        <p:nvSpPr>
+          <p:cNvPr id="3" name="Notizenplatzhalter 2"/>
+          <p:cNvSpPr>
+            <a:spLocks noGrp="1"/>
+          </p:cNvSpPr>
+          <p:nvPr>
+            <p:ph type="body" idx="1"/>
+          </p:nvPr>
+        </p:nvSpPr>
+        <p:spPr/>
+        <p:txBody>
+          <a:bodyPr/>
+          <a:lstStyle/>
+          <a:p>
+            <a:r>
+              <a:rPr lang="de-DE" sz="1200" dirty="0">
+                <a:solidFill>
+                  <a:srgbClr val="000000"/>
+                </a:solidFill>
+              </a:rPr>
+              <a:t>Der Wert der ethnografischen Forschung liegt in ihrer Fähigkeit, reichhaltige Daten über individuelle Kundeninteraktionen zu liefern. Ethnografie ist für die explorative Forschung förderlich, da sie unbekannte Probleme und Einblicke in das Kundenverhalten aufdecken kann</a:t>
+            </a:r>
+            <a:endParaRPr lang="en-US" sz="1200" dirty="0">
+              <a:solidFill>
+                <a:srgbClr val="000000"/>
+              </a:solidFill>
+            </a:endParaRPr>
+          </a:p>
+          <a:p>
+            <a:endParaRPr lang="de-DE" dirty="0"/>
+          </a:p>
+        </p:txBody>
+      </p:sp>
+      <p:sp>
+        <p:nvSpPr>
+          <p:cNvPr id="4" name="Foliennummernplatzhalter 3"/>
+          <p:cNvSpPr>
+            <a:spLocks noGrp="1"/>
+          </p:cNvSpPr>
+          <p:nvPr>
+            <p:ph type="sldNum" sz="quarter" idx="5"/>
+          </p:nvPr>
+        </p:nvSpPr>
+        <p:spPr/>
+        <p:txBody>
+          <a:bodyPr/>
+          <a:lstStyle/>
+          <a:p>
+            <a:fld id="{8FAA3480-48A5-4E91-9E2F-9BA3DD398807}" type="slidenum">
+              <a:rPr lang="de-DE" smtClean="0"/>
+              <a:t>7</a:t>
+            </a:fld>
+            <a:endParaRPr lang="de-DE"/>
+          </a:p>
+        </p:txBody>
+      </p:sp>
+    </p:spTree>
+    <p:extLst>
+      <p:ext uri="{BB962C8B-B14F-4D97-AF65-F5344CB8AC3E}">
+        <p14:creationId xmlns:p14="http://schemas.microsoft.com/office/powerpoint/2010/main" val="3182424419"/>
+      </p:ext>
+    </p:extLst>
+  </p:cSld>
+  <p:clrMapOvr>
+    <a:masterClrMapping/>
+  </p:clrMapOvr>
+</p:notes>
+</file>
+
+<file path=ppt/notesSlides/notesSlide3.xml><?xml version="1.0" encoding="utf-8"?>
+<p:notes xmlns:a="http://schemas.openxmlformats.org/drawingml/2006/main" xmlns:r="http://schemas.openxmlformats.org/officeDocument/2006/relationships" xmlns:p="http://schemas.openxmlformats.org/presentationml/2006/main">
+  <p:cSld>
+    <p:spTree>
+      <p:nvGrpSpPr>
+        <p:cNvPr id="1" name=""/>
+        <p:cNvGrpSpPr/>
+        <p:nvPr/>
+      </p:nvGrpSpPr>
+      <p:grpSpPr>
+        <a:xfrm>
+          <a:off x="0" y="0"/>
+          <a:ext cx="0" cy="0"/>
+          <a:chOff x="0" y="0"/>
+          <a:chExt cx="0" cy="0"/>
+        </a:xfrm>
+      </p:grpSpPr>
+      <p:sp>
+        <p:nvSpPr>
+          <p:cNvPr id="2" name="Folienbildplatzhalter 1"/>
+          <p:cNvSpPr>
+            <a:spLocks noGrp="1" noRot="1" noChangeAspect="1"/>
+          </p:cNvSpPr>
+          <p:nvPr>
+            <p:ph type="sldImg"/>
+          </p:nvPr>
+        </p:nvSpPr>
+        <p:spPr/>
+      </p:sp>
+      <p:sp>
+        <p:nvSpPr>
+          <p:cNvPr id="3" name="Notizenplatzhalter 2"/>
+          <p:cNvSpPr>
+            <a:spLocks noGrp="1"/>
+          </p:cNvSpPr>
+          <p:nvPr>
+            <p:ph type="body" idx="1"/>
+          </p:nvPr>
+        </p:nvSpPr>
+        <p:spPr/>
+        <p:txBody>
+          <a:bodyPr/>
+          <a:lstStyle/>
+          <a:p>
+            <a:endParaRPr lang="en-US"/>
+          </a:p>
+        </p:txBody>
+      </p:sp>
+      <p:sp>
+        <p:nvSpPr>
+          <p:cNvPr id="4" name="Foliennummernplatzhalter 3"/>
+          <p:cNvSpPr>
+            <a:spLocks noGrp="1"/>
+          </p:cNvSpPr>
+          <p:nvPr>
+            <p:ph type="sldNum" sz="quarter" idx="5"/>
+          </p:nvPr>
+        </p:nvSpPr>
+        <p:spPr/>
+        <p:txBody>
+          <a:bodyPr/>
+          <a:lstStyle/>
+          <a:p>
+            <a:fld id="{8FAA3480-48A5-4E91-9E2F-9BA3DD398807}" type="slidenum">
+              <a:rPr lang="de-DE" smtClean="0"/>
+              <a:t>15</a:t>
+            </a:fld>
+            <a:endParaRPr lang="de-DE"/>
+          </a:p>
+        </p:txBody>
+      </p:sp>
+    </p:spTree>
+    <p:extLst>
+      <p:ext uri="{BB962C8B-B14F-4D97-AF65-F5344CB8AC3E}">
+        <p14:creationId xmlns:p14="http://schemas.microsoft.com/office/powerpoint/2010/main" val="3120331450"/>
+      </p:ext>
+    </p:extLst>
+  </p:cSld>
+  <p:clrMapOvr>
+    <a:masterClrMapping/>
+  </p:clrMapOvr>
+</p:notes>
 </file>
 
 <file path=ppt/slideLayouts/slideLayout1.xml><?xml version="1.0" encoding="utf-8"?>
@@ -5408,6 +5857,14 @@
 <file path=ppt/slides/slide10.xml><?xml version="1.0" encoding="utf-8"?>
 <p:sld xmlns:a="http://schemas.openxmlformats.org/drawingml/2006/main" xmlns:r="http://schemas.openxmlformats.org/officeDocument/2006/relationships" xmlns:p="http://schemas.openxmlformats.org/presentationml/2006/main">
   <p:cSld>
+    <p:bg>
+      <p:bgPr>
+        <a:solidFill>
+          <a:schemeClr val="bg1"/>
+        </a:solidFill>
+        <a:effectLst/>
+      </p:bgPr>
+    </p:bg>
     <p:spTree>
       <p:nvGrpSpPr>
         <p:cNvPr id="1" name=""/>
@@ -5422,12 +5879,72 @@
           <a:chExt cx="0" cy="0"/>
         </a:xfrm>
       </p:grpSpPr>
-      <p:sp>
-        <p:nvSpPr>
-          <p:cNvPr id="2" name="Titel 1">
-            <a:extLst>
-              <a:ext uri="{FF2B5EF4-FFF2-40B4-BE49-F238E27FC236}">
-                <a16:creationId xmlns:a16="http://schemas.microsoft.com/office/drawing/2014/main" id="{93AB6214-F72C-42B4-AF25-320D7F2711BE}"/>
+      <p:sp useBgFill="1">
+        <p:nvSpPr>
+          <p:cNvPr id="11" name="Rectangle 10">
+            <a:extLst>
+              <a:ext uri="{FF2B5EF4-FFF2-40B4-BE49-F238E27FC236}">
+                <a16:creationId xmlns:a16="http://schemas.microsoft.com/office/drawing/2014/main" id="{275D6C10-B5A7-4715-803E-0501C9C2CC21}"/>
+              </a:ext>
+              <a:ext uri="{C183D7F6-B498-43B3-948B-1728B52AA6E4}">
+                <adec:decorative xmlns:adec="http://schemas.microsoft.com/office/drawing/2017/decorative" val="1"/>
+              </a:ext>
+            </a:extLst>
+          </p:cNvPr>
+          <p:cNvSpPr>
+            <a:spLocks noGrp="1" noRot="1" noChangeAspect="1" noMove="1" noResize="1" noEditPoints="1" noAdjustHandles="1" noChangeArrowheads="1" noChangeShapeType="1" noTextEdit="1"/>
+          </p:cNvSpPr>
+          <p:nvPr>
+            <p:extLst>
+              <p:ext uri="{386F3935-93C4-4BCD-93E2-E3B085C9AB24}">
+                <p16:designElem xmlns:p16="http://schemas.microsoft.com/office/powerpoint/2015/main" val="1"/>
+              </p:ext>
+            </p:extLst>
+          </p:nvPr>
+        </p:nvSpPr>
+        <p:spPr>
+          <a:xfrm>
+            <a:off x="-1" y="0"/>
+            <a:ext cx="12188952" cy="6858000"/>
+          </a:xfrm>
+          <a:prstGeom prst="rect">
+            <a:avLst/>
+          </a:prstGeom>
+          <a:ln>
+            <a:noFill/>
+          </a:ln>
+        </p:spPr>
+        <p:style>
+          <a:lnRef idx="2">
+            <a:schemeClr val="accent1">
+              <a:shade val="50000"/>
+            </a:schemeClr>
+          </a:lnRef>
+          <a:fillRef idx="1">
+            <a:schemeClr val="accent1"/>
+          </a:fillRef>
+          <a:effectRef idx="0">
+            <a:schemeClr val="accent1"/>
+          </a:effectRef>
+          <a:fontRef idx="minor">
+            <a:schemeClr val="lt1"/>
+          </a:fontRef>
+        </p:style>
+        <p:txBody>
+          <a:bodyPr rtlCol="0" anchor="ctr"/>
+          <a:lstStyle/>
+          <a:p>
+            <a:pPr algn="ctr"/>
+            <a:endParaRPr lang="en-US"/>
+          </a:p>
+        </p:txBody>
+      </p:sp>
+      <p:sp>
+        <p:nvSpPr>
+          <p:cNvPr id="6" name="Titel 1">
+            <a:extLst>
+              <a:ext uri="{FF2B5EF4-FFF2-40B4-BE49-F238E27FC236}">
+                <a16:creationId xmlns:a16="http://schemas.microsoft.com/office/drawing/2014/main" id="{01C58C85-BCBE-4909-9C5D-E26A2098655F}"/>
               </a:ext>
             </a:extLst>
           </p:cNvPr>
@@ -5438,42 +5955,74 @@
             <p:ph type="title"/>
           </p:nvPr>
         </p:nvSpPr>
-        <p:spPr/>
-        <p:txBody>
-          <a:bodyPr/>
+        <p:spPr>
+          <a:xfrm>
+            <a:off x="841248" y="552289"/>
+            <a:ext cx="3976496" cy="3700929"/>
+          </a:xfrm>
+        </p:spPr>
+        <p:txBody>
+          <a:bodyPr vert="horz" lIns="91440" tIns="45720" rIns="91440" bIns="45720" rtlCol="0" anchor="b">
+            <a:normAutofit/>
+          </a:bodyPr>
           <a:lstStyle/>
           <a:p>
-            <a:pPr algn="ctr"/>
-            <a:r>
-              <a:rPr lang="en-US" dirty="0" err="1"/>
-              <a:t>Entwicklung</a:t>
-            </a:r>
-            <a:r>
-              <a:rPr lang="en-US" dirty="0"/>
-              <a:t> der </a:t>
-            </a:r>
-            <a:r>
-              <a:rPr lang="en-US" dirty="0" err="1"/>
-              <a:t>vertikalen</a:t>
-            </a:r>
-            <a:r>
-              <a:rPr lang="en-US" dirty="0"/>
-              <a:t> </a:t>
-            </a:r>
-            <a:r>
-              <a:rPr lang="en-US" dirty="0" err="1"/>
-              <a:t>Achse</a:t>
-            </a:r>
-            <a:endParaRPr lang="en-US" dirty="0"/>
-          </a:p>
-        </p:txBody>
-      </p:sp>
-      <p:sp>
-        <p:nvSpPr>
-          <p:cNvPr id="4" name="Textfeld 3">
-            <a:extLst>
-              <a:ext uri="{FF2B5EF4-FFF2-40B4-BE49-F238E27FC236}">
-                <a16:creationId xmlns:a16="http://schemas.microsoft.com/office/drawing/2014/main" id="{BFC8FF42-606B-4FDA-8ED7-0A28C6A5EAEE}"/>
+            <a:r>
+              <a:rPr lang="en-US" sz="5200" kern="1200" dirty="0">
+                <a:solidFill>
+                  <a:schemeClr val="tx1"/>
+                </a:solidFill>
+                <a:latin typeface="+mj-lt"/>
+                <a:ea typeface="+mj-ea"/>
+                <a:cs typeface="+mj-cs"/>
+              </a:rPr>
+              <a:t>Pre-Service Period</a:t>
+            </a:r>
+          </a:p>
+        </p:txBody>
+      </p:sp>
+      <p:pic>
+        <p:nvPicPr>
+          <p:cNvPr id="5" name="Grafik 4" descr="Ein Bild, das Tisch enthält.&#10;&#10;Automatisch generierte Beschreibung">
+            <a:extLst>
+              <a:ext uri="{FF2B5EF4-FFF2-40B4-BE49-F238E27FC236}">
+                <a16:creationId xmlns:a16="http://schemas.microsoft.com/office/drawing/2014/main" id="{5DAEE5F1-FAC7-4B7A-8296-5CF5CCDF289A}"/>
+              </a:ext>
+            </a:extLst>
+          </p:cNvPr>
+          <p:cNvPicPr>
+            <a:picLocks noChangeAspect="1"/>
+          </p:cNvPicPr>
+          <p:nvPr/>
+        </p:nvPicPr>
+        <p:blipFill>
+          <a:blip r:embed="rId2">
+            <a:extLst>
+              <a:ext uri="{28A0092B-C50C-407E-A947-70E740481C1C}">
+                <a14:useLocalDpi xmlns:a14="http://schemas.microsoft.com/office/drawing/2010/main" val="0"/>
+              </a:ext>
+            </a:extLst>
+          </a:blip>
+          <a:stretch>
+            <a:fillRect/>
+          </a:stretch>
+        </p:blipFill>
+        <p:spPr>
+          <a:xfrm>
+            <a:off x="5476198" y="295904"/>
+            <a:ext cx="5874554" cy="6266192"/>
+          </a:xfrm>
+          <a:prstGeom prst="rect">
+            <a:avLst/>
+          </a:prstGeom>
+        </p:spPr>
+      </p:pic>
+      <p:sp>
+        <p:nvSpPr>
+          <p:cNvPr id="10" name="Textfeld 9">
+            <a:extLst>
+              <a:ext uri="{FF2B5EF4-FFF2-40B4-BE49-F238E27FC236}">
+                <a16:creationId xmlns:a16="http://schemas.microsoft.com/office/drawing/2014/main" id="{9698E440-BE12-4561-8C38-7946C1C4437A}"/>
               </a:ext>
             </a:extLst>
           </p:cNvPr>
@@ -5482,8 +6031,8 @@
         </p:nvSpPr>
         <p:spPr>
           <a:xfrm>
-            <a:off x="973122" y="1690688"/>
-            <a:ext cx="9756397" cy="4524315"/>
+            <a:off x="8445267" y="6595643"/>
+            <a:ext cx="3073866" cy="246221"/>
           </a:xfrm>
           <a:prstGeom prst="rect">
             <a:avLst/>
@@ -5497,137 +6046,24 @@
           <a:lstStyle/>
           <a:p>
             <a:r>
-              <a:rPr lang="de-DE" sz="1800" b="0" i="0" u="none" strike="noStrike" baseline="0" dirty="0">
-                <a:solidFill>
-                  <a:srgbClr val="000000"/>
-                </a:solidFill>
-                <a:latin typeface="JMFCF E+ Adv T T 7f 5838b 0. I"/>
-              </a:rPr>
-              <a:t>Anforderungen des Users: Die Anforderungen des Kunden, die am Touchpoint (Marketing) benötigt werden.</a:t>
-            </a:r>
-          </a:p>
-          <a:p>
-            <a:endParaRPr lang="de-DE" sz="1800" b="0" i="0" u="none" strike="noStrike" baseline="0" dirty="0">
-              <a:solidFill>
-                <a:srgbClr val="000000"/>
-              </a:solidFill>
-              <a:latin typeface="JMFCF E+ Adv T T 7f 5838b 0. I"/>
-            </a:endParaRPr>
-          </a:p>
-          <a:p>
-            <a:r>
-              <a:rPr lang="de-DE" sz="1800" b="0" i="0" u="none" strike="noStrike" baseline="0" dirty="0">
-                <a:solidFill>
-                  <a:srgbClr val="000000"/>
-                </a:solidFill>
-                <a:latin typeface="JMFCF E+ Adv T T 7f 5838b 0. I"/>
-              </a:rPr>
-              <a:t>Mitarbeiter-Aktionen: </a:t>
-            </a:r>
-            <a:r>
-              <a:rPr lang="de-DE" dirty="0">
-                <a:solidFill>
-                  <a:srgbClr val="000000"/>
-                </a:solidFill>
-                <a:latin typeface="JMFCF E+ Adv T T 7f 5838b 0. I"/>
-              </a:rPr>
-              <a:t>D</a:t>
-            </a:r>
-            <a:r>
-              <a:rPr lang="de-DE" sz="1800" b="0" i="0" u="none" strike="noStrike" baseline="0" dirty="0">
-                <a:solidFill>
-                  <a:srgbClr val="000000"/>
-                </a:solidFill>
-                <a:latin typeface="JMFCF E+ Adv T T 7f 5838b 0. I"/>
-              </a:rPr>
-              <a:t>ie Aktionen der Mall-Mitarbeiter, die am Touchpoint erforderlich sind, um die Kundenanforderungen zu erfüllen (Personalwesen).</a:t>
-            </a:r>
-          </a:p>
-          <a:p>
-            <a:endParaRPr lang="de-DE" dirty="0">
-              <a:solidFill>
-                <a:srgbClr val="000000"/>
-              </a:solidFill>
-              <a:latin typeface="JMFCF E+ Adv T T 7f 5838b 0. I"/>
-            </a:endParaRPr>
-          </a:p>
-          <a:p>
-            <a:r>
-              <a:rPr lang="de-DE" sz="1800" b="0" i="0" u="none" strike="noStrike" baseline="0" dirty="0">
-                <a:solidFill>
-                  <a:srgbClr val="000000"/>
-                </a:solidFill>
-                <a:latin typeface="JMFCF E+ Adv T T 7f 5838b 0. I"/>
-              </a:rPr>
-              <a:t>Mitarbeiterunterstützung: Geben Sie an, welche Schulungen, Informationstechnologien, Lizenzen, Zertifizierungen, Werkzeuge, Materialien usw. die Mitarbeiter des Einkaufszentrums benötigen, um die Anforderungen am Touchpoint zu erfüllen (Personalwesen und Betriebsmanagement).</a:t>
-            </a:r>
-          </a:p>
-          <a:p>
-            <a:endParaRPr lang="de-DE" dirty="0">
-              <a:solidFill>
-                <a:srgbClr val="000000"/>
-              </a:solidFill>
-              <a:latin typeface="JMFCF E+ Adv T T 7f 5838b 0. I"/>
-            </a:endParaRPr>
-          </a:p>
-          <a:p>
-            <a:r>
-              <a:rPr lang="de-DE" sz="1800" b="0" i="0" u="none" strike="noStrike" baseline="0" dirty="0">
-                <a:solidFill>
-                  <a:srgbClr val="000000"/>
-                </a:solidFill>
-                <a:latin typeface="JMFCF E+ Adv T T 7f 5838b 0. I"/>
-              </a:rPr>
-              <a:t>Gestaltung des Einkaufszentrums: Spezifizieren Sie die Umgebungsreize, die Kunden an jedem Touchpoint wahrnehmen und nicht wahrnehmen sollten, um die Servicequalität zu beurteilen (Marketing, Operations</a:t>
-            </a:r>
-            <a:r>
-              <a:rPr lang="de-DE" dirty="0">
-                <a:solidFill>
-                  <a:srgbClr val="000000"/>
-                </a:solidFill>
-                <a:latin typeface="JMFCF E+ Adv T T 7f 5838b 0. I"/>
-              </a:rPr>
-              <a:t>-</a:t>
-            </a:r>
-            <a:r>
-              <a:rPr lang="de-DE" sz="1800" b="0" i="0" u="none" strike="noStrike" baseline="0" dirty="0">
-                <a:solidFill>
-                  <a:srgbClr val="000000"/>
-                </a:solidFill>
-                <a:latin typeface="JMFCF E+ Adv T T 7f 5838b 0. I"/>
-              </a:rPr>
-              <a:t>Management, Gebäudetechnik).</a:t>
-            </a:r>
-          </a:p>
-          <a:p>
-            <a:r>
-              <a:rPr lang="de-DE" sz="1800" b="0" i="0" u="none" strike="noStrike" baseline="0" dirty="0">
-                <a:solidFill>
-                  <a:srgbClr val="000000"/>
-                </a:solidFill>
-                <a:latin typeface="JMFCF E+ Adv T T 7f 5838b 0. I"/>
-              </a:rPr>
-              <a:t> </a:t>
-            </a:r>
-          </a:p>
-          <a:p>
-            <a:r>
-              <a:rPr lang="de-DE" sz="1800" b="0" i="0" u="none" strike="noStrike" baseline="0" dirty="0">
-                <a:solidFill>
-                  <a:srgbClr val="000000"/>
-                </a:solidFill>
-                <a:latin typeface="JMFCF E+ Adv T T 7f 5838b 0. I"/>
-              </a:rPr>
-              <a:t>Service-Innovation: Machen Sie ein Brainstorming, wie alle Abteilungen an jedem Touchpoint zusammenarbeiten können.</a:t>
-            </a:r>
-            <a:endParaRPr lang="en-US" dirty="0"/>
+              <a:rPr lang="en-US" sz="1000" dirty="0"/>
+              <a:t>[</a:t>
+            </a:r>
+            <a:r>
+              <a:rPr lang="en-US" sz="1000" dirty="0" err="1"/>
+              <a:t>Rosenbaumet</a:t>
+            </a:r>
+            <a:r>
+              <a:rPr lang="en-US" sz="1000" dirty="0"/>
+              <a:t> al.2017]</a:t>
+            </a:r>
           </a:p>
         </p:txBody>
       </p:sp>
     </p:spTree>
     <p:extLst>
       <p:ext uri="{BB962C8B-B14F-4D97-AF65-F5344CB8AC3E}">
-        <p14:creationId xmlns:p14="http://schemas.microsoft.com/office/powerpoint/2010/main" val="3896673891"/>
+        <p14:creationId xmlns:p14="http://schemas.microsoft.com/office/powerpoint/2010/main" val="3655628678"/>
       </p:ext>
     </p:extLst>
   </p:cSld>
@@ -5664,7 +6100,7 @@
       </p:grpSpPr>
       <p:sp useBgFill="1">
         <p:nvSpPr>
-          <p:cNvPr id="11" name="Rectangle 10">
+          <p:cNvPr id="13" name="Rectangle 12">
             <a:extLst>
               <a:ext uri="{FF2B5EF4-FFF2-40B4-BE49-F238E27FC236}">
                 <a16:creationId xmlns:a16="http://schemas.microsoft.com/office/drawing/2014/main" id="{275D6C10-B5A7-4715-803E-0501C9C2CC21}"/>
@@ -5724,10 +6160,10 @@
       </p:sp>
       <p:sp>
         <p:nvSpPr>
-          <p:cNvPr id="6" name="Titel 1">
-            <a:extLst>
-              <a:ext uri="{FF2B5EF4-FFF2-40B4-BE49-F238E27FC236}">
-                <a16:creationId xmlns:a16="http://schemas.microsoft.com/office/drawing/2014/main" id="{01C58C85-BCBE-4909-9C5D-E26A2098655F}"/>
+          <p:cNvPr id="8" name="Titel 1">
+            <a:extLst>
+              <a:ext uri="{FF2B5EF4-FFF2-40B4-BE49-F238E27FC236}">
+                <a16:creationId xmlns:a16="http://schemas.microsoft.com/office/drawing/2014/main" id="{B54F0835-4FEF-41F7-A495-95B8EB1BF68F}"/>
               </a:ext>
             </a:extLst>
           </p:cNvPr>
@@ -5740,8 +6176,8 @@
         </p:nvSpPr>
         <p:spPr>
           <a:xfrm>
-            <a:off x="841248" y="552289"/>
-            <a:ext cx="3976496" cy="3700929"/>
+            <a:off x="648302" y="1229700"/>
+            <a:ext cx="3976496" cy="2199300"/>
           </a:xfrm>
         </p:spPr>
         <p:txBody>
@@ -5759,7 +6195,7 @@
                 <a:ea typeface="+mj-ea"/>
                 <a:cs typeface="+mj-cs"/>
               </a:rPr>
-              <a:t>Pre-Service Period</a:t>
+              <a:t>Service Period</a:t>
             </a:r>
           </a:p>
         </p:txBody>
@@ -5769,7 +6205,7 @@
           <p:cNvPr id="5" name="Grafik 4" descr="Ein Bild, das Tisch enthält.&#10;&#10;Automatisch generierte Beschreibung">
             <a:extLst>
               <a:ext uri="{FF2B5EF4-FFF2-40B4-BE49-F238E27FC236}">
-                <a16:creationId xmlns:a16="http://schemas.microsoft.com/office/drawing/2014/main" id="{5DAEE5F1-FAC7-4B7A-8296-5CF5CCDF289A}"/>
+                <a16:creationId xmlns:a16="http://schemas.microsoft.com/office/drawing/2014/main" id="{F86E3232-7956-455B-9743-D855EFB474F5}"/>
               </a:ext>
             </a:extLst>
           </p:cNvPr>
@@ -5792,8 +6228,8 @@
         </p:blipFill>
         <p:spPr>
           <a:xfrm>
-            <a:off x="5476198" y="295904"/>
-            <a:ext cx="5874554" cy="6266192"/>
+            <a:off x="6384022" y="212766"/>
+            <a:ext cx="5058204" cy="6432468"/>
           </a:xfrm>
           <a:prstGeom prst="rect">
             <a:avLst/>
@@ -5802,10 +6238,10 @@
       </p:pic>
       <p:sp>
         <p:nvSpPr>
-          <p:cNvPr id="10" name="Textfeld 9">
-            <a:extLst>
-              <a:ext uri="{FF2B5EF4-FFF2-40B4-BE49-F238E27FC236}">
-                <a16:creationId xmlns:a16="http://schemas.microsoft.com/office/drawing/2014/main" id="{9698E440-BE12-4561-8C38-7946C1C4437A}"/>
+          <p:cNvPr id="9" name="Textfeld 8">
+            <a:extLst>
+              <a:ext uri="{FF2B5EF4-FFF2-40B4-BE49-F238E27FC236}">
+                <a16:creationId xmlns:a16="http://schemas.microsoft.com/office/drawing/2014/main" id="{866D32DA-F96B-4064-812B-2FB15411BFC5}"/>
               </a:ext>
             </a:extLst>
           </p:cNvPr>
@@ -5846,7 +6282,7 @@
     </p:spTree>
     <p:extLst>
       <p:ext uri="{BB962C8B-B14F-4D97-AF65-F5344CB8AC3E}">
-        <p14:creationId xmlns:p14="http://schemas.microsoft.com/office/powerpoint/2010/main" val="3655628678"/>
+        <p14:creationId xmlns:p14="http://schemas.microsoft.com/office/powerpoint/2010/main" val="204137321"/>
       </p:ext>
     </p:extLst>
   </p:cSld>
@@ -5883,10 +6319,10 @@
       </p:grpSpPr>
       <p:sp useBgFill="1">
         <p:nvSpPr>
-          <p:cNvPr id="13" name="Rectangle 12">
-            <a:extLst>
-              <a:ext uri="{FF2B5EF4-FFF2-40B4-BE49-F238E27FC236}">
-                <a16:creationId xmlns:a16="http://schemas.microsoft.com/office/drawing/2014/main" id="{275D6C10-B5A7-4715-803E-0501C9C2CC21}"/>
+          <p:cNvPr id="11" name="Rectangle 10">
+            <a:extLst>
+              <a:ext uri="{FF2B5EF4-FFF2-40B4-BE49-F238E27FC236}">
+                <a16:creationId xmlns:a16="http://schemas.microsoft.com/office/drawing/2014/main" id="{22587ECF-85E9-4393-9D87-8EB6F3F6C208}"/>
               </a:ext>
               <a:ext uri="{C183D7F6-B498-43B3-948B-1728B52AA6E4}">
                 <adec:decorative xmlns:adec="http://schemas.microsoft.com/office/drawing/2017/decorative" val="1"/>
@@ -5943,10 +6379,10 @@
       </p:sp>
       <p:sp>
         <p:nvSpPr>
-          <p:cNvPr id="8" name="Titel 1">
-            <a:extLst>
-              <a:ext uri="{FF2B5EF4-FFF2-40B4-BE49-F238E27FC236}">
-                <a16:creationId xmlns:a16="http://schemas.microsoft.com/office/drawing/2014/main" id="{B54F0835-4FEF-41F7-A495-95B8EB1BF68F}"/>
+          <p:cNvPr id="2" name="Titel 1">
+            <a:extLst>
+              <a:ext uri="{FF2B5EF4-FFF2-40B4-BE49-F238E27FC236}">
+                <a16:creationId xmlns:a16="http://schemas.microsoft.com/office/drawing/2014/main" id="{7A192B9F-EBFA-4972-A930-6BB6E58FFF3D}"/>
               </a:ext>
             </a:extLst>
           </p:cNvPr>
@@ -5959,36 +6395,95 @@
         </p:nvSpPr>
         <p:spPr>
           <a:xfrm>
-            <a:off x="648302" y="1229700"/>
-            <a:ext cx="3976496" cy="2199300"/>
+            <a:off x="838199" y="537883"/>
+            <a:ext cx="4783697" cy="1942810"/>
           </a:xfrm>
         </p:spPr>
         <p:txBody>
-          <a:bodyPr vert="horz" lIns="91440" tIns="45720" rIns="91440" bIns="45720" rtlCol="0" anchor="b">
+          <a:bodyPr anchor="b">
             <a:normAutofit/>
           </a:bodyPr>
           <a:lstStyle/>
           <a:p>
             <a:r>
-              <a:rPr lang="en-US" sz="5200" kern="1200" dirty="0">
-                <a:solidFill>
-                  <a:schemeClr val="tx1"/>
-                </a:solidFill>
-                <a:latin typeface="+mj-lt"/>
-                <a:ea typeface="+mj-ea"/>
-                <a:cs typeface="+mj-cs"/>
-              </a:rPr>
-              <a:t>Service Period</a:t>
+              <a:rPr lang="de-DE" sz="4000" dirty="0"/>
+              <a:t>Vorteile für </a:t>
+            </a:r>
+            <a:r>
+              <a:rPr lang="de-DE" sz="4000" dirty="0" err="1"/>
+              <a:t>Unternhemen</a:t>
+            </a:r>
+            <a:endParaRPr lang="de-DE" sz="4000" dirty="0"/>
+          </a:p>
+        </p:txBody>
+      </p:sp>
+      <p:sp>
+        <p:nvSpPr>
+          <p:cNvPr id="3" name="Inhaltsplatzhalter 2">
+            <a:extLst>
+              <a:ext uri="{FF2B5EF4-FFF2-40B4-BE49-F238E27FC236}">
+                <a16:creationId xmlns:a16="http://schemas.microsoft.com/office/drawing/2014/main" id="{68AF4279-EE49-4CBE-A19A-AA481D02B38D}"/>
+              </a:ext>
+            </a:extLst>
+          </p:cNvPr>
+          <p:cNvSpPr>
+            <a:spLocks noGrp="1"/>
+          </p:cNvSpPr>
+          <p:nvPr>
+            <p:ph idx="1"/>
+          </p:nvPr>
+        </p:nvSpPr>
+        <p:spPr>
+          <a:xfrm>
+            <a:off x="838199" y="2660516"/>
+            <a:ext cx="4783697" cy="3433583"/>
+          </a:xfrm>
+        </p:spPr>
+        <p:txBody>
+          <a:bodyPr>
+            <a:normAutofit/>
+          </a:bodyPr>
+          <a:lstStyle/>
+          <a:p>
+            <a:r>
+              <a:rPr lang="de-DE" sz="2000" dirty="0">
+                <a:latin typeface="Minion-Regular"/>
+              </a:rPr>
+              <a:t>Kundengetriebener Designprozess</a:t>
+            </a:r>
+          </a:p>
+          <a:p>
+            <a:r>
+              <a:rPr lang="de-DE" sz="2000" dirty="0">
+                <a:latin typeface="Minion-Regular"/>
+              </a:rPr>
+              <a:t>Sehr flexibel einsetzbar</a:t>
+            </a:r>
+          </a:p>
+          <a:p>
+            <a:r>
+              <a:rPr lang="de-DE" sz="2000" dirty="0">
+                <a:latin typeface="Minion-Regular"/>
+              </a:rPr>
+              <a:t>CJMs ermöglichen ein besseres Verständnis für die Komplexität des Produkt-Ökosystems</a:t>
+            </a:r>
+          </a:p>
+          <a:p>
+            <a:r>
+              <a:rPr lang="de-DE" sz="2000" dirty="0">
+                <a:latin typeface="Minion-Regular"/>
+              </a:rPr>
+              <a:t>Durch die Einbeziehung der Emotionen und Denkprozesse der tatsächlichen Kunden kann die Analyse über die übliche Analyse quantitativer Daten hinausgehen</a:t>
             </a:r>
           </a:p>
         </p:txBody>
       </p:sp>
       <p:pic>
         <p:nvPicPr>
-          <p:cNvPr id="5" name="Grafik 4" descr="Ein Bild, das Tisch enthält.&#10;&#10;Automatisch generierte Beschreibung">
-            <a:extLst>
-              <a:ext uri="{FF2B5EF4-FFF2-40B4-BE49-F238E27FC236}">
-                <a16:creationId xmlns:a16="http://schemas.microsoft.com/office/drawing/2014/main" id="{F86E3232-7956-455B-9743-D855EFB474F5}"/>
+          <p:cNvPr id="6" name="Grafik 5">
+            <a:extLst>
+              <a:ext uri="{FF2B5EF4-FFF2-40B4-BE49-F238E27FC236}">
+                <a16:creationId xmlns:a16="http://schemas.microsoft.com/office/drawing/2014/main" id="{B5E463BB-6709-4502-9835-95D112427E9A}"/>
               </a:ext>
             </a:extLst>
           </p:cNvPr>
@@ -6011,61 +6506,18 @@
         </p:blipFill>
         <p:spPr>
           <a:xfrm>
-            <a:off x="6384022" y="212766"/>
-            <a:ext cx="5058204" cy="6432468"/>
+            <a:off x="5988424" y="1759521"/>
+            <a:ext cx="5365375" cy="3138744"/>
           </a:xfrm>
           <a:prstGeom prst="rect">
             <a:avLst/>
           </a:prstGeom>
         </p:spPr>
       </p:pic>
-      <p:sp>
-        <p:nvSpPr>
-          <p:cNvPr id="9" name="Textfeld 8">
-            <a:extLst>
-              <a:ext uri="{FF2B5EF4-FFF2-40B4-BE49-F238E27FC236}">
-                <a16:creationId xmlns:a16="http://schemas.microsoft.com/office/drawing/2014/main" id="{866D32DA-F96B-4064-812B-2FB15411BFC5}"/>
-              </a:ext>
-            </a:extLst>
-          </p:cNvPr>
-          <p:cNvSpPr txBox="1"/>
-          <p:nvPr/>
-        </p:nvSpPr>
-        <p:spPr>
-          <a:xfrm>
-            <a:off x="8445267" y="6595643"/>
-            <a:ext cx="3073866" cy="246221"/>
-          </a:xfrm>
-          <a:prstGeom prst="rect">
-            <a:avLst/>
-          </a:prstGeom>
-          <a:noFill/>
-        </p:spPr>
-        <p:txBody>
-          <a:bodyPr wrap="square" rtlCol="0">
-            <a:spAutoFit/>
-          </a:bodyPr>
-          <a:lstStyle/>
-          <a:p>
-            <a:r>
-              <a:rPr lang="en-US" sz="1000" dirty="0"/>
-              <a:t>[</a:t>
-            </a:r>
-            <a:r>
-              <a:rPr lang="en-US" sz="1000" dirty="0" err="1"/>
-              <a:t>Rosenbaumet</a:t>
-            </a:r>
-            <a:r>
-              <a:rPr lang="en-US" sz="1000" dirty="0"/>
-              <a:t> al.2017]</a:t>
-            </a:r>
-          </a:p>
-        </p:txBody>
-      </p:sp>
     </p:spTree>
     <p:extLst>
       <p:ext uri="{BB962C8B-B14F-4D97-AF65-F5344CB8AC3E}">
-        <p14:creationId xmlns:p14="http://schemas.microsoft.com/office/powerpoint/2010/main" val="204137321"/>
+        <p14:creationId xmlns:p14="http://schemas.microsoft.com/office/powerpoint/2010/main" val="989028442"/>
       </p:ext>
     </p:extLst>
   </p:cSld>
@@ -6102,7 +6554,7 @@
       </p:grpSpPr>
       <p:sp useBgFill="1">
         <p:nvSpPr>
-          <p:cNvPr id="11" name="Rectangle 10">
+          <p:cNvPr id="10" name="Rectangle 9">
             <a:extLst>
               <a:ext uri="{FF2B5EF4-FFF2-40B4-BE49-F238E27FC236}">
                 <a16:creationId xmlns:a16="http://schemas.microsoft.com/office/drawing/2014/main" id="{22587ECF-85E9-4393-9D87-8EB6F3F6C208}"/>
@@ -6165,241 +6617,6 @@
           <p:cNvPr id="2" name="Titel 1">
             <a:extLst>
               <a:ext uri="{FF2B5EF4-FFF2-40B4-BE49-F238E27FC236}">
-                <a16:creationId xmlns:a16="http://schemas.microsoft.com/office/drawing/2014/main" id="{7A192B9F-EBFA-4972-A930-6BB6E58FFF3D}"/>
-              </a:ext>
-            </a:extLst>
-          </p:cNvPr>
-          <p:cNvSpPr>
-            <a:spLocks noGrp="1"/>
-          </p:cNvSpPr>
-          <p:nvPr>
-            <p:ph type="title"/>
-          </p:nvPr>
-        </p:nvSpPr>
-        <p:spPr>
-          <a:xfrm>
-            <a:off x="838199" y="537883"/>
-            <a:ext cx="4783697" cy="1942810"/>
-          </a:xfrm>
-        </p:spPr>
-        <p:txBody>
-          <a:bodyPr anchor="b">
-            <a:normAutofit/>
-          </a:bodyPr>
-          <a:lstStyle/>
-          <a:p>
-            <a:r>
-              <a:rPr lang="de-DE" sz="4000" dirty="0"/>
-              <a:t>Vorteile für </a:t>
-            </a:r>
-            <a:r>
-              <a:rPr lang="de-DE" sz="4000" dirty="0" err="1"/>
-              <a:t>Unternhemen</a:t>
-            </a:r>
-            <a:endParaRPr lang="de-DE" sz="4000" dirty="0"/>
-          </a:p>
-        </p:txBody>
-      </p:sp>
-      <p:sp>
-        <p:nvSpPr>
-          <p:cNvPr id="3" name="Inhaltsplatzhalter 2">
-            <a:extLst>
-              <a:ext uri="{FF2B5EF4-FFF2-40B4-BE49-F238E27FC236}">
-                <a16:creationId xmlns:a16="http://schemas.microsoft.com/office/drawing/2014/main" id="{68AF4279-EE49-4CBE-A19A-AA481D02B38D}"/>
-              </a:ext>
-            </a:extLst>
-          </p:cNvPr>
-          <p:cNvSpPr>
-            <a:spLocks noGrp="1"/>
-          </p:cNvSpPr>
-          <p:nvPr>
-            <p:ph idx="1"/>
-          </p:nvPr>
-        </p:nvSpPr>
-        <p:spPr>
-          <a:xfrm>
-            <a:off x="838199" y="2660516"/>
-            <a:ext cx="4783697" cy="3433583"/>
-          </a:xfrm>
-        </p:spPr>
-        <p:txBody>
-          <a:bodyPr>
-            <a:normAutofit/>
-          </a:bodyPr>
-          <a:lstStyle/>
-          <a:p>
-            <a:r>
-              <a:rPr lang="de-DE" sz="2000" dirty="0">
-                <a:latin typeface="Minion-Regular"/>
-              </a:rPr>
-              <a:t>Kundengetriebener Designprozess</a:t>
-            </a:r>
-          </a:p>
-          <a:p>
-            <a:r>
-              <a:rPr lang="de-DE" sz="2000" dirty="0">
-                <a:latin typeface="Minion-Regular"/>
-              </a:rPr>
-              <a:t>Sehr flexibel einsetzbar</a:t>
-            </a:r>
-          </a:p>
-          <a:p>
-            <a:r>
-              <a:rPr lang="de-DE" sz="2000" dirty="0">
-                <a:latin typeface="Minion-Regular"/>
-              </a:rPr>
-              <a:t>CJMs ermöglichen ein besseres Verständnis für die Komplexität des Produkt-Ökosystems</a:t>
-            </a:r>
-          </a:p>
-          <a:p>
-            <a:r>
-              <a:rPr lang="de-DE" sz="2000" dirty="0">
-                <a:latin typeface="Minion-Regular"/>
-              </a:rPr>
-              <a:t>Durch die Einbeziehung der Emotionen und Denkprozesse der tatsächlichen Kunden kann die Analyse über die üblichen quantitativen Daten</a:t>
-            </a:r>
-          </a:p>
-        </p:txBody>
-      </p:sp>
-      <p:pic>
-        <p:nvPicPr>
-          <p:cNvPr id="6" name="Grafik 5">
-            <a:extLst>
-              <a:ext uri="{FF2B5EF4-FFF2-40B4-BE49-F238E27FC236}">
-                <a16:creationId xmlns:a16="http://schemas.microsoft.com/office/drawing/2014/main" id="{B5E463BB-6709-4502-9835-95D112427E9A}"/>
-              </a:ext>
-            </a:extLst>
-          </p:cNvPr>
-          <p:cNvPicPr>
-            <a:picLocks noChangeAspect="1"/>
-          </p:cNvPicPr>
-          <p:nvPr/>
-        </p:nvPicPr>
-        <p:blipFill>
-          <a:blip r:embed="rId2">
-            <a:extLst>
-              <a:ext uri="{28A0092B-C50C-407E-A947-70E740481C1C}">
-                <a14:useLocalDpi xmlns:a14="http://schemas.microsoft.com/office/drawing/2010/main" val="0"/>
-              </a:ext>
-            </a:extLst>
-          </a:blip>
-          <a:stretch>
-            <a:fillRect/>
-          </a:stretch>
-        </p:blipFill>
-        <p:spPr>
-          <a:xfrm>
-            <a:off x="5988424" y="1759521"/>
-            <a:ext cx="5365375" cy="3138744"/>
-          </a:xfrm>
-          <a:prstGeom prst="rect">
-            <a:avLst/>
-          </a:prstGeom>
-        </p:spPr>
-      </p:pic>
-    </p:spTree>
-    <p:extLst>
-      <p:ext uri="{BB962C8B-B14F-4D97-AF65-F5344CB8AC3E}">
-        <p14:creationId xmlns:p14="http://schemas.microsoft.com/office/powerpoint/2010/main" val="989028442"/>
-      </p:ext>
-    </p:extLst>
-  </p:cSld>
-  <p:clrMapOvr>
-    <a:masterClrMapping/>
-  </p:clrMapOvr>
-</p:sld>
-</file>
-
-<file path=ppt/slides/slide14.xml><?xml version="1.0" encoding="utf-8"?>
-<p:sld xmlns:a="http://schemas.openxmlformats.org/drawingml/2006/main" xmlns:r="http://schemas.openxmlformats.org/officeDocument/2006/relationships" xmlns:p="http://schemas.openxmlformats.org/presentationml/2006/main">
-  <p:cSld>
-    <p:bg>
-      <p:bgPr>
-        <a:solidFill>
-          <a:schemeClr val="bg1"/>
-        </a:solidFill>
-        <a:effectLst/>
-      </p:bgPr>
-    </p:bg>
-    <p:spTree>
-      <p:nvGrpSpPr>
-        <p:cNvPr id="1" name=""/>
-        <p:cNvGrpSpPr/>
-        <p:nvPr/>
-      </p:nvGrpSpPr>
-      <p:grpSpPr>
-        <a:xfrm>
-          <a:off x="0" y="0"/>
-          <a:ext cx="0" cy="0"/>
-          <a:chOff x="0" y="0"/>
-          <a:chExt cx="0" cy="0"/>
-        </a:xfrm>
-      </p:grpSpPr>
-      <p:sp useBgFill="1">
-        <p:nvSpPr>
-          <p:cNvPr id="10" name="Rectangle 9">
-            <a:extLst>
-              <a:ext uri="{FF2B5EF4-FFF2-40B4-BE49-F238E27FC236}">
-                <a16:creationId xmlns:a16="http://schemas.microsoft.com/office/drawing/2014/main" id="{22587ECF-85E9-4393-9D87-8EB6F3F6C208}"/>
-              </a:ext>
-              <a:ext uri="{C183D7F6-B498-43B3-948B-1728B52AA6E4}">
-                <adec:decorative xmlns:adec="http://schemas.microsoft.com/office/drawing/2017/decorative" val="1"/>
-              </a:ext>
-            </a:extLst>
-          </p:cNvPr>
-          <p:cNvSpPr>
-            <a:spLocks noGrp="1" noRot="1" noChangeAspect="1" noMove="1" noResize="1" noEditPoints="1" noAdjustHandles="1" noChangeArrowheads="1" noChangeShapeType="1" noTextEdit="1"/>
-          </p:cNvSpPr>
-          <p:nvPr>
-            <p:extLst>
-              <p:ext uri="{386F3935-93C4-4BCD-93E2-E3B085C9AB24}">
-                <p16:designElem xmlns:p16="http://schemas.microsoft.com/office/powerpoint/2015/main" val="1"/>
-              </p:ext>
-            </p:extLst>
-          </p:nvPr>
-        </p:nvSpPr>
-        <p:spPr>
-          <a:xfrm>
-            <a:off x="-1" y="0"/>
-            <a:ext cx="12188952" cy="6858000"/>
-          </a:xfrm>
-          <a:prstGeom prst="rect">
-            <a:avLst/>
-          </a:prstGeom>
-          <a:ln>
-            <a:noFill/>
-          </a:ln>
-        </p:spPr>
-        <p:style>
-          <a:lnRef idx="2">
-            <a:schemeClr val="accent1">
-              <a:shade val="50000"/>
-            </a:schemeClr>
-          </a:lnRef>
-          <a:fillRef idx="1">
-            <a:schemeClr val="accent1"/>
-          </a:fillRef>
-          <a:effectRef idx="0">
-            <a:schemeClr val="accent1"/>
-          </a:effectRef>
-          <a:fontRef idx="minor">
-            <a:schemeClr val="lt1"/>
-          </a:fontRef>
-        </p:style>
-        <p:txBody>
-          <a:bodyPr rtlCol="0" anchor="ctr"/>
-          <a:lstStyle/>
-          <a:p>
-            <a:pPr algn="ctr"/>
-            <a:endParaRPr lang="en-US"/>
-          </a:p>
-        </p:txBody>
-      </p:sp>
-      <p:sp>
-        <p:nvSpPr>
-          <p:cNvPr id="2" name="Titel 1">
-            <a:extLst>
-              <a:ext uri="{FF2B5EF4-FFF2-40B4-BE49-F238E27FC236}">
                 <a16:creationId xmlns:a16="http://schemas.microsoft.com/office/drawing/2014/main" id="{7604E352-3A07-4751-A9BF-C6AD3376B599}"/>
               </a:ext>
             </a:extLst>
@@ -6526,6 +6743,639 @@
 </p:sld>
 </file>
 
+<file path=ppt/slides/slide14.xml><?xml version="1.0" encoding="utf-8"?>
+<p:sld xmlns:a="http://schemas.openxmlformats.org/drawingml/2006/main" xmlns:r="http://schemas.openxmlformats.org/officeDocument/2006/relationships" xmlns:p="http://schemas.openxmlformats.org/presentationml/2006/main">
+  <p:cSld>
+    <p:spTree>
+      <p:nvGrpSpPr>
+        <p:cNvPr id="1" name=""/>
+        <p:cNvGrpSpPr/>
+        <p:nvPr/>
+      </p:nvGrpSpPr>
+      <p:grpSpPr>
+        <a:xfrm>
+          <a:off x="0" y="0"/>
+          <a:ext cx="0" cy="0"/>
+          <a:chOff x="0" y="0"/>
+          <a:chExt cx="0" cy="0"/>
+        </a:xfrm>
+      </p:grpSpPr>
+      <p:sp>
+        <p:nvSpPr>
+          <p:cNvPr id="2" name="Titel 1">
+            <a:extLst>
+              <a:ext uri="{FF2B5EF4-FFF2-40B4-BE49-F238E27FC236}">
+                <a16:creationId xmlns:a16="http://schemas.microsoft.com/office/drawing/2014/main" id="{042B9283-03AE-42DC-860F-F2598CB07825}"/>
+              </a:ext>
+            </a:extLst>
+          </p:cNvPr>
+          <p:cNvSpPr>
+            <a:spLocks noGrp="1"/>
+          </p:cNvSpPr>
+          <p:nvPr>
+            <p:ph type="title"/>
+          </p:nvPr>
+        </p:nvSpPr>
+        <p:spPr/>
+        <p:txBody>
+          <a:bodyPr/>
+          <a:lstStyle/>
+          <a:p>
+            <a:r>
+              <a:rPr lang="en-US" dirty="0" err="1"/>
+              <a:t>Literaturquellen</a:t>
+            </a:r>
+            <a:endParaRPr lang="en-US" dirty="0"/>
+          </a:p>
+        </p:txBody>
+      </p:sp>
+      <p:sp>
+        <p:nvSpPr>
+          <p:cNvPr id="3" name="Inhaltsplatzhalter 2">
+            <a:extLst>
+              <a:ext uri="{FF2B5EF4-FFF2-40B4-BE49-F238E27FC236}">
+                <a16:creationId xmlns:a16="http://schemas.microsoft.com/office/drawing/2014/main" id="{2C9AF1AA-4E5A-4589-8C72-1BF8C40BD4E7}"/>
+              </a:ext>
+            </a:extLst>
+          </p:cNvPr>
+          <p:cNvSpPr>
+            <a:spLocks noGrp="1"/>
+          </p:cNvSpPr>
+          <p:nvPr>
+            <p:ph idx="1"/>
+          </p:nvPr>
+        </p:nvSpPr>
+        <p:spPr/>
+        <p:txBody>
+          <a:bodyPr>
+            <a:normAutofit/>
+          </a:bodyPr>
+          <a:lstStyle/>
+          <a:p>
+            <a:pPr marL="0" indent="0" rtl="0">
+              <a:buNone/>
+            </a:pPr>
+            <a:r>
+              <a:rPr lang="en-US" sz="1100" dirty="0" err="1">
+                <a:effectLst/>
+                <a:latin typeface="Arial" panose="020B0604020202020204" pitchFamily="34" charset="0"/>
+              </a:rPr>
+              <a:t>Mucz</a:t>
+            </a:r>
+            <a:r>
+              <a:rPr lang="en-US" sz="1100" dirty="0">
+                <a:effectLst/>
+                <a:latin typeface="Arial" panose="020B0604020202020204" pitchFamily="34" charset="0"/>
+              </a:rPr>
+              <a:t>, D. and </a:t>
+            </a:r>
+            <a:r>
+              <a:rPr lang="en-US" sz="1100" dirty="0" err="1">
+                <a:effectLst/>
+                <a:latin typeface="Arial" panose="020B0604020202020204" pitchFamily="34" charset="0"/>
+              </a:rPr>
+              <a:t>Gareau</a:t>
+            </a:r>
+            <a:r>
+              <a:rPr lang="en-US" sz="1100" dirty="0">
+                <a:effectLst/>
+                <a:latin typeface="Arial" panose="020B0604020202020204" pitchFamily="34" charset="0"/>
+              </a:rPr>
+              <a:t>-Brennan, </a:t>
+            </a:r>
+            <a:r>
+              <a:rPr lang="en-US" sz="1100" dirty="0" err="1">
+                <a:effectLst/>
+                <a:latin typeface="Arial" panose="020B0604020202020204" pitchFamily="34" charset="0"/>
+              </a:rPr>
+              <a:t>C.Evaluating</a:t>
+            </a:r>
+            <a:r>
+              <a:rPr lang="en-US" sz="1100" dirty="0">
+                <a:effectLst/>
+                <a:latin typeface="Arial" panose="020B0604020202020204" pitchFamily="34" charset="0"/>
+              </a:rPr>
+              <a:t> Customer Experience through Customer Journey Map-ping and Service Blueprinting at Edmonton Public Library: An Exploratory </a:t>
+            </a:r>
+            <a:r>
+              <a:rPr lang="en-US" sz="1100" dirty="0" err="1">
+                <a:effectLst/>
+                <a:latin typeface="Arial" panose="020B0604020202020204" pitchFamily="34" charset="0"/>
+              </a:rPr>
+              <a:t>Study.Partnership:The</a:t>
+            </a:r>
+            <a:r>
+              <a:rPr lang="en-US" sz="1100" dirty="0">
+                <a:effectLst/>
+                <a:latin typeface="Arial" panose="020B0604020202020204" pitchFamily="34" charset="0"/>
+              </a:rPr>
+              <a:t> Canadian Journal of Library and Information Practice and Research, 14(1), May 2019.</a:t>
+            </a:r>
+          </a:p>
+          <a:p>
+            <a:pPr marL="0" indent="0" rtl="0">
+              <a:buNone/>
+            </a:pPr>
+            <a:r>
+              <a:rPr lang="de-DE" sz="1100" b="0" i="0" dirty="0">
+                <a:solidFill>
+                  <a:srgbClr val="000000"/>
+                </a:solidFill>
+                <a:effectLst/>
+                <a:latin typeface="Arial" panose="020B0604020202020204" pitchFamily="34" charset="0"/>
+              </a:rPr>
+              <a:t>Institut der deutschen Wirtschaft Datenwirtschaft   in   Deutschland   -   Wo   stehen die  Unternehmen  in  der  Datennutzung  und  was  sind  ihre  großen  </a:t>
+            </a:r>
+            <a:r>
+              <a:rPr lang="de-DE" sz="1100" b="0" i="0" dirty="0" err="1">
+                <a:solidFill>
+                  <a:srgbClr val="000000"/>
+                </a:solidFill>
+                <a:effectLst/>
+                <a:latin typeface="Arial" panose="020B0604020202020204" pitchFamily="34" charset="0"/>
+              </a:rPr>
+              <a:t>Hemmnisse?.https</a:t>
+            </a:r>
+            <a:r>
+              <a:rPr lang="de-DE" sz="1100" b="0" i="0" dirty="0">
+                <a:solidFill>
+                  <a:srgbClr val="000000"/>
+                </a:solidFill>
+                <a:effectLst/>
+                <a:latin typeface="Arial" panose="020B0604020202020204" pitchFamily="34" charset="0"/>
+              </a:rPr>
+              <a:t>://bdi.eu/</a:t>
+            </a:r>
+            <a:r>
+              <a:rPr lang="de-DE" sz="1100" b="0" i="0" dirty="0" err="1">
+                <a:solidFill>
+                  <a:srgbClr val="000000"/>
+                </a:solidFill>
+                <a:effectLst/>
+                <a:latin typeface="Arial" panose="020B0604020202020204" pitchFamily="34" charset="0"/>
+              </a:rPr>
+              <a:t>publikation</a:t>
+            </a:r>
+            <a:r>
+              <a:rPr lang="de-DE" sz="1100" b="0" i="0" dirty="0">
+                <a:solidFill>
+                  <a:srgbClr val="000000"/>
+                </a:solidFill>
+                <a:effectLst/>
+                <a:latin typeface="Arial" panose="020B0604020202020204" pitchFamily="34" charset="0"/>
+              </a:rPr>
+              <a:t>/</a:t>
+            </a:r>
+            <a:r>
+              <a:rPr lang="de-DE" sz="1100" b="0" i="0" dirty="0" err="1">
+                <a:solidFill>
+                  <a:srgbClr val="000000"/>
+                </a:solidFill>
+                <a:effectLst/>
+                <a:latin typeface="Arial" panose="020B0604020202020204" pitchFamily="34" charset="0"/>
+              </a:rPr>
+              <a:t>news</a:t>
+            </a:r>
+            <a:r>
+              <a:rPr lang="de-DE" sz="1100" b="0" i="0" dirty="0">
+                <a:solidFill>
+                  <a:srgbClr val="000000"/>
+                </a:solidFill>
+                <a:effectLst/>
+                <a:latin typeface="Arial" panose="020B0604020202020204" pitchFamily="34" charset="0"/>
+              </a:rPr>
+              <a:t>/</a:t>
+            </a:r>
+            <a:r>
+              <a:rPr lang="de-DE" sz="1100" b="0" i="0" dirty="0" err="1">
+                <a:solidFill>
+                  <a:srgbClr val="000000"/>
+                </a:solidFill>
+                <a:effectLst/>
+                <a:latin typeface="Arial" panose="020B0604020202020204" pitchFamily="34" charset="0"/>
+              </a:rPr>
+              <a:t>datenwirtschaft</a:t>
+            </a:r>
+            <a:r>
+              <a:rPr lang="de-DE" sz="1100" b="0" i="0" dirty="0">
+                <a:solidFill>
+                  <a:srgbClr val="000000"/>
+                </a:solidFill>
+                <a:effectLst/>
+                <a:latin typeface="Arial" panose="020B0604020202020204" pitchFamily="34" charset="0"/>
+              </a:rPr>
+              <a:t>-in-deutschland/, 2021.</a:t>
+            </a:r>
+            <a:endParaRPr lang="de-DE" sz="1100" dirty="0">
+              <a:solidFill>
+                <a:srgbClr val="000000"/>
+              </a:solidFill>
+              <a:latin typeface="Arial" panose="020B0604020202020204" pitchFamily="34" charset="0"/>
+            </a:endParaRPr>
+          </a:p>
+          <a:p>
+            <a:pPr marL="0" indent="0" rtl="0">
+              <a:buNone/>
+            </a:pPr>
+            <a:r>
+              <a:rPr lang="de-DE" sz="1100" b="0" i="0" dirty="0" err="1">
+                <a:effectLst/>
+                <a:latin typeface="Arial" panose="020B0604020202020204" pitchFamily="34" charset="0"/>
+              </a:rPr>
+              <a:t>Haugstveit</a:t>
+            </a:r>
+            <a:r>
+              <a:rPr lang="de-DE" sz="1100" b="0" i="0" dirty="0">
+                <a:effectLst/>
+                <a:latin typeface="Arial" panose="020B0604020202020204" pitchFamily="34" charset="0"/>
+              </a:rPr>
+              <a:t>, I., </a:t>
+            </a:r>
+            <a:r>
+              <a:rPr lang="de-DE" sz="1100" b="0" i="0" dirty="0" err="1">
+                <a:effectLst/>
+                <a:latin typeface="Arial" panose="020B0604020202020204" pitchFamily="34" charset="0"/>
+              </a:rPr>
+              <a:t>Halvorsrud</a:t>
+            </a:r>
+            <a:r>
+              <a:rPr lang="de-DE" sz="1100" b="0" i="0" dirty="0">
+                <a:effectLst/>
+                <a:latin typeface="Arial" panose="020B0604020202020204" pitchFamily="34" charset="0"/>
+              </a:rPr>
+              <a:t>, R. and </a:t>
+            </a:r>
+            <a:r>
+              <a:rPr lang="de-DE" sz="1100" b="0" i="0" dirty="0" err="1">
+                <a:effectLst/>
+                <a:latin typeface="Arial" panose="020B0604020202020204" pitchFamily="34" charset="0"/>
+              </a:rPr>
+              <a:t>Karahasanovic</a:t>
+            </a:r>
+            <a:r>
+              <a:rPr lang="de-DE" sz="1100" b="0" i="0" dirty="0">
+                <a:effectLst/>
+                <a:latin typeface="Arial" panose="020B0604020202020204" pitchFamily="34" charset="0"/>
+              </a:rPr>
+              <a:t>, A. </a:t>
+            </a:r>
+            <a:r>
+              <a:rPr lang="de-DE" sz="1100" b="0" i="0" dirty="0" err="1">
+                <a:effectLst/>
+                <a:latin typeface="Arial" panose="020B0604020202020204" pitchFamily="34" charset="0"/>
+              </a:rPr>
+              <a:t>Supporting</a:t>
+            </a:r>
+            <a:r>
+              <a:rPr lang="de-DE" sz="1100" b="0" i="0" dirty="0">
+                <a:effectLst/>
+                <a:latin typeface="Arial" panose="020B0604020202020204" pitchFamily="34" charset="0"/>
+              </a:rPr>
+              <a:t> </a:t>
+            </a:r>
+            <a:r>
+              <a:rPr lang="de-DE" sz="1100" b="0" i="0" dirty="0" err="1">
+                <a:effectLst/>
+                <a:latin typeface="Arial" panose="020B0604020202020204" pitchFamily="34" charset="0"/>
+              </a:rPr>
+              <a:t>redesign</a:t>
+            </a:r>
+            <a:r>
+              <a:rPr lang="de-DE" sz="1100" b="0" i="0" dirty="0">
+                <a:effectLst/>
+                <a:latin typeface="Arial" panose="020B0604020202020204" pitchFamily="34" charset="0"/>
+              </a:rPr>
+              <a:t> </a:t>
+            </a:r>
+            <a:r>
+              <a:rPr lang="de-DE" sz="1100" b="0" i="0" dirty="0" err="1">
+                <a:effectLst/>
+                <a:latin typeface="Arial" panose="020B0604020202020204" pitchFamily="34" charset="0"/>
+              </a:rPr>
+              <a:t>of</a:t>
+            </a:r>
+            <a:r>
+              <a:rPr lang="de-DE" sz="1100" b="0" i="0" dirty="0">
+                <a:effectLst/>
+                <a:latin typeface="Arial" panose="020B0604020202020204" pitchFamily="34" charset="0"/>
+              </a:rPr>
+              <a:t> C2C </a:t>
+            </a:r>
+            <a:r>
+              <a:rPr lang="de-DE" sz="1100" b="0" i="0" dirty="0" err="1">
+                <a:effectLst/>
+                <a:latin typeface="Arial" panose="020B0604020202020204" pitchFamily="34" charset="0"/>
+              </a:rPr>
+              <a:t>services</a:t>
+            </a:r>
+            <a:r>
+              <a:rPr lang="de-DE" sz="1100" b="0" i="0" dirty="0">
+                <a:effectLst/>
+                <a:latin typeface="Arial" panose="020B0604020202020204" pitchFamily="34" charset="0"/>
+              </a:rPr>
+              <a:t> </a:t>
+            </a:r>
+            <a:r>
+              <a:rPr lang="de-DE" sz="1100" b="0" i="0" dirty="0" err="1">
+                <a:effectLst/>
+                <a:latin typeface="Arial" panose="020B0604020202020204" pitchFamily="34" charset="0"/>
+              </a:rPr>
+              <a:t>throughcustomer</a:t>
+            </a:r>
+            <a:r>
+              <a:rPr lang="de-DE" sz="1100" b="0" i="0" dirty="0">
+                <a:effectLst/>
+                <a:latin typeface="Arial" panose="020B0604020202020204" pitchFamily="34" charset="0"/>
+              </a:rPr>
+              <a:t> </a:t>
+            </a:r>
+            <a:r>
+              <a:rPr lang="de-DE" sz="1100" b="0" i="0" dirty="0" err="1">
+                <a:effectLst/>
+                <a:latin typeface="Arial" panose="020B0604020202020204" pitchFamily="34" charset="0"/>
+              </a:rPr>
+              <a:t>journey</a:t>
+            </a:r>
+            <a:r>
+              <a:rPr lang="de-DE" sz="1100" b="0" i="0" dirty="0">
+                <a:effectLst/>
+                <a:latin typeface="Arial" panose="020B0604020202020204" pitchFamily="34" charset="0"/>
+              </a:rPr>
+              <a:t> </a:t>
+            </a:r>
+            <a:r>
+              <a:rPr lang="de-DE" sz="1100" b="0" i="0" dirty="0" err="1">
+                <a:effectLst/>
+                <a:latin typeface="Arial" panose="020B0604020202020204" pitchFamily="34" charset="0"/>
+              </a:rPr>
+              <a:t>mapping</a:t>
+            </a:r>
+            <a:r>
+              <a:rPr lang="de-DE" sz="1100" b="0" i="0" dirty="0">
+                <a:effectLst/>
+                <a:latin typeface="Arial" panose="020B0604020202020204" pitchFamily="34" charset="0"/>
+              </a:rPr>
+              <a:t>. In N. Morelli, A. de </a:t>
+            </a:r>
+            <a:r>
+              <a:rPr lang="de-DE" sz="1100" b="0" i="0" dirty="0" err="1">
+                <a:effectLst/>
+                <a:latin typeface="Arial" panose="020B0604020202020204" pitchFamily="34" charset="0"/>
+              </a:rPr>
+              <a:t>Gotzen</a:t>
+            </a:r>
+            <a:r>
+              <a:rPr lang="de-DE" sz="1100" b="0" i="0" dirty="0">
+                <a:effectLst/>
+                <a:latin typeface="Arial" panose="020B0604020202020204" pitchFamily="34" charset="0"/>
+              </a:rPr>
+              <a:t> and F. </a:t>
+            </a:r>
+            <a:r>
+              <a:rPr lang="de-DE" sz="1100" b="0" i="0" dirty="0" err="1">
+                <a:effectLst/>
+                <a:latin typeface="Arial" panose="020B0604020202020204" pitchFamily="34" charset="0"/>
+              </a:rPr>
+              <a:t>Grani</a:t>
+            </a:r>
+            <a:r>
+              <a:rPr lang="de-DE" sz="1100" b="0" i="0" dirty="0">
+                <a:effectLst/>
+                <a:latin typeface="Arial" panose="020B0604020202020204" pitchFamily="34" charset="0"/>
+              </a:rPr>
+              <a:t>, </a:t>
+            </a:r>
+            <a:r>
+              <a:rPr lang="de-DE" sz="1100" b="0" i="0" dirty="0" err="1">
+                <a:effectLst/>
+                <a:latin typeface="Arial" panose="020B0604020202020204" pitchFamily="34" charset="0"/>
+              </a:rPr>
+              <a:t>eds</a:t>
+            </a:r>
+            <a:r>
+              <a:rPr lang="de-DE" sz="1100" b="0" i="0" dirty="0">
+                <a:effectLst/>
+                <a:latin typeface="Arial" panose="020B0604020202020204" pitchFamily="34" charset="0"/>
+              </a:rPr>
+              <a:t>.,Service Design Ge-</a:t>
+            </a:r>
+            <a:r>
+              <a:rPr lang="de-DE" sz="1100" b="0" i="0" dirty="0" err="1">
+                <a:effectLst/>
+                <a:latin typeface="Arial" panose="020B0604020202020204" pitchFamily="34" charset="0"/>
+              </a:rPr>
+              <a:t>ographies</a:t>
+            </a:r>
+            <a:r>
+              <a:rPr lang="de-DE" sz="1100" b="0" i="0" dirty="0">
+                <a:effectLst/>
+                <a:latin typeface="Arial" panose="020B0604020202020204" pitchFamily="34" charset="0"/>
+              </a:rPr>
+              <a:t>. Proceedings </a:t>
+            </a:r>
+            <a:r>
+              <a:rPr lang="de-DE" sz="1100" b="0" i="0" dirty="0" err="1">
+                <a:effectLst/>
+                <a:latin typeface="Arial" panose="020B0604020202020204" pitchFamily="34" charset="0"/>
+              </a:rPr>
+              <a:t>of</a:t>
+            </a:r>
+            <a:r>
+              <a:rPr lang="de-DE" sz="1100" b="0" i="0" dirty="0">
+                <a:effectLst/>
+                <a:latin typeface="Arial" panose="020B0604020202020204" pitchFamily="34" charset="0"/>
+              </a:rPr>
+              <a:t> </a:t>
+            </a:r>
+            <a:r>
+              <a:rPr lang="de-DE" sz="1100" b="0" i="0" dirty="0" err="1">
+                <a:effectLst/>
+                <a:latin typeface="Arial" panose="020B0604020202020204" pitchFamily="34" charset="0"/>
+              </a:rPr>
+              <a:t>the</a:t>
+            </a:r>
+            <a:r>
+              <a:rPr lang="de-DE" sz="1100" b="0" i="0" dirty="0">
+                <a:effectLst/>
+                <a:latin typeface="Arial" panose="020B0604020202020204" pitchFamily="34" charset="0"/>
+              </a:rPr>
+              <a:t> ServDes2016 Conference, </a:t>
+            </a:r>
+            <a:r>
+              <a:rPr lang="de-DE" sz="1100" b="0" i="0" dirty="0" err="1">
+                <a:effectLst/>
+                <a:latin typeface="Arial" panose="020B0604020202020204" pitchFamily="34" charset="0"/>
+              </a:rPr>
+              <a:t>Linkoping</a:t>
+            </a:r>
+            <a:r>
+              <a:rPr lang="de-DE" sz="1100" b="0" i="0" dirty="0">
+                <a:effectLst/>
+                <a:latin typeface="Arial" panose="020B0604020202020204" pitchFamily="34" charset="0"/>
+              </a:rPr>
+              <a:t> Electronic Conference Pro-</a:t>
+            </a:r>
+            <a:r>
+              <a:rPr lang="de-DE" sz="1100" b="0" i="0" dirty="0" err="1">
+                <a:effectLst/>
+                <a:latin typeface="Arial" panose="020B0604020202020204" pitchFamily="34" charset="0"/>
+              </a:rPr>
+              <a:t>ceedings</a:t>
+            </a:r>
+            <a:r>
+              <a:rPr lang="de-DE" sz="1100" b="0" i="0" dirty="0">
+                <a:effectLst/>
+                <a:latin typeface="Arial" panose="020B0604020202020204" pitchFamily="34" charset="0"/>
+              </a:rPr>
+              <a:t>, </a:t>
+            </a:r>
+            <a:r>
+              <a:rPr lang="de-DE" sz="1100" b="0" i="0" dirty="0" err="1">
+                <a:effectLst/>
+                <a:latin typeface="Arial" panose="020B0604020202020204" pitchFamily="34" charset="0"/>
+              </a:rPr>
+              <a:t>Linkoping</a:t>
+            </a:r>
+            <a:r>
+              <a:rPr lang="de-DE" sz="1100" b="0" i="0" dirty="0">
+                <a:effectLst/>
+                <a:latin typeface="Arial" panose="020B0604020202020204" pitchFamily="34" charset="0"/>
+              </a:rPr>
+              <a:t> University Electronic Press, 05 2016, pp. 215 – 227.</a:t>
+            </a:r>
+          </a:p>
+          <a:p>
+            <a:pPr marL="0" indent="0" rtl="0">
+              <a:buNone/>
+            </a:pPr>
+            <a:r>
+              <a:rPr lang="de-DE" sz="1100" b="0" i="0" dirty="0">
+                <a:solidFill>
+                  <a:srgbClr val="000000"/>
+                </a:solidFill>
+                <a:effectLst/>
+                <a:latin typeface="Arial" panose="020B0604020202020204" pitchFamily="34" charset="0"/>
+              </a:rPr>
+              <a:t>Institut der deutschen Wirtschaft: Datenwirtschaft in Deutschland - Wo stehen die Unternehmen in der Datennutzung und was sind ihre größten Hemmnisse? 2021</a:t>
+            </a:r>
+          </a:p>
+          <a:p>
+            <a:pPr marL="0" indent="0" rtl="0">
+              <a:buNone/>
+            </a:pPr>
+            <a:r>
+              <a:rPr lang="en-US" sz="1100" b="0" i="0" dirty="0">
+                <a:solidFill>
+                  <a:srgbClr val="000000"/>
+                </a:solidFill>
+                <a:effectLst/>
+                <a:latin typeface="Arial" panose="020B0604020202020204" pitchFamily="34" charset="0"/>
+              </a:rPr>
+              <a:t>Rosenbaum, M. S., </a:t>
+            </a:r>
+            <a:r>
+              <a:rPr lang="en-US" sz="1100" b="0" i="0" dirty="0" err="1">
+                <a:solidFill>
+                  <a:srgbClr val="000000"/>
+                </a:solidFill>
+                <a:effectLst/>
+                <a:latin typeface="Arial" panose="020B0604020202020204" pitchFamily="34" charset="0"/>
+              </a:rPr>
+              <a:t>Otalora</a:t>
+            </a:r>
+            <a:r>
+              <a:rPr lang="en-US" sz="1100" b="0" i="0" dirty="0">
+                <a:solidFill>
+                  <a:srgbClr val="000000"/>
+                </a:solidFill>
+                <a:effectLst/>
+                <a:latin typeface="Arial" panose="020B0604020202020204" pitchFamily="34" charset="0"/>
+              </a:rPr>
+              <a:t>, M. L. and Ramirez, G. </a:t>
+            </a:r>
+            <a:r>
+              <a:rPr lang="en-US" sz="1100" b="0" i="0" dirty="0" err="1">
+                <a:solidFill>
+                  <a:srgbClr val="000000"/>
+                </a:solidFill>
+                <a:effectLst/>
+                <a:latin typeface="Arial" panose="020B0604020202020204" pitchFamily="34" charset="0"/>
+              </a:rPr>
+              <a:t>C.How</a:t>
+            </a:r>
+            <a:r>
+              <a:rPr lang="en-US" sz="1100" b="0" i="0" dirty="0">
+                <a:solidFill>
+                  <a:srgbClr val="000000"/>
+                </a:solidFill>
+                <a:effectLst/>
+                <a:latin typeface="Arial" panose="020B0604020202020204" pitchFamily="34" charset="0"/>
+              </a:rPr>
+              <a:t> to create a realistic customer </a:t>
+            </a:r>
+            <a:r>
+              <a:rPr lang="en-US" sz="1100" b="0" i="0" dirty="0" err="1">
+                <a:solidFill>
+                  <a:srgbClr val="000000"/>
+                </a:solidFill>
+                <a:effectLst/>
+                <a:latin typeface="Arial" panose="020B0604020202020204" pitchFamily="34" charset="0"/>
+              </a:rPr>
+              <a:t>journeymap.Business</a:t>
+            </a:r>
+            <a:r>
+              <a:rPr lang="en-US" sz="1100" b="0" i="0" dirty="0">
+                <a:solidFill>
+                  <a:srgbClr val="000000"/>
+                </a:solidFill>
+                <a:effectLst/>
+                <a:latin typeface="Arial" panose="020B0604020202020204" pitchFamily="34" charset="0"/>
+              </a:rPr>
+              <a:t> Horizons, 60(1), 2017: pp.  143–150.— 4 —</a:t>
+            </a:r>
+          </a:p>
+          <a:p>
+            <a:pPr marL="0" indent="0" rtl="0">
+              <a:buNone/>
+            </a:pPr>
+            <a:endParaRPr lang="de-DE" sz="1100" b="0" i="0" dirty="0">
+              <a:solidFill>
+                <a:srgbClr val="000000"/>
+              </a:solidFill>
+              <a:effectLst/>
+              <a:latin typeface="Arial" panose="020B0604020202020204" pitchFamily="34" charset="0"/>
+            </a:endParaRPr>
+          </a:p>
+          <a:p>
+            <a:pPr marL="0" indent="0" rtl="0">
+              <a:buNone/>
+            </a:pPr>
+            <a:br>
+              <a:rPr lang="en-US" sz="1100" b="0" i="0" dirty="0">
+                <a:solidFill>
+                  <a:srgbClr val="000000"/>
+                </a:solidFill>
+                <a:effectLst/>
+                <a:latin typeface="Arial" panose="020B0604020202020204" pitchFamily="34" charset="0"/>
+              </a:rPr>
+            </a:br>
+            <a:endParaRPr lang="en-US" sz="1100" dirty="0"/>
+          </a:p>
+        </p:txBody>
+      </p:sp>
+    </p:spTree>
+    <p:extLst>
+      <p:ext uri="{BB962C8B-B14F-4D97-AF65-F5344CB8AC3E}">
+        <p14:creationId xmlns:p14="http://schemas.microsoft.com/office/powerpoint/2010/main" val="1748375574"/>
+      </p:ext>
+    </p:extLst>
+  </p:cSld>
+  <p:clrMapOvr>
+    <a:masterClrMapping/>
+  </p:clrMapOvr>
+</p:sld>
+</file>
+
 <file path=ppt/slides/slide15.xml><?xml version="1.0" encoding="utf-8"?>
 <p:sld xmlns:a="http://schemas.openxmlformats.org/drawingml/2006/main" xmlns:r="http://schemas.openxmlformats.org/officeDocument/2006/relationships" xmlns:p="http://schemas.openxmlformats.org/presentationml/2006/main">
   <p:cSld>
@@ -6548,7 +7398,7 @@
           <p:cNvPr id="2" name="Titel 1">
             <a:extLst>
               <a:ext uri="{FF2B5EF4-FFF2-40B4-BE49-F238E27FC236}">
-                <a16:creationId xmlns:a16="http://schemas.microsoft.com/office/drawing/2014/main" id="{042B9283-03AE-42DC-860F-F2598CB07825}"/>
+                <a16:creationId xmlns:a16="http://schemas.microsoft.com/office/drawing/2014/main" id="{EB32BDE4-8705-4DE5-B76B-E01435DCDC1C}"/>
               </a:ext>
             </a:extLst>
           </p:cNvPr>
@@ -6565,643 +7415,9 @@
           <a:lstStyle/>
           <a:p>
             <a:r>
-              <a:rPr lang="en-US" dirty="0" err="1"/>
-              <a:t>Literaturquellen</a:t>
-            </a:r>
-            <a:endParaRPr lang="en-US" dirty="0"/>
-          </a:p>
-        </p:txBody>
-      </p:sp>
-      <p:sp>
-        <p:nvSpPr>
-          <p:cNvPr id="3" name="Inhaltsplatzhalter 2">
-            <a:extLst>
-              <a:ext uri="{FF2B5EF4-FFF2-40B4-BE49-F238E27FC236}">
-                <a16:creationId xmlns:a16="http://schemas.microsoft.com/office/drawing/2014/main" id="{2C9AF1AA-4E5A-4589-8C72-1BF8C40BD4E7}"/>
-              </a:ext>
-            </a:extLst>
-          </p:cNvPr>
-          <p:cNvSpPr>
-            <a:spLocks noGrp="1"/>
-          </p:cNvSpPr>
-          <p:nvPr>
-            <p:ph idx="1"/>
-          </p:nvPr>
-        </p:nvSpPr>
-        <p:spPr/>
-        <p:txBody>
-          <a:bodyPr>
-            <a:normAutofit/>
-          </a:bodyPr>
-          <a:lstStyle/>
-          <a:p>
-            <a:pPr marL="0" indent="0" rtl="0">
-              <a:buNone/>
-            </a:pPr>
-            <a:r>
-              <a:rPr lang="en-US" sz="1100" dirty="0" err="1">
-                <a:effectLst/>
-                <a:latin typeface="Arial" panose="020B0604020202020204" pitchFamily="34" charset="0"/>
-              </a:rPr>
-              <a:t>Mucz</a:t>
-            </a:r>
-            <a:r>
-              <a:rPr lang="en-US" sz="1100" dirty="0">
-                <a:effectLst/>
-                <a:latin typeface="Arial" panose="020B0604020202020204" pitchFamily="34" charset="0"/>
-              </a:rPr>
-              <a:t>, D. and </a:t>
-            </a:r>
-            <a:r>
-              <a:rPr lang="en-US" sz="1100" dirty="0" err="1">
-                <a:effectLst/>
-                <a:latin typeface="Arial" panose="020B0604020202020204" pitchFamily="34" charset="0"/>
-              </a:rPr>
-              <a:t>Gareau</a:t>
-            </a:r>
-            <a:r>
-              <a:rPr lang="en-US" sz="1100" dirty="0">
-                <a:effectLst/>
-                <a:latin typeface="Arial" panose="020B0604020202020204" pitchFamily="34" charset="0"/>
-              </a:rPr>
-              <a:t>-Brennan, </a:t>
-            </a:r>
-            <a:r>
-              <a:rPr lang="en-US" sz="1100" dirty="0" err="1">
-                <a:effectLst/>
-                <a:latin typeface="Arial" panose="020B0604020202020204" pitchFamily="34" charset="0"/>
-              </a:rPr>
-              <a:t>C.Evaluating</a:t>
-            </a:r>
-            <a:r>
-              <a:rPr lang="en-US" sz="1100" dirty="0">
-                <a:effectLst/>
-                <a:latin typeface="Arial" panose="020B0604020202020204" pitchFamily="34" charset="0"/>
-              </a:rPr>
-              <a:t> Customer Experience through Customer Journey Map-ping and Service Blueprinting at Edmonton Public Library: An Exploratory </a:t>
-            </a:r>
-            <a:r>
-              <a:rPr lang="en-US" sz="1100" dirty="0" err="1">
-                <a:effectLst/>
-                <a:latin typeface="Arial" panose="020B0604020202020204" pitchFamily="34" charset="0"/>
-              </a:rPr>
-              <a:t>Study.Partnership:The</a:t>
-            </a:r>
-            <a:r>
-              <a:rPr lang="en-US" sz="1100" dirty="0">
-                <a:effectLst/>
-                <a:latin typeface="Arial" panose="020B0604020202020204" pitchFamily="34" charset="0"/>
-              </a:rPr>
-              <a:t> Canadian Journal of Library and Information Practice and Research, 14(1), May 2019.</a:t>
-            </a:r>
-          </a:p>
-          <a:p>
-            <a:pPr marL="0" indent="0" rtl="0">
-              <a:buNone/>
-            </a:pPr>
-            <a:r>
-              <a:rPr lang="de-DE" sz="1100" b="0" i="0" dirty="0">
-                <a:solidFill>
-                  <a:srgbClr val="000000"/>
-                </a:solidFill>
-                <a:effectLst/>
-                <a:latin typeface="Arial" panose="020B0604020202020204" pitchFamily="34" charset="0"/>
-              </a:rPr>
-              <a:t>Institut der deutschen Wirtschaft Datenwirtschaft   in   Deutschland   -   Wo   stehen die  Unternehmen  in  der  Datennutzung  und  was  sind  ihre  großen  </a:t>
-            </a:r>
-            <a:r>
-              <a:rPr lang="de-DE" sz="1100" b="0" i="0" dirty="0" err="1">
-                <a:solidFill>
-                  <a:srgbClr val="000000"/>
-                </a:solidFill>
-                <a:effectLst/>
-                <a:latin typeface="Arial" panose="020B0604020202020204" pitchFamily="34" charset="0"/>
-              </a:rPr>
-              <a:t>Hemmnisse?.https</a:t>
-            </a:r>
-            <a:r>
-              <a:rPr lang="de-DE" sz="1100" b="0" i="0" dirty="0">
-                <a:solidFill>
-                  <a:srgbClr val="000000"/>
-                </a:solidFill>
-                <a:effectLst/>
-                <a:latin typeface="Arial" panose="020B0604020202020204" pitchFamily="34" charset="0"/>
-              </a:rPr>
-              <a:t>://bdi.eu/</a:t>
-            </a:r>
-            <a:r>
-              <a:rPr lang="de-DE" sz="1100" b="0" i="0" dirty="0" err="1">
-                <a:solidFill>
-                  <a:srgbClr val="000000"/>
-                </a:solidFill>
-                <a:effectLst/>
-                <a:latin typeface="Arial" panose="020B0604020202020204" pitchFamily="34" charset="0"/>
-              </a:rPr>
-              <a:t>publikation</a:t>
-            </a:r>
-            <a:r>
-              <a:rPr lang="de-DE" sz="1100" b="0" i="0" dirty="0">
-                <a:solidFill>
-                  <a:srgbClr val="000000"/>
-                </a:solidFill>
-                <a:effectLst/>
-                <a:latin typeface="Arial" panose="020B0604020202020204" pitchFamily="34" charset="0"/>
-              </a:rPr>
-              <a:t>/</a:t>
-            </a:r>
-            <a:r>
-              <a:rPr lang="de-DE" sz="1100" b="0" i="0" dirty="0" err="1">
-                <a:solidFill>
-                  <a:srgbClr val="000000"/>
-                </a:solidFill>
-                <a:effectLst/>
-                <a:latin typeface="Arial" panose="020B0604020202020204" pitchFamily="34" charset="0"/>
-              </a:rPr>
-              <a:t>news</a:t>
-            </a:r>
-            <a:r>
-              <a:rPr lang="de-DE" sz="1100" b="0" i="0" dirty="0">
-                <a:solidFill>
-                  <a:srgbClr val="000000"/>
-                </a:solidFill>
-                <a:effectLst/>
-                <a:latin typeface="Arial" panose="020B0604020202020204" pitchFamily="34" charset="0"/>
-              </a:rPr>
-              <a:t>/</a:t>
-            </a:r>
-            <a:r>
-              <a:rPr lang="de-DE" sz="1100" b="0" i="0" dirty="0" err="1">
-                <a:solidFill>
-                  <a:srgbClr val="000000"/>
-                </a:solidFill>
-                <a:effectLst/>
-                <a:latin typeface="Arial" panose="020B0604020202020204" pitchFamily="34" charset="0"/>
-              </a:rPr>
-              <a:t>datenwirtschaft</a:t>
-            </a:r>
-            <a:r>
-              <a:rPr lang="de-DE" sz="1100" b="0" i="0" dirty="0">
-                <a:solidFill>
-                  <a:srgbClr val="000000"/>
-                </a:solidFill>
-                <a:effectLst/>
-                <a:latin typeface="Arial" panose="020B0604020202020204" pitchFamily="34" charset="0"/>
-              </a:rPr>
-              <a:t>-in-deutschland/, 2021.</a:t>
-            </a:r>
-            <a:endParaRPr lang="de-DE" sz="1100" dirty="0">
-              <a:solidFill>
-                <a:srgbClr val="000000"/>
-              </a:solidFill>
-              <a:latin typeface="Arial" panose="020B0604020202020204" pitchFamily="34" charset="0"/>
-            </a:endParaRPr>
-          </a:p>
-          <a:p>
-            <a:pPr marL="0" indent="0" rtl="0">
-              <a:buNone/>
-            </a:pPr>
-            <a:r>
-              <a:rPr lang="de-DE" sz="1100" b="0" i="0" dirty="0" err="1">
-                <a:effectLst/>
-                <a:latin typeface="Arial" panose="020B0604020202020204" pitchFamily="34" charset="0"/>
-              </a:rPr>
-              <a:t>Haugstveit</a:t>
-            </a:r>
-            <a:r>
-              <a:rPr lang="de-DE" sz="1100" b="0" i="0" dirty="0">
-                <a:effectLst/>
-                <a:latin typeface="Arial" panose="020B0604020202020204" pitchFamily="34" charset="0"/>
-              </a:rPr>
-              <a:t>, I., </a:t>
-            </a:r>
-            <a:r>
-              <a:rPr lang="de-DE" sz="1100" b="0" i="0" dirty="0" err="1">
-                <a:effectLst/>
-                <a:latin typeface="Arial" panose="020B0604020202020204" pitchFamily="34" charset="0"/>
-              </a:rPr>
-              <a:t>Halvorsrud</a:t>
-            </a:r>
-            <a:r>
-              <a:rPr lang="de-DE" sz="1100" b="0" i="0" dirty="0">
-                <a:effectLst/>
-                <a:latin typeface="Arial" panose="020B0604020202020204" pitchFamily="34" charset="0"/>
-              </a:rPr>
-              <a:t>, R. and </a:t>
-            </a:r>
-            <a:r>
-              <a:rPr lang="de-DE" sz="1100" b="0" i="0" dirty="0" err="1">
-                <a:effectLst/>
-                <a:latin typeface="Arial" panose="020B0604020202020204" pitchFamily="34" charset="0"/>
-              </a:rPr>
-              <a:t>Karahasanovic</a:t>
-            </a:r>
-            <a:r>
-              <a:rPr lang="de-DE" sz="1100" b="0" i="0" dirty="0">
-                <a:effectLst/>
-                <a:latin typeface="Arial" panose="020B0604020202020204" pitchFamily="34" charset="0"/>
-              </a:rPr>
-              <a:t>, A. </a:t>
-            </a:r>
-            <a:r>
-              <a:rPr lang="de-DE" sz="1100" b="0" i="0" dirty="0" err="1">
-                <a:effectLst/>
-                <a:latin typeface="Arial" panose="020B0604020202020204" pitchFamily="34" charset="0"/>
-              </a:rPr>
-              <a:t>Supporting</a:t>
-            </a:r>
-            <a:r>
-              <a:rPr lang="de-DE" sz="1100" b="0" i="0" dirty="0">
-                <a:effectLst/>
-                <a:latin typeface="Arial" panose="020B0604020202020204" pitchFamily="34" charset="0"/>
-              </a:rPr>
-              <a:t> </a:t>
-            </a:r>
-            <a:r>
-              <a:rPr lang="de-DE" sz="1100" b="0" i="0" dirty="0" err="1">
-                <a:effectLst/>
-                <a:latin typeface="Arial" panose="020B0604020202020204" pitchFamily="34" charset="0"/>
-              </a:rPr>
-              <a:t>redesign</a:t>
-            </a:r>
-            <a:r>
-              <a:rPr lang="de-DE" sz="1100" b="0" i="0" dirty="0">
-                <a:effectLst/>
-                <a:latin typeface="Arial" panose="020B0604020202020204" pitchFamily="34" charset="0"/>
-              </a:rPr>
-              <a:t> </a:t>
-            </a:r>
-            <a:r>
-              <a:rPr lang="de-DE" sz="1100" b="0" i="0" dirty="0" err="1">
-                <a:effectLst/>
-                <a:latin typeface="Arial" panose="020B0604020202020204" pitchFamily="34" charset="0"/>
-              </a:rPr>
-              <a:t>of</a:t>
-            </a:r>
-            <a:r>
-              <a:rPr lang="de-DE" sz="1100" b="0" i="0" dirty="0">
-                <a:effectLst/>
-                <a:latin typeface="Arial" panose="020B0604020202020204" pitchFamily="34" charset="0"/>
-              </a:rPr>
-              <a:t> C2C </a:t>
-            </a:r>
-            <a:r>
-              <a:rPr lang="de-DE" sz="1100" b="0" i="0" dirty="0" err="1">
-                <a:effectLst/>
-                <a:latin typeface="Arial" panose="020B0604020202020204" pitchFamily="34" charset="0"/>
-              </a:rPr>
-              <a:t>services</a:t>
-            </a:r>
-            <a:r>
-              <a:rPr lang="de-DE" sz="1100" b="0" i="0" dirty="0">
-                <a:effectLst/>
-                <a:latin typeface="Arial" panose="020B0604020202020204" pitchFamily="34" charset="0"/>
-              </a:rPr>
-              <a:t> </a:t>
-            </a:r>
-            <a:r>
-              <a:rPr lang="de-DE" sz="1100" b="0" i="0" dirty="0" err="1">
-                <a:effectLst/>
-                <a:latin typeface="Arial" panose="020B0604020202020204" pitchFamily="34" charset="0"/>
-              </a:rPr>
-              <a:t>throughcustomer</a:t>
-            </a:r>
-            <a:r>
-              <a:rPr lang="de-DE" sz="1100" b="0" i="0" dirty="0">
-                <a:effectLst/>
-                <a:latin typeface="Arial" panose="020B0604020202020204" pitchFamily="34" charset="0"/>
-              </a:rPr>
-              <a:t> </a:t>
-            </a:r>
-            <a:r>
-              <a:rPr lang="de-DE" sz="1100" b="0" i="0" dirty="0" err="1">
-                <a:effectLst/>
-                <a:latin typeface="Arial" panose="020B0604020202020204" pitchFamily="34" charset="0"/>
-              </a:rPr>
-              <a:t>journey</a:t>
-            </a:r>
-            <a:r>
-              <a:rPr lang="de-DE" sz="1100" b="0" i="0" dirty="0">
-                <a:effectLst/>
-                <a:latin typeface="Arial" panose="020B0604020202020204" pitchFamily="34" charset="0"/>
-              </a:rPr>
-              <a:t> </a:t>
-            </a:r>
-            <a:r>
-              <a:rPr lang="de-DE" sz="1100" b="0" i="0" dirty="0" err="1">
-                <a:effectLst/>
-                <a:latin typeface="Arial" panose="020B0604020202020204" pitchFamily="34" charset="0"/>
-              </a:rPr>
-              <a:t>mapping</a:t>
-            </a:r>
-            <a:r>
-              <a:rPr lang="de-DE" sz="1100" b="0" i="0" dirty="0">
-                <a:effectLst/>
-                <a:latin typeface="Arial" panose="020B0604020202020204" pitchFamily="34" charset="0"/>
-              </a:rPr>
-              <a:t>. In N. Morelli, A. de </a:t>
-            </a:r>
-            <a:r>
-              <a:rPr lang="de-DE" sz="1100" b="0" i="0" dirty="0" err="1">
-                <a:effectLst/>
-                <a:latin typeface="Arial" panose="020B0604020202020204" pitchFamily="34" charset="0"/>
-              </a:rPr>
-              <a:t>Gotzen</a:t>
-            </a:r>
-            <a:r>
-              <a:rPr lang="de-DE" sz="1100" b="0" i="0" dirty="0">
-                <a:effectLst/>
-                <a:latin typeface="Arial" panose="020B0604020202020204" pitchFamily="34" charset="0"/>
-              </a:rPr>
-              <a:t> and F. </a:t>
-            </a:r>
-            <a:r>
-              <a:rPr lang="de-DE" sz="1100" b="0" i="0" dirty="0" err="1">
-                <a:effectLst/>
-                <a:latin typeface="Arial" panose="020B0604020202020204" pitchFamily="34" charset="0"/>
-              </a:rPr>
-              <a:t>Grani</a:t>
-            </a:r>
-            <a:r>
-              <a:rPr lang="de-DE" sz="1100" b="0" i="0" dirty="0">
-                <a:effectLst/>
-                <a:latin typeface="Arial" panose="020B0604020202020204" pitchFamily="34" charset="0"/>
-              </a:rPr>
-              <a:t>, </a:t>
-            </a:r>
-            <a:r>
-              <a:rPr lang="de-DE" sz="1100" b="0" i="0" dirty="0" err="1">
-                <a:effectLst/>
-                <a:latin typeface="Arial" panose="020B0604020202020204" pitchFamily="34" charset="0"/>
-              </a:rPr>
-              <a:t>eds</a:t>
-            </a:r>
-            <a:r>
-              <a:rPr lang="de-DE" sz="1100" b="0" i="0" dirty="0">
-                <a:effectLst/>
-                <a:latin typeface="Arial" panose="020B0604020202020204" pitchFamily="34" charset="0"/>
-              </a:rPr>
-              <a:t>.,Service Design Ge-</a:t>
-            </a:r>
-            <a:r>
-              <a:rPr lang="de-DE" sz="1100" b="0" i="0" dirty="0" err="1">
-                <a:effectLst/>
-                <a:latin typeface="Arial" panose="020B0604020202020204" pitchFamily="34" charset="0"/>
-              </a:rPr>
-              <a:t>ographies</a:t>
-            </a:r>
-            <a:r>
-              <a:rPr lang="de-DE" sz="1100" b="0" i="0" dirty="0">
-                <a:effectLst/>
-                <a:latin typeface="Arial" panose="020B0604020202020204" pitchFamily="34" charset="0"/>
-              </a:rPr>
-              <a:t>. Proceedings </a:t>
-            </a:r>
-            <a:r>
-              <a:rPr lang="de-DE" sz="1100" b="0" i="0" dirty="0" err="1">
-                <a:effectLst/>
-                <a:latin typeface="Arial" panose="020B0604020202020204" pitchFamily="34" charset="0"/>
-              </a:rPr>
-              <a:t>of</a:t>
-            </a:r>
-            <a:r>
-              <a:rPr lang="de-DE" sz="1100" b="0" i="0" dirty="0">
-                <a:effectLst/>
-                <a:latin typeface="Arial" panose="020B0604020202020204" pitchFamily="34" charset="0"/>
-              </a:rPr>
-              <a:t> </a:t>
-            </a:r>
-            <a:r>
-              <a:rPr lang="de-DE" sz="1100" b="0" i="0" dirty="0" err="1">
-                <a:effectLst/>
-                <a:latin typeface="Arial" panose="020B0604020202020204" pitchFamily="34" charset="0"/>
-              </a:rPr>
-              <a:t>the</a:t>
-            </a:r>
-            <a:r>
-              <a:rPr lang="de-DE" sz="1100" b="0" i="0" dirty="0">
-                <a:effectLst/>
-                <a:latin typeface="Arial" panose="020B0604020202020204" pitchFamily="34" charset="0"/>
-              </a:rPr>
-              <a:t> ServDes2016 Conference, </a:t>
-            </a:r>
-            <a:r>
-              <a:rPr lang="de-DE" sz="1100" b="0" i="0" dirty="0" err="1">
-                <a:effectLst/>
-                <a:latin typeface="Arial" panose="020B0604020202020204" pitchFamily="34" charset="0"/>
-              </a:rPr>
-              <a:t>Linkoping</a:t>
-            </a:r>
-            <a:r>
-              <a:rPr lang="de-DE" sz="1100" b="0" i="0" dirty="0">
-                <a:effectLst/>
-                <a:latin typeface="Arial" panose="020B0604020202020204" pitchFamily="34" charset="0"/>
-              </a:rPr>
-              <a:t> Electronic Conference Pro-</a:t>
-            </a:r>
-            <a:r>
-              <a:rPr lang="de-DE" sz="1100" b="0" i="0" dirty="0" err="1">
-                <a:effectLst/>
-                <a:latin typeface="Arial" panose="020B0604020202020204" pitchFamily="34" charset="0"/>
-              </a:rPr>
-              <a:t>ceedings</a:t>
-            </a:r>
-            <a:r>
-              <a:rPr lang="de-DE" sz="1100" b="0" i="0" dirty="0">
-                <a:effectLst/>
-                <a:latin typeface="Arial" panose="020B0604020202020204" pitchFamily="34" charset="0"/>
-              </a:rPr>
-              <a:t>, </a:t>
-            </a:r>
-            <a:r>
-              <a:rPr lang="de-DE" sz="1100" b="0" i="0" dirty="0" err="1">
-                <a:effectLst/>
-                <a:latin typeface="Arial" panose="020B0604020202020204" pitchFamily="34" charset="0"/>
-              </a:rPr>
-              <a:t>Linkoping</a:t>
-            </a:r>
-            <a:r>
-              <a:rPr lang="de-DE" sz="1100" b="0" i="0" dirty="0">
-                <a:effectLst/>
-                <a:latin typeface="Arial" panose="020B0604020202020204" pitchFamily="34" charset="0"/>
-              </a:rPr>
-              <a:t> University Electronic Press, 05 2016, pp. 215 – 227.</a:t>
-            </a:r>
-          </a:p>
-          <a:p>
-            <a:pPr marL="0" indent="0" rtl="0">
-              <a:buNone/>
-            </a:pPr>
-            <a:r>
-              <a:rPr lang="de-DE" sz="1100" b="0" i="0" dirty="0">
-                <a:solidFill>
-                  <a:srgbClr val="000000"/>
-                </a:solidFill>
-                <a:effectLst/>
-                <a:latin typeface="Arial" panose="020B0604020202020204" pitchFamily="34" charset="0"/>
-              </a:rPr>
-              <a:t>Institut der deutschen Wirtschaft: Datenwirtschaft in Deutschland - Wo stehen die Unternehmen in der Datennutzung und was sind ihre größten Hemmnisse? 2021</a:t>
-            </a:r>
-          </a:p>
-          <a:p>
-            <a:pPr marL="0" indent="0" rtl="0">
-              <a:buNone/>
-            </a:pPr>
-            <a:r>
-              <a:rPr lang="en-US" sz="1100" b="0" i="0" dirty="0">
-                <a:solidFill>
-                  <a:srgbClr val="000000"/>
-                </a:solidFill>
-                <a:effectLst/>
-                <a:latin typeface="Arial" panose="020B0604020202020204" pitchFamily="34" charset="0"/>
-              </a:rPr>
-              <a:t>Rosenbaum, M. S., </a:t>
-            </a:r>
-            <a:r>
-              <a:rPr lang="en-US" sz="1100" b="0" i="0" dirty="0" err="1">
-                <a:solidFill>
-                  <a:srgbClr val="000000"/>
-                </a:solidFill>
-                <a:effectLst/>
-                <a:latin typeface="Arial" panose="020B0604020202020204" pitchFamily="34" charset="0"/>
-              </a:rPr>
-              <a:t>Otalora</a:t>
-            </a:r>
-            <a:r>
-              <a:rPr lang="en-US" sz="1100" b="0" i="0" dirty="0">
-                <a:solidFill>
-                  <a:srgbClr val="000000"/>
-                </a:solidFill>
-                <a:effectLst/>
-                <a:latin typeface="Arial" panose="020B0604020202020204" pitchFamily="34" charset="0"/>
-              </a:rPr>
-              <a:t>, M. L. and Ramirez, G. </a:t>
-            </a:r>
-            <a:r>
-              <a:rPr lang="en-US" sz="1100" b="0" i="0" dirty="0" err="1">
-                <a:solidFill>
-                  <a:srgbClr val="000000"/>
-                </a:solidFill>
-                <a:effectLst/>
-                <a:latin typeface="Arial" panose="020B0604020202020204" pitchFamily="34" charset="0"/>
-              </a:rPr>
-              <a:t>C.How</a:t>
-            </a:r>
-            <a:r>
-              <a:rPr lang="en-US" sz="1100" b="0" i="0" dirty="0">
-                <a:solidFill>
-                  <a:srgbClr val="000000"/>
-                </a:solidFill>
-                <a:effectLst/>
-                <a:latin typeface="Arial" panose="020B0604020202020204" pitchFamily="34" charset="0"/>
-              </a:rPr>
-              <a:t> to create a realistic customer </a:t>
-            </a:r>
-            <a:r>
-              <a:rPr lang="en-US" sz="1100" b="0" i="0" dirty="0" err="1">
-                <a:solidFill>
-                  <a:srgbClr val="000000"/>
-                </a:solidFill>
-                <a:effectLst/>
-                <a:latin typeface="Arial" panose="020B0604020202020204" pitchFamily="34" charset="0"/>
-              </a:rPr>
-              <a:t>journeymap.Business</a:t>
-            </a:r>
-            <a:r>
-              <a:rPr lang="en-US" sz="1100" b="0" i="0" dirty="0">
-                <a:solidFill>
-                  <a:srgbClr val="000000"/>
-                </a:solidFill>
-                <a:effectLst/>
-                <a:latin typeface="Arial" panose="020B0604020202020204" pitchFamily="34" charset="0"/>
-              </a:rPr>
-              <a:t> Horizons, 60(1), 2017: pp.  143–150.— 4 —</a:t>
-            </a:r>
-          </a:p>
-          <a:p>
-            <a:pPr marL="0" indent="0" rtl="0">
-              <a:buNone/>
-            </a:pPr>
-            <a:endParaRPr lang="de-DE" sz="1100" b="0" i="0" dirty="0">
-              <a:solidFill>
-                <a:srgbClr val="000000"/>
-              </a:solidFill>
-              <a:effectLst/>
-              <a:latin typeface="Arial" panose="020B0604020202020204" pitchFamily="34" charset="0"/>
-            </a:endParaRPr>
-          </a:p>
-          <a:p>
-            <a:pPr marL="0" indent="0" rtl="0">
-              <a:buNone/>
-            </a:pPr>
-            <a:br>
-              <a:rPr lang="en-US" sz="1100" b="0" i="0" dirty="0">
-                <a:solidFill>
-                  <a:srgbClr val="000000"/>
-                </a:solidFill>
-                <a:effectLst/>
-                <a:latin typeface="Arial" panose="020B0604020202020204" pitchFamily="34" charset="0"/>
-              </a:rPr>
-            </a:br>
-            <a:endParaRPr lang="en-US" sz="1100" dirty="0"/>
-          </a:p>
-        </p:txBody>
-      </p:sp>
-    </p:spTree>
-    <p:extLst>
-      <p:ext uri="{BB962C8B-B14F-4D97-AF65-F5344CB8AC3E}">
-        <p14:creationId xmlns:p14="http://schemas.microsoft.com/office/powerpoint/2010/main" val="1748375574"/>
-      </p:ext>
-    </p:extLst>
-  </p:cSld>
-  <p:clrMapOvr>
-    <a:masterClrMapping/>
-  </p:clrMapOvr>
-</p:sld>
-</file>
-
-<file path=ppt/slides/slide16.xml><?xml version="1.0" encoding="utf-8"?>
-<p:sld xmlns:a="http://schemas.openxmlformats.org/drawingml/2006/main" xmlns:r="http://schemas.openxmlformats.org/officeDocument/2006/relationships" xmlns:p="http://schemas.openxmlformats.org/presentationml/2006/main">
-  <p:cSld>
-    <p:spTree>
-      <p:nvGrpSpPr>
-        <p:cNvPr id="1" name=""/>
-        <p:cNvGrpSpPr/>
-        <p:nvPr/>
-      </p:nvGrpSpPr>
-      <p:grpSpPr>
-        <a:xfrm>
-          <a:off x="0" y="0"/>
-          <a:ext cx="0" cy="0"/>
-          <a:chOff x="0" y="0"/>
-          <a:chExt cx="0" cy="0"/>
-        </a:xfrm>
-      </p:grpSpPr>
-      <p:sp>
-        <p:nvSpPr>
-          <p:cNvPr id="2" name="Titel 1">
-            <a:extLst>
-              <a:ext uri="{FF2B5EF4-FFF2-40B4-BE49-F238E27FC236}">
-                <a16:creationId xmlns:a16="http://schemas.microsoft.com/office/drawing/2014/main" id="{EB32BDE4-8705-4DE5-B76B-E01435DCDC1C}"/>
-              </a:ext>
-            </a:extLst>
-          </p:cNvPr>
-          <p:cNvSpPr>
-            <a:spLocks noGrp="1"/>
-          </p:cNvSpPr>
-          <p:nvPr>
-            <p:ph type="title"/>
-          </p:nvPr>
-        </p:nvSpPr>
-        <p:spPr/>
-        <p:txBody>
-          <a:bodyPr/>
-          <a:lstStyle/>
-          <a:p>
-            <a:r>
-              <a:rPr lang="en-US" dirty="0" err="1"/>
+              <a:rPr lang="de-DE" dirty="0"/>
               <a:t>Bilderquellen</a:t>
             </a:r>
-            <a:endParaRPr lang="en-US" dirty="0"/>
           </a:p>
         </p:txBody>
       </p:sp>
@@ -7239,44 +7455,20 @@
             </a:r>
             <a:r>
               <a:rPr lang="de-DE" dirty="0"/>
-              <a:t> </a:t>
-            </a:r>
-            <a:r>
-              <a:rPr lang="de-DE" dirty="0">
-                <a:hlinkClick r:id="rId2"/>
-              </a:rPr>
-              <a:t>https://www.digitalradar-muensterland.de/eine-customer-journey-map-erstellen/</a:t>
-            </a:r>
+              <a:t> https://www.digitalradar-muensterland.de/eine-customer-journey-map-erstellen/, Zugriff: 04.06.21</a:t>
+            </a:r>
+          </a:p>
+          <a:p>
             <a:r>
               <a:rPr lang="de-DE" dirty="0"/>
-              <a:t>, Zugriff: 04.06.21</a:t>
+              <a:t>Bild Folie 3: https://miro.com/guides/customer-journey-mapping/</a:t>
             </a:r>
           </a:p>
           <a:p>
             <a:r>
               <a:rPr lang="de-DE" dirty="0"/>
-              <a:t>Bild Folie 3: </a:t>
-            </a:r>
-            <a:r>
-              <a:rPr lang="de-DE" dirty="0">
-                <a:hlinkClick r:id="rId3"/>
-              </a:rPr>
-              <a:t>https://miro.com/guides/customer-journey-mapping/</a:t>
-            </a:r>
-            <a:endParaRPr lang="de-DE" dirty="0"/>
-          </a:p>
-          <a:p>
-            <a:r>
-              <a:rPr lang="de-DE" dirty="0"/>
-              <a:t>Bild Folie 4: </a:t>
-            </a:r>
-            <a:r>
-              <a:rPr lang="de-DE" dirty="0">
-                <a:hlinkClick r:id="rId4"/>
-              </a:rPr>
-              <a:t>http://blog.clickdimensions.com/how-to-create-a-customer-journey-map-and-why-you-need-one/</a:t>
-            </a:r>
-            <a:endParaRPr lang="de-DE" dirty="0"/>
+              <a:t>Bild Folie 4: http://blog.clickdimensions.com/how-to-create-a-customer-journey-map-and-why-you-need-one/</a:t>
+            </a:r>
           </a:p>
           <a:p>
             <a:r>
@@ -7765,29 +7957,29 @@
             <a:pPr marL="0" indent="0">
               <a:buNone/>
             </a:pPr>
-            <a:endParaRPr lang="de-DE" sz="1700"/>
-          </a:p>
-          <a:p>
-            <a:r>
-              <a:rPr lang="de-DE" sz="1700"/>
-              <a:t>Analyse welche Berührungspunkte mit dem Produkt besonders ausschlaggebend für den Kauf waren </a:t>
-            </a:r>
-          </a:p>
-          <a:p>
-            <a:endParaRPr lang="de-DE" sz="1700"/>
-          </a:p>
-          <a:p>
-            <a:r>
-              <a:rPr lang="de-DE" sz="1700"/>
+            <a:endParaRPr lang="de-DE" sz="1700" dirty="0"/>
+          </a:p>
+          <a:p>
+            <a:r>
+              <a:rPr lang="de-DE" sz="1700" dirty="0"/>
+              <a:t>Analyse welche Berührungspunkte mit dem Produkt besonders ausschlaggebend für den Kauf/die Nutzung waren </a:t>
+            </a:r>
+          </a:p>
+          <a:p>
+            <a:endParaRPr lang="de-DE" sz="1700" dirty="0"/>
+          </a:p>
+          <a:p>
+            <a:r>
+              <a:rPr lang="de-DE" sz="1700" dirty="0"/>
               <a:t>Möglichkeit die Wirkung verschiedener Kanäle aufeinander zu observieren </a:t>
             </a:r>
           </a:p>
           <a:p>
-            <a:endParaRPr lang="de-DE" sz="1700"/>
-          </a:p>
-          <a:p>
-            <a:r>
-              <a:rPr lang="de-DE" sz="1700"/>
+            <a:endParaRPr lang="de-DE" sz="1700" dirty="0"/>
+          </a:p>
+          <a:p>
+            <a:r>
+              <a:rPr lang="de-DE" sz="1700" dirty="0"/>
               <a:t>Gewinnung von Erkenntnissen über das Verhalten und die Präferenzen der Zielgruppe bezüglich der Nutzung und Reaktionen auf Werbung gewonnen</a:t>
             </a:r>
           </a:p>
@@ -8175,7 +8367,7 @@
           <p:nvPr/>
         </p:nvPicPr>
         <p:blipFill>
-          <a:blip r:embed="rId2">
+          <a:blip r:embed="rId3">
             <a:extLst>
               <a:ext uri="{28A0092B-C50C-407E-A947-70E740481C1C}">
                 <a14:useLocalDpi xmlns:a14="http://schemas.microsoft.com/office/drawing/2010/main" val="0"/>
@@ -8593,7 +8785,7 @@
           <p:nvPr/>
         </p:nvPicPr>
         <p:blipFill>
-          <a:blip r:embed="rId2">
+          <a:blip r:embed="rId3">
             <a:extLst>
               <a:ext uri="{28A0092B-C50C-407E-A947-70E740481C1C}">
                 <a14:useLocalDpi xmlns:a14="http://schemas.microsoft.com/office/drawing/2010/main" val="0"/>
@@ -8630,107 +8822,6 @@
 <file path=ppt/slides/slide8.xml><?xml version="1.0" encoding="utf-8"?>
 <p:sld xmlns:a="http://schemas.openxmlformats.org/drawingml/2006/main" xmlns:r="http://schemas.openxmlformats.org/officeDocument/2006/relationships" xmlns:p="http://schemas.openxmlformats.org/presentationml/2006/main">
   <p:cSld>
-    <p:spTree>
-      <p:nvGrpSpPr>
-        <p:cNvPr id="1" name=""/>
-        <p:cNvGrpSpPr/>
-        <p:nvPr/>
-      </p:nvGrpSpPr>
-      <p:grpSpPr>
-        <a:xfrm>
-          <a:off x="0" y="0"/>
-          <a:ext cx="0" cy="0"/>
-          <a:chOff x="0" y="0"/>
-          <a:chExt cx="0" cy="0"/>
-        </a:xfrm>
-      </p:grpSpPr>
-      <p:sp>
-        <p:nvSpPr>
-          <p:cNvPr id="2" name="Titel 1">
-            <a:extLst>
-              <a:ext uri="{FF2B5EF4-FFF2-40B4-BE49-F238E27FC236}">
-                <a16:creationId xmlns:a16="http://schemas.microsoft.com/office/drawing/2014/main" id="{4E0C1A1D-0B32-4413-A987-5A56E474FFD0}"/>
-              </a:ext>
-            </a:extLst>
-          </p:cNvPr>
-          <p:cNvSpPr>
-            <a:spLocks noGrp="1"/>
-          </p:cNvSpPr>
-          <p:nvPr>
-            <p:ph type="title"/>
-          </p:nvPr>
-        </p:nvSpPr>
-        <p:spPr/>
-        <p:txBody>
-          <a:bodyPr/>
-          <a:lstStyle/>
-          <a:p>
-            <a:r>
-              <a:rPr lang="de-DE" dirty="0"/>
-              <a:t>Vorteile ethnographischer Methoden?</a:t>
-            </a:r>
-          </a:p>
-        </p:txBody>
-      </p:sp>
-      <p:sp>
-        <p:nvSpPr>
-          <p:cNvPr id="3" name="Inhaltsplatzhalter 2">
-            <a:extLst>
-              <a:ext uri="{FF2B5EF4-FFF2-40B4-BE49-F238E27FC236}">
-                <a16:creationId xmlns:a16="http://schemas.microsoft.com/office/drawing/2014/main" id="{B6F78F79-6D97-4796-86E5-DA5B9B04947D}"/>
-              </a:ext>
-            </a:extLst>
-          </p:cNvPr>
-          <p:cNvSpPr>
-            <a:spLocks noGrp="1"/>
-          </p:cNvSpPr>
-          <p:nvPr>
-            <p:ph idx="1"/>
-          </p:nvPr>
-        </p:nvSpPr>
-        <p:spPr/>
-        <p:txBody>
-          <a:bodyPr/>
-          <a:lstStyle/>
-          <a:p>
-            <a:pPr marL="0" indent="0">
-              <a:buNone/>
-            </a:pPr>
-            <a:r>
-              <a:rPr lang="de-DE" sz="2800" dirty="0">
-                <a:solidFill>
-                  <a:srgbClr val="000000"/>
-                </a:solidFill>
-              </a:rPr>
-              <a:t>Der Wert der ethnografischen Forschung liegt in ihrer Fähigkeit, reichhaltige Daten über individuelle Kundeninteraktionen zu liefern. Ethnografie ist für die explorative Forschung förderlich, da sie unbekannte Probleme und Einblicke in das Kundenverhalten aufdecken kann</a:t>
-            </a:r>
-            <a:endParaRPr lang="en-US" sz="2800" dirty="0">
-              <a:solidFill>
-                <a:srgbClr val="000000"/>
-              </a:solidFill>
-            </a:endParaRPr>
-          </a:p>
-          <a:p>
-            <a:endParaRPr lang="de-DE" dirty="0"/>
-          </a:p>
-        </p:txBody>
-      </p:sp>
-    </p:spTree>
-    <p:extLst>
-      <p:ext uri="{BB962C8B-B14F-4D97-AF65-F5344CB8AC3E}">
-        <p14:creationId xmlns:p14="http://schemas.microsoft.com/office/powerpoint/2010/main" val="1415600349"/>
-      </p:ext>
-    </p:extLst>
-  </p:cSld>
-  <p:clrMapOvr>
-    <a:masterClrMapping/>
-  </p:clrMapOvr>
-</p:sld>
-</file>
-
-<file path=ppt/slides/slide9.xml><?xml version="1.0" encoding="utf-8"?>
-<p:sld xmlns:a="http://schemas.openxmlformats.org/drawingml/2006/main" xmlns:r="http://schemas.openxmlformats.org/officeDocument/2006/relationships" xmlns:p="http://schemas.openxmlformats.org/presentationml/2006/main">
-  <p:cSld>
     <p:bg>
       <p:bgPr>
         <a:solidFill>
@@ -8843,7 +8934,7 @@
           <a:p>
             <a:pPr algn="ctr"/>
             <a:r>
-              <a:rPr lang="en-US" sz="4000" kern="1200" dirty="0" err="1">
+              <a:rPr lang="de-DE" sz="4000" kern="1200" dirty="0">
                 <a:solidFill>
                   <a:schemeClr val="tx1"/>
                 </a:solidFill>
@@ -8853,14 +8944,6 @@
               </a:rPr>
               <a:t>Fallbeispiel</a:t>
             </a:r>
-            <a:endParaRPr lang="en-US" sz="4000" kern="1200" dirty="0">
-              <a:solidFill>
-                <a:schemeClr val="tx1"/>
-              </a:solidFill>
-              <a:latin typeface="+mj-lt"/>
-              <a:ea typeface="+mj-ea"/>
-              <a:cs typeface="+mj-cs"/>
-            </a:endParaRPr>
           </a:p>
         </p:txBody>
       </p:sp>
@@ -8900,132 +8983,8 @@
               </a:spcAft>
             </a:pPr>
             <a:r>
-              <a:rPr lang="en-US" sz="2000" dirty="0" err="1"/>
-              <a:t>Im</a:t>
-            </a:r>
-            <a:r>
-              <a:rPr lang="en-US" sz="2000" dirty="0"/>
-              <a:t> </a:t>
-            </a:r>
-            <a:r>
-              <a:rPr lang="en-US" sz="2000" dirty="0" err="1"/>
-              <a:t>Fallbeispiel</a:t>
-            </a:r>
-            <a:r>
-              <a:rPr lang="en-US" sz="2000" dirty="0"/>
-              <a:t> </a:t>
-            </a:r>
-            <a:r>
-              <a:rPr lang="en-US" sz="2000" dirty="0" err="1"/>
-              <a:t>wird</a:t>
-            </a:r>
-            <a:r>
-              <a:rPr lang="en-US" sz="2000" dirty="0"/>
-              <a:t> </a:t>
-            </a:r>
-            <a:r>
-              <a:rPr lang="en-US" sz="2000" dirty="0" err="1"/>
-              <a:t>eines</a:t>
-            </a:r>
-            <a:r>
-              <a:rPr lang="en-US" sz="2000" dirty="0"/>
-              <a:t> der </a:t>
-            </a:r>
-            <a:r>
-              <a:rPr lang="en-US" sz="2000" dirty="0" err="1"/>
-              <a:t>weltweit</a:t>
-            </a:r>
-            <a:r>
-              <a:rPr lang="en-US" sz="2000" dirty="0"/>
-              <a:t> </a:t>
-            </a:r>
-            <a:r>
-              <a:rPr lang="en-US" sz="2000" dirty="0" err="1"/>
-              <a:t>größten</a:t>
-            </a:r>
-            <a:r>
-              <a:rPr lang="en-US" sz="2000" dirty="0"/>
-              <a:t> </a:t>
-            </a:r>
-            <a:r>
-              <a:rPr lang="en-US" sz="2000" dirty="0" err="1"/>
-              <a:t>Einkaufszentren</a:t>
-            </a:r>
-            <a:r>
-              <a:rPr lang="en-US" sz="2000" dirty="0"/>
-              <a:t> </a:t>
-            </a:r>
-            <a:r>
-              <a:rPr lang="en-US" sz="2000" dirty="0" err="1"/>
-              <a:t>anaysiert</a:t>
-            </a:r>
-            <a:r>
-              <a:rPr lang="en-US" sz="2000" dirty="0"/>
-              <a:t>. Dieses </a:t>
-            </a:r>
-            <a:r>
-              <a:rPr lang="en-US" sz="2000" dirty="0" err="1"/>
-              <a:t>bietet</a:t>
-            </a:r>
-            <a:r>
-              <a:rPr lang="en-US" sz="2000" dirty="0"/>
-              <a:t> den </a:t>
-            </a:r>
-            <a:r>
-              <a:rPr lang="en-US" sz="2000" dirty="0" err="1"/>
-              <a:t>Kunden</a:t>
-            </a:r>
-            <a:r>
-              <a:rPr lang="en-US" sz="2000" dirty="0"/>
-              <a:t> </a:t>
-            </a:r>
-            <a:r>
-              <a:rPr lang="en-US" sz="2000" dirty="0" err="1"/>
-              <a:t>ein</a:t>
-            </a:r>
-            <a:r>
-              <a:rPr lang="en-US" sz="2000" dirty="0"/>
-              <a:t> </a:t>
-            </a:r>
-            <a:r>
-              <a:rPr lang="en-US" sz="2000" dirty="0" err="1"/>
-              <a:t>vielfältiges</a:t>
-            </a:r>
-            <a:r>
-              <a:rPr lang="en-US" sz="2000" dirty="0"/>
-              <a:t> </a:t>
-            </a:r>
-            <a:r>
-              <a:rPr lang="en-US" sz="2000" dirty="0" err="1"/>
-              <a:t>Angebot</a:t>
-            </a:r>
-            <a:r>
-              <a:rPr lang="en-US" sz="2000" dirty="0"/>
-              <a:t> an </a:t>
-            </a:r>
-            <a:r>
-              <a:rPr lang="en-US" sz="2000" dirty="0" err="1"/>
-              <a:t>Einkaufs</a:t>
-            </a:r>
-            <a:r>
-              <a:rPr lang="en-US" sz="2000" dirty="0"/>
-              <a:t>-, </a:t>
-            </a:r>
-            <a:r>
-              <a:rPr lang="en-US" sz="2000" dirty="0" err="1"/>
-              <a:t>Unterhaltungs</a:t>
-            </a:r>
-            <a:r>
-              <a:rPr lang="en-US" sz="2000" dirty="0"/>
-              <a:t>- und Essen/</a:t>
-            </a:r>
-            <a:r>
-              <a:rPr lang="en-US" sz="2000" dirty="0" err="1"/>
-              <a:t>Getränke-Optionen</a:t>
-            </a:r>
-            <a:r>
-              <a:rPr lang="en-US" sz="2000" dirty="0"/>
-              <a:t>.</a:t>
+              <a:rPr lang="de-DE" sz="2000" dirty="0"/>
+              <a:t>Im Fallbeispiel wird eines der weltweit größten Einkaufszentren analysiert. Dieses bietet den Kunden ein vielfältiges Angebot an Einkaufs-, Unterhaltungs- und Essen/Getränke-Optionen.</a:t>
             </a:r>
           </a:p>
         </p:txBody>
@@ -9070,6 +9029,238 @@
     <p:extLst>
       <p:ext uri="{BB962C8B-B14F-4D97-AF65-F5344CB8AC3E}">
         <p14:creationId xmlns:p14="http://schemas.microsoft.com/office/powerpoint/2010/main" val="1622403623"/>
+      </p:ext>
+    </p:extLst>
+  </p:cSld>
+  <p:clrMapOvr>
+    <a:masterClrMapping/>
+  </p:clrMapOvr>
+</p:sld>
+</file>
+
+<file path=ppt/slides/slide9.xml><?xml version="1.0" encoding="utf-8"?>
+<p:sld xmlns:a="http://schemas.openxmlformats.org/drawingml/2006/main" xmlns:r="http://schemas.openxmlformats.org/officeDocument/2006/relationships" xmlns:p="http://schemas.openxmlformats.org/presentationml/2006/main">
+  <p:cSld>
+    <p:spTree>
+      <p:nvGrpSpPr>
+        <p:cNvPr id="1" name=""/>
+        <p:cNvGrpSpPr/>
+        <p:nvPr/>
+      </p:nvGrpSpPr>
+      <p:grpSpPr>
+        <a:xfrm>
+          <a:off x="0" y="0"/>
+          <a:ext cx="0" cy="0"/>
+          <a:chOff x="0" y="0"/>
+          <a:chExt cx="0" cy="0"/>
+        </a:xfrm>
+      </p:grpSpPr>
+      <p:sp>
+        <p:nvSpPr>
+          <p:cNvPr id="2" name="Titel 1">
+            <a:extLst>
+              <a:ext uri="{FF2B5EF4-FFF2-40B4-BE49-F238E27FC236}">
+                <a16:creationId xmlns:a16="http://schemas.microsoft.com/office/drawing/2014/main" id="{93AB6214-F72C-42B4-AF25-320D7F2711BE}"/>
+              </a:ext>
+            </a:extLst>
+          </p:cNvPr>
+          <p:cNvSpPr>
+            <a:spLocks noGrp="1"/>
+          </p:cNvSpPr>
+          <p:nvPr>
+            <p:ph type="title"/>
+          </p:nvPr>
+        </p:nvSpPr>
+        <p:spPr/>
+        <p:txBody>
+          <a:bodyPr/>
+          <a:lstStyle/>
+          <a:p>
+            <a:pPr algn="ctr"/>
+            <a:r>
+              <a:rPr lang="en-US" dirty="0" err="1"/>
+              <a:t>Entwicklung</a:t>
+            </a:r>
+            <a:r>
+              <a:rPr lang="en-US" dirty="0"/>
+              <a:t> der </a:t>
+            </a:r>
+            <a:r>
+              <a:rPr lang="en-US" dirty="0" err="1"/>
+              <a:t>vertikalen</a:t>
+            </a:r>
+            <a:r>
+              <a:rPr lang="en-US" dirty="0"/>
+              <a:t> </a:t>
+            </a:r>
+            <a:r>
+              <a:rPr lang="en-US" dirty="0" err="1"/>
+              <a:t>Achse</a:t>
+            </a:r>
+            <a:endParaRPr lang="en-US" dirty="0"/>
+          </a:p>
+        </p:txBody>
+      </p:sp>
+      <p:sp>
+        <p:nvSpPr>
+          <p:cNvPr id="4" name="Textfeld 3">
+            <a:extLst>
+              <a:ext uri="{FF2B5EF4-FFF2-40B4-BE49-F238E27FC236}">
+                <a16:creationId xmlns:a16="http://schemas.microsoft.com/office/drawing/2014/main" id="{BFC8FF42-606B-4FDA-8ED7-0A28C6A5EAEE}"/>
+              </a:ext>
+            </a:extLst>
+          </p:cNvPr>
+          <p:cNvSpPr txBox="1"/>
+          <p:nvPr/>
+        </p:nvSpPr>
+        <p:spPr>
+          <a:xfrm>
+            <a:off x="973122" y="1690688"/>
+            <a:ext cx="9756397" cy="4524315"/>
+          </a:xfrm>
+          <a:prstGeom prst="rect">
+            <a:avLst/>
+          </a:prstGeom>
+          <a:noFill/>
+        </p:spPr>
+        <p:txBody>
+          <a:bodyPr wrap="square" rtlCol="0">
+            <a:spAutoFit/>
+          </a:bodyPr>
+          <a:lstStyle/>
+          <a:p>
+            <a:r>
+              <a:rPr lang="de-DE" sz="1800" b="0" i="0" u="none" strike="noStrike" baseline="0" dirty="0">
+                <a:solidFill>
+                  <a:srgbClr val="000000"/>
+                </a:solidFill>
+                <a:latin typeface="JMFCF E+ Adv T T 7f 5838b 0. I"/>
+              </a:rPr>
+              <a:t>Anforderungen des Users: Die Anforderungen des Kunden, die am Touchpoint (Marketing) benötigt werden.</a:t>
+            </a:r>
+          </a:p>
+          <a:p>
+            <a:endParaRPr lang="de-DE" sz="1800" b="0" i="0" u="none" strike="noStrike" baseline="0" dirty="0">
+              <a:solidFill>
+                <a:srgbClr val="000000"/>
+              </a:solidFill>
+              <a:latin typeface="JMFCF E+ Adv T T 7f 5838b 0. I"/>
+            </a:endParaRPr>
+          </a:p>
+          <a:p>
+            <a:r>
+              <a:rPr lang="de-DE" sz="1800" b="0" i="0" u="none" strike="noStrike" baseline="0" dirty="0">
+                <a:solidFill>
+                  <a:srgbClr val="000000"/>
+                </a:solidFill>
+                <a:latin typeface="JMFCF E+ Adv T T 7f 5838b 0. I"/>
+              </a:rPr>
+              <a:t>Mitarbeiter-Aktionen: </a:t>
+            </a:r>
+            <a:r>
+              <a:rPr lang="de-DE" dirty="0">
+                <a:solidFill>
+                  <a:srgbClr val="000000"/>
+                </a:solidFill>
+                <a:latin typeface="JMFCF E+ Adv T T 7f 5838b 0. I"/>
+              </a:rPr>
+              <a:t>D</a:t>
+            </a:r>
+            <a:r>
+              <a:rPr lang="de-DE" sz="1800" b="0" i="0" u="none" strike="noStrike" baseline="0" dirty="0">
+                <a:solidFill>
+                  <a:srgbClr val="000000"/>
+                </a:solidFill>
+                <a:latin typeface="JMFCF E+ Adv T T 7f 5838b 0. I"/>
+              </a:rPr>
+              <a:t>ie Aktionen der Mall-Mitarbeiter, die am Touchpoint erforderlich sind, um die Kundenanforderungen zu erfüllen (Personalwesen).</a:t>
+            </a:r>
+          </a:p>
+          <a:p>
+            <a:endParaRPr lang="de-DE" dirty="0">
+              <a:solidFill>
+                <a:srgbClr val="000000"/>
+              </a:solidFill>
+              <a:latin typeface="JMFCF E+ Adv T T 7f 5838b 0. I"/>
+            </a:endParaRPr>
+          </a:p>
+          <a:p>
+            <a:r>
+              <a:rPr lang="de-DE" sz="1800" b="0" i="0" u="none" strike="noStrike" baseline="0" dirty="0">
+                <a:solidFill>
+                  <a:srgbClr val="000000"/>
+                </a:solidFill>
+                <a:latin typeface="JMFCF E+ Adv T T 7f 5838b 0. I"/>
+              </a:rPr>
+              <a:t>Mitarbeiterunterstützung: Geben Sie an, welche Schulungen, Informationstechnologien, Lizenzen, Zertifizierungen, Werkzeuge, Materialien usw. die Mitarbeiter des Einkaufszentrums benötigen, um die Anforderungen am Touchpoint zu erfüllen (Personalwesen und Betriebsmanagement).</a:t>
+            </a:r>
+          </a:p>
+          <a:p>
+            <a:endParaRPr lang="de-DE" dirty="0">
+              <a:solidFill>
+                <a:srgbClr val="000000"/>
+              </a:solidFill>
+              <a:latin typeface="JMFCF E+ Adv T T 7f 5838b 0. I"/>
+            </a:endParaRPr>
+          </a:p>
+          <a:p>
+            <a:r>
+              <a:rPr lang="de-DE" sz="1800" b="0" i="0" u="none" strike="noStrike" baseline="0" dirty="0">
+                <a:solidFill>
+                  <a:srgbClr val="000000"/>
+                </a:solidFill>
+                <a:latin typeface="JMFCF E+ Adv T T 7f 5838b 0. I"/>
+              </a:rPr>
+              <a:t>Gestaltung des Einkaufszentrums: Spezifizieren Sie die Umgebungsreize, die Kunden an jedem Touchpoint wahrnehmen und nicht wahrnehmen sollten, um die Servicequalität zu beurteilen (Marketing, Operations</a:t>
+            </a:r>
+            <a:r>
+              <a:rPr lang="de-DE" dirty="0">
+                <a:solidFill>
+                  <a:srgbClr val="000000"/>
+                </a:solidFill>
+                <a:latin typeface="JMFCF E+ Adv T T 7f 5838b 0. I"/>
+              </a:rPr>
+              <a:t>-</a:t>
+            </a:r>
+            <a:r>
+              <a:rPr lang="de-DE" sz="1800" b="0" i="0" u="none" strike="noStrike" baseline="0" dirty="0">
+                <a:solidFill>
+                  <a:srgbClr val="000000"/>
+                </a:solidFill>
+                <a:latin typeface="JMFCF E+ Adv T T 7f 5838b 0. I"/>
+              </a:rPr>
+              <a:t>Management, Gebäudetechnik).</a:t>
+            </a:r>
+          </a:p>
+          <a:p>
+            <a:r>
+              <a:rPr lang="de-DE" sz="1800" b="0" i="0" u="none" strike="noStrike" baseline="0" dirty="0">
+                <a:solidFill>
+                  <a:srgbClr val="000000"/>
+                </a:solidFill>
+                <a:latin typeface="JMFCF E+ Adv T T 7f 5838b 0. I"/>
+              </a:rPr>
+              <a:t> </a:t>
+            </a:r>
+          </a:p>
+          <a:p>
+            <a:r>
+              <a:rPr lang="de-DE" sz="1800" b="0" i="0" u="none" strike="noStrike" baseline="0" dirty="0">
+                <a:solidFill>
+                  <a:srgbClr val="000000"/>
+                </a:solidFill>
+                <a:latin typeface="JMFCF E+ Adv T T 7f 5838b 0. I"/>
+              </a:rPr>
+              <a:t>Service-Innovation: Machen Sie ein Brainstorming, wie alle Abteilungen an jedem Touchpoint zusammenarbeiten können.</a:t>
+            </a:r>
+            <a:endParaRPr lang="en-US" dirty="0"/>
+          </a:p>
+        </p:txBody>
+      </p:sp>
+    </p:spTree>
+    <p:extLst>
+      <p:ext uri="{BB962C8B-B14F-4D97-AF65-F5344CB8AC3E}">
+        <p14:creationId xmlns:p14="http://schemas.microsoft.com/office/powerpoint/2010/main" val="3896673891"/>
       </p:ext>
     </p:extLst>
   </p:cSld>

--- a/Praesentation/Präsentation_Tim.pptx
+++ b/Praesentation/Präsentation_Tim.pptx
@@ -125,6 +125,9 @@
     <p:ext uri="{EFAFB233-063F-42B5-8137-9DF3F51BA10A}">
       <p15:sldGuideLst xmlns:p15="http://schemas.microsoft.com/office/powerpoint/2012/main"/>
     </p:ext>
+    <p:ext uri="{2D200454-40CA-4A62-9FC3-DE9A4176ACB9}">
+      <p15:notesGuideLst xmlns:p15="http://schemas.microsoft.com/office/powerpoint/2012/main"/>
+    </p:ext>
   </p:extLst>
 </p:presentation>
 </file>
@@ -934,7 +937,7 @@
   <pc:docChgLst>
     <pc:chgData name="Tim Böckel" userId="139bf3991ca47324" providerId="LiveId" clId="{F23E6AC7-6F80-426C-8EA5-4E59630F2B8F}"/>
     <pc:docChg chg="undo custSel addSld delSld modSld">
-      <pc:chgData name="Tim Böckel" userId="139bf3991ca47324" providerId="LiveId" clId="{F23E6AC7-6F80-426C-8EA5-4E59630F2B8F}" dt="2021-06-06T19:28:06.422" v="941" actId="20577"/>
+      <pc:chgData name="Tim Böckel" userId="139bf3991ca47324" providerId="LiveId" clId="{F23E6AC7-6F80-426C-8EA5-4E59630F2B8F}" dt="2021-06-07T08:18:39.302" v="1046" actId="20577"/>
       <pc:docMkLst>
         <pc:docMk/>
       </pc:docMkLst>
@@ -953,12 +956,20 @@
           </ac:spMkLst>
         </pc:spChg>
       </pc:sldChg>
-      <pc:sldChg chg="modNotes">
-        <pc:chgData name="Tim Böckel" userId="139bf3991ca47324" providerId="LiveId" clId="{F23E6AC7-6F80-426C-8EA5-4E59630F2B8F}" dt="2021-06-06T18:47:23.015" v="908"/>
+      <pc:sldChg chg="modSp mod modNotes">
+        <pc:chgData name="Tim Böckel" userId="139bf3991ca47324" providerId="LiveId" clId="{F23E6AC7-6F80-426C-8EA5-4E59630F2B8F}" dt="2021-06-07T08:18:39.302" v="1046" actId="20577"/>
         <pc:sldMkLst>
           <pc:docMk/>
           <pc:sldMk cId="4196420704" sldId="258"/>
         </pc:sldMkLst>
+        <pc:spChg chg="mod">
+          <ac:chgData name="Tim Böckel" userId="139bf3991ca47324" providerId="LiveId" clId="{F23E6AC7-6F80-426C-8EA5-4E59630F2B8F}" dt="2021-06-07T08:18:39.302" v="1046" actId="20577"/>
+          <ac:spMkLst>
+            <pc:docMk/>
+            <pc:sldMk cId="4196420704" sldId="258"/>
+            <ac:spMk id="3" creationId="{317B21FB-06EE-4DD0-B1D3-931E3C3A24F9}"/>
+          </ac:spMkLst>
+        </pc:spChg>
       </pc:sldChg>
       <pc:sldChg chg="addSp delSp modSp mod setBg">
         <pc:chgData name="Tim Böckel" userId="139bf3991ca47324" providerId="LiveId" clId="{F23E6AC7-6F80-426C-8EA5-4E59630F2B8F}" dt="2021-06-06T19:28:06.422" v="941" actId="20577"/>
@@ -1652,7 +1663,7 @@
           <a:p>
             <a:fld id="{7C2F76F7-C034-4697-B278-6F74D2DBBFE9}" type="datetimeFigureOut">
               <a:rPr lang="de-DE" smtClean="0"/>
-              <a:t>06.06.2021</a:t>
+              <a:t>07.06.2021</a:t>
             </a:fld>
             <a:endParaRPr lang="de-DE"/>
           </a:p>
@@ -1963,168 +1974,7 @@
           <a:bodyPr/>
           <a:lstStyle/>
           <a:p>
-            <a:r>
-              <a:rPr lang="en-US" dirty="0" err="1"/>
-              <a:t>Bestandteile</a:t>
-            </a:r>
-            <a:r>
-              <a:rPr lang="en-US" dirty="0"/>
-              <a:t>:</a:t>
-            </a:r>
-          </a:p>
-          <a:p>
-            <a:endParaRPr lang="en-US" dirty="0"/>
-          </a:p>
-          <a:p>
-            <a:r>
-              <a:rPr lang="en-US" dirty="0"/>
-              <a:t>Journey </a:t>
-            </a:r>
-            <a:r>
-              <a:rPr lang="en-US" dirty="0">
-                <a:sym typeface="Wingdings" panose="05000000000000000000" pitchFamily="2" charset="2"/>
-              </a:rPr>
-              <a:t> </a:t>
-            </a:r>
-            <a:r>
-              <a:rPr lang="en-US" dirty="0" err="1">
-                <a:sym typeface="Wingdings" panose="05000000000000000000" pitchFamily="2" charset="2"/>
-              </a:rPr>
-              <a:t>Alles</a:t>
-            </a:r>
-            <a:r>
-              <a:rPr lang="en-US" dirty="0">
-                <a:sym typeface="Wingdings" panose="05000000000000000000" pitchFamily="2" charset="2"/>
-              </a:rPr>
-              <a:t> (</a:t>
-            </a:r>
-            <a:r>
-              <a:rPr lang="en-US" dirty="0" err="1">
-                <a:sym typeface="Wingdings" panose="05000000000000000000" pitchFamily="2" charset="2"/>
-              </a:rPr>
-              <a:t>Optimale</a:t>
-            </a:r>
-            <a:r>
-              <a:rPr lang="en-US" dirty="0">
-                <a:sym typeface="Wingdings" panose="05000000000000000000" pitchFamily="2" charset="2"/>
-              </a:rPr>
-              <a:t> vs. </a:t>
-            </a:r>
-            <a:r>
-              <a:rPr lang="en-US" dirty="0" err="1">
-                <a:sym typeface="Wingdings" panose="05000000000000000000" pitchFamily="2" charset="2"/>
-              </a:rPr>
-              <a:t>Wirkliche</a:t>
-            </a:r>
-            <a:r>
-              <a:rPr lang="en-US" dirty="0">
-                <a:sym typeface="Wingdings" panose="05000000000000000000" pitchFamily="2" charset="2"/>
-              </a:rPr>
-              <a:t> Journey)</a:t>
-            </a:r>
-            <a:endParaRPr lang="en-US" dirty="0"/>
-          </a:p>
-          <a:p>
-            <a:r>
-              <a:rPr lang="en-US" dirty="0"/>
-              <a:t>Touchpoints </a:t>
-            </a:r>
-            <a:r>
-              <a:rPr lang="en-US" dirty="0">
-                <a:sym typeface="Wingdings" panose="05000000000000000000" pitchFamily="2" charset="2"/>
-              </a:rPr>
-              <a:t> </a:t>
-            </a:r>
-            <a:r>
-              <a:rPr lang="en-US" dirty="0" err="1">
-                <a:sym typeface="Wingdings" panose="05000000000000000000" pitchFamily="2" charset="2"/>
-              </a:rPr>
-              <a:t>Berührungspunkt</a:t>
-            </a:r>
-            <a:endParaRPr lang="en-US" dirty="0">
-              <a:sym typeface="Wingdings" panose="05000000000000000000" pitchFamily="2" charset="2"/>
-            </a:endParaRPr>
-          </a:p>
-          <a:p>
-            <a:r>
-              <a:rPr lang="en-US" dirty="0">
-                <a:sym typeface="Wingdings" panose="05000000000000000000" pitchFamily="2" charset="2"/>
-              </a:rPr>
-              <a:t>Goal  </a:t>
-            </a:r>
-            <a:r>
-              <a:rPr lang="en-US" dirty="0" err="1">
-                <a:sym typeface="Wingdings" panose="05000000000000000000" pitchFamily="2" charset="2"/>
-              </a:rPr>
-              <a:t>Ziel</a:t>
-            </a:r>
-            <a:endParaRPr lang="en-US" dirty="0">
-              <a:sym typeface="Wingdings" panose="05000000000000000000" pitchFamily="2" charset="2"/>
-            </a:endParaRPr>
-          </a:p>
-          <a:p>
-            <a:r>
-              <a:rPr lang="en-US" dirty="0">
-                <a:sym typeface="Wingdings" panose="05000000000000000000" pitchFamily="2" charset="2"/>
-              </a:rPr>
-              <a:t>Experience  </a:t>
-            </a:r>
-            <a:r>
-              <a:rPr lang="en-US" dirty="0" err="1">
-                <a:sym typeface="Wingdings" panose="05000000000000000000" pitchFamily="2" charset="2"/>
-              </a:rPr>
-              <a:t>Emotionen</a:t>
-            </a:r>
-            <a:r>
-              <a:rPr lang="en-US" dirty="0">
-                <a:sym typeface="Wingdings" panose="05000000000000000000" pitchFamily="2" charset="2"/>
-              </a:rPr>
-              <a:t> des Users</a:t>
-            </a:r>
-          </a:p>
-          <a:p>
-            <a:r>
-              <a:rPr lang="en-US" dirty="0">
-                <a:sym typeface="Wingdings" panose="05000000000000000000" pitchFamily="2" charset="2"/>
-              </a:rPr>
-              <a:t>Channel  </a:t>
-            </a:r>
-            <a:r>
-              <a:rPr lang="en-US" dirty="0" err="1">
-                <a:sym typeface="Wingdings" panose="05000000000000000000" pitchFamily="2" charset="2"/>
-              </a:rPr>
-              <a:t>Bsp</a:t>
-            </a:r>
-            <a:r>
-              <a:rPr lang="en-US" dirty="0">
-                <a:sym typeface="Wingdings" panose="05000000000000000000" pitchFamily="2" charset="2"/>
-              </a:rPr>
-              <a:t>. </a:t>
-            </a:r>
-            <a:r>
-              <a:rPr lang="en-US" dirty="0" err="1">
-                <a:sym typeface="Wingdings" panose="05000000000000000000" pitchFamily="2" charset="2"/>
-              </a:rPr>
-              <a:t>Werbekanäle</a:t>
-            </a:r>
-            <a:endParaRPr lang="en-US" dirty="0">
-              <a:sym typeface="Wingdings" panose="05000000000000000000" pitchFamily="2" charset="2"/>
-            </a:endParaRPr>
-          </a:p>
-          <a:p>
-            <a:r>
-              <a:rPr lang="en-US" dirty="0">
-                <a:sym typeface="Wingdings" panose="05000000000000000000" pitchFamily="2" charset="2"/>
-              </a:rPr>
-              <a:t>User</a:t>
-            </a:r>
-            <a:endParaRPr lang="en-US" dirty="0"/>
-          </a:p>
-          <a:p>
-            <a:endParaRPr lang="en-US" dirty="0"/>
-          </a:p>
-          <a:p>
-            <a:endParaRPr lang="en-US" dirty="0"/>
+            <a:endParaRPr lang="de-DE"/>
           </a:p>
         </p:txBody>
       </p:sp>
@@ -2145,7 +1995,7 @@
           <a:p>
             <a:fld id="{8FAA3480-48A5-4E91-9E2F-9BA3DD398807}" type="slidenum">
               <a:rPr lang="de-DE" smtClean="0"/>
-              <a:t>5</a:t>
+              <a:t>4</a:t>
             </a:fld>
             <a:endParaRPr lang="de-DE"/>
           </a:p>
@@ -2154,7 +2004,7 @@
     </p:spTree>
     <p:extLst>
       <p:ext uri="{BB962C8B-B14F-4D97-AF65-F5344CB8AC3E}">
-        <p14:creationId xmlns:p14="http://schemas.microsoft.com/office/powerpoint/2010/main" val="2080184232"/>
+        <p14:creationId xmlns:p14="http://schemas.microsoft.com/office/powerpoint/2010/main" val="2383308239"/>
       </p:ext>
     </p:extLst>
   </p:cSld>
@@ -2209,12 +2059,359 @@
           <a:lstStyle/>
           <a:p>
             <a:r>
+              <a:rPr lang="en-US" dirty="0" err="1"/>
+              <a:t>Bestandteile</a:t>
+            </a:r>
+            <a:r>
+              <a:rPr lang="en-US" dirty="0"/>
+              <a:t>:</a:t>
+            </a:r>
+          </a:p>
+          <a:p>
+            <a:endParaRPr lang="en-US" dirty="0"/>
+          </a:p>
+          <a:p>
+            <a:r>
+              <a:rPr lang="en-US" dirty="0"/>
+              <a:t>Journey </a:t>
+            </a:r>
+            <a:r>
+              <a:rPr lang="en-US" dirty="0">
+                <a:sym typeface="Wingdings" panose="05000000000000000000" pitchFamily="2" charset="2"/>
+              </a:rPr>
+              <a:t> </a:t>
+            </a:r>
+            <a:r>
+              <a:rPr lang="en-US" dirty="0" err="1">
+                <a:sym typeface="Wingdings" panose="05000000000000000000" pitchFamily="2" charset="2"/>
+              </a:rPr>
+              <a:t>Alles</a:t>
+            </a:r>
+            <a:r>
+              <a:rPr lang="en-US" dirty="0">
+                <a:sym typeface="Wingdings" panose="05000000000000000000" pitchFamily="2" charset="2"/>
+              </a:rPr>
+              <a:t> (</a:t>
+            </a:r>
+            <a:r>
+              <a:rPr lang="en-US" dirty="0" err="1">
+                <a:sym typeface="Wingdings" panose="05000000000000000000" pitchFamily="2" charset="2"/>
+              </a:rPr>
+              <a:t>Optimale</a:t>
+            </a:r>
+            <a:r>
+              <a:rPr lang="en-US" dirty="0">
+                <a:sym typeface="Wingdings" panose="05000000000000000000" pitchFamily="2" charset="2"/>
+              </a:rPr>
+              <a:t> vs. </a:t>
+            </a:r>
+            <a:r>
+              <a:rPr lang="en-US" dirty="0" err="1">
+                <a:sym typeface="Wingdings" panose="05000000000000000000" pitchFamily="2" charset="2"/>
+              </a:rPr>
+              <a:t>Wirkliche</a:t>
+            </a:r>
+            <a:r>
+              <a:rPr lang="en-US" dirty="0">
+                <a:sym typeface="Wingdings" panose="05000000000000000000" pitchFamily="2" charset="2"/>
+              </a:rPr>
+              <a:t> Journey)</a:t>
+            </a:r>
+            <a:endParaRPr lang="en-US" dirty="0"/>
+          </a:p>
+          <a:p>
+            <a:r>
+              <a:rPr lang="en-US" dirty="0"/>
+              <a:t>Touchpoints </a:t>
+            </a:r>
+            <a:r>
+              <a:rPr lang="en-US" dirty="0">
+                <a:sym typeface="Wingdings" panose="05000000000000000000" pitchFamily="2" charset="2"/>
+              </a:rPr>
+              <a:t> </a:t>
+            </a:r>
+            <a:r>
+              <a:rPr lang="en-US" dirty="0" err="1">
+                <a:sym typeface="Wingdings" panose="05000000000000000000" pitchFamily="2" charset="2"/>
+              </a:rPr>
+              <a:t>Berührungspunkt</a:t>
+            </a:r>
+            <a:endParaRPr lang="en-US" dirty="0">
+              <a:sym typeface="Wingdings" panose="05000000000000000000" pitchFamily="2" charset="2"/>
+            </a:endParaRPr>
+          </a:p>
+          <a:p>
+            <a:r>
+              <a:rPr lang="en-US" dirty="0">
+                <a:sym typeface="Wingdings" panose="05000000000000000000" pitchFamily="2" charset="2"/>
+              </a:rPr>
+              <a:t>Goal  </a:t>
+            </a:r>
+            <a:r>
+              <a:rPr lang="en-US" dirty="0" err="1">
+                <a:sym typeface="Wingdings" panose="05000000000000000000" pitchFamily="2" charset="2"/>
+              </a:rPr>
+              <a:t>Ziel</a:t>
+            </a:r>
+            <a:endParaRPr lang="en-US" dirty="0">
+              <a:sym typeface="Wingdings" panose="05000000000000000000" pitchFamily="2" charset="2"/>
+            </a:endParaRPr>
+          </a:p>
+          <a:p>
+            <a:r>
+              <a:rPr lang="en-US" dirty="0">
+                <a:sym typeface="Wingdings" panose="05000000000000000000" pitchFamily="2" charset="2"/>
+              </a:rPr>
+              <a:t>Experience  </a:t>
+            </a:r>
+            <a:r>
+              <a:rPr lang="en-US" dirty="0" err="1">
+                <a:sym typeface="Wingdings" panose="05000000000000000000" pitchFamily="2" charset="2"/>
+              </a:rPr>
+              <a:t>Emotionen</a:t>
+            </a:r>
+            <a:r>
+              <a:rPr lang="en-US" dirty="0">
+                <a:sym typeface="Wingdings" panose="05000000000000000000" pitchFamily="2" charset="2"/>
+              </a:rPr>
+              <a:t> des Users</a:t>
+            </a:r>
+          </a:p>
+          <a:p>
+            <a:r>
+              <a:rPr lang="en-US" dirty="0">
+                <a:sym typeface="Wingdings" panose="05000000000000000000" pitchFamily="2" charset="2"/>
+              </a:rPr>
+              <a:t>Channel  </a:t>
+            </a:r>
+            <a:r>
+              <a:rPr lang="en-US" dirty="0" err="1">
+                <a:sym typeface="Wingdings" panose="05000000000000000000" pitchFamily="2" charset="2"/>
+              </a:rPr>
+              <a:t>Bsp</a:t>
+            </a:r>
+            <a:r>
+              <a:rPr lang="en-US" dirty="0">
+                <a:sym typeface="Wingdings" panose="05000000000000000000" pitchFamily="2" charset="2"/>
+              </a:rPr>
+              <a:t>. </a:t>
+            </a:r>
+            <a:r>
+              <a:rPr lang="en-US" dirty="0" err="1">
+                <a:sym typeface="Wingdings" panose="05000000000000000000" pitchFamily="2" charset="2"/>
+              </a:rPr>
+              <a:t>Werbekanäle</a:t>
+            </a:r>
+            <a:endParaRPr lang="en-US" dirty="0">
+              <a:sym typeface="Wingdings" panose="05000000000000000000" pitchFamily="2" charset="2"/>
+            </a:endParaRPr>
+          </a:p>
+          <a:p>
+            <a:r>
+              <a:rPr lang="en-US" dirty="0">
+                <a:sym typeface="Wingdings" panose="05000000000000000000" pitchFamily="2" charset="2"/>
+              </a:rPr>
+              <a:t>User</a:t>
+            </a:r>
+            <a:endParaRPr lang="en-US" dirty="0"/>
+          </a:p>
+          <a:p>
+            <a:endParaRPr lang="en-US" dirty="0"/>
+          </a:p>
+          <a:p>
+            <a:endParaRPr lang="en-US" dirty="0"/>
+          </a:p>
+        </p:txBody>
+      </p:sp>
+      <p:sp>
+        <p:nvSpPr>
+          <p:cNvPr id="4" name="Foliennummernplatzhalter 3"/>
+          <p:cNvSpPr>
+            <a:spLocks noGrp="1"/>
+          </p:cNvSpPr>
+          <p:nvPr>
+            <p:ph type="sldNum" sz="quarter" idx="5"/>
+          </p:nvPr>
+        </p:nvSpPr>
+        <p:spPr/>
+        <p:txBody>
+          <a:bodyPr/>
+          <a:lstStyle/>
+          <a:p>
+            <a:fld id="{8FAA3480-48A5-4E91-9E2F-9BA3DD398807}" type="slidenum">
+              <a:rPr lang="de-DE" smtClean="0"/>
+              <a:t>5</a:t>
+            </a:fld>
+            <a:endParaRPr lang="de-DE"/>
+          </a:p>
+        </p:txBody>
+      </p:sp>
+    </p:spTree>
+    <p:extLst>
+      <p:ext uri="{BB962C8B-B14F-4D97-AF65-F5344CB8AC3E}">
+        <p14:creationId xmlns:p14="http://schemas.microsoft.com/office/powerpoint/2010/main" val="2080184232"/>
+      </p:ext>
+    </p:extLst>
+  </p:cSld>
+  <p:clrMapOvr>
+    <a:masterClrMapping/>
+  </p:clrMapOvr>
+</p:notes>
+</file>
+
+<file path=ppt/notesSlides/notesSlide3.xml><?xml version="1.0" encoding="utf-8"?>
+<p:notes xmlns:a="http://schemas.openxmlformats.org/drawingml/2006/main" xmlns:r="http://schemas.openxmlformats.org/officeDocument/2006/relationships" xmlns:p="http://schemas.openxmlformats.org/presentationml/2006/main">
+  <p:cSld>
+    <p:spTree>
+      <p:nvGrpSpPr>
+        <p:cNvPr id="1" name=""/>
+        <p:cNvGrpSpPr/>
+        <p:nvPr/>
+      </p:nvGrpSpPr>
+      <p:grpSpPr>
+        <a:xfrm>
+          <a:off x="0" y="0"/>
+          <a:ext cx="0" cy="0"/>
+          <a:chOff x="0" y="0"/>
+          <a:chExt cx="0" cy="0"/>
+        </a:xfrm>
+      </p:grpSpPr>
+      <p:sp>
+        <p:nvSpPr>
+          <p:cNvPr id="2" name="Folienbildplatzhalter 1"/>
+          <p:cNvSpPr>
+            <a:spLocks noGrp="1" noRot="1" noChangeAspect="1"/>
+          </p:cNvSpPr>
+          <p:nvPr>
+            <p:ph type="sldImg"/>
+          </p:nvPr>
+        </p:nvSpPr>
+        <p:spPr/>
+      </p:sp>
+      <p:sp>
+        <p:nvSpPr>
+          <p:cNvPr id="3" name="Notizenplatzhalter 2"/>
+          <p:cNvSpPr>
+            <a:spLocks noGrp="1"/>
+          </p:cNvSpPr>
+          <p:nvPr>
+            <p:ph type="body" idx="1"/>
+          </p:nvPr>
+        </p:nvSpPr>
+        <p:spPr/>
+        <p:txBody>
+          <a:bodyPr/>
+          <a:lstStyle/>
+          <a:p>
+            <a:endParaRPr lang="de-DE"/>
+          </a:p>
+        </p:txBody>
+      </p:sp>
+      <p:sp>
+        <p:nvSpPr>
+          <p:cNvPr id="4" name="Foliennummernplatzhalter 3"/>
+          <p:cNvSpPr>
+            <a:spLocks noGrp="1"/>
+          </p:cNvSpPr>
+          <p:nvPr>
+            <p:ph type="sldNum" sz="quarter" idx="5"/>
+          </p:nvPr>
+        </p:nvSpPr>
+        <p:spPr/>
+        <p:txBody>
+          <a:bodyPr/>
+          <a:lstStyle/>
+          <a:p>
+            <a:fld id="{8FAA3480-48A5-4E91-9E2F-9BA3DD398807}" type="slidenum">
+              <a:rPr lang="de-DE" smtClean="0"/>
+              <a:t>6</a:t>
+            </a:fld>
+            <a:endParaRPr lang="de-DE"/>
+          </a:p>
+        </p:txBody>
+      </p:sp>
+    </p:spTree>
+    <p:extLst>
+      <p:ext uri="{BB962C8B-B14F-4D97-AF65-F5344CB8AC3E}">
+        <p14:creationId xmlns:p14="http://schemas.microsoft.com/office/powerpoint/2010/main" val="1893033409"/>
+      </p:ext>
+    </p:extLst>
+  </p:cSld>
+  <p:clrMapOvr>
+    <a:masterClrMapping/>
+  </p:clrMapOvr>
+</p:notes>
+</file>
+
+<file path=ppt/notesSlides/notesSlide4.xml><?xml version="1.0" encoding="utf-8"?>
+<p:notes xmlns:a="http://schemas.openxmlformats.org/drawingml/2006/main" xmlns:r="http://schemas.openxmlformats.org/officeDocument/2006/relationships" xmlns:p="http://schemas.openxmlformats.org/presentationml/2006/main">
+  <p:cSld>
+    <p:spTree>
+      <p:nvGrpSpPr>
+        <p:cNvPr id="1" name=""/>
+        <p:cNvGrpSpPr/>
+        <p:nvPr/>
+      </p:nvGrpSpPr>
+      <p:grpSpPr>
+        <a:xfrm>
+          <a:off x="0" y="0"/>
+          <a:ext cx="0" cy="0"/>
+          <a:chOff x="0" y="0"/>
+          <a:chExt cx="0" cy="0"/>
+        </a:xfrm>
+      </p:grpSpPr>
+      <p:sp>
+        <p:nvSpPr>
+          <p:cNvPr id="2" name="Folienbildplatzhalter 1"/>
+          <p:cNvSpPr>
+            <a:spLocks noGrp="1" noRot="1" noChangeAspect="1"/>
+          </p:cNvSpPr>
+          <p:nvPr>
+            <p:ph type="sldImg"/>
+          </p:nvPr>
+        </p:nvSpPr>
+        <p:spPr/>
+      </p:sp>
+      <p:sp>
+        <p:nvSpPr>
+          <p:cNvPr id="3" name="Notizenplatzhalter 2"/>
+          <p:cNvSpPr>
+            <a:spLocks noGrp="1"/>
+          </p:cNvSpPr>
+          <p:nvPr>
+            <p:ph type="body" idx="1"/>
+          </p:nvPr>
+        </p:nvSpPr>
+        <p:spPr/>
+        <p:txBody>
+          <a:bodyPr/>
+          <a:lstStyle/>
+          <a:p>
+            <a:r>
               <a:rPr lang="de-DE" sz="1200" dirty="0">
                 <a:solidFill>
                   <a:srgbClr val="000000"/>
                 </a:solidFill>
               </a:rPr>
               <a:t>Der Wert der ethnografischen Forschung liegt in ihrer Fähigkeit, reichhaltige Daten über individuelle Kundeninteraktionen zu liefern. Ethnografie ist für die explorative Forschung förderlich, da sie unbekannte Probleme und Einblicke in das Kundenverhalten aufdecken kann</a:t>
+            </a:r>
+          </a:p>
+          <a:p>
+            <a:endParaRPr lang="de-DE" dirty="0">
+              <a:solidFill>
+                <a:srgbClr val="000000"/>
+              </a:solidFill>
+            </a:endParaRPr>
+          </a:p>
+          <a:p>
+            <a:r>
+              <a:rPr lang="de-DE" sz="1200" dirty="0">
+                <a:solidFill>
+                  <a:srgbClr val="000000"/>
+                </a:solidFill>
+                <a:sym typeface="Wingdings" panose="05000000000000000000" pitchFamily="2" charset="2"/>
+              </a:rPr>
+              <a:t> Focus Groups -&gt; Gruppeninterviews</a:t>
             </a:r>
             <a:endParaRPr lang="en-US" sz="1200" dirty="0">
               <a:solidFill>
@@ -2263,7 +2460,91 @@
 </p:notes>
 </file>
 
-<file path=ppt/notesSlides/notesSlide3.xml><?xml version="1.0" encoding="utf-8"?>
+<file path=ppt/notesSlides/notesSlide5.xml><?xml version="1.0" encoding="utf-8"?>
+<p:notes xmlns:a="http://schemas.openxmlformats.org/drawingml/2006/main" xmlns:r="http://schemas.openxmlformats.org/officeDocument/2006/relationships" xmlns:p="http://schemas.openxmlformats.org/presentationml/2006/main">
+  <p:cSld>
+    <p:spTree>
+      <p:nvGrpSpPr>
+        <p:cNvPr id="1" name=""/>
+        <p:cNvGrpSpPr/>
+        <p:nvPr/>
+      </p:nvGrpSpPr>
+      <p:grpSpPr>
+        <a:xfrm>
+          <a:off x="0" y="0"/>
+          <a:ext cx="0" cy="0"/>
+          <a:chOff x="0" y="0"/>
+          <a:chExt cx="0" cy="0"/>
+        </a:xfrm>
+      </p:grpSpPr>
+      <p:sp>
+        <p:nvSpPr>
+          <p:cNvPr id="2" name="Folienbildplatzhalter 1"/>
+          <p:cNvSpPr>
+            <a:spLocks noGrp="1" noRot="1" noChangeAspect="1"/>
+          </p:cNvSpPr>
+          <p:nvPr>
+            <p:ph type="sldImg"/>
+          </p:nvPr>
+        </p:nvSpPr>
+        <p:spPr/>
+      </p:sp>
+      <p:sp>
+        <p:nvSpPr>
+          <p:cNvPr id="3" name="Notizenplatzhalter 2"/>
+          <p:cNvSpPr>
+            <a:spLocks noGrp="1"/>
+          </p:cNvSpPr>
+          <p:nvPr>
+            <p:ph type="body" idx="1"/>
+          </p:nvPr>
+        </p:nvSpPr>
+        <p:spPr/>
+        <p:txBody>
+          <a:bodyPr/>
+          <a:lstStyle/>
+          <a:p>
+            <a:endParaRPr lang="de-DE"/>
+          </a:p>
+        </p:txBody>
+      </p:sp>
+      <p:sp>
+        <p:nvSpPr>
+          <p:cNvPr id="4" name="Foliennummernplatzhalter 3"/>
+          <p:cNvSpPr>
+            <a:spLocks noGrp="1"/>
+          </p:cNvSpPr>
+          <p:nvPr>
+            <p:ph type="sldNum" sz="quarter" idx="5"/>
+          </p:nvPr>
+        </p:nvSpPr>
+        <p:spPr/>
+        <p:txBody>
+          <a:bodyPr/>
+          <a:lstStyle/>
+          <a:p>
+            <a:fld id="{8FAA3480-48A5-4E91-9E2F-9BA3DD398807}" type="slidenum">
+              <a:rPr lang="de-DE" smtClean="0"/>
+              <a:t>8</a:t>
+            </a:fld>
+            <a:endParaRPr lang="de-DE"/>
+          </a:p>
+        </p:txBody>
+      </p:sp>
+    </p:spTree>
+    <p:extLst>
+      <p:ext uri="{BB962C8B-B14F-4D97-AF65-F5344CB8AC3E}">
+        <p14:creationId xmlns:p14="http://schemas.microsoft.com/office/powerpoint/2010/main" val="160712149"/>
+      </p:ext>
+    </p:extLst>
+  </p:cSld>
+  <p:clrMapOvr>
+    <a:masterClrMapping/>
+  </p:clrMapOvr>
+</p:notes>
+</file>
+
+<file path=ppt/notesSlides/notesSlide6.xml><?xml version="1.0" encoding="utf-8"?>
 <p:notes xmlns:a="http://schemas.openxmlformats.org/drawingml/2006/main" xmlns:r="http://schemas.openxmlformats.org/officeDocument/2006/relationships" xmlns:p="http://schemas.openxmlformats.org/presentationml/2006/main">
   <p:cSld>
     <p:spTree>
@@ -2494,7 +2775,7 @@
           <a:p>
             <a:fld id="{17C00E64-5C16-42B5-9904-0AE197F57232}" type="datetime1">
               <a:rPr lang="de-DE" smtClean="0"/>
-              <a:t>06.06.2021</a:t>
+              <a:t>07.06.2021</a:t>
             </a:fld>
             <a:endParaRPr lang="de-DE"/>
           </a:p>
@@ -2692,7 +2973,7 @@
           <a:p>
             <a:fld id="{4A6C0110-7729-4D3B-9603-F69B680D5E6E}" type="datetime1">
               <a:rPr lang="de-DE" smtClean="0"/>
-              <a:t>06.06.2021</a:t>
+              <a:t>07.06.2021</a:t>
             </a:fld>
             <a:endParaRPr lang="de-DE"/>
           </a:p>
@@ -2900,7 +3181,7 @@
           <a:p>
             <a:fld id="{2B2562E4-7120-4BA1-B2F9-A0C9C38E51CE}" type="datetime1">
               <a:rPr lang="de-DE" smtClean="0"/>
-              <a:t>06.06.2021</a:t>
+              <a:t>07.06.2021</a:t>
             </a:fld>
             <a:endParaRPr lang="de-DE"/>
           </a:p>
@@ -3098,7 +3379,7 @@
           <a:p>
             <a:fld id="{3109F62F-2DA5-485B-A203-92CD96D98FD4}" type="datetime1">
               <a:rPr lang="de-DE" smtClean="0"/>
-              <a:t>06.06.2021</a:t>
+              <a:t>07.06.2021</a:t>
             </a:fld>
             <a:endParaRPr lang="de-DE"/>
           </a:p>
@@ -3373,7 +3654,7 @@
           <a:p>
             <a:fld id="{8AD3ECF5-957F-44B6-86C1-AF74B8837FFD}" type="datetime1">
               <a:rPr lang="de-DE" smtClean="0"/>
-              <a:t>06.06.2021</a:t>
+              <a:t>07.06.2021</a:t>
             </a:fld>
             <a:endParaRPr lang="de-DE"/>
           </a:p>
@@ -3638,7 +3919,7 @@
           <a:p>
             <a:fld id="{F68A17FD-0F90-482D-8BCC-B5E1C7E64A83}" type="datetime1">
               <a:rPr lang="de-DE" smtClean="0"/>
-              <a:t>06.06.2021</a:t>
+              <a:t>07.06.2021</a:t>
             </a:fld>
             <a:endParaRPr lang="de-DE"/>
           </a:p>
@@ -4050,7 +4331,7 @@
           <a:p>
             <a:fld id="{74147AE6-904F-4028-8B92-C7DCE538CC58}" type="datetime1">
               <a:rPr lang="de-DE" smtClean="0"/>
-              <a:t>06.06.2021</a:t>
+              <a:t>07.06.2021</a:t>
             </a:fld>
             <a:endParaRPr lang="de-DE"/>
           </a:p>
@@ -4191,7 +4472,7 @@
           <a:p>
             <a:fld id="{22A908A4-CD3B-406C-8EA4-C1B6D6DD7A7A}" type="datetime1">
               <a:rPr lang="de-DE" smtClean="0"/>
-              <a:t>06.06.2021</a:t>
+              <a:t>07.06.2021</a:t>
             </a:fld>
             <a:endParaRPr lang="de-DE"/>
           </a:p>
@@ -4304,7 +4585,7 @@
           <a:p>
             <a:fld id="{B02A6882-A0E3-4ED1-9504-4082CE58B939}" type="datetime1">
               <a:rPr lang="de-DE" smtClean="0"/>
-              <a:t>06.06.2021</a:t>
+              <a:t>07.06.2021</a:t>
             </a:fld>
             <a:endParaRPr lang="de-DE"/>
           </a:p>
@@ -4615,7 +4896,7 @@
           <a:p>
             <a:fld id="{75BB3244-A09F-473D-B679-256137A18B7E}" type="datetime1">
               <a:rPr lang="de-DE" smtClean="0"/>
-              <a:t>06.06.2021</a:t>
+              <a:t>07.06.2021</a:t>
             </a:fld>
             <a:endParaRPr lang="de-DE"/>
           </a:p>
@@ -4903,7 +5184,7 @@
           <a:p>
             <a:fld id="{13014F91-6D4E-4F1E-A9DF-C3C70839EE92}" type="datetime1">
               <a:rPr lang="de-DE" smtClean="0"/>
-              <a:t>06.06.2021</a:t>
+              <a:t>07.06.2021</a:t>
             </a:fld>
             <a:endParaRPr lang="de-DE"/>
           </a:p>
@@ -5144,7 +5425,7 @@
           <a:p>
             <a:fld id="{DDC3D18B-32BD-4C85-8AD7-78C16C3FB3D9}" type="datetime1">
               <a:rPr lang="de-DE" smtClean="0"/>
-              <a:t>06.06.2021</a:t>
+              <a:t>07.06.2021</a:t>
             </a:fld>
             <a:endParaRPr lang="de-DE"/>
           </a:p>
@@ -8216,7 +8497,7 @@
           <p:nvPr/>
         </p:nvPicPr>
         <p:blipFill>
-          <a:blip r:embed="rId2">
+          <a:blip r:embed="rId3">
             <a:extLst>
               <a:ext uri="{28A0092B-C50C-407E-A947-70E740481C1C}">
                 <a14:useLocalDpi xmlns:a14="http://schemas.microsoft.com/office/drawing/2010/main" val="0"/>
@@ -8462,7 +8743,7 @@
           <p:nvPr/>
         </p:nvPicPr>
         <p:blipFill>
-          <a:blip r:embed="rId2">
+          <a:blip r:embed="rId3">
             <a:extLst>
               <a:ext uri="{28A0092B-C50C-407E-A947-70E740481C1C}">
                 <a14:useLocalDpi xmlns:a14="http://schemas.microsoft.com/office/drawing/2010/main" val="0"/>
@@ -8703,66 +8984,38 @@
           <a:p>
             <a:r>
               <a:rPr lang="de-DE" sz="1400" i="0" u="none" strike="noStrike" baseline="0" dirty="0"/>
-              <a:t>User Diary</a:t>
-            </a:r>
-          </a:p>
-          <a:p>
-            <a:r>
-              <a:rPr lang="de-DE" sz="1400" i="0" u="none" strike="noStrike" baseline="0" dirty="0" err="1"/>
-              <a:t>Hierarchical</a:t>
-            </a:r>
+              <a:t>User Tagebuch</a:t>
+            </a:r>
+          </a:p>
+          <a:p>
             <a:r>
               <a:rPr lang="de-DE" sz="1400" i="0" u="none" strike="noStrike" baseline="0" dirty="0"/>
-              <a:t> Task Analysis</a:t>
-            </a:r>
-          </a:p>
-          <a:p>
-            <a:r>
-              <a:rPr lang="en-US" sz="1400" dirty="0"/>
-              <a:t>F</a:t>
-            </a:r>
-            <a:r>
-              <a:rPr lang="en-US" sz="1400" b="0" i="0" u="none" strike="noStrike" baseline="0" dirty="0"/>
-              <a:t>ocus groups</a:t>
-            </a:r>
-          </a:p>
-          <a:p>
-            <a:r>
-              <a:rPr lang="en-US" sz="1400" dirty="0"/>
-              <a:t>I</a:t>
-            </a:r>
-            <a:r>
-              <a:rPr lang="en-US" sz="1400" b="0" i="0" u="none" strike="noStrike" baseline="0" dirty="0"/>
-              <a:t>ndividual interviews (</a:t>
-            </a:r>
-            <a:r>
-              <a:rPr lang="en-US" sz="1400" b="0" i="0" u="none" strike="noStrike" baseline="0" dirty="0" err="1"/>
-              <a:t>Meist</a:t>
-            </a:r>
-            <a:r>
-              <a:rPr lang="en-US" sz="1400" b="0" i="0" u="none" strike="noStrike" baseline="0" dirty="0"/>
-              <a:t> Semi-</a:t>
-            </a:r>
-            <a:r>
-              <a:rPr lang="en-US" sz="1400" b="0" i="0" u="none" strike="noStrike" baseline="0" dirty="0" err="1"/>
-              <a:t>Strukturiert</a:t>
-            </a:r>
-            <a:r>
-              <a:rPr lang="en-US" sz="1400" b="0" i="0" u="none" strike="noStrike" baseline="0" dirty="0"/>
-              <a:t>)</a:t>
-            </a:r>
-          </a:p>
-          <a:p>
-            <a:r>
-              <a:rPr lang="en-US" sz="1400" b="0" i="0" u="none" strike="noStrike" baseline="0" dirty="0"/>
-              <a:t>Observations</a:t>
-            </a:r>
-          </a:p>
-          <a:p>
-            <a:r>
-              <a:rPr lang="en-US" sz="1400" b="0" i="0" u="none" strike="noStrike" baseline="0" dirty="0" err="1"/>
-              <a:t>Feldstudien</a:t>
-            </a:r>
+              <a:t>Hierarchischen Aufgaben-Analyse</a:t>
+            </a:r>
+          </a:p>
+          <a:p>
+            <a:r>
+              <a:rPr lang="de-DE" sz="1400" dirty="0"/>
+              <a:t>Fokusgruppen</a:t>
+            </a:r>
+            <a:endParaRPr lang="de-DE" sz="1400" b="0" i="0" u="none" strike="noStrike" baseline="0" dirty="0"/>
+          </a:p>
+          <a:p>
+            <a:r>
+              <a:rPr lang="de-DE" sz="1400" b="0" i="0" u="none" strike="noStrike" baseline="0" dirty="0"/>
+              <a:t>Individuelle Interviews (Meist Semi-Strukturiert)</a:t>
+            </a:r>
+          </a:p>
+          <a:p>
+            <a:r>
+              <a:rPr lang="de-DE" sz="1400" b="0" i="0" u="none" strike="noStrike" baseline="0" dirty="0"/>
+              <a:t>Beobachtung</a:t>
+            </a:r>
+          </a:p>
+          <a:p>
+            <a:pPr marL="0" indent="0">
+              <a:buNone/>
+            </a:pPr>
             <a:endParaRPr lang="en-US" sz="1400" b="0" i="0" u="none" strike="noStrike" baseline="0" dirty="0"/>
           </a:p>
           <a:p>
@@ -9004,7 +9257,7 @@
           <p:nvPr/>
         </p:nvPicPr>
         <p:blipFill>
-          <a:blip r:embed="rId2">
+          <a:blip r:embed="rId3">
             <a:extLst>
               <a:ext uri="{28A0092B-C50C-407E-A947-70E740481C1C}">
                 <a14:useLocalDpi xmlns:a14="http://schemas.microsoft.com/office/drawing/2010/main" val="0"/>

--- a/Praesentation/Präsentation_Tim.pptx
+++ b/Praesentation/Präsentation_Tim.pptx
@@ -937,7 +937,7 @@
   <pc:docChgLst>
     <pc:chgData name="Tim Böckel" userId="139bf3991ca47324" providerId="LiveId" clId="{F23E6AC7-6F80-426C-8EA5-4E59630F2B8F}"/>
     <pc:docChg chg="undo custSel addSld delSld modSld">
-      <pc:chgData name="Tim Böckel" userId="139bf3991ca47324" providerId="LiveId" clId="{F23E6AC7-6F80-426C-8EA5-4E59630F2B8F}" dt="2021-06-07T08:18:39.302" v="1046" actId="20577"/>
+      <pc:chgData name="Tim Böckel" userId="139bf3991ca47324" providerId="LiveId" clId="{F23E6AC7-6F80-426C-8EA5-4E59630F2B8F}" dt="2021-06-07T16:00:20.658" v="1109" actId="20577"/>
       <pc:docMkLst>
         <pc:docMk/>
       </pc:docMkLst>
@@ -972,13 +972,13 @@
         </pc:spChg>
       </pc:sldChg>
       <pc:sldChg chg="addSp delSp modSp mod setBg">
-        <pc:chgData name="Tim Böckel" userId="139bf3991ca47324" providerId="LiveId" clId="{F23E6AC7-6F80-426C-8EA5-4E59630F2B8F}" dt="2021-06-06T19:28:06.422" v="941" actId="20577"/>
+        <pc:chgData name="Tim Böckel" userId="139bf3991ca47324" providerId="LiveId" clId="{F23E6AC7-6F80-426C-8EA5-4E59630F2B8F}" dt="2021-06-07T16:00:20.658" v="1109" actId="20577"/>
         <pc:sldMkLst>
           <pc:docMk/>
           <pc:sldMk cId="989028442" sldId="259"/>
         </pc:sldMkLst>
         <pc:spChg chg="mod">
-          <ac:chgData name="Tim Böckel" userId="139bf3991ca47324" providerId="LiveId" clId="{F23E6AC7-6F80-426C-8EA5-4E59630F2B8F}" dt="2021-06-06T14:33:39.130" v="580" actId="26606"/>
+          <ac:chgData name="Tim Böckel" userId="139bf3991ca47324" providerId="LiveId" clId="{F23E6AC7-6F80-426C-8EA5-4E59630F2B8F}" dt="2021-06-07T16:00:20.658" v="1109" actId="20577"/>
           <ac:spMkLst>
             <pc:docMk/>
             <pc:sldMk cId="989028442" sldId="259"/>
@@ -1034,11 +1034,19 @@
         </pc:sldMkLst>
       </pc:sldChg>
       <pc:sldChg chg="delSp modSp mod">
-        <pc:chgData name="Tim Böckel" userId="139bf3991ca47324" providerId="LiveId" clId="{F23E6AC7-6F80-426C-8EA5-4E59630F2B8F}" dt="2021-06-06T14:53:32.601" v="653"/>
+        <pc:chgData name="Tim Böckel" userId="139bf3991ca47324" providerId="LiveId" clId="{F23E6AC7-6F80-426C-8EA5-4E59630F2B8F}" dt="2021-06-07T15:20:27.290" v="1105" actId="20577"/>
         <pc:sldMkLst>
           <pc:docMk/>
           <pc:sldMk cId="1665137363" sldId="261"/>
         </pc:sldMkLst>
+        <pc:spChg chg="mod">
+          <ac:chgData name="Tim Böckel" userId="139bf3991ca47324" providerId="LiveId" clId="{F23E6AC7-6F80-426C-8EA5-4E59630F2B8F}" dt="2021-06-07T15:20:27.290" v="1105" actId="20577"/>
+          <ac:spMkLst>
+            <pc:docMk/>
+            <pc:sldMk cId="1665137363" sldId="261"/>
+            <ac:spMk id="3" creationId="{B752ADDD-2B26-4BB0-AC45-5A3D985C19CF}"/>
+          </ac:spMkLst>
+        </pc:spChg>
         <pc:spChg chg="del mod">
           <ac:chgData name="Tim Böckel" userId="139bf3991ca47324" providerId="LiveId" clId="{F23E6AC7-6F80-426C-8EA5-4E59630F2B8F}" dt="2021-06-06T14:53:32.601" v="653"/>
           <ac:spMkLst>
@@ -1048,8 +1056,8 @@
           </ac:spMkLst>
         </pc:spChg>
       </pc:sldChg>
-      <pc:sldChg chg="delSp modSp mod">
-        <pc:chgData name="Tim Böckel" userId="139bf3991ca47324" providerId="LiveId" clId="{F23E6AC7-6F80-426C-8EA5-4E59630F2B8F}" dt="2021-06-06T18:26:58.361" v="683" actId="20577"/>
+      <pc:sldChg chg="delSp modSp mod modNotes">
+        <pc:chgData name="Tim Böckel" userId="139bf3991ca47324" providerId="LiveId" clId="{F23E6AC7-6F80-426C-8EA5-4E59630F2B8F}" dt="2021-06-07T15:17:50.110" v="1081" actId="20577"/>
         <pc:sldMkLst>
           <pc:docMk/>
           <pc:sldMk cId="3884062741" sldId="262"/>
@@ -1974,7 +1982,18 @@
           <a:bodyPr/>
           <a:lstStyle/>
           <a:p>
-            <a:endParaRPr lang="de-DE"/>
+            <a:r>
+              <a:rPr lang="de-DE" dirty="0"/>
+              <a:t>Werbung: Zeitung vs. </a:t>
+            </a:r>
+            <a:r>
+              <a:rPr lang="de-DE" dirty="0" err="1"/>
+              <a:t>Social</a:t>
+            </a:r>
+            <a:r>
+              <a:rPr lang="de-DE" dirty="0"/>
+              <a:t> Media</a:t>
+            </a:r>
           </a:p>
         </p:txBody>
       </p:sp>
@@ -1995,7 +2014,7 @@
           <a:p>
             <a:fld id="{8FAA3480-48A5-4E91-9E2F-9BA3DD398807}" type="slidenum">
               <a:rPr lang="de-DE" smtClean="0"/>
-              <a:t>4</a:t>
+              <a:t>3</a:t>
             </a:fld>
             <a:endParaRPr lang="de-DE"/>
           </a:p>
@@ -2004,7 +2023,7 @@
     </p:spTree>
     <p:extLst>
       <p:ext uri="{BB962C8B-B14F-4D97-AF65-F5344CB8AC3E}">
-        <p14:creationId xmlns:p14="http://schemas.microsoft.com/office/powerpoint/2010/main" val="2383308239"/>
+        <p14:creationId xmlns:p14="http://schemas.microsoft.com/office/powerpoint/2010/main" val="2313983772"/>
       </p:ext>
     </p:extLst>
   </p:cSld>
@@ -2058,168 +2077,7 @@
           <a:bodyPr/>
           <a:lstStyle/>
           <a:p>
-            <a:r>
-              <a:rPr lang="en-US" dirty="0" err="1"/>
-              <a:t>Bestandteile</a:t>
-            </a:r>
-            <a:r>
-              <a:rPr lang="en-US" dirty="0"/>
-              <a:t>:</a:t>
-            </a:r>
-          </a:p>
-          <a:p>
-            <a:endParaRPr lang="en-US" dirty="0"/>
-          </a:p>
-          <a:p>
-            <a:r>
-              <a:rPr lang="en-US" dirty="0"/>
-              <a:t>Journey </a:t>
-            </a:r>
-            <a:r>
-              <a:rPr lang="en-US" dirty="0">
-                <a:sym typeface="Wingdings" panose="05000000000000000000" pitchFamily="2" charset="2"/>
-              </a:rPr>
-              <a:t> </a:t>
-            </a:r>
-            <a:r>
-              <a:rPr lang="en-US" dirty="0" err="1">
-                <a:sym typeface="Wingdings" panose="05000000000000000000" pitchFamily="2" charset="2"/>
-              </a:rPr>
-              <a:t>Alles</a:t>
-            </a:r>
-            <a:r>
-              <a:rPr lang="en-US" dirty="0">
-                <a:sym typeface="Wingdings" panose="05000000000000000000" pitchFamily="2" charset="2"/>
-              </a:rPr>
-              <a:t> (</a:t>
-            </a:r>
-            <a:r>
-              <a:rPr lang="en-US" dirty="0" err="1">
-                <a:sym typeface="Wingdings" panose="05000000000000000000" pitchFamily="2" charset="2"/>
-              </a:rPr>
-              <a:t>Optimale</a:t>
-            </a:r>
-            <a:r>
-              <a:rPr lang="en-US" dirty="0">
-                <a:sym typeface="Wingdings" panose="05000000000000000000" pitchFamily="2" charset="2"/>
-              </a:rPr>
-              <a:t> vs. </a:t>
-            </a:r>
-            <a:r>
-              <a:rPr lang="en-US" dirty="0" err="1">
-                <a:sym typeface="Wingdings" panose="05000000000000000000" pitchFamily="2" charset="2"/>
-              </a:rPr>
-              <a:t>Wirkliche</a:t>
-            </a:r>
-            <a:r>
-              <a:rPr lang="en-US" dirty="0">
-                <a:sym typeface="Wingdings" panose="05000000000000000000" pitchFamily="2" charset="2"/>
-              </a:rPr>
-              <a:t> Journey)</a:t>
-            </a:r>
-            <a:endParaRPr lang="en-US" dirty="0"/>
-          </a:p>
-          <a:p>
-            <a:r>
-              <a:rPr lang="en-US" dirty="0"/>
-              <a:t>Touchpoints </a:t>
-            </a:r>
-            <a:r>
-              <a:rPr lang="en-US" dirty="0">
-                <a:sym typeface="Wingdings" panose="05000000000000000000" pitchFamily="2" charset="2"/>
-              </a:rPr>
-              <a:t> </a:t>
-            </a:r>
-            <a:r>
-              <a:rPr lang="en-US" dirty="0" err="1">
-                <a:sym typeface="Wingdings" panose="05000000000000000000" pitchFamily="2" charset="2"/>
-              </a:rPr>
-              <a:t>Berührungspunkt</a:t>
-            </a:r>
-            <a:endParaRPr lang="en-US" dirty="0">
-              <a:sym typeface="Wingdings" panose="05000000000000000000" pitchFamily="2" charset="2"/>
-            </a:endParaRPr>
-          </a:p>
-          <a:p>
-            <a:r>
-              <a:rPr lang="en-US" dirty="0">
-                <a:sym typeface="Wingdings" panose="05000000000000000000" pitchFamily="2" charset="2"/>
-              </a:rPr>
-              <a:t>Goal  </a:t>
-            </a:r>
-            <a:r>
-              <a:rPr lang="en-US" dirty="0" err="1">
-                <a:sym typeface="Wingdings" panose="05000000000000000000" pitchFamily="2" charset="2"/>
-              </a:rPr>
-              <a:t>Ziel</a:t>
-            </a:r>
-            <a:endParaRPr lang="en-US" dirty="0">
-              <a:sym typeface="Wingdings" panose="05000000000000000000" pitchFamily="2" charset="2"/>
-            </a:endParaRPr>
-          </a:p>
-          <a:p>
-            <a:r>
-              <a:rPr lang="en-US" dirty="0">
-                <a:sym typeface="Wingdings" panose="05000000000000000000" pitchFamily="2" charset="2"/>
-              </a:rPr>
-              <a:t>Experience  </a:t>
-            </a:r>
-            <a:r>
-              <a:rPr lang="en-US" dirty="0" err="1">
-                <a:sym typeface="Wingdings" panose="05000000000000000000" pitchFamily="2" charset="2"/>
-              </a:rPr>
-              <a:t>Emotionen</a:t>
-            </a:r>
-            <a:r>
-              <a:rPr lang="en-US" dirty="0">
-                <a:sym typeface="Wingdings" panose="05000000000000000000" pitchFamily="2" charset="2"/>
-              </a:rPr>
-              <a:t> des Users</a:t>
-            </a:r>
-          </a:p>
-          <a:p>
-            <a:r>
-              <a:rPr lang="en-US" dirty="0">
-                <a:sym typeface="Wingdings" panose="05000000000000000000" pitchFamily="2" charset="2"/>
-              </a:rPr>
-              <a:t>Channel  </a:t>
-            </a:r>
-            <a:r>
-              <a:rPr lang="en-US" dirty="0" err="1">
-                <a:sym typeface="Wingdings" panose="05000000000000000000" pitchFamily="2" charset="2"/>
-              </a:rPr>
-              <a:t>Bsp</a:t>
-            </a:r>
-            <a:r>
-              <a:rPr lang="en-US" dirty="0">
-                <a:sym typeface="Wingdings" panose="05000000000000000000" pitchFamily="2" charset="2"/>
-              </a:rPr>
-              <a:t>. </a:t>
-            </a:r>
-            <a:r>
-              <a:rPr lang="en-US" dirty="0" err="1">
-                <a:sym typeface="Wingdings" panose="05000000000000000000" pitchFamily="2" charset="2"/>
-              </a:rPr>
-              <a:t>Werbekanäle</a:t>
-            </a:r>
-            <a:endParaRPr lang="en-US" dirty="0">
-              <a:sym typeface="Wingdings" panose="05000000000000000000" pitchFamily="2" charset="2"/>
-            </a:endParaRPr>
-          </a:p>
-          <a:p>
-            <a:r>
-              <a:rPr lang="en-US" dirty="0">
-                <a:sym typeface="Wingdings" panose="05000000000000000000" pitchFamily="2" charset="2"/>
-              </a:rPr>
-              <a:t>User</a:t>
-            </a:r>
-            <a:endParaRPr lang="en-US" dirty="0"/>
-          </a:p>
-          <a:p>
-            <a:endParaRPr lang="en-US" dirty="0"/>
-          </a:p>
-          <a:p>
-            <a:endParaRPr lang="en-US" dirty="0"/>
+            <a:endParaRPr lang="de-DE"/>
           </a:p>
         </p:txBody>
       </p:sp>
@@ -2240,7 +2098,7 @@
           <a:p>
             <a:fld id="{8FAA3480-48A5-4E91-9E2F-9BA3DD398807}" type="slidenum">
               <a:rPr lang="de-DE" smtClean="0"/>
-              <a:t>5</a:t>
+              <a:t>4</a:t>
             </a:fld>
             <a:endParaRPr lang="de-DE"/>
           </a:p>
@@ -2249,7 +2107,7 @@
     </p:spTree>
     <p:extLst>
       <p:ext uri="{BB962C8B-B14F-4D97-AF65-F5344CB8AC3E}">
-        <p14:creationId xmlns:p14="http://schemas.microsoft.com/office/powerpoint/2010/main" val="2080184232"/>
+        <p14:creationId xmlns:p14="http://schemas.microsoft.com/office/powerpoint/2010/main" val="2383308239"/>
       </p:ext>
     </p:extLst>
   </p:cSld>
@@ -2303,7 +2161,168 @@
           <a:bodyPr/>
           <a:lstStyle/>
           <a:p>
-            <a:endParaRPr lang="de-DE"/>
+            <a:r>
+              <a:rPr lang="en-US" dirty="0" err="1"/>
+              <a:t>Bestandteile</a:t>
+            </a:r>
+            <a:r>
+              <a:rPr lang="en-US" dirty="0"/>
+              <a:t>:</a:t>
+            </a:r>
+          </a:p>
+          <a:p>
+            <a:endParaRPr lang="en-US" dirty="0"/>
+          </a:p>
+          <a:p>
+            <a:r>
+              <a:rPr lang="en-US" dirty="0"/>
+              <a:t>Journey </a:t>
+            </a:r>
+            <a:r>
+              <a:rPr lang="en-US" dirty="0">
+                <a:sym typeface="Wingdings" panose="05000000000000000000" pitchFamily="2" charset="2"/>
+              </a:rPr>
+              <a:t> </a:t>
+            </a:r>
+            <a:r>
+              <a:rPr lang="en-US" dirty="0" err="1">
+                <a:sym typeface="Wingdings" panose="05000000000000000000" pitchFamily="2" charset="2"/>
+              </a:rPr>
+              <a:t>Alles</a:t>
+            </a:r>
+            <a:r>
+              <a:rPr lang="en-US" dirty="0">
+                <a:sym typeface="Wingdings" panose="05000000000000000000" pitchFamily="2" charset="2"/>
+              </a:rPr>
+              <a:t> (</a:t>
+            </a:r>
+            <a:r>
+              <a:rPr lang="en-US" dirty="0" err="1">
+                <a:sym typeface="Wingdings" panose="05000000000000000000" pitchFamily="2" charset="2"/>
+              </a:rPr>
+              <a:t>Optimale</a:t>
+            </a:r>
+            <a:r>
+              <a:rPr lang="en-US" dirty="0">
+                <a:sym typeface="Wingdings" panose="05000000000000000000" pitchFamily="2" charset="2"/>
+              </a:rPr>
+              <a:t> vs. </a:t>
+            </a:r>
+            <a:r>
+              <a:rPr lang="en-US" dirty="0" err="1">
+                <a:sym typeface="Wingdings" panose="05000000000000000000" pitchFamily="2" charset="2"/>
+              </a:rPr>
+              <a:t>Wirkliche</a:t>
+            </a:r>
+            <a:r>
+              <a:rPr lang="en-US" dirty="0">
+                <a:sym typeface="Wingdings" panose="05000000000000000000" pitchFamily="2" charset="2"/>
+              </a:rPr>
+              <a:t> Journey)</a:t>
+            </a:r>
+            <a:endParaRPr lang="en-US" dirty="0"/>
+          </a:p>
+          <a:p>
+            <a:r>
+              <a:rPr lang="en-US" dirty="0"/>
+              <a:t>Touchpoints </a:t>
+            </a:r>
+            <a:r>
+              <a:rPr lang="en-US" dirty="0">
+                <a:sym typeface="Wingdings" panose="05000000000000000000" pitchFamily="2" charset="2"/>
+              </a:rPr>
+              <a:t> </a:t>
+            </a:r>
+            <a:r>
+              <a:rPr lang="en-US" dirty="0" err="1">
+                <a:sym typeface="Wingdings" panose="05000000000000000000" pitchFamily="2" charset="2"/>
+              </a:rPr>
+              <a:t>Berührungspunkt</a:t>
+            </a:r>
+            <a:endParaRPr lang="en-US" dirty="0">
+              <a:sym typeface="Wingdings" panose="05000000000000000000" pitchFamily="2" charset="2"/>
+            </a:endParaRPr>
+          </a:p>
+          <a:p>
+            <a:r>
+              <a:rPr lang="en-US" dirty="0">
+                <a:sym typeface="Wingdings" panose="05000000000000000000" pitchFamily="2" charset="2"/>
+              </a:rPr>
+              <a:t>Goal  </a:t>
+            </a:r>
+            <a:r>
+              <a:rPr lang="en-US" dirty="0" err="1">
+                <a:sym typeface="Wingdings" panose="05000000000000000000" pitchFamily="2" charset="2"/>
+              </a:rPr>
+              <a:t>Ziel</a:t>
+            </a:r>
+            <a:endParaRPr lang="en-US" dirty="0">
+              <a:sym typeface="Wingdings" panose="05000000000000000000" pitchFamily="2" charset="2"/>
+            </a:endParaRPr>
+          </a:p>
+          <a:p>
+            <a:r>
+              <a:rPr lang="en-US" dirty="0">
+                <a:sym typeface="Wingdings" panose="05000000000000000000" pitchFamily="2" charset="2"/>
+              </a:rPr>
+              <a:t>Experience  </a:t>
+            </a:r>
+            <a:r>
+              <a:rPr lang="en-US" dirty="0" err="1">
+                <a:sym typeface="Wingdings" panose="05000000000000000000" pitchFamily="2" charset="2"/>
+              </a:rPr>
+              <a:t>Emotionen</a:t>
+            </a:r>
+            <a:r>
+              <a:rPr lang="en-US" dirty="0">
+                <a:sym typeface="Wingdings" panose="05000000000000000000" pitchFamily="2" charset="2"/>
+              </a:rPr>
+              <a:t> des Users</a:t>
+            </a:r>
+          </a:p>
+          <a:p>
+            <a:r>
+              <a:rPr lang="en-US" dirty="0">
+                <a:sym typeface="Wingdings" panose="05000000000000000000" pitchFamily="2" charset="2"/>
+              </a:rPr>
+              <a:t>Channel  </a:t>
+            </a:r>
+            <a:r>
+              <a:rPr lang="en-US" dirty="0" err="1">
+                <a:sym typeface="Wingdings" panose="05000000000000000000" pitchFamily="2" charset="2"/>
+              </a:rPr>
+              <a:t>Bsp</a:t>
+            </a:r>
+            <a:r>
+              <a:rPr lang="en-US" dirty="0">
+                <a:sym typeface="Wingdings" panose="05000000000000000000" pitchFamily="2" charset="2"/>
+              </a:rPr>
+              <a:t>. </a:t>
+            </a:r>
+            <a:r>
+              <a:rPr lang="en-US" dirty="0" err="1">
+                <a:sym typeface="Wingdings" panose="05000000000000000000" pitchFamily="2" charset="2"/>
+              </a:rPr>
+              <a:t>Werbekanäle</a:t>
+            </a:r>
+            <a:endParaRPr lang="en-US" dirty="0">
+              <a:sym typeface="Wingdings" panose="05000000000000000000" pitchFamily="2" charset="2"/>
+            </a:endParaRPr>
+          </a:p>
+          <a:p>
+            <a:r>
+              <a:rPr lang="en-US" dirty="0">
+                <a:sym typeface="Wingdings" panose="05000000000000000000" pitchFamily="2" charset="2"/>
+              </a:rPr>
+              <a:t>User</a:t>
+            </a:r>
+            <a:endParaRPr lang="en-US" dirty="0"/>
+          </a:p>
+          <a:p>
+            <a:endParaRPr lang="en-US" dirty="0"/>
+          </a:p>
+          <a:p>
+            <a:endParaRPr lang="en-US" dirty="0"/>
           </a:p>
         </p:txBody>
       </p:sp>
@@ -2324,7 +2343,7 @@
           <a:p>
             <a:fld id="{8FAA3480-48A5-4E91-9E2F-9BA3DD398807}" type="slidenum">
               <a:rPr lang="de-DE" smtClean="0"/>
-              <a:t>6</a:t>
+              <a:t>5</a:t>
             </a:fld>
             <a:endParaRPr lang="de-DE"/>
           </a:p>
@@ -2333,7 +2352,7 @@
     </p:spTree>
     <p:extLst>
       <p:ext uri="{BB962C8B-B14F-4D97-AF65-F5344CB8AC3E}">
-        <p14:creationId xmlns:p14="http://schemas.microsoft.com/office/powerpoint/2010/main" val="1893033409"/>
+        <p14:creationId xmlns:p14="http://schemas.microsoft.com/office/powerpoint/2010/main" val="2080184232"/>
       </p:ext>
     </p:extLst>
   </p:cSld>
@@ -2387,40 +2406,7 @@
           <a:bodyPr/>
           <a:lstStyle/>
           <a:p>
-            <a:r>
-              <a:rPr lang="de-DE" sz="1200" dirty="0">
-                <a:solidFill>
-                  <a:srgbClr val="000000"/>
-                </a:solidFill>
-              </a:rPr>
-              <a:t>Der Wert der ethnografischen Forschung liegt in ihrer Fähigkeit, reichhaltige Daten über individuelle Kundeninteraktionen zu liefern. Ethnografie ist für die explorative Forschung förderlich, da sie unbekannte Probleme und Einblicke in das Kundenverhalten aufdecken kann</a:t>
-            </a:r>
-          </a:p>
-          <a:p>
-            <a:endParaRPr lang="de-DE" dirty="0">
-              <a:solidFill>
-                <a:srgbClr val="000000"/>
-              </a:solidFill>
-            </a:endParaRPr>
-          </a:p>
-          <a:p>
-            <a:r>
-              <a:rPr lang="de-DE" sz="1200" dirty="0">
-                <a:solidFill>
-                  <a:srgbClr val="000000"/>
-                </a:solidFill>
-                <a:sym typeface="Wingdings" panose="05000000000000000000" pitchFamily="2" charset="2"/>
-              </a:rPr>
-              <a:t> Focus Groups -&gt; Gruppeninterviews</a:t>
-            </a:r>
-            <a:endParaRPr lang="en-US" sz="1200" dirty="0">
-              <a:solidFill>
-                <a:srgbClr val="000000"/>
-              </a:solidFill>
-            </a:endParaRPr>
-          </a:p>
-          <a:p>
-            <a:endParaRPr lang="de-DE" dirty="0"/>
+            <a:endParaRPr lang="de-DE"/>
           </a:p>
         </p:txBody>
       </p:sp>
@@ -2441,7 +2427,7 @@
           <a:p>
             <a:fld id="{8FAA3480-48A5-4E91-9E2F-9BA3DD398807}" type="slidenum">
               <a:rPr lang="de-DE" smtClean="0"/>
-              <a:t>7</a:t>
+              <a:t>6</a:t>
             </a:fld>
             <a:endParaRPr lang="de-DE"/>
           </a:p>
@@ -2450,7 +2436,7 @@
     </p:spTree>
     <p:extLst>
       <p:ext uri="{BB962C8B-B14F-4D97-AF65-F5344CB8AC3E}">
-        <p14:creationId xmlns:p14="http://schemas.microsoft.com/office/powerpoint/2010/main" val="3182424419"/>
+        <p14:creationId xmlns:p14="http://schemas.microsoft.com/office/powerpoint/2010/main" val="1893033409"/>
       </p:ext>
     </p:extLst>
   </p:cSld>
@@ -2504,6 +2490,123 @@
           <a:bodyPr/>
           <a:lstStyle/>
           <a:p>
+            <a:r>
+              <a:rPr lang="de-DE" sz="1200" dirty="0">
+                <a:solidFill>
+                  <a:srgbClr val="000000"/>
+                </a:solidFill>
+              </a:rPr>
+              <a:t>Der Wert der ethnografischen Forschung liegt in ihrer Fähigkeit, reichhaltige Daten über individuelle Kundeninteraktionen zu liefern. Ethnografie ist für die explorative Forschung förderlich, da sie unbekannte Probleme und Einblicke in das Kundenverhalten aufdecken kann</a:t>
+            </a:r>
+          </a:p>
+          <a:p>
+            <a:endParaRPr lang="de-DE" dirty="0">
+              <a:solidFill>
+                <a:srgbClr val="000000"/>
+              </a:solidFill>
+            </a:endParaRPr>
+          </a:p>
+          <a:p>
+            <a:r>
+              <a:rPr lang="de-DE" sz="1200" dirty="0">
+                <a:solidFill>
+                  <a:srgbClr val="000000"/>
+                </a:solidFill>
+                <a:sym typeface="Wingdings" panose="05000000000000000000" pitchFamily="2" charset="2"/>
+              </a:rPr>
+              <a:t> Focus Groups -&gt; Gruppeninterviews</a:t>
+            </a:r>
+            <a:endParaRPr lang="en-US" sz="1200" dirty="0">
+              <a:solidFill>
+                <a:srgbClr val="000000"/>
+              </a:solidFill>
+            </a:endParaRPr>
+          </a:p>
+          <a:p>
+            <a:endParaRPr lang="de-DE" dirty="0"/>
+          </a:p>
+        </p:txBody>
+      </p:sp>
+      <p:sp>
+        <p:nvSpPr>
+          <p:cNvPr id="4" name="Foliennummernplatzhalter 3"/>
+          <p:cNvSpPr>
+            <a:spLocks noGrp="1"/>
+          </p:cNvSpPr>
+          <p:nvPr>
+            <p:ph type="sldNum" sz="quarter" idx="5"/>
+          </p:nvPr>
+        </p:nvSpPr>
+        <p:spPr/>
+        <p:txBody>
+          <a:bodyPr/>
+          <a:lstStyle/>
+          <a:p>
+            <a:fld id="{8FAA3480-48A5-4E91-9E2F-9BA3DD398807}" type="slidenum">
+              <a:rPr lang="de-DE" smtClean="0"/>
+              <a:t>7</a:t>
+            </a:fld>
+            <a:endParaRPr lang="de-DE"/>
+          </a:p>
+        </p:txBody>
+      </p:sp>
+    </p:spTree>
+    <p:extLst>
+      <p:ext uri="{BB962C8B-B14F-4D97-AF65-F5344CB8AC3E}">
+        <p14:creationId xmlns:p14="http://schemas.microsoft.com/office/powerpoint/2010/main" val="3182424419"/>
+      </p:ext>
+    </p:extLst>
+  </p:cSld>
+  <p:clrMapOvr>
+    <a:masterClrMapping/>
+  </p:clrMapOvr>
+</p:notes>
+</file>
+
+<file path=ppt/notesSlides/notesSlide6.xml><?xml version="1.0" encoding="utf-8"?>
+<p:notes xmlns:a="http://schemas.openxmlformats.org/drawingml/2006/main" xmlns:r="http://schemas.openxmlformats.org/officeDocument/2006/relationships" xmlns:p="http://schemas.openxmlformats.org/presentationml/2006/main">
+  <p:cSld>
+    <p:spTree>
+      <p:nvGrpSpPr>
+        <p:cNvPr id="1" name=""/>
+        <p:cNvGrpSpPr/>
+        <p:nvPr/>
+      </p:nvGrpSpPr>
+      <p:grpSpPr>
+        <a:xfrm>
+          <a:off x="0" y="0"/>
+          <a:ext cx="0" cy="0"/>
+          <a:chOff x="0" y="0"/>
+          <a:chExt cx="0" cy="0"/>
+        </a:xfrm>
+      </p:grpSpPr>
+      <p:sp>
+        <p:nvSpPr>
+          <p:cNvPr id="2" name="Folienbildplatzhalter 1"/>
+          <p:cNvSpPr>
+            <a:spLocks noGrp="1" noRot="1" noChangeAspect="1"/>
+          </p:cNvSpPr>
+          <p:nvPr>
+            <p:ph type="sldImg"/>
+          </p:nvPr>
+        </p:nvSpPr>
+        <p:spPr/>
+      </p:sp>
+      <p:sp>
+        <p:nvSpPr>
+          <p:cNvPr id="3" name="Notizenplatzhalter 2"/>
+          <p:cNvSpPr>
+            <a:spLocks noGrp="1"/>
+          </p:cNvSpPr>
+          <p:nvPr>
+            <p:ph type="body" idx="1"/>
+          </p:nvPr>
+        </p:nvSpPr>
+        <p:spPr/>
+        <p:txBody>
+          <a:bodyPr/>
+          <a:lstStyle/>
+          <a:p>
             <a:endParaRPr lang="de-DE"/>
           </a:p>
         </p:txBody>
@@ -2544,7 +2647,7 @@
 </p:notes>
 </file>
 
-<file path=ppt/notesSlides/notesSlide6.xml><?xml version="1.0" encoding="utf-8"?>
+<file path=ppt/notesSlides/notesSlide7.xml><?xml version="1.0" encoding="utf-8"?>
 <p:notes xmlns:a="http://schemas.openxmlformats.org/drawingml/2006/main" xmlns:r="http://schemas.openxmlformats.org/officeDocument/2006/relationships" xmlns:p="http://schemas.openxmlformats.org/presentationml/2006/main">
   <p:cSld>
     <p:spTree>
@@ -6688,11 +6791,11 @@
           <a:p>
             <a:r>
               <a:rPr lang="de-DE" sz="4000" dirty="0"/>
-              <a:t>Vorteile für </a:t>
-            </a:r>
-            <a:r>
-              <a:rPr lang="de-DE" sz="4000" dirty="0" err="1"/>
-              <a:t>Unternhemen</a:t>
+              <a:t>Vorteile </a:t>
+            </a:r>
+            <a:r>
+              <a:rPr lang="de-DE" sz="4000"/>
+              <a:t>für Unternehmen</a:t>
             </a:r>
             <a:endParaRPr lang="de-DE" sz="4000" dirty="0"/>
           </a:p>
@@ -8281,7 +8384,7 @@
           <p:nvPr/>
         </p:nvPicPr>
         <p:blipFill>
-          <a:blip r:embed="rId2">
+          <a:blip r:embed="rId3">
             <a:extLst>
               <a:ext uri="{28A0092B-C50C-407E-A947-70E740481C1C}">
                 <a14:useLocalDpi xmlns:a14="http://schemas.microsoft.com/office/drawing/2010/main" val="0"/>
@@ -8464,7 +8567,7 @@
           <a:lstStyle/>
           <a:p>
             <a:r>
-              <a:rPr lang="de-DE" sz="2000"/>
+              <a:rPr lang="de-DE" sz="2000" dirty="0"/>
               <a:t>Datengetriebene Analyse der Kunden nimmt in der Industrie immer weiter zu</a:t>
             </a:r>
           </a:p>
@@ -8472,12 +8575,12 @@
             <a:pPr marL="0" indent="0">
               <a:buNone/>
             </a:pPr>
-            <a:endParaRPr lang="de-DE" sz="2000"/>
-          </a:p>
-          <a:p>
-            <a:r>
-              <a:rPr lang="de-DE" sz="2000"/>
-              <a:t>Zusätzlich erlauben verschiedenste digitale Kanäle der Industrie Daten auf unterschiedle Weise zu sammeln</a:t>
+            <a:endParaRPr lang="de-DE" sz="2000" dirty="0"/>
+          </a:p>
+          <a:p>
+            <a:r>
+              <a:rPr lang="de-DE" sz="2000" dirty="0"/>
+              <a:t>Zusätzlich erlauben verschiedenste digitale Kanäle der Industrie Daten auf unterschiedle Weise zu sammeln und zu verbreiten</a:t>
             </a:r>
           </a:p>
         </p:txBody>
